--- a/rrn_intro.pptx
+++ b/rrn_intro.pptx
@@ -6,34 +6,40 @@
   </p:sldMasterIdLst>
   <p:sldIdLst>
     <p:sldId id="256" r:id="rId2"/>
-    <p:sldId id="258" r:id="rId3"/>
-    <p:sldId id="259" r:id="rId4"/>
-    <p:sldId id="260" r:id="rId5"/>
-    <p:sldId id="261" r:id="rId6"/>
-    <p:sldId id="262" r:id="rId7"/>
-    <p:sldId id="257" r:id="rId8"/>
-    <p:sldId id="263" r:id="rId9"/>
-    <p:sldId id="264" r:id="rId10"/>
-    <p:sldId id="275" r:id="rId11"/>
-    <p:sldId id="272" r:id="rId12"/>
-    <p:sldId id="273" r:id="rId13"/>
-    <p:sldId id="266" r:id="rId14"/>
-    <p:sldId id="267" r:id="rId15"/>
-    <p:sldId id="268" r:id="rId16"/>
-    <p:sldId id="269" r:id="rId17"/>
-    <p:sldId id="270" r:id="rId18"/>
-    <p:sldId id="271" r:id="rId19"/>
-    <p:sldId id="265" r:id="rId20"/>
-    <p:sldId id="274" r:id="rId21"/>
-    <p:sldId id="277" r:id="rId22"/>
+    <p:sldId id="287" r:id="rId3"/>
+    <p:sldId id="258" r:id="rId4"/>
+    <p:sldId id="259" r:id="rId5"/>
+    <p:sldId id="260" r:id="rId6"/>
+    <p:sldId id="261" r:id="rId7"/>
+    <p:sldId id="262" r:id="rId8"/>
+    <p:sldId id="257" r:id="rId9"/>
+    <p:sldId id="263" r:id="rId10"/>
+    <p:sldId id="264" r:id="rId11"/>
+    <p:sldId id="275" r:id="rId12"/>
+    <p:sldId id="272" r:id="rId13"/>
+    <p:sldId id="286" r:id="rId14"/>
+    <p:sldId id="273" r:id="rId15"/>
+    <p:sldId id="274" r:id="rId16"/>
+    <p:sldId id="266" r:id="rId17"/>
+    <p:sldId id="267" r:id="rId18"/>
+    <p:sldId id="268" r:id="rId19"/>
+    <p:sldId id="269" r:id="rId20"/>
+    <p:sldId id="277" r:id="rId21"/>
+    <p:sldId id="270" r:id="rId22"/>
     <p:sldId id="278" r:id="rId23"/>
-    <p:sldId id="279" r:id="rId24"/>
-    <p:sldId id="280" r:id="rId25"/>
-    <p:sldId id="281" r:id="rId26"/>
-    <p:sldId id="282" r:id="rId27"/>
-    <p:sldId id="283" r:id="rId28"/>
-    <p:sldId id="284" r:id="rId29"/>
-    <p:sldId id="285" r:id="rId30"/>
+    <p:sldId id="271" r:id="rId24"/>
+    <p:sldId id="279" r:id="rId25"/>
+    <p:sldId id="265" r:id="rId26"/>
+    <p:sldId id="280" r:id="rId27"/>
+    <p:sldId id="281" r:id="rId28"/>
+    <p:sldId id="282" r:id="rId29"/>
+    <p:sldId id="283" r:id="rId30"/>
+    <p:sldId id="284" r:id="rId31"/>
+    <p:sldId id="285" r:id="rId32"/>
+    <p:sldId id="291" r:id="rId33"/>
+    <p:sldId id="288" r:id="rId34"/>
+    <p:sldId id="289" r:id="rId35"/>
+    <p:sldId id="290" r:id="rId36"/>
   </p:sldIdLst>
   <p:sldSz cx="12192000" cy="6858000"/>
   <p:notesSz cx="6858000" cy="9144000"/>
@@ -140,6 +146,572 @@
 </p:presentation>
 </file>
 
+<file path=ppt/revisionInfo.xml><?xml version="1.0" encoding="utf-8"?>
+<p1510:revInfo xmlns:a="http://schemas.openxmlformats.org/drawingml/2006/main" xmlns:r="http://schemas.openxmlformats.org/officeDocument/2006/relationships" xmlns:p1510="http://schemas.microsoft.com/office/powerpoint/2015/10/main">
+  <p1510:revLst>
+    <p1510:client id="{77FDAE56-4E0C-469A-BE31-6CD4E93F4DBC}" v="3243" dt="2019-05-27T16:37:30.481"/>
+  </p1510:revLst>
+</p1510:revInfo>
+</file>
+
+<file path=ppt/changesInfos/changesInfo1.xml><?xml version="1.0" encoding="utf-8"?>
+<pc:chgInfo xmlns:a="http://schemas.openxmlformats.org/drawingml/2006/main" xmlns:r="http://schemas.openxmlformats.org/officeDocument/2006/relationships" xmlns:ac="http://schemas.microsoft.com/office/drawing/2013/main/command" xmlns:pc="http://schemas.microsoft.com/office/powerpoint/2013/main/command">
+  <pc:docChgLst>
+    <pc:chgData name="Jay Cao" userId="24e21172780c2dbf" providerId="LiveId" clId="{77FDAE56-4E0C-469A-BE31-6CD4E93F4DBC}"/>
+    <pc:docChg chg="custSel addSld modSld sldOrd">
+      <pc:chgData name="Jay Cao" userId="24e21172780c2dbf" providerId="LiveId" clId="{77FDAE56-4E0C-469A-BE31-6CD4E93F4DBC}" dt="2019-05-27T16:37:30.481" v="3238" actId="113"/>
+      <pc:docMkLst>
+        <pc:docMk/>
+      </pc:docMkLst>
+      <pc:sldChg chg="modSp">
+        <pc:chgData name="Jay Cao" userId="24e21172780c2dbf" providerId="LiveId" clId="{77FDAE56-4E0C-469A-BE31-6CD4E93F4DBC}" dt="2019-05-24T15:10:01.121" v="1424" actId="1038"/>
+        <pc:sldMkLst>
+          <pc:docMk/>
+          <pc:sldMk cId="2010662916" sldId="258"/>
+        </pc:sldMkLst>
+        <pc:spChg chg="mod">
+          <ac:chgData name="Jay Cao" userId="24e21172780c2dbf" providerId="LiveId" clId="{77FDAE56-4E0C-469A-BE31-6CD4E93F4DBC}" dt="2019-05-24T15:09:31.482" v="1387" actId="20577"/>
+          <ac:spMkLst>
+            <pc:docMk/>
+            <pc:sldMk cId="2010662916" sldId="258"/>
+            <ac:spMk id="3" creationId="{26E4CF19-F05A-49C4-B57B-F462F260CE19}"/>
+          </ac:spMkLst>
+        </pc:spChg>
+        <pc:spChg chg="mod">
+          <ac:chgData name="Jay Cao" userId="24e21172780c2dbf" providerId="LiveId" clId="{77FDAE56-4E0C-469A-BE31-6CD4E93F4DBC}" dt="2019-05-24T15:10:01.121" v="1424" actId="1038"/>
+          <ac:spMkLst>
+            <pc:docMk/>
+            <pc:sldMk cId="2010662916" sldId="258"/>
+            <ac:spMk id="5" creationId="{7D22C786-C0DC-44E1-9C7C-E7113A5B1EB2}"/>
+          </ac:spMkLst>
+        </pc:spChg>
+        <pc:spChg chg="mod">
+          <ac:chgData name="Jay Cao" userId="24e21172780c2dbf" providerId="LiveId" clId="{77FDAE56-4E0C-469A-BE31-6CD4E93F4DBC}" dt="2019-05-24T15:10:01.121" v="1424" actId="1038"/>
+          <ac:spMkLst>
+            <pc:docMk/>
+            <pc:sldMk cId="2010662916" sldId="258"/>
+            <ac:spMk id="6" creationId="{56356634-57E9-4FF5-A420-6E3011DFC279}"/>
+          </ac:spMkLst>
+        </pc:spChg>
+        <pc:spChg chg="mod">
+          <ac:chgData name="Jay Cao" userId="24e21172780c2dbf" providerId="LiveId" clId="{77FDAE56-4E0C-469A-BE31-6CD4E93F4DBC}" dt="2019-05-24T15:10:01.121" v="1424" actId="1038"/>
+          <ac:spMkLst>
+            <pc:docMk/>
+            <pc:sldMk cId="2010662916" sldId="258"/>
+            <ac:spMk id="10" creationId="{9670F4F4-E8D6-472E-839A-06AB893FD70F}"/>
+          </ac:spMkLst>
+        </pc:spChg>
+        <pc:picChg chg="mod">
+          <ac:chgData name="Jay Cao" userId="24e21172780c2dbf" providerId="LiveId" clId="{77FDAE56-4E0C-469A-BE31-6CD4E93F4DBC}" dt="2019-05-24T15:10:01.121" v="1424" actId="1038"/>
+          <ac:picMkLst>
+            <pc:docMk/>
+            <pc:sldMk cId="2010662916" sldId="258"/>
+            <ac:picMk id="4" creationId="{F123666F-7803-46E2-B31C-DAE6326BDC91}"/>
+          </ac:picMkLst>
+        </pc:picChg>
+        <pc:picChg chg="mod">
+          <ac:chgData name="Jay Cao" userId="24e21172780c2dbf" providerId="LiveId" clId="{77FDAE56-4E0C-469A-BE31-6CD4E93F4DBC}" dt="2019-05-24T15:10:01.121" v="1424" actId="1038"/>
+          <ac:picMkLst>
+            <pc:docMk/>
+            <pc:sldMk cId="2010662916" sldId="258"/>
+            <ac:picMk id="7" creationId="{91CE1733-45C7-4665-B596-F5B55D0CF4B9}"/>
+          </ac:picMkLst>
+        </pc:picChg>
+        <pc:picChg chg="mod">
+          <ac:chgData name="Jay Cao" userId="24e21172780c2dbf" providerId="LiveId" clId="{77FDAE56-4E0C-469A-BE31-6CD4E93F4DBC}" dt="2019-05-24T15:10:01.121" v="1424" actId="1038"/>
+          <ac:picMkLst>
+            <pc:docMk/>
+            <pc:sldMk cId="2010662916" sldId="258"/>
+            <ac:picMk id="9" creationId="{9282C687-B680-4C1F-98BC-2E0778303089}"/>
+          </ac:picMkLst>
+        </pc:picChg>
+        <pc:cxnChg chg="mod">
+          <ac:chgData name="Jay Cao" userId="24e21172780c2dbf" providerId="LiveId" clId="{77FDAE56-4E0C-469A-BE31-6CD4E93F4DBC}" dt="2019-05-24T15:10:01.121" v="1424" actId="1038"/>
+          <ac:cxnSpMkLst>
+            <pc:docMk/>
+            <pc:sldMk cId="2010662916" sldId="258"/>
+            <ac:cxnSpMk id="8" creationId="{6607963A-F598-4827-B3F8-42176ACD7D07}"/>
+          </ac:cxnSpMkLst>
+        </pc:cxnChg>
+        <pc:cxnChg chg="mod">
+          <ac:chgData name="Jay Cao" userId="24e21172780c2dbf" providerId="LiveId" clId="{77FDAE56-4E0C-469A-BE31-6CD4E93F4DBC}" dt="2019-05-24T15:10:01.121" v="1424" actId="1038"/>
+          <ac:cxnSpMkLst>
+            <pc:docMk/>
+            <pc:sldMk cId="2010662916" sldId="258"/>
+            <ac:cxnSpMk id="11" creationId="{7C875BB1-F21F-482D-955B-7EB80C860F8E}"/>
+          </ac:cxnSpMkLst>
+        </pc:cxnChg>
+      </pc:sldChg>
+      <pc:sldChg chg="modSp">
+        <pc:chgData name="Jay Cao" userId="24e21172780c2dbf" providerId="LiveId" clId="{77FDAE56-4E0C-469A-BE31-6CD4E93F4DBC}" dt="2019-05-23T16:05:17.092" v="127" actId="20577"/>
+        <pc:sldMkLst>
+          <pc:docMk/>
+          <pc:sldMk cId="217856129" sldId="263"/>
+        </pc:sldMkLst>
+        <pc:spChg chg="mod">
+          <ac:chgData name="Jay Cao" userId="24e21172780c2dbf" providerId="LiveId" clId="{77FDAE56-4E0C-469A-BE31-6CD4E93F4DBC}" dt="2019-05-23T16:05:17.092" v="127" actId="20577"/>
+          <ac:spMkLst>
+            <pc:docMk/>
+            <pc:sldMk cId="217856129" sldId="263"/>
+            <ac:spMk id="3" creationId="{955F7531-9765-4542-969B-FEC31306C2C5}"/>
+          </ac:spMkLst>
+        </pc:spChg>
+      </pc:sldChg>
+      <pc:sldChg chg="modSp">
+        <pc:chgData name="Jay Cao" userId="24e21172780c2dbf" providerId="LiveId" clId="{77FDAE56-4E0C-469A-BE31-6CD4E93F4DBC}" dt="2019-05-23T16:03:44.877" v="98" actId="27636"/>
+        <pc:sldMkLst>
+          <pc:docMk/>
+          <pc:sldMk cId="2024322096" sldId="264"/>
+        </pc:sldMkLst>
+        <pc:spChg chg="mod">
+          <ac:chgData name="Jay Cao" userId="24e21172780c2dbf" providerId="LiveId" clId="{77FDAE56-4E0C-469A-BE31-6CD4E93F4DBC}" dt="2019-05-23T16:03:44.877" v="98" actId="27636"/>
+          <ac:spMkLst>
+            <pc:docMk/>
+            <pc:sldMk cId="2024322096" sldId="264"/>
+            <ac:spMk id="3" creationId="{234E5B68-020B-49A7-93DB-080EBC45FB9E}"/>
+          </ac:spMkLst>
+        </pc:spChg>
+      </pc:sldChg>
+      <pc:sldChg chg="modSp">
+        <pc:chgData name="Jay Cao" userId="24e21172780c2dbf" providerId="LiveId" clId="{77FDAE56-4E0C-469A-BE31-6CD4E93F4DBC}" dt="2019-05-27T16:07:33.676" v="3198" actId="20577"/>
+        <pc:sldMkLst>
+          <pc:docMk/>
+          <pc:sldMk cId="330935507" sldId="265"/>
+        </pc:sldMkLst>
+        <pc:graphicFrameChg chg="modGraphic">
+          <ac:chgData name="Jay Cao" userId="24e21172780c2dbf" providerId="LiveId" clId="{77FDAE56-4E0C-469A-BE31-6CD4E93F4DBC}" dt="2019-05-27T16:07:33.676" v="3198" actId="20577"/>
+          <ac:graphicFrameMkLst>
+            <pc:docMk/>
+            <pc:sldMk cId="330935507" sldId="265"/>
+            <ac:graphicFrameMk id="6" creationId="{114C1835-1A68-42DF-A0CE-B8F2B42960F8}"/>
+          </ac:graphicFrameMkLst>
+        </pc:graphicFrameChg>
+      </pc:sldChg>
+      <pc:sldChg chg="modSp">
+        <pc:chgData name="Jay Cao" userId="24e21172780c2dbf" providerId="LiveId" clId="{77FDAE56-4E0C-469A-BE31-6CD4E93F4DBC}" dt="2019-05-27T16:07:18.696" v="3189" actId="20577"/>
+        <pc:sldMkLst>
+          <pc:docMk/>
+          <pc:sldMk cId="4176588267" sldId="269"/>
+        </pc:sldMkLst>
+        <pc:graphicFrameChg chg="modGraphic">
+          <ac:chgData name="Jay Cao" userId="24e21172780c2dbf" providerId="LiveId" clId="{77FDAE56-4E0C-469A-BE31-6CD4E93F4DBC}" dt="2019-05-27T16:07:18.696" v="3189" actId="20577"/>
+          <ac:graphicFrameMkLst>
+            <pc:docMk/>
+            <pc:sldMk cId="4176588267" sldId="269"/>
+            <ac:graphicFrameMk id="6" creationId="{114C1835-1A68-42DF-A0CE-B8F2B42960F8}"/>
+          </ac:graphicFrameMkLst>
+        </pc:graphicFrameChg>
+      </pc:sldChg>
+      <pc:sldChg chg="modSp">
+        <pc:chgData name="Jay Cao" userId="24e21172780c2dbf" providerId="LiveId" clId="{77FDAE56-4E0C-469A-BE31-6CD4E93F4DBC}" dt="2019-05-27T16:07:23.527" v="3192" actId="20577"/>
+        <pc:sldMkLst>
+          <pc:docMk/>
+          <pc:sldMk cId="1791088244" sldId="270"/>
+        </pc:sldMkLst>
+        <pc:graphicFrameChg chg="modGraphic">
+          <ac:chgData name="Jay Cao" userId="24e21172780c2dbf" providerId="LiveId" clId="{77FDAE56-4E0C-469A-BE31-6CD4E93F4DBC}" dt="2019-05-27T16:07:23.527" v="3192" actId="20577"/>
+          <ac:graphicFrameMkLst>
+            <pc:docMk/>
+            <pc:sldMk cId="1791088244" sldId="270"/>
+            <ac:graphicFrameMk id="6" creationId="{114C1835-1A68-42DF-A0CE-B8F2B42960F8}"/>
+          </ac:graphicFrameMkLst>
+        </pc:graphicFrameChg>
+      </pc:sldChg>
+      <pc:sldChg chg="modSp">
+        <pc:chgData name="Jay Cao" userId="24e21172780c2dbf" providerId="LiveId" clId="{77FDAE56-4E0C-469A-BE31-6CD4E93F4DBC}" dt="2019-05-27T16:07:29.048" v="3195" actId="20577"/>
+        <pc:sldMkLst>
+          <pc:docMk/>
+          <pc:sldMk cId="4125568038" sldId="271"/>
+        </pc:sldMkLst>
+        <pc:graphicFrameChg chg="modGraphic">
+          <ac:chgData name="Jay Cao" userId="24e21172780c2dbf" providerId="LiveId" clId="{77FDAE56-4E0C-469A-BE31-6CD4E93F4DBC}" dt="2019-05-27T16:07:29.048" v="3195" actId="20577"/>
+          <ac:graphicFrameMkLst>
+            <pc:docMk/>
+            <pc:sldMk cId="4125568038" sldId="271"/>
+            <ac:graphicFrameMk id="6" creationId="{114C1835-1A68-42DF-A0CE-B8F2B42960F8}"/>
+          </ac:graphicFrameMkLst>
+        </pc:graphicFrameChg>
+      </pc:sldChg>
+      <pc:sldChg chg="modSp">
+        <pc:chgData name="Jay Cao" userId="24e21172780c2dbf" providerId="LiveId" clId="{77FDAE56-4E0C-469A-BE31-6CD4E93F4DBC}" dt="2019-05-24T16:15:08.538" v="1439" actId="20577"/>
+        <pc:sldMkLst>
+          <pc:docMk/>
+          <pc:sldMk cId="1208205094" sldId="272"/>
+        </pc:sldMkLst>
+        <pc:spChg chg="mod">
+          <ac:chgData name="Jay Cao" userId="24e21172780c2dbf" providerId="LiveId" clId="{77FDAE56-4E0C-469A-BE31-6CD4E93F4DBC}" dt="2019-05-24T16:15:08.538" v="1439" actId="20577"/>
+          <ac:spMkLst>
+            <pc:docMk/>
+            <pc:sldMk cId="1208205094" sldId="272"/>
+            <ac:spMk id="3" creationId="{8CED3144-FF98-4FC1-96DB-89917B23FDA1}"/>
+          </ac:spMkLst>
+        </pc:spChg>
+      </pc:sldChg>
+      <pc:sldChg chg="ord">
+        <pc:chgData name="Jay Cao" userId="24e21172780c2dbf" providerId="LiveId" clId="{77FDAE56-4E0C-469A-BE31-6CD4E93F4DBC}" dt="2019-05-27T15:29:58.536" v="3183"/>
+        <pc:sldMkLst>
+          <pc:docMk/>
+          <pc:sldMk cId="4034858110" sldId="274"/>
+        </pc:sldMkLst>
+      </pc:sldChg>
+      <pc:sldChg chg="ord">
+        <pc:chgData name="Jay Cao" userId="24e21172780c2dbf" providerId="LiveId" clId="{77FDAE56-4E0C-469A-BE31-6CD4E93F4DBC}" dt="2019-05-27T15:34:14.844" v="3184"/>
+        <pc:sldMkLst>
+          <pc:docMk/>
+          <pc:sldMk cId="2647100879" sldId="277"/>
+        </pc:sldMkLst>
+      </pc:sldChg>
+      <pc:sldChg chg="modSp ord">
+        <pc:chgData name="Jay Cao" userId="24e21172780c2dbf" providerId="LiveId" clId="{77FDAE56-4E0C-469A-BE31-6CD4E93F4DBC}" dt="2019-05-27T16:18:24.023" v="3237" actId="6549"/>
+        <pc:sldMkLst>
+          <pc:docMk/>
+          <pc:sldMk cId="4212833241" sldId="278"/>
+        </pc:sldMkLst>
+        <pc:spChg chg="mod">
+          <ac:chgData name="Jay Cao" userId="24e21172780c2dbf" providerId="LiveId" clId="{77FDAE56-4E0C-469A-BE31-6CD4E93F4DBC}" dt="2019-05-27T16:10:17.164" v="3199" actId="20577"/>
+          <ac:spMkLst>
+            <pc:docMk/>
+            <pc:sldMk cId="4212833241" sldId="278"/>
+            <ac:spMk id="2" creationId="{8E77643F-7E4A-4C62-8C76-C75C53E0EA9A}"/>
+          </ac:spMkLst>
+        </pc:spChg>
+        <pc:spChg chg="mod">
+          <ac:chgData name="Jay Cao" userId="24e21172780c2dbf" providerId="LiveId" clId="{77FDAE56-4E0C-469A-BE31-6CD4E93F4DBC}" dt="2019-05-27T16:18:24.023" v="3237" actId="6549"/>
+          <ac:spMkLst>
+            <pc:docMk/>
+            <pc:sldMk cId="4212833241" sldId="278"/>
+            <ac:spMk id="3" creationId="{25EE8030-6D98-4B88-BF44-DCFCBA683B52}"/>
+          </ac:spMkLst>
+        </pc:spChg>
+      </pc:sldChg>
+      <pc:sldChg chg="modSp ord">
+        <pc:chgData name="Jay Cao" userId="24e21172780c2dbf" providerId="LiveId" clId="{77FDAE56-4E0C-469A-BE31-6CD4E93F4DBC}" dt="2019-05-27T16:10:33.061" v="3200" actId="20577"/>
+        <pc:sldMkLst>
+          <pc:docMk/>
+          <pc:sldMk cId="2871092563" sldId="279"/>
+        </pc:sldMkLst>
+        <pc:spChg chg="mod">
+          <ac:chgData name="Jay Cao" userId="24e21172780c2dbf" providerId="LiveId" clId="{77FDAE56-4E0C-469A-BE31-6CD4E93F4DBC}" dt="2019-05-27T16:10:33.061" v="3200" actId="20577"/>
+          <ac:spMkLst>
+            <pc:docMk/>
+            <pc:sldMk cId="2871092563" sldId="279"/>
+            <ac:spMk id="2" creationId="{EBF0AC6C-6D30-4813-A47E-4BE531DE7EE9}"/>
+          </ac:spMkLst>
+        </pc:spChg>
+      </pc:sldChg>
+      <pc:sldChg chg="modSp">
+        <pc:chgData name="Jay Cao" userId="24e21172780c2dbf" providerId="LiveId" clId="{77FDAE56-4E0C-469A-BE31-6CD4E93F4DBC}" dt="2019-05-27T16:37:30.481" v="3238" actId="113"/>
+        <pc:sldMkLst>
+          <pc:docMk/>
+          <pc:sldMk cId="1483295490" sldId="280"/>
+        </pc:sldMkLst>
+        <pc:spChg chg="mod">
+          <ac:chgData name="Jay Cao" userId="24e21172780c2dbf" providerId="LiveId" clId="{77FDAE56-4E0C-469A-BE31-6CD4E93F4DBC}" dt="2019-05-27T16:10:36.783" v="3201" actId="20577"/>
+          <ac:spMkLst>
+            <pc:docMk/>
+            <pc:sldMk cId="1483295490" sldId="280"/>
+            <ac:spMk id="2" creationId="{7EFF90E5-3FD3-46B6-A354-094E6BF80CAB}"/>
+          </ac:spMkLst>
+        </pc:spChg>
+        <pc:spChg chg="mod">
+          <ac:chgData name="Jay Cao" userId="24e21172780c2dbf" providerId="LiveId" clId="{77FDAE56-4E0C-469A-BE31-6CD4E93F4DBC}" dt="2019-05-27T16:37:30.481" v="3238" actId="113"/>
+          <ac:spMkLst>
+            <pc:docMk/>
+            <pc:sldMk cId="1483295490" sldId="280"/>
+            <ac:spMk id="3" creationId="{06050607-66C6-4C57-83DD-77894D5CBA4E}"/>
+          </ac:spMkLst>
+        </pc:spChg>
+        <pc:spChg chg="mod">
+          <ac:chgData name="Jay Cao" userId="24e21172780c2dbf" providerId="LiveId" clId="{77FDAE56-4E0C-469A-BE31-6CD4E93F4DBC}" dt="2019-05-23T16:08:51.400" v="176" actId="1035"/>
+          <ac:spMkLst>
+            <pc:docMk/>
+            <pc:sldMk cId="1483295490" sldId="280"/>
+            <ac:spMk id="7" creationId="{79729DE7-4908-4A7E-B32B-3F8681201E8F}"/>
+          </ac:spMkLst>
+        </pc:spChg>
+      </pc:sldChg>
+      <pc:sldChg chg="modSp">
+        <pc:chgData name="Jay Cao" userId="24e21172780c2dbf" providerId="LiveId" clId="{77FDAE56-4E0C-469A-BE31-6CD4E93F4DBC}" dt="2019-05-27T16:10:39.627" v="3202" actId="20577"/>
+        <pc:sldMkLst>
+          <pc:docMk/>
+          <pc:sldMk cId="3332480798" sldId="281"/>
+        </pc:sldMkLst>
+        <pc:spChg chg="mod">
+          <ac:chgData name="Jay Cao" userId="24e21172780c2dbf" providerId="LiveId" clId="{77FDAE56-4E0C-469A-BE31-6CD4E93F4DBC}" dt="2019-05-27T16:10:39.627" v="3202" actId="20577"/>
+          <ac:spMkLst>
+            <pc:docMk/>
+            <pc:sldMk cId="3332480798" sldId="281"/>
+            <ac:spMk id="2" creationId="{7EFF90E5-3FD3-46B6-A354-094E6BF80CAB}"/>
+          </ac:spMkLst>
+        </pc:spChg>
+      </pc:sldChg>
+      <pc:sldChg chg="modSp">
+        <pc:chgData name="Jay Cao" userId="24e21172780c2dbf" providerId="LiveId" clId="{77FDAE56-4E0C-469A-BE31-6CD4E93F4DBC}" dt="2019-05-27T16:10:42.180" v="3203" actId="20577"/>
+        <pc:sldMkLst>
+          <pc:docMk/>
+          <pc:sldMk cId="3125692063" sldId="282"/>
+        </pc:sldMkLst>
+        <pc:spChg chg="mod">
+          <ac:chgData name="Jay Cao" userId="24e21172780c2dbf" providerId="LiveId" clId="{77FDAE56-4E0C-469A-BE31-6CD4E93F4DBC}" dt="2019-05-27T16:10:42.180" v="3203" actId="20577"/>
+          <ac:spMkLst>
+            <pc:docMk/>
+            <pc:sldMk cId="3125692063" sldId="282"/>
+            <ac:spMk id="2" creationId="{7EFF90E5-3FD3-46B6-A354-094E6BF80CAB}"/>
+          </ac:spMkLst>
+        </pc:spChg>
+      </pc:sldChg>
+      <pc:sldChg chg="modSp">
+        <pc:chgData name="Jay Cao" userId="24e21172780c2dbf" providerId="LiveId" clId="{77FDAE56-4E0C-469A-BE31-6CD4E93F4DBC}" dt="2019-05-27T16:10:45.188" v="3204" actId="20577"/>
+        <pc:sldMkLst>
+          <pc:docMk/>
+          <pc:sldMk cId="345284017" sldId="283"/>
+        </pc:sldMkLst>
+        <pc:spChg chg="mod">
+          <ac:chgData name="Jay Cao" userId="24e21172780c2dbf" providerId="LiveId" clId="{77FDAE56-4E0C-469A-BE31-6CD4E93F4DBC}" dt="2019-05-27T16:10:45.188" v="3204" actId="20577"/>
+          <ac:spMkLst>
+            <pc:docMk/>
+            <pc:sldMk cId="345284017" sldId="283"/>
+            <ac:spMk id="2" creationId="{7EFF90E5-3FD3-46B6-A354-094E6BF80CAB}"/>
+          </ac:spMkLst>
+        </pc:spChg>
+      </pc:sldChg>
+      <pc:sldChg chg="modSp">
+        <pc:chgData name="Jay Cao" userId="24e21172780c2dbf" providerId="LiveId" clId="{77FDAE56-4E0C-469A-BE31-6CD4E93F4DBC}" dt="2019-05-27T16:10:48.998" v="3205" actId="20577"/>
+        <pc:sldMkLst>
+          <pc:docMk/>
+          <pc:sldMk cId="3210137513" sldId="284"/>
+        </pc:sldMkLst>
+        <pc:spChg chg="mod">
+          <ac:chgData name="Jay Cao" userId="24e21172780c2dbf" providerId="LiveId" clId="{77FDAE56-4E0C-469A-BE31-6CD4E93F4DBC}" dt="2019-05-27T16:10:48.998" v="3205" actId="20577"/>
+          <ac:spMkLst>
+            <pc:docMk/>
+            <pc:sldMk cId="3210137513" sldId="284"/>
+            <ac:spMk id="2" creationId="{7EFF90E5-3FD3-46B6-A354-094E6BF80CAB}"/>
+          </ac:spMkLst>
+        </pc:spChg>
+      </pc:sldChg>
+      <pc:sldChg chg="modSp">
+        <pc:chgData name="Jay Cao" userId="24e21172780c2dbf" providerId="LiveId" clId="{77FDAE56-4E0C-469A-BE31-6CD4E93F4DBC}" dt="2019-05-27T16:11:07.649" v="3206" actId="20577"/>
+        <pc:sldMkLst>
+          <pc:docMk/>
+          <pc:sldMk cId="2116497251" sldId="285"/>
+        </pc:sldMkLst>
+        <pc:spChg chg="mod">
+          <ac:chgData name="Jay Cao" userId="24e21172780c2dbf" providerId="LiveId" clId="{77FDAE56-4E0C-469A-BE31-6CD4E93F4DBC}" dt="2019-05-27T16:11:07.649" v="3206" actId="20577"/>
+          <ac:spMkLst>
+            <pc:docMk/>
+            <pc:sldMk cId="2116497251" sldId="285"/>
+            <ac:spMk id="2" creationId="{ECF8CC82-4A7D-4AA7-AFB8-0B928F6C48B1}"/>
+          </ac:spMkLst>
+        </pc:spChg>
+      </pc:sldChg>
+      <pc:sldChg chg="addSp delSp modSp add">
+        <pc:chgData name="Jay Cao" userId="24e21172780c2dbf" providerId="LiveId" clId="{77FDAE56-4E0C-469A-BE31-6CD4E93F4DBC}" dt="2019-05-23T16:29:01.978" v="826" actId="20577"/>
+        <pc:sldMkLst>
+          <pc:docMk/>
+          <pc:sldMk cId="1714344241" sldId="286"/>
+        </pc:sldMkLst>
+        <pc:spChg chg="mod">
+          <ac:chgData name="Jay Cao" userId="24e21172780c2dbf" providerId="LiveId" clId="{77FDAE56-4E0C-469A-BE31-6CD4E93F4DBC}" dt="2019-05-23T16:11:40.464" v="210" actId="20577"/>
+          <ac:spMkLst>
+            <pc:docMk/>
+            <pc:sldMk cId="1714344241" sldId="286"/>
+            <ac:spMk id="2" creationId="{1C0D4F23-7D70-40BA-87F7-6E213174B0AA}"/>
+          </ac:spMkLst>
+        </pc:spChg>
+        <pc:spChg chg="del">
+          <ac:chgData name="Jay Cao" userId="24e21172780c2dbf" providerId="LiveId" clId="{77FDAE56-4E0C-469A-BE31-6CD4E93F4DBC}" dt="2019-05-23T16:12:07.587" v="211" actId="478"/>
+          <ac:spMkLst>
+            <pc:docMk/>
+            <pc:sldMk cId="1714344241" sldId="286"/>
+            <ac:spMk id="3" creationId="{6C403BF3-ED97-473B-9FE4-0E6D10739820}"/>
+          </ac:spMkLst>
+        </pc:spChg>
+        <pc:spChg chg="add del mod">
+          <ac:chgData name="Jay Cao" userId="24e21172780c2dbf" providerId="LiveId" clId="{77FDAE56-4E0C-469A-BE31-6CD4E93F4DBC}" dt="2019-05-23T16:17:50.619" v="364" actId="478"/>
+          <ac:spMkLst>
+            <pc:docMk/>
+            <pc:sldMk cId="1714344241" sldId="286"/>
+            <ac:spMk id="5" creationId="{C52CDD3B-739C-46A1-BB66-372FAE834BA2}"/>
+          </ac:spMkLst>
+        </pc:spChg>
+        <pc:spChg chg="add del mod">
+          <ac:chgData name="Jay Cao" userId="24e21172780c2dbf" providerId="LiveId" clId="{77FDAE56-4E0C-469A-BE31-6CD4E93F4DBC}" dt="2019-05-23T16:17:52.916" v="365" actId="478"/>
+          <ac:spMkLst>
+            <pc:docMk/>
+            <pc:sldMk cId="1714344241" sldId="286"/>
+            <ac:spMk id="7" creationId="{B451B6DF-584A-4661-9914-05723AD66695}"/>
+          </ac:spMkLst>
+        </pc:spChg>
+        <pc:spChg chg="add mod">
+          <ac:chgData name="Jay Cao" userId="24e21172780c2dbf" providerId="LiveId" clId="{77FDAE56-4E0C-469A-BE31-6CD4E93F4DBC}" dt="2019-05-23T16:29:01.978" v="826" actId="20577"/>
+          <ac:spMkLst>
+            <pc:docMk/>
+            <pc:sldMk cId="1714344241" sldId="286"/>
+            <ac:spMk id="8" creationId="{4A4C9F88-27A3-403C-87DF-5BBC106F6A61}"/>
+          </ac:spMkLst>
+        </pc:spChg>
+        <pc:graphicFrameChg chg="add mod modGraphic">
+          <ac:chgData name="Jay Cao" userId="24e21172780c2dbf" providerId="LiveId" clId="{77FDAE56-4E0C-469A-BE31-6CD4E93F4DBC}" dt="2019-05-23T16:25:02.344" v="676" actId="14100"/>
+          <ac:graphicFrameMkLst>
+            <pc:docMk/>
+            <pc:sldMk cId="1714344241" sldId="286"/>
+            <ac:graphicFrameMk id="4" creationId="{B3CFDF91-B9E5-4943-8FCF-FC6199D54FB0}"/>
+          </ac:graphicFrameMkLst>
+        </pc:graphicFrameChg>
+      </pc:sldChg>
+      <pc:sldChg chg="modSp add">
+        <pc:chgData name="Jay Cao" userId="24e21172780c2dbf" providerId="LiveId" clId="{77FDAE56-4E0C-469A-BE31-6CD4E93F4DBC}" dt="2019-05-24T15:07:15.762" v="1327" actId="20577"/>
+        <pc:sldMkLst>
+          <pc:docMk/>
+          <pc:sldMk cId="1836805581" sldId="287"/>
+        </pc:sldMkLst>
+        <pc:spChg chg="mod">
+          <ac:chgData name="Jay Cao" userId="24e21172780c2dbf" providerId="LiveId" clId="{77FDAE56-4E0C-469A-BE31-6CD4E93F4DBC}" dt="2019-05-24T15:00:48.723" v="1011" actId="20577"/>
+          <ac:spMkLst>
+            <pc:docMk/>
+            <pc:sldMk cId="1836805581" sldId="287"/>
+            <ac:spMk id="2" creationId="{A443D764-9C83-4FCB-9715-EFEAEF817CAD}"/>
+          </ac:spMkLst>
+        </pc:spChg>
+        <pc:spChg chg="mod">
+          <ac:chgData name="Jay Cao" userId="24e21172780c2dbf" providerId="LiveId" clId="{77FDAE56-4E0C-469A-BE31-6CD4E93F4DBC}" dt="2019-05-24T15:07:15.762" v="1327" actId="20577"/>
+          <ac:spMkLst>
+            <pc:docMk/>
+            <pc:sldMk cId="1836805581" sldId="287"/>
+            <ac:spMk id="3" creationId="{BB7B556C-5FEF-4232-856E-157EC6E87817}"/>
+          </ac:spMkLst>
+        </pc:spChg>
+      </pc:sldChg>
+      <pc:sldChg chg="addSp delSp modSp add">
+        <pc:chgData name="Jay Cao" userId="24e21172780c2dbf" providerId="LiveId" clId="{77FDAE56-4E0C-469A-BE31-6CD4E93F4DBC}" dt="2019-05-24T19:27:25.369" v="3164"/>
+        <pc:sldMkLst>
+          <pc:docMk/>
+          <pc:sldMk cId="32051775" sldId="288"/>
+        </pc:sldMkLst>
+        <pc:spChg chg="mod">
+          <ac:chgData name="Jay Cao" userId="24e21172780c2dbf" providerId="LiveId" clId="{77FDAE56-4E0C-469A-BE31-6CD4E93F4DBC}" dt="2019-05-24T18:39:35.260" v="2532" actId="20577"/>
+          <ac:spMkLst>
+            <pc:docMk/>
+            <pc:sldMk cId="32051775" sldId="288"/>
+            <ac:spMk id="2" creationId="{C8429A66-5C59-42F5-B0A9-FFF480E32839}"/>
+          </ac:spMkLst>
+        </pc:spChg>
+        <pc:spChg chg="mod">
+          <ac:chgData name="Jay Cao" userId="24e21172780c2dbf" providerId="LiveId" clId="{77FDAE56-4E0C-469A-BE31-6CD4E93F4DBC}" dt="2019-05-24T19:05:27.005" v="3098" actId="20577"/>
+          <ac:spMkLst>
+            <pc:docMk/>
+            <pc:sldMk cId="32051775" sldId="288"/>
+            <ac:spMk id="3" creationId="{DB085D25-9B44-44A8-9839-ECEBDF935AE5}"/>
+          </ac:spMkLst>
+        </pc:spChg>
+        <pc:spChg chg="add del mod">
+          <ac:chgData name="Jay Cao" userId="24e21172780c2dbf" providerId="LiveId" clId="{77FDAE56-4E0C-469A-BE31-6CD4E93F4DBC}" dt="2019-05-24T19:27:25.369" v="3164"/>
+          <ac:spMkLst>
+            <pc:docMk/>
+            <pc:sldMk cId="32051775" sldId="288"/>
+            <ac:spMk id="4" creationId="{4A0AC1CA-9F45-46DB-BCFF-ECE5AEC92D54}"/>
+          </ac:spMkLst>
+        </pc:spChg>
+        <pc:spChg chg="add del">
+          <ac:chgData name="Jay Cao" userId="24e21172780c2dbf" providerId="LiveId" clId="{77FDAE56-4E0C-469A-BE31-6CD4E93F4DBC}" dt="2019-05-24T16:34:34.008" v="1475"/>
+          <ac:spMkLst>
+            <pc:docMk/>
+            <pc:sldMk cId="32051775" sldId="288"/>
+            <ac:spMk id="5" creationId="{678D236F-DC30-4577-9E50-48D988E0361C}"/>
+          </ac:spMkLst>
+        </pc:spChg>
+      </pc:sldChg>
+      <pc:sldChg chg="addSp modSp add">
+        <pc:chgData name="Jay Cao" userId="24e21172780c2dbf" providerId="LiveId" clId="{77FDAE56-4E0C-469A-BE31-6CD4E93F4DBC}" dt="2019-05-24T18:19:49.871" v="2454" actId="20577"/>
+        <pc:sldMkLst>
+          <pc:docMk/>
+          <pc:sldMk cId="3168750479" sldId="289"/>
+        </pc:sldMkLst>
+        <pc:spChg chg="mod">
+          <ac:chgData name="Jay Cao" userId="24e21172780c2dbf" providerId="LiveId" clId="{77FDAE56-4E0C-469A-BE31-6CD4E93F4DBC}" dt="2019-05-24T17:51:38.123" v="2054" actId="20577"/>
+          <ac:spMkLst>
+            <pc:docMk/>
+            <pc:sldMk cId="3168750479" sldId="289"/>
+            <ac:spMk id="2" creationId="{62CFA3D2-2992-48BC-B0FB-AC4C0A75CFC8}"/>
+          </ac:spMkLst>
+        </pc:spChg>
+        <pc:spChg chg="mod">
+          <ac:chgData name="Jay Cao" userId="24e21172780c2dbf" providerId="LiveId" clId="{77FDAE56-4E0C-469A-BE31-6CD4E93F4DBC}" dt="2019-05-24T18:16:44.154" v="2419" actId="20577"/>
+          <ac:spMkLst>
+            <pc:docMk/>
+            <pc:sldMk cId="3168750479" sldId="289"/>
+            <ac:spMk id="3" creationId="{832ACBA5-95B4-41D5-9027-A39F8253F3F5}"/>
+          </ac:spMkLst>
+        </pc:spChg>
+        <pc:spChg chg="add mod">
+          <ac:chgData name="Jay Cao" userId="24e21172780c2dbf" providerId="LiveId" clId="{77FDAE56-4E0C-469A-BE31-6CD4E93F4DBC}" dt="2019-05-24T18:19:49.871" v="2454" actId="20577"/>
+          <ac:spMkLst>
+            <pc:docMk/>
+            <pc:sldMk cId="3168750479" sldId="289"/>
+            <ac:spMk id="4" creationId="{027CB9FB-42CD-4586-8604-571DDF8840B6}"/>
+          </ac:spMkLst>
+        </pc:spChg>
+      </pc:sldChg>
+      <pc:sldChg chg="addSp modSp add">
+        <pc:chgData name="Jay Cao" userId="24e21172780c2dbf" providerId="LiveId" clId="{77FDAE56-4E0C-469A-BE31-6CD4E93F4DBC}" dt="2019-05-24T19:27:51.515" v="3182" actId="6549"/>
+        <pc:sldMkLst>
+          <pc:docMk/>
+          <pc:sldMk cId="1451617765" sldId="290"/>
+        </pc:sldMkLst>
+        <pc:spChg chg="mod">
+          <ac:chgData name="Jay Cao" userId="24e21172780c2dbf" providerId="LiveId" clId="{77FDAE56-4E0C-469A-BE31-6CD4E93F4DBC}" dt="2019-05-24T18:57:26.464" v="2784" actId="20577"/>
+          <ac:spMkLst>
+            <pc:docMk/>
+            <pc:sldMk cId="1451617765" sldId="290"/>
+            <ac:spMk id="2" creationId="{09DBD119-6F28-40D6-A17F-439DC1F85890}"/>
+          </ac:spMkLst>
+        </pc:spChg>
+        <pc:spChg chg="mod">
+          <ac:chgData name="Jay Cao" userId="24e21172780c2dbf" providerId="LiveId" clId="{77FDAE56-4E0C-469A-BE31-6CD4E93F4DBC}" dt="2019-05-24T19:02:46.385" v="3070" actId="2711"/>
+          <ac:spMkLst>
+            <pc:docMk/>
+            <pc:sldMk cId="1451617765" sldId="290"/>
+            <ac:spMk id="3" creationId="{37066BF7-8855-4849-A60D-C4DF9BF760EF}"/>
+          </ac:spMkLst>
+        </pc:spChg>
+        <pc:spChg chg="add mod">
+          <ac:chgData name="Jay Cao" userId="24e21172780c2dbf" providerId="LiveId" clId="{77FDAE56-4E0C-469A-BE31-6CD4E93F4DBC}" dt="2019-05-24T19:27:51.515" v="3182" actId="6549"/>
+          <ac:spMkLst>
+            <pc:docMk/>
+            <pc:sldMk cId="1451617765" sldId="290"/>
+            <ac:spMk id="4" creationId="{A6BB18FF-EAC0-4A92-978B-0E5F5EEED9B0}"/>
+          </ac:spMkLst>
+        </pc:spChg>
+      </pc:sldChg>
+      <pc:sldChg chg="delSp modSp add ord">
+        <pc:chgData name="Jay Cao" userId="24e21172780c2dbf" providerId="LiveId" clId="{77FDAE56-4E0C-469A-BE31-6CD4E93F4DBC}" dt="2019-05-24T19:04:01.051" v="3084"/>
+        <pc:sldMkLst>
+          <pc:docMk/>
+          <pc:sldMk cId="1524225641" sldId="291"/>
+        </pc:sldMkLst>
+        <pc:spChg chg="mod">
+          <ac:chgData name="Jay Cao" userId="24e21172780c2dbf" providerId="LiveId" clId="{77FDAE56-4E0C-469A-BE31-6CD4E93F4DBC}" dt="2019-05-24T19:03:16.112" v="3082" actId="20577"/>
+          <ac:spMkLst>
+            <pc:docMk/>
+            <pc:sldMk cId="1524225641" sldId="291"/>
+            <ac:spMk id="2" creationId="{62F24BF1-4C5F-4EA8-807C-036DA9372A2A}"/>
+          </ac:spMkLst>
+        </pc:spChg>
+        <pc:spChg chg="del">
+          <ac:chgData name="Jay Cao" userId="24e21172780c2dbf" providerId="LiveId" clId="{77FDAE56-4E0C-469A-BE31-6CD4E93F4DBC}" dt="2019-05-24T19:03:21.381" v="3083" actId="478"/>
+          <ac:spMkLst>
+            <pc:docMk/>
+            <pc:sldMk cId="1524225641" sldId="291"/>
+            <ac:spMk id="3" creationId="{E6A419CD-EE1F-4C6B-9DE8-78D1CE1A7C68}"/>
+          </ac:spMkLst>
+        </pc:spChg>
+      </pc:sldChg>
+    </pc:docChg>
+  </pc:docChgLst>
+</pc:chgInfo>
+</file>
+
 <file path=ppt/slideLayouts/slideLayout1.xml><?xml version="1.0" encoding="utf-8"?>
 <p:sldLayout xmlns:a="http://schemas.openxmlformats.org/drawingml/2006/main" xmlns:r="http://schemas.openxmlformats.org/officeDocument/2006/relationships" xmlns:p="http://schemas.openxmlformats.org/presentationml/2006/main" type="title" preserve="1">
   <p:cSld name="Title Slide">
@@ -287,7 +859,7 @@
           <a:p>
             <a:fld id="{421D938C-9D30-4591-B78B-02250B6189B6}" type="datetimeFigureOut">
               <a:rPr lang="en-US" smtClean="0"/>
-              <a:t>5/13/2019</a:t>
+              <a:t>5/27/2019</a:t>
             </a:fld>
             <a:endParaRPr lang="en-US"/>
           </a:p>
@@ -485,7 +1057,7 @@
           <a:p>
             <a:fld id="{421D938C-9D30-4591-B78B-02250B6189B6}" type="datetimeFigureOut">
               <a:rPr lang="en-US" smtClean="0"/>
-              <a:t>5/13/2019</a:t>
+              <a:t>5/27/2019</a:t>
             </a:fld>
             <a:endParaRPr lang="en-US"/>
           </a:p>
@@ -693,7 +1265,7 @@
           <a:p>
             <a:fld id="{421D938C-9D30-4591-B78B-02250B6189B6}" type="datetimeFigureOut">
               <a:rPr lang="en-US" smtClean="0"/>
-              <a:t>5/13/2019</a:t>
+              <a:t>5/27/2019</a:t>
             </a:fld>
             <a:endParaRPr lang="en-US"/>
           </a:p>
@@ -891,7 +1463,7 @@
           <a:p>
             <a:fld id="{421D938C-9D30-4591-B78B-02250B6189B6}" type="datetimeFigureOut">
               <a:rPr lang="en-US" smtClean="0"/>
-              <a:t>5/13/2019</a:t>
+              <a:t>5/27/2019</a:t>
             </a:fld>
             <a:endParaRPr lang="en-US"/>
           </a:p>
@@ -1166,7 +1738,7 @@
           <a:p>
             <a:fld id="{421D938C-9D30-4591-B78B-02250B6189B6}" type="datetimeFigureOut">
               <a:rPr lang="en-US" smtClean="0"/>
-              <a:t>5/13/2019</a:t>
+              <a:t>5/27/2019</a:t>
             </a:fld>
             <a:endParaRPr lang="en-US"/>
           </a:p>
@@ -1431,7 +2003,7 @@
           <a:p>
             <a:fld id="{421D938C-9D30-4591-B78B-02250B6189B6}" type="datetimeFigureOut">
               <a:rPr lang="en-US" smtClean="0"/>
-              <a:t>5/13/2019</a:t>
+              <a:t>5/27/2019</a:t>
             </a:fld>
             <a:endParaRPr lang="en-US"/>
           </a:p>
@@ -1843,7 +2415,7 @@
           <a:p>
             <a:fld id="{421D938C-9D30-4591-B78B-02250B6189B6}" type="datetimeFigureOut">
               <a:rPr lang="en-US" smtClean="0"/>
-              <a:t>5/13/2019</a:t>
+              <a:t>5/27/2019</a:t>
             </a:fld>
             <a:endParaRPr lang="en-US"/>
           </a:p>
@@ -1984,7 +2556,7 @@
           <a:p>
             <a:fld id="{421D938C-9D30-4591-B78B-02250B6189B6}" type="datetimeFigureOut">
               <a:rPr lang="en-US" smtClean="0"/>
-              <a:t>5/13/2019</a:t>
+              <a:t>5/27/2019</a:t>
             </a:fld>
             <a:endParaRPr lang="en-US"/>
           </a:p>
@@ -2097,7 +2669,7 @@
           <a:p>
             <a:fld id="{421D938C-9D30-4591-B78B-02250B6189B6}" type="datetimeFigureOut">
               <a:rPr lang="en-US" smtClean="0"/>
-              <a:t>5/13/2019</a:t>
+              <a:t>5/27/2019</a:t>
             </a:fld>
             <a:endParaRPr lang="en-US"/>
           </a:p>
@@ -2408,7 +2980,7 @@
           <a:p>
             <a:fld id="{421D938C-9D30-4591-B78B-02250B6189B6}" type="datetimeFigureOut">
               <a:rPr lang="en-US" smtClean="0"/>
-              <a:t>5/13/2019</a:t>
+              <a:t>5/27/2019</a:t>
             </a:fld>
             <a:endParaRPr lang="en-US"/>
           </a:p>
@@ -2696,7 +3268,7 @@
           <a:p>
             <a:fld id="{421D938C-9D30-4591-B78B-02250B6189B6}" type="datetimeFigureOut">
               <a:rPr lang="en-US" smtClean="0"/>
-              <a:t>5/13/2019</a:t>
+              <a:t>5/27/2019</a:t>
             </a:fld>
             <a:endParaRPr lang="en-US"/>
           </a:p>
@@ -2937,7 +3509,7 @@
           <a:p>
             <a:fld id="{421D938C-9D30-4591-B78B-02250B6189B6}" type="datetimeFigureOut">
               <a:rPr lang="en-US" smtClean="0"/>
-              <a:t>5/13/2019</a:t>
+              <a:t>5/27/2019</a:t>
             </a:fld>
             <a:endParaRPr lang="en-US"/>
           </a:p>
@@ -3454,7 +4026,7 @@
           <p:cNvPr id="2" name="Title 1">
             <a:extLst>
               <a:ext uri="{FF2B5EF4-FFF2-40B4-BE49-F238E27FC236}">
-                <a16:creationId xmlns:a16="http://schemas.microsoft.com/office/drawing/2014/main" id="{96303AC8-2AD1-4627-B70A-1E50E966AEBE}"/>
+                <a16:creationId xmlns:a16="http://schemas.microsoft.com/office/drawing/2014/main" id="{0916B864-31B6-497F-9B21-405A8A9D220B}"/>
               </a:ext>
             </a:extLst>
           </p:cNvPr>
@@ -3472,7 +4044,7 @@
           <a:p>
             <a:r>
               <a:rPr lang="en-US" dirty="0"/>
-              <a:t>How to Use RRN – User Manuals</a:t>
+              <a:t>Questions to ask before considering RRN</a:t>
             </a:r>
           </a:p>
         </p:txBody>
@@ -3482,7 +4054,7 @@
           <p:cNvPr id="3" name="Content Placeholder 2">
             <a:extLst>
               <a:ext uri="{FF2B5EF4-FFF2-40B4-BE49-F238E27FC236}">
-                <a16:creationId xmlns:a16="http://schemas.microsoft.com/office/drawing/2014/main" id="{B79F299D-7929-4CE4-8533-A944824B159C}"/>
+                <a16:creationId xmlns:a16="http://schemas.microsoft.com/office/drawing/2014/main" id="{234E5B68-020B-49A7-93DB-080EBC45FB9E}"/>
               </a:ext>
             </a:extLst>
           </p:cNvPr>
@@ -3495,63 +4067,94 @@
         </p:nvSpPr>
         <p:spPr/>
         <p:txBody>
-          <a:bodyPr/>
+          <a:bodyPr>
+            <a:normAutofit fontScale="92500" lnSpcReduction="10000"/>
+          </a:bodyPr>
           <a:lstStyle/>
           <a:p>
             <a:r>
               <a:rPr lang="en-US" dirty="0"/>
-              <a:t>Our RRN </a:t>
-            </a:r>
-            <a:r>
-              <a:rPr lang="en-US" dirty="0">
-                <a:hlinkClick r:id="rId2"/>
-              </a:rPr>
-              <a:t>User Manual</a:t>
-            </a:r>
+              <a:t>One big misunderstanding</a:t>
+            </a:r>
+          </a:p>
+          <a:p>
+            <a:pPr lvl="1"/>
+            <a:r>
+              <a:rPr lang="en-US" dirty="0"/>
+              <a:t>my (unmodified) code will run faster on the server (</a:t>
+            </a:r>
+            <a:r>
+              <a:rPr lang="en-US" b="1" dirty="0">
+                <a:solidFill>
+                  <a:srgbClr val="FF0000"/>
+                </a:solidFill>
+              </a:rPr>
+              <a:t>NO</a:t>
+            </a:r>
+            <a:r>
+              <a:rPr lang="en-US" dirty="0"/>
+              <a:t> in most cases)</a:t>
+            </a:r>
+          </a:p>
+          <a:p>
             <a:endParaRPr lang="en-US" dirty="0"/>
           </a:p>
           <a:p>
+            <a:r>
+              <a:rPr lang="en-US" dirty="0"/>
+              <a:t>I need more CPUs</a:t>
+            </a:r>
+          </a:p>
+          <a:p>
             <a:pPr lvl="1"/>
             <a:r>
               <a:rPr lang="en-US" dirty="0"/>
-              <a:t>Focus on RRN</a:t>
+              <a:t>have I optimized my code (vectorization; better algorithm)?</a:t>
             </a:r>
           </a:p>
           <a:p>
             <a:pPr lvl="1"/>
             <a:r>
               <a:rPr lang="en-US" dirty="0"/>
-              <a:t>Good for getting started</a:t>
-            </a:r>
-          </a:p>
-          <a:p>
+              <a:t>have I tried parallel computing on my desktop?</a:t>
+            </a:r>
+          </a:p>
+          <a:p>
+            <a:pPr lvl="2"/>
+            <a:r>
+              <a:rPr lang="en-US" dirty="0"/>
+              <a:t>modern desktop has 2-4 CPUs (4-8 with hyperthreading)</a:t>
+            </a:r>
+          </a:p>
+          <a:p>
+            <a:pPr lvl="2"/>
+            <a:r>
+              <a:rPr lang="en-US" dirty="0"/>
+              <a:t>no license cost if you use open source language (R, Python, Julia, etc.)</a:t>
+            </a:r>
+          </a:p>
+          <a:p>
+            <a:pPr lvl="2"/>
             <a:endParaRPr lang="en-US" dirty="0"/>
           </a:p>
           <a:p>
             <a:r>
               <a:rPr lang="en-US" dirty="0"/>
-              <a:t>CAC </a:t>
-            </a:r>
-            <a:r>
-              <a:rPr lang="en-US" dirty="0">
-                <a:hlinkClick r:id="rId3"/>
-              </a:rPr>
-              <a:t>User manual</a:t>
-            </a:r>
-            <a:endParaRPr lang="en-US" dirty="0"/>
+              <a:t>I need more memory</a:t>
+            </a:r>
           </a:p>
           <a:p>
             <a:pPr lvl="1"/>
             <a:r>
               <a:rPr lang="en-US" dirty="0"/>
-              <a:t>Including HPC usage (Compute Nodes)</a:t>
+              <a:t>do I really need to load all those data</a:t>
             </a:r>
           </a:p>
           <a:p>
             <a:pPr lvl="1"/>
             <a:r>
               <a:rPr lang="en-US" dirty="0"/>
-              <a:t>For users with highly compute-intensive jobs</a:t>
+              <a:t>have I optimized my code (delete big variables/objects after use; better algorithm)</a:t>
             </a:r>
           </a:p>
         </p:txBody>
@@ -3559,7 +4162,7 @@
     </p:spTree>
     <p:extLst>
       <p:ext uri="{BB962C8B-B14F-4D97-AF65-F5344CB8AC3E}">
-        <p14:creationId xmlns:p14="http://schemas.microsoft.com/office/powerpoint/2010/main" val="1845426103"/>
+        <p14:creationId xmlns:p14="http://schemas.microsoft.com/office/powerpoint/2010/main" val="2024322096"/>
       </p:ext>
     </p:extLst>
   </p:cSld>
@@ -3591,7 +4194,7 @@
           <p:cNvPr id="2" name="Title 1">
             <a:extLst>
               <a:ext uri="{FF2B5EF4-FFF2-40B4-BE49-F238E27FC236}">
-                <a16:creationId xmlns:a16="http://schemas.microsoft.com/office/drawing/2014/main" id="{A54D1AF9-93A5-46DD-BE38-06EB4CA23C16}"/>
+                <a16:creationId xmlns:a16="http://schemas.microsoft.com/office/drawing/2014/main" id="{96303AC8-2AD1-4627-B70A-1E50E966AEBE}"/>
               </a:ext>
             </a:extLst>
           </p:cNvPr>
@@ -3609,7 +4212,7 @@
           <a:p>
             <a:r>
               <a:rPr lang="en-US" dirty="0"/>
-              <a:t>How to Use RRN – Account &amp; Logon</a:t>
+              <a:t>How to Use RRN – User Manuals</a:t>
             </a:r>
           </a:p>
         </p:txBody>
@@ -3619,7 +4222,7 @@
           <p:cNvPr id="3" name="Content Placeholder 2">
             <a:extLst>
               <a:ext uri="{FF2B5EF4-FFF2-40B4-BE49-F238E27FC236}">
-                <a16:creationId xmlns:a16="http://schemas.microsoft.com/office/drawing/2014/main" id="{8CED3144-FF98-4FC1-96DB-89917B23FDA1}"/>
+                <a16:creationId xmlns:a16="http://schemas.microsoft.com/office/drawing/2014/main" id="{B79F299D-7929-4CE4-8533-A944824B159C}"/>
               </a:ext>
             </a:extLst>
           </p:cNvPr>
@@ -3637,127 +4240,66 @@
           <a:p>
             <a:r>
               <a:rPr lang="en-US" dirty="0"/>
-              <a:t>Email </a:t>
+              <a:t>Our RRN </a:t>
             </a:r>
             <a:r>
               <a:rPr lang="en-US" dirty="0">
                 <a:hlinkClick r:id="rId2"/>
               </a:rPr>
-              <a:t>tdmdal@rotman.utoronto.ca</a:t>
-            </a:r>
-            <a:r>
-              <a:rPr lang="en-US" dirty="0"/>
-              <a:t> for an account</a:t>
-            </a:r>
-          </a:p>
-          <a:p>
+              <a:t>User Manual</a:t>
+            </a:r>
             <a:endParaRPr lang="en-US" dirty="0"/>
           </a:p>
           <a:p>
-            <a:r>
-              <a:rPr lang="en-US" dirty="0"/>
-              <a:t>SSH client</a:t>
-            </a:r>
-          </a:p>
-          <a:p>
             <a:pPr lvl="1"/>
             <a:r>
               <a:rPr lang="en-US" dirty="0"/>
-              <a:t>Windows (ex. </a:t>
-            </a:r>
-            <a:r>
-              <a:rPr lang="en-US" dirty="0" err="1">
+              <a:t>Focus on RRN</a:t>
+            </a:r>
+          </a:p>
+          <a:p>
+            <a:pPr lvl="1"/>
+            <a:r>
+              <a:rPr lang="en-US" dirty="0"/>
+              <a:t>Good for getting started</a:t>
+            </a:r>
+          </a:p>
+          <a:p>
+            <a:endParaRPr lang="en-US" dirty="0"/>
+          </a:p>
+          <a:p>
+            <a:r>
+              <a:rPr lang="en-US" dirty="0"/>
+              <a:t>CAC </a:t>
+            </a:r>
+            <a:r>
+              <a:rPr lang="en-US" dirty="0">
                 <a:hlinkClick r:id="rId3"/>
               </a:rPr>
-              <a:t>Mobaxterm</a:t>
-            </a:r>
-            <a:r>
-              <a:rPr lang="en-US" dirty="0"/>
-              <a:t>)</a:t>
-            </a:r>
+              <a:t>User manual</a:t>
+            </a:r>
+            <a:endParaRPr lang="en-US" dirty="0"/>
           </a:p>
           <a:p>
             <a:pPr lvl="1"/>
             <a:r>
               <a:rPr lang="en-US" dirty="0"/>
-              <a:t>Mac (terminal + </a:t>
-            </a:r>
-            <a:r>
-              <a:rPr lang="en-US" dirty="0" err="1">
-                <a:hlinkClick r:id="rId4"/>
-              </a:rPr>
-              <a:t>Xquartz</a:t>
-            </a:r>
-            <a:r>
-              <a:rPr lang="en-US" dirty="0"/>
-              <a:t>)</a:t>
+              <a:t>Including HPC usage (Compute Nodes)</a:t>
             </a:r>
           </a:p>
           <a:p>
             <a:pPr lvl="1"/>
-            <a:endParaRPr lang="en-US" dirty="0"/>
-          </a:p>
-          <a:p>
-            <a:pPr marL="0" indent="0" algn="ctr">
-              <a:buNone/>
-            </a:pPr>
-            <a:r>
-              <a:rPr lang="en-US" dirty="0" err="1">
-                <a:latin typeface="Consolas" panose="020B0609020204030204" pitchFamily="49" charset="0"/>
-              </a:rPr>
-              <a:t>ssh</a:t>
-            </a:r>
-            <a:r>
-              <a:rPr lang="en-US" dirty="0">
-                <a:latin typeface="Consolas" panose="020B0609020204030204" pitchFamily="49" charset="0"/>
-              </a:rPr>
-              <a:t> -X yourUserName@rrlogin.cac.queensu.ca</a:t>
-            </a:r>
-          </a:p>
-        </p:txBody>
-      </p:sp>
-      <p:sp>
-        <p:nvSpPr>
-          <p:cNvPr id="4" name="TextBox 3">
-            <a:extLst>
-              <a:ext uri="{FF2B5EF4-FFF2-40B4-BE49-F238E27FC236}">
-                <a16:creationId xmlns:a16="http://schemas.microsoft.com/office/drawing/2014/main" id="{8D15B066-9A65-45E4-A18D-B97E8627201A}"/>
-              </a:ext>
-            </a:extLst>
-          </p:cNvPr>
-          <p:cNvSpPr txBox="1"/>
-          <p:nvPr/>
-        </p:nvSpPr>
-        <p:spPr>
-          <a:xfrm>
-            <a:off x="884189" y="6308209"/>
-            <a:ext cx="8132804" cy="369332"/>
-          </a:xfrm>
-          <a:prstGeom prst="rect">
-            <a:avLst/>
-          </a:prstGeom>
-          <a:noFill/>
-        </p:spPr>
-        <p:txBody>
-          <a:bodyPr wrap="none" rtlCol="0">
-            <a:spAutoFit/>
-          </a:bodyPr>
-          <a:lstStyle/>
-          <a:p>
-            <a:r>
-              <a:rPr lang="en-US" dirty="0">
-                <a:hlinkClick r:id="rId5"/>
-              </a:rPr>
-              <a:t>https://tdmdal.github.io/computing-research/getting-started.html#logging-on-to-rrn</a:t>
-            </a:r>
-            <a:endParaRPr lang="en-US" dirty="0"/>
+            <a:r>
+              <a:rPr lang="en-US" dirty="0"/>
+              <a:t>For users with highly compute-intensive jobs</a:t>
+            </a:r>
           </a:p>
         </p:txBody>
       </p:sp>
     </p:spTree>
     <p:extLst>
       <p:ext uri="{BB962C8B-B14F-4D97-AF65-F5344CB8AC3E}">
-        <p14:creationId xmlns:p14="http://schemas.microsoft.com/office/powerpoint/2010/main" val="1208205094"/>
+        <p14:creationId xmlns:p14="http://schemas.microsoft.com/office/powerpoint/2010/main" val="1845426103"/>
       </p:ext>
     </p:extLst>
   </p:cSld>
@@ -3789,6 +4331,691 @@
           <p:cNvPr id="2" name="Title 1">
             <a:extLst>
               <a:ext uri="{FF2B5EF4-FFF2-40B4-BE49-F238E27FC236}">
+                <a16:creationId xmlns:a16="http://schemas.microsoft.com/office/drawing/2014/main" id="{A54D1AF9-93A5-46DD-BE38-06EB4CA23C16}"/>
+              </a:ext>
+            </a:extLst>
+          </p:cNvPr>
+          <p:cNvSpPr>
+            <a:spLocks noGrp="1"/>
+          </p:cNvSpPr>
+          <p:nvPr>
+            <p:ph type="title"/>
+          </p:nvPr>
+        </p:nvSpPr>
+        <p:spPr/>
+        <p:txBody>
+          <a:bodyPr/>
+          <a:lstStyle/>
+          <a:p>
+            <a:r>
+              <a:rPr lang="en-US" dirty="0"/>
+              <a:t>How to Use RRN – Account &amp; Logon</a:t>
+            </a:r>
+          </a:p>
+        </p:txBody>
+      </p:sp>
+      <p:sp>
+        <p:nvSpPr>
+          <p:cNvPr id="3" name="Content Placeholder 2">
+            <a:extLst>
+              <a:ext uri="{FF2B5EF4-FFF2-40B4-BE49-F238E27FC236}">
+                <a16:creationId xmlns:a16="http://schemas.microsoft.com/office/drawing/2014/main" id="{8CED3144-FF98-4FC1-96DB-89917B23FDA1}"/>
+              </a:ext>
+            </a:extLst>
+          </p:cNvPr>
+          <p:cNvSpPr>
+            <a:spLocks noGrp="1"/>
+          </p:cNvSpPr>
+          <p:nvPr>
+            <p:ph idx="1"/>
+          </p:nvPr>
+        </p:nvSpPr>
+        <p:spPr/>
+        <p:txBody>
+          <a:bodyPr/>
+          <a:lstStyle/>
+          <a:p>
+            <a:r>
+              <a:rPr lang="en-US" dirty="0"/>
+              <a:t>Email </a:t>
+            </a:r>
+            <a:r>
+              <a:rPr lang="en-US" dirty="0">
+                <a:hlinkClick r:id="rId2"/>
+              </a:rPr>
+              <a:t>tdmdal@rotman.utoronto.ca</a:t>
+            </a:r>
+            <a:r>
+              <a:rPr lang="en-US" dirty="0"/>
+              <a:t> for an account</a:t>
+            </a:r>
+          </a:p>
+          <a:p>
+            <a:endParaRPr lang="en-US" dirty="0"/>
+          </a:p>
+          <a:p>
+            <a:r>
+              <a:rPr lang="en-US" dirty="0"/>
+              <a:t>SSH (Secure Shell) client</a:t>
+            </a:r>
+          </a:p>
+          <a:p>
+            <a:pPr lvl="1"/>
+            <a:r>
+              <a:rPr lang="en-US" dirty="0"/>
+              <a:t>Windows (ex. </a:t>
+            </a:r>
+            <a:r>
+              <a:rPr lang="en-US" dirty="0" err="1">
+                <a:hlinkClick r:id="rId3"/>
+              </a:rPr>
+              <a:t>Mobaxterm</a:t>
+            </a:r>
+            <a:r>
+              <a:rPr lang="en-US" dirty="0"/>
+              <a:t>)</a:t>
+            </a:r>
+          </a:p>
+          <a:p>
+            <a:pPr lvl="1"/>
+            <a:r>
+              <a:rPr lang="en-US" dirty="0"/>
+              <a:t>Mac (terminal + </a:t>
+            </a:r>
+            <a:r>
+              <a:rPr lang="en-US" dirty="0" err="1">
+                <a:hlinkClick r:id="rId4"/>
+              </a:rPr>
+              <a:t>Xquartz</a:t>
+            </a:r>
+            <a:r>
+              <a:rPr lang="en-US" dirty="0"/>
+              <a:t>)</a:t>
+            </a:r>
+          </a:p>
+          <a:p>
+            <a:pPr lvl="1"/>
+            <a:endParaRPr lang="en-US" dirty="0"/>
+          </a:p>
+          <a:p>
+            <a:pPr marL="0" indent="0" algn="ctr">
+              <a:buNone/>
+            </a:pPr>
+            <a:r>
+              <a:rPr lang="en-US" dirty="0" err="1">
+                <a:latin typeface="Consolas" panose="020B0609020204030204" pitchFamily="49" charset="0"/>
+              </a:rPr>
+              <a:t>ssh</a:t>
+            </a:r>
+            <a:r>
+              <a:rPr lang="en-US" dirty="0">
+                <a:latin typeface="Consolas" panose="020B0609020204030204" pitchFamily="49" charset="0"/>
+              </a:rPr>
+              <a:t> -X yourUserName@rrlogin.cac.queensu.ca</a:t>
+            </a:r>
+          </a:p>
+        </p:txBody>
+      </p:sp>
+      <p:sp>
+        <p:nvSpPr>
+          <p:cNvPr id="4" name="TextBox 3">
+            <a:extLst>
+              <a:ext uri="{FF2B5EF4-FFF2-40B4-BE49-F238E27FC236}">
+                <a16:creationId xmlns:a16="http://schemas.microsoft.com/office/drawing/2014/main" id="{8D15B066-9A65-45E4-A18D-B97E8627201A}"/>
+              </a:ext>
+            </a:extLst>
+          </p:cNvPr>
+          <p:cNvSpPr txBox="1"/>
+          <p:nvPr/>
+        </p:nvSpPr>
+        <p:spPr>
+          <a:xfrm>
+            <a:off x="884189" y="6308209"/>
+            <a:ext cx="8132804" cy="369332"/>
+          </a:xfrm>
+          <a:prstGeom prst="rect">
+            <a:avLst/>
+          </a:prstGeom>
+          <a:noFill/>
+        </p:spPr>
+        <p:txBody>
+          <a:bodyPr wrap="none" rtlCol="0">
+            <a:spAutoFit/>
+          </a:bodyPr>
+          <a:lstStyle/>
+          <a:p>
+            <a:r>
+              <a:rPr lang="en-US" dirty="0">
+                <a:hlinkClick r:id="rId5"/>
+              </a:rPr>
+              <a:t>https://tdmdal.github.io/computing-research/getting-started.html#logging-on-to-rrn</a:t>
+            </a:r>
+            <a:endParaRPr lang="en-US" dirty="0"/>
+          </a:p>
+        </p:txBody>
+      </p:sp>
+    </p:spTree>
+    <p:extLst>
+      <p:ext uri="{BB962C8B-B14F-4D97-AF65-F5344CB8AC3E}">
+        <p14:creationId xmlns:p14="http://schemas.microsoft.com/office/powerpoint/2010/main" val="1208205094"/>
+      </p:ext>
+    </p:extLst>
+  </p:cSld>
+  <p:clrMapOvr>
+    <a:masterClrMapping/>
+  </p:clrMapOvr>
+</p:sld>
+</file>
+
+<file path=ppt/slides/slide13.xml><?xml version="1.0" encoding="utf-8"?>
+<p:sld xmlns:a="http://schemas.openxmlformats.org/drawingml/2006/main" xmlns:r="http://schemas.openxmlformats.org/officeDocument/2006/relationships" xmlns:p="http://schemas.openxmlformats.org/presentationml/2006/main">
+  <p:cSld>
+    <p:spTree>
+      <p:nvGrpSpPr>
+        <p:cNvPr id="1" name=""/>
+        <p:cNvGrpSpPr/>
+        <p:nvPr/>
+      </p:nvGrpSpPr>
+      <p:grpSpPr>
+        <a:xfrm>
+          <a:off x="0" y="0"/>
+          <a:ext cx="0" cy="0"/>
+          <a:chOff x="0" y="0"/>
+          <a:chExt cx="0" cy="0"/>
+        </a:xfrm>
+      </p:grpSpPr>
+      <p:sp>
+        <p:nvSpPr>
+          <p:cNvPr id="2" name="Title 1">
+            <a:extLst>
+              <a:ext uri="{FF2B5EF4-FFF2-40B4-BE49-F238E27FC236}">
+                <a16:creationId xmlns:a16="http://schemas.microsoft.com/office/drawing/2014/main" id="{1C0D4F23-7D70-40BA-87F7-6E213174B0AA}"/>
+              </a:ext>
+            </a:extLst>
+          </p:cNvPr>
+          <p:cNvSpPr>
+            <a:spLocks noGrp="1"/>
+          </p:cNvSpPr>
+          <p:nvPr>
+            <p:ph type="title"/>
+          </p:nvPr>
+        </p:nvSpPr>
+        <p:spPr/>
+        <p:txBody>
+          <a:bodyPr/>
+          <a:lstStyle/>
+          <a:p>
+            <a:r>
+              <a:rPr lang="en-US" dirty="0"/>
+              <a:t>Folder Structure &amp; Disk Quota</a:t>
+            </a:r>
+          </a:p>
+        </p:txBody>
+      </p:sp>
+      <p:graphicFrame>
+        <p:nvGraphicFramePr>
+          <p:cNvPr id="4" name="Table 3">
+            <a:extLst>
+              <a:ext uri="{FF2B5EF4-FFF2-40B4-BE49-F238E27FC236}">
+                <a16:creationId xmlns:a16="http://schemas.microsoft.com/office/drawing/2014/main" id="{B3CFDF91-B9E5-4943-8FCF-FC6199D54FB0}"/>
+              </a:ext>
+            </a:extLst>
+          </p:cNvPr>
+          <p:cNvGraphicFramePr>
+            <a:graphicFrameLocks noGrp="1"/>
+          </p:cNvGraphicFramePr>
+          <p:nvPr>
+            <p:extLst>
+              <p:ext uri="{D42A27DB-BD31-4B8C-83A1-F6EECF244321}">
+                <p14:modId xmlns:p14="http://schemas.microsoft.com/office/powerpoint/2010/main" val="3889060642"/>
+              </p:ext>
+            </p:extLst>
+          </p:nvPr>
+        </p:nvGraphicFramePr>
+        <p:xfrm>
+          <a:off x="838200" y="1594888"/>
+          <a:ext cx="10430692" cy="3416003"/>
+        </p:xfrm>
+        <a:graphic>
+          <a:graphicData uri="http://schemas.openxmlformats.org/drawingml/2006/table">
+            <a:tbl>
+              <a:tblPr firstRow="1" bandRow="1">
+                <a:tableStyleId>{5C22544A-7EE6-4342-B048-85BDC9FD1C3A}</a:tableStyleId>
+              </a:tblPr>
+              <a:tblGrid>
+                <a:gridCol w="1224473">
+                  <a:extLst>
+                    <a:ext uri="{9D8B030D-6E8A-4147-A177-3AD203B41FA5}">
+                      <a16:colId xmlns:a16="http://schemas.microsoft.com/office/drawing/2014/main" val="3972403749"/>
+                    </a:ext>
+                  </a:extLst>
+                </a:gridCol>
+                <a:gridCol w="6072693">
+                  <a:extLst>
+                    <a:ext uri="{9D8B030D-6E8A-4147-A177-3AD203B41FA5}">
+                      <a16:colId xmlns:a16="http://schemas.microsoft.com/office/drawing/2014/main" val="121675354"/>
+                    </a:ext>
+                  </a:extLst>
+                </a:gridCol>
+                <a:gridCol w="1235270">
+                  <a:extLst>
+                    <a:ext uri="{9D8B030D-6E8A-4147-A177-3AD203B41FA5}">
+                      <a16:colId xmlns:a16="http://schemas.microsoft.com/office/drawing/2014/main" val="1824989096"/>
+                    </a:ext>
+                  </a:extLst>
+                </a:gridCol>
+                <a:gridCol w="1898256">
+                  <a:extLst>
+                    <a:ext uri="{9D8B030D-6E8A-4147-A177-3AD203B41FA5}">
+                      <a16:colId xmlns:a16="http://schemas.microsoft.com/office/drawing/2014/main" val="2098805728"/>
+                    </a:ext>
+                  </a:extLst>
+                </a:gridCol>
+              </a:tblGrid>
+              <a:tr h="695927">
+                <a:tc>
+                  <a:txBody>
+                    <a:bodyPr/>
+                    <a:lstStyle/>
+                    <a:p>
+                      <a:r>
+                        <a:rPr lang="en-US" sz="2400" dirty="0"/>
+                        <a:t>Folder</a:t>
+                      </a:r>
+                    </a:p>
+                  </a:txBody>
+                  <a:tcPr anchor="ctr"/>
+                </a:tc>
+                <a:tc>
+                  <a:txBody>
+                    <a:bodyPr/>
+                    <a:lstStyle/>
+                    <a:p>
+                      <a:r>
+                        <a:rPr lang="en-US" sz="2400" dirty="0"/>
+                        <a:t>Path</a:t>
+                      </a:r>
+                    </a:p>
+                  </a:txBody>
+                  <a:tcPr anchor="ctr"/>
+                </a:tc>
+                <a:tc>
+                  <a:txBody>
+                    <a:bodyPr/>
+                    <a:lstStyle/>
+                    <a:p>
+                      <a:r>
+                        <a:rPr lang="en-US" sz="2400" dirty="0"/>
+                        <a:t>Quota</a:t>
+                      </a:r>
+                    </a:p>
+                  </a:txBody>
+                  <a:tcPr anchor="ctr"/>
+                </a:tc>
+                <a:tc>
+                  <a:txBody>
+                    <a:bodyPr/>
+                    <a:lstStyle/>
+                    <a:p>
+                      <a:r>
+                        <a:rPr lang="en-US" sz="2400" dirty="0"/>
+                        <a:t>Usage</a:t>
+                      </a:r>
+                    </a:p>
+                  </a:txBody>
+                  <a:tcPr anchor="ctr"/>
+                </a:tc>
+                <a:extLst>
+                  <a:ext uri="{0D108BD9-81ED-4DB2-BD59-A6C34878D82A}">
+                    <a16:rowId xmlns:a16="http://schemas.microsoft.com/office/drawing/2014/main" val="2027746332"/>
+                  </a:ext>
+                </a:extLst>
+              </a:tr>
+              <a:tr h="695927">
+                <a:tc>
+                  <a:txBody>
+                    <a:bodyPr/>
+                    <a:lstStyle/>
+                    <a:p>
+                      <a:r>
+                        <a:rPr lang="en-US" sz="2400" dirty="0"/>
+                        <a:t>Home</a:t>
+                      </a:r>
+                    </a:p>
+                  </a:txBody>
+                  <a:tcPr anchor="ctr"/>
+                </a:tc>
+                <a:tc>
+                  <a:txBody>
+                    <a:bodyPr/>
+                    <a:lstStyle/>
+                    <a:p>
+                      <a:r>
+                        <a:rPr lang="en-US" sz="2400" dirty="0">
+                          <a:latin typeface="Consolas" panose="020B0609020204030204" pitchFamily="49" charset="0"/>
+                        </a:rPr>
+                        <a:t>/global/home/</a:t>
+                      </a:r>
+                      <a:r>
+                        <a:rPr lang="en-US" sz="2400" dirty="0" err="1">
+                          <a:latin typeface="Consolas" panose="020B0609020204030204" pitchFamily="49" charset="0"/>
+                        </a:rPr>
+                        <a:t>yourUserName</a:t>
+                      </a:r>
+                      <a:r>
+                        <a:rPr lang="en-US" sz="2400" dirty="0">
+                          <a:latin typeface="Consolas" panose="020B0609020204030204" pitchFamily="49" charset="0"/>
+                        </a:rPr>
+                        <a:t>/</a:t>
+                      </a:r>
+                    </a:p>
+                  </a:txBody>
+                  <a:tcPr anchor="ctr"/>
+                </a:tc>
+                <a:tc>
+                  <a:txBody>
+                    <a:bodyPr/>
+                    <a:lstStyle/>
+                    <a:p>
+                      <a:r>
+                        <a:rPr lang="en-US" sz="2400" dirty="0"/>
+                        <a:t>3T</a:t>
+                      </a:r>
+                    </a:p>
+                  </a:txBody>
+                  <a:tcPr anchor="ctr"/>
+                </a:tc>
+                <a:tc>
+                  <a:txBody>
+                    <a:bodyPr/>
+                    <a:lstStyle/>
+                    <a:p>
+                      <a:r>
+                        <a:rPr lang="en-US" sz="2400" dirty="0"/>
+                        <a:t>Main storage</a:t>
+                      </a:r>
+                    </a:p>
+                  </a:txBody>
+                  <a:tcPr anchor="ctr"/>
+                </a:tc>
+                <a:extLst>
+                  <a:ext uri="{0D108BD9-81ED-4DB2-BD59-A6C34878D82A}">
+                    <a16:rowId xmlns:a16="http://schemas.microsoft.com/office/drawing/2014/main" val="1951692562"/>
+                  </a:ext>
+                </a:extLst>
+              </a:tr>
+              <a:tr h="1201189">
+                <a:tc>
+                  <a:txBody>
+                    <a:bodyPr/>
+                    <a:lstStyle/>
+                    <a:p>
+                      <a:r>
+                        <a:rPr lang="en-US" sz="2400" dirty="0"/>
+                        <a:t>Project</a:t>
+                      </a:r>
+                    </a:p>
+                  </a:txBody>
+                  <a:tcPr anchor="ctr"/>
+                </a:tc>
+                <a:tc>
+                  <a:txBody>
+                    <a:bodyPr/>
+                    <a:lstStyle/>
+                    <a:p>
+                      <a:r>
+                        <a:rPr lang="en-US" sz="2400" dirty="0">
+                          <a:latin typeface="Consolas" panose="020B0609020204030204" pitchFamily="49" charset="0"/>
+                        </a:rPr>
+                        <a:t>/global/project/</a:t>
+                      </a:r>
+                      <a:r>
+                        <a:rPr lang="en-US" sz="2400" dirty="0" err="1">
+                          <a:latin typeface="Consolas" panose="020B0609020204030204" pitchFamily="49" charset="0"/>
+                        </a:rPr>
+                        <a:t>rotman_research</a:t>
+                      </a:r>
+                      <a:r>
+                        <a:rPr lang="en-US" sz="2400" dirty="0">
+                          <a:latin typeface="Consolas" panose="020B0609020204030204" pitchFamily="49" charset="0"/>
+                        </a:rPr>
+                        <a:t>/</a:t>
+                      </a:r>
+                      <a:r>
+                        <a:rPr lang="en-US" sz="2400" dirty="0" err="1">
+                          <a:latin typeface="Consolas" panose="020B0609020204030204" pitchFamily="49" charset="0"/>
+                        </a:rPr>
+                        <a:t>yourUserName</a:t>
+                      </a:r>
+                      <a:r>
+                        <a:rPr lang="en-US" sz="2400" dirty="0">
+                          <a:latin typeface="Consolas" panose="020B0609020204030204" pitchFamily="49" charset="0"/>
+                        </a:rPr>
+                        <a:t>/</a:t>
+                      </a:r>
+                    </a:p>
+                  </a:txBody>
+                  <a:tcPr anchor="ctr"/>
+                </a:tc>
+                <a:tc>
+                  <a:txBody>
+                    <a:bodyPr/>
+                    <a:lstStyle/>
+                    <a:p>
+                      <a:r>
+                        <a:rPr lang="en-US" sz="2400" dirty="0"/>
+                        <a:t>50T shared</a:t>
+                      </a:r>
+                    </a:p>
+                  </a:txBody>
+                  <a:tcPr anchor="ctr"/>
+                </a:tc>
+                <a:tc>
+                  <a:txBody>
+                    <a:bodyPr/>
+                    <a:lstStyle/>
+                    <a:p>
+                      <a:r>
+                        <a:rPr lang="en-US" sz="2400" dirty="0"/>
+                        <a:t>Additional storage</a:t>
+                      </a:r>
+                    </a:p>
+                  </a:txBody>
+                  <a:tcPr anchor="ctr"/>
+                </a:tc>
+                <a:extLst>
+                  <a:ext uri="{0D108BD9-81ED-4DB2-BD59-A6C34878D82A}">
+                    <a16:rowId xmlns:a16="http://schemas.microsoft.com/office/drawing/2014/main" val="720096361"/>
+                  </a:ext>
+                </a:extLst>
+              </a:tr>
+              <a:tr h="802080">
+                <a:tc>
+                  <a:txBody>
+                    <a:bodyPr/>
+                    <a:lstStyle/>
+                    <a:p>
+                      <a:r>
+                        <a:rPr lang="en-US" sz="2400" dirty="0"/>
+                        <a:t>Scratch</a:t>
+                      </a:r>
+                    </a:p>
+                  </a:txBody>
+                  <a:tcPr anchor="ctr"/>
+                </a:tc>
+                <a:tc>
+                  <a:txBody>
+                    <a:bodyPr/>
+                    <a:lstStyle/>
+                    <a:p>
+                      <a:r>
+                        <a:rPr lang="en-US" sz="2400" dirty="0">
+                          <a:latin typeface="Consolas" panose="020B0609020204030204" pitchFamily="49" charset="0"/>
+                        </a:rPr>
+                        <a:t>/global/scratch/</a:t>
+                      </a:r>
+                      <a:r>
+                        <a:rPr lang="en-US" sz="2400" dirty="0" err="1">
+                          <a:latin typeface="Consolas" panose="020B0609020204030204" pitchFamily="49" charset="0"/>
+                        </a:rPr>
+                        <a:t>yourUserName</a:t>
+                      </a:r>
+                      <a:r>
+                        <a:rPr lang="en-US" sz="2400" dirty="0">
+                          <a:latin typeface="Consolas" panose="020B0609020204030204" pitchFamily="49" charset="0"/>
+                        </a:rPr>
+                        <a:t>/</a:t>
+                      </a:r>
+                    </a:p>
+                  </a:txBody>
+                  <a:tcPr anchor="ctr"/>
+                </a:tc>
+                <a:tc>
+                  <a:txBody>
+                    <a:bodyPr/>
+                    <a:lstStyle/>
+                    <a:p>
+                      <a:r>
+                        <a:rPr lang="en-US" sz="2400" dirty="0"/>
+                        <a:t>5T</a:t>
+                      </a:r>
+                    </a:p>
+                  </a:txBody>
+                  <a:tcPr anchor="ctr"/>
+                </a:tc>
+                <a:tc>
+                  <a:txBody>
+                    <a:bodyPr/>
+                    <a:lstStyle/>
+                    <a:p>
+                      <a:r>
+                        <a:rPr lang="en-US" sz="2400" dirty="0"/>
+                        <a:t>Temporary storage</a:t>
+                      </a:r>
+                    </a:p>
+                  </a:txBody>
+                  <a:tcPr anchor="ctr"/>
+                </a:tc>
+                <a:extLst>
+                  <a:ext uri="{0D108BD9-81ED-4DB2-BD59-A6C34878D82A}">
+                    <a16:rowId xmlns:a16="http://schemas.microsoft.com/office/drawing/2014/main" val="2063718120"/>
+                  </a:ext>
+                </a:extLst>
+              </a:tr>
+            </a:tbl>
+          </a:graphicData>
+        </a:graphic>
+      </p:graphicFrame>
+      <p:sp>
+        <p:nvSpPr>
+          <p:cNvPr id="8" name="TextBox 7">
+            <a:extLst>
+              <a:ext uri="{FF2B5EF4-FFF2-40B4-BE49-F238E27FC236}">
+                <a16:creationId xmlns:a16="http://schemas.microsoft.com/office/drawing/2014/main" id="{4A4C9F88-27A3-403C-87DF-5BBC106F6A61}"/>
+              </a:ext>
+            </a:extLst>
+          </p:cNvPr>
+          <p:cNvSpPr txBox="1"/>
+          <p:nvPr/>
+        </p:nvSpPr>
+        <p:spPr>
+          <a:xfrm>
+            <a:off x="838200" y="5166420"/>
+            <a:ext cx="10909663" cy="1323439"/>
+          </a:xfrm>
+          <a:prstGeom prst="rect">
+            <a:avLst/>
+          </a:prstGeom>
+          <a:noFill/>
+        </p:spPr>
+        <p:txBody>
+          <a:bodyPr wrap="square" rtlCol="0">
+            <a:spAutoFit/>
+          </a:bodyPr>
+          <a:lstStyle/>
+          <a:p>
+            <a:r>
+              <a:rPr lang="en-US" sz="2000" dirty="0"/>
+              <a:t>Note: 1) Only you have access to those 3 folders</a:t>
+            </a:r>
+          </a:p>
+          <a:p>
+            <a:r>
+              <a:rPr lang="en-US" sz="2000" dirty="0"/>
+              <a:t>2) Your project folder shares the 50T quota with other </a:t>
+            </a:r>
+            <a:r>
+              <a:rPr lang="en-US" sz="2000" dirty="0" err="1"/>
+              <a:t>Rotman</a:t>
+            </a:r>
+            <a:r>
+              <a:rPr lang="en-US" sz="2000" dirty="0"/>
+              <a:t> project folders</a:t>
+            </a:r>
+          </a:p>
+          <a:p>
+            <a:r>
+              <a:rPr lang="en-US" sz="2000"/>
+              <a:t>3) project </a:t>
+            </a:r>
+            <a:r>
+              <a:rPr lang="en-US" sz="2000" dirty="0"/>
+              <a:t>and scratch folders can also be accessed via two shortcuts in the home folder: </a:t>
+            </a:r>
+            <a:r>
+              <a:rPr lang="en-US" sz="2000" b="1" dirty="0" err="1">
+                <a:latin typeface="Consolas" panose="020B0609020204030204" pitchFamily="49" charset="0"/>
+              </a:rPr>
+              <a:t>rotman_research</a:t>
+            </a:r>
+            <a:r>
+              <a:rPr lang="en-US" sz="2000" dirty="0"/>
+              <a:t> and </a:t>
+            </a:r>
+            <a:r>
+              <a:rPr lang="en-US" sz="2000" b="1" dirty="0">
+                <a:latin typeface="Consolas" panose="020B0609020204030204" pitchFamily="49" charset="0"/>
+              </a:rPr>
+              <a:t>scratch</a:t>
+            </a:r>
+          </a:p>
+        </p:txBody>
+      </p:sp>
+    </p:spTree>
+    <p:extLst>
+      <p:ext uri="{BB962C8B-B14F-4D97-AF65-F5344CB8AC3E}">
+        <p14:creationId xmlns:p14="http://schemas.microsoft.com/office/powerpoint/2010/main" val="1714344241"/>
+      </p:ext>
+    </p:extLst>
+  </p:cSld>
+  <p:clrMapOvr>
+    <a:masterClrMapping/>
+  </p:clrMapOvr>
+</p:sld>
+</file>
+
+<file path=ppt/slides/slide14.xml><?xml version="1.0" encoding="utf-8"?>
+<p:sld xmlns:a="http://schemas.openxmlformats.org/drawingml/2006/main" xmlns:r="http://schemas.openxmlformats.org/officeDocument/2006/relationships" xmlns:p="http://schemas.openxmlformats.org/presentationml/2006/main">
+  <p:cSld>
+    <p:spTree>
+      <p:nvGrpSpPr>
+        <p:cNvPr id="1" name=""/>
+        <p:cNvGrpSpPr/>
+        <p:nvPr/>
+      </p:nvGrpSpPr>
+      <p:grpSpPr>
+        <a:xfrm>
+          <a:off x="0" y="0"/>
+          <a:ext cx="0" cy="0"/>
+          <a:chOff x="0" y="0"/>
+          <a:chExt cx="0" cy="0"/>
+        </a:xfrm>
+      </p:grpSpPr>
+      <p:sp>
+        <p:nvSpPr>
+          <p:cNvPr id="2" name="Title 1">
+            <a:extLst>
+              <a:ext uri="{FF2B5EF4-FFF2-40B4-BE49-F238E27FC236}">
                 <a16:creationId xmlns:a16="http://schemas.microsoft.com/office/drawing/2014/main" id="{128A8472-7456-4B26-9EDB-DBF7A7B12902}"/>
               </a:ext>
             </a:extLst>
@@ -4008,7 +5235,195 @@
 </p:sld>
 </file>
 
-<file path=ppt/slides/slide13.xml><?xml version="1.0" encoding="utf-8"?>
+<file path=ppt/slides/slide15.xml><?xml version="1.0" encoding="utf-8"?>
+<p:sld xmlns:a="http://schemas.openxmlformats.org/drawingml/2006/main" xmlns:r="http://schemas.openxmlformats.org/officeDocument/2006/relationships" xmlns:p="http://schemas.openxmlformats.org/presentationml/2006/main">
+  <p:cSld>
+    <p:spTree>
+      <p:nvGrpSpPr>
+        <p:cNvPr id="1" name=""/>
+        <p:cNvGrpSpPr/>
+        <p:nvPr/>
+      </p:nvGrpSpPr>
+      <p:grpSpPr>
+        <a:xfrm>
+          <a:off x="0" y="0"/>
+          <a:ext cx="0" cy="0"/>
+          <a:chOff x="0" y="0"/>
+          <a:chExt cx="0" cy="0"/>
+        </a:xfrm>
+      </p:grpSpPr>
+      <p:sp>
+        <p:nvSpPr>
+          <p:cNvPr id="2" name="Title 1">
+            <a:extLst>
+              <a:ext uri="{FF2B5EF4-FFF2-40B4-BE49-F238E27FC236}">
+                <a16:creationId xmlns:a16="http://schemas.microsoft.com/office/drawing/2014/main" id="{2467A9F1-4E51-4859-BD6E-6A30989FF959}"/>
+              </a:ext>
+            </a:extLst>
+          </p:cNvPr>
+          <p:cNvSpPr>
+            <a:spLocks noGrp="1"/>
+          </p:cNvSpPr>
+          <p:nvPr>
+            <p:ph type="title"/>
+          </p:nvPr>
+        </p:nvSpPr>
+        <p:spPr/>
+        <p:txBody>
+          <a:bodyPr/>
+          <a:lstStyle/>
+          <a:p>
+            <a:r>
+              <a:rPr lang="en-US" dirty="0"/>
+              <a:t>Using Software – Module System</a:t>
+            </a:r>
+          </a:p>
+        </p:txBody>
+      </p:sp>
+      <p:sp>
+        <p:nvSpPr>
+          <p:cNvPr id="3" name="Content Placeholder 2">
+            <a:extLst>
+              <a:ext uri="{FF2B5EF4-FFF2-40B4-BE49-F238E27FC236}">
+                <a16:creationId xmlns:a16="http://schemas.microsoft.com/office/drawing/2014/main" id="{898F6EEF-7A0C-4D76-8C06-43E6306C7CC2}"/>
+              </a:ext>
+            </a:extLst>
+          </p:cNvPr>
+          <p:cNvSpPr>
+            <a:spLocks noGrp="1"/>
+          </p:cNvSpPr>
+          <p:nvPr>
+            <p:ph idx="1"/>
+          </p:nvPr>
+        </p:nvSpPr>
+        <p:spPr/>
+        <p:txBody>
+          <a:bodyPr/>
+          <a:lstStyle/>
+          <a:p>
+            <a:r>
+              <a:rPr lang="en-US" dirty="0"/>
+              <a:t>A software Environment Module system</a:t>
+            </a:r>
+          </a:p>
+          <a:p>
+            <a:endParaRPr lang="en-US" dirty="0"/>
+          </a:p>
+          <a:p>
+            <a:pPr marL="0" indent="0" algn="ctr">
+              <a:buNone/>
+            </a:pPr>
+            <a:r>
+              <a:rPr lang="en-US" dirty="0">
+                <a:latin typeface="Consolas" panose="020B0609020204030204" pitchFamily="49" charset="0"/>
+              </a:rPr>
+              <a:t>module avail</a:t>
+            </a:r>
+          </a:p>
+          <a:p>
+            <a:pPr marL="0" indent="0" algn="ctr">
+              <a:buNone/>
+            </a:pPr>
+            <a:endParaRPr lang="en-US" dirty="0">
+              <a:latin typeface="Consolas" panose="020B0609020204030204" pitchFamily="49" charset="0"/>
+            </a:endParaRPr>
+          </a:p>
+          <a:p>
+            <a:pPr marL="0" indent="0" algn="ctr">
+              <a:buNone/>
+            </a:pPr>
+            <a:r>
+              <a:rPr lang="en-US" dirty="0">
+                <a:latin typeface="Consolas" panose="020B0609020204030204" pitchFamily="49" charset="0"/>
+              </a:rPr>
+              <a:t>module load &lt;</a:t>
+            </a:r>
+            <a:r>
+              <a:rPr lang="en-US" dirty="0" err="1">
+                <a:latin typeface="Consolas" panose="020B0609020204030204" pitchFamily="49" charset="0"/>
+              </a:rPr>
+              <a:t>module_name</a:t>
+            </a:r>
+            <a:r>
+              <a:rPr lang="en-US" dirty="0">
+                <a:latin typeface="Consolas" panose="020B0609020204030204" pitchFamily="49" charset="0"/>
+              </a:rPr>
+              <a:t>&gt;</a:t>
+            </a:r>
+          </a:p>
+          <a:p>
+            <a:pPr marL="0" indent="0" algn="ctr">
+              <a:buNone/>
+            </a:pPr>
+            <a:endParaRPr lang="en-US" dirty="0">
+              <a:latin typeface="Consolas" panose="020B0609020204030204" pitchFamily="49" charset="0"/>
+            </a:endParaRPr>
+          </a:p>
+          <a:p>
+            <a:pPr marL="0" indent="0" algn="ctr">
+              <a:buNone/>
+            </a:pPr>
+            <a:r>
+              <a:rPr lang="en-US" dirty="0">
+                <a:latin typeface="Consolas" panose="020B0609020204030204" pitchFamily="49" charset="0"/>
+              </a:rPr>
+              <a:t>module list</a:t>
+            </a:r>
+          </a:p>
+        </p:txBody>
+      </p:sp>
+      <p:sp>
+        <p:nvSpPr>
+          <p:cNvPr id="4" name="TextBox 3">
+            <a:extLst>
+              <a:ext uri="{FF2B5EF4-FFF2-40B4-BE49-F238E27FC236}">
+                <a16:creationId xmlns:a16="http://schemas.microsoft.com/office/drawing/2014/main" id="{F7320CDB-A8D1-44DE-99C4-62ACB9D31EFE}"/>
+              </a:ext>
+            </a:extLst>
+          </p:cNvPr>
+          <p:cNvSpPr txBox="1"/>
+          <p:nvPr/>
+        </p:nvSpPr>
+        <p:spPr>
+          <a:xfrm>
+            <a:off x="884189" y="6308209"/>
+            <a:ext cx="8132804" cy="369332"/>
+          </a:xfrm>
+          <a:prstGeom prst="rect">
+            <a:avLst/>
+          </a:prstGeom>
+          <a:noFill/>
+        </p:spPr>
+        <p:txBody>
+          <a:bodyPr wrap="none" rtlCol="0">
+            <a:spAutoFit/>
+          </a:bodyPr>
+          <a:lstStyle/>
+          <a:p>
+            <a:r>
+              <a:rPr lang="en-US" dirty="0">
+                <a:hlinkClick r:id="rId2"/>
+              </a:rPr>
+              <a:t>https://tdmdal.github.io/computing-research/getting-started.html#loading-software</a:t>
+            </a:r>
+            <a:endParaRPr lang="en-US" dirty="0"/>
+          </a:p>
+        </p:txBody>
+      </p:sp>
+    </p:spTree>
+    <p:extLst>
+      <p:ext uri="{BB962C8B-B14F-4D97-AF65-F5344CB8AC3E}">
+        <p14:creationId xmlns:p14="http://schemas.microsoft.com/office/powerpoint/2010/main" val="4034858110"/>
+      </p:ext>
+    </p:extLst>
+  </p:cSld>
+  <p:clrMapOvr>
+    <a:masterClrMapping/>
+  </p:clrMapOvr>
+</p:sld>
+</file>
+
+<file path=ppt/slides/slide16.xml><?xml version="1.0" encoding="utf-8"?>
 <p:sld xmlns:a="http://schemas.openxmlformats.org/drawingml/2006/main" xmlns:r="http://schemas.openxmlformats.org/officeDocument/2006/relationships" xmlns:p="http://schemas.openxmlformats.org/presentationml/2006/main">
   <p:cSld>
     <p:spTree>
@@ -4338,7 +5753,7 @@
 </p:sld>
 </file>
 
-<file path=ppt/slides/slide14.xml><?xml version="1.0" encoding="utf-8"?>
+<file path=ppt/slides/slide17.xml><?xml version="1.0" encoding="utf-8"?>
 <p:sld xmlns:a="http://schemas.openxmlformats.org/drawingml/2006/main" xmlns:r="http://schemas.openxmlformats.org/officeDocument/2006/relationships" xmlns:p="http://schemas.openxmlformats.org/presentationml/2006/main">
   <p:cSld>
     <p:spTree>
@@ -4713,7 +6128,7 @@
 </p:sld>
 </file>
 
-<file path=ppt/slides/slide15.xml><?xml version="1.0" encoding="utf-8"?>
+<file path=ppt/slides/slide18.xml><?xml version="1.0" encoding="utf-8"?>
 <p:sld xmlns:a="http://schemas.openxmlformats.org/drawingml/2006/main" xmlns:r="http://schemas.openxmlformats.org/officeDocument/2006/relationships" xmlns:p="http://schemas.openxmlformats.org/presentationml/2006/main">
   <p:cSld>
     <p:spTree>
@@ -5130,7 +6545,7 @@
 </p:sld>
 </file>
 
-<file path=ppt/slides/slide16.xml><?xml version="1.0" encoding="utf-8"?>
+<file path=ppt/slides/slide19.xml><?xml version="1.0" encoding="utf-8"?>
 <p:sld xmlns:a="http://schemas.openxmlformats.org/drawingml/2006/main" xmlns:r="http://schemas.openxmlformats.org/officeDocument/2006/relationships" xmlns:p="http://schemas.openxmlformats.org/presentationml/2006/main">
   <p:cSld>
     <p:spTree>
@@ -5191,7 +6606,7 @@
             <p:ph idx="1"/>
             <p:extLst>
               <p:ext uri="{D42A27DB-BD31-4B8C-83A1-F6EECF244321}">
-                <p14:modId xmlns:p14="http://schemas.microsoft.com/office/powerpoint/2010/main" val="3955527758"/>
+                <p14:modId xmlns:p14="http://schemas.microsoft.com/office/powerpoint/2010/main" val="3838264471"/>
               </p:ext>
             </p:extLst>
           </p:nvPr>
@@ -5385,7 +6800,7 @@
                       </a:pPr>
                       <a:r>
                         <a:rPr lang="en-US" dirty="0"/>
-                        <a:t>&lt; 12 cores</a:t>
+                        <a:t>&lt; 6 cores</a:t>
                       </a:r>
                     </a:p>
                     <a:p>
@@ -5579,7 +6994,7 @@
 </p:sld>
 </file>
 
-<file path=ppt/slides/slide17.xml><?xml version="1.0" encoding="utf-8"?>
+<file path=ppt/slides/slide2.xml><?xml version="1.0" encoding="utf-8"?>
 <p:sld xmlns:a="http://schemas.openxmlformats.org/drawingml/2006/main" xmlns:r="http://schemas.openxmlformats.org/officeDocument/2006/relationships" xmlns:p="http://schemas.openxmlformats.org/presentationml/2006/main">
   <p:cSld>
     <p:spTree>
@@ -5601,7 +7016,7 @@
           <p:cNvPr id="2" name="Title 1">
             <a:extLst>
               <a:ext uri="{FF2B5EF4-FFF2-40B4-BE49-F238E27FC236}">
-                <a16:creationId xmlns:a16="http://schemas.microsoft.com/office/drawing/2014/main" id="{30D8D49B-3C48-4568-98CA-8F3E24BFFC08}"/>
+                <a16:creationId xmlns:a16="http://schemas.microsoft.com/office/drawing/2014/main" id="{A443D764-9C83-4FCB-9715-EFEAEF817CAD}"/>
               </a:ext>
             </a:extLst>
           </p:cNvPr>
@@ -5619,6 +7034,405 @@
           <a:p>
             <a:r>
               <a:rPr lang="en-US" dirty="0"/>
+              <a:t>Plan for Today</a:t>
+            </a:r>
+          </a:p>
+        </p:txBody>
+      </p:sp>
+      <p:sp>
+        <p:nvSpPr>
+          <p:cNvPr id="3" name="Content Placeholder 2">
+            <a:extLst>
+              <a:ext uri="{FF2B5EF4-FFF2-40B4-BE49-F238E27FC236}">
+                <a16:creationId xmlns:a16="http://schemas.microsoft.com/office/drawing/2014/main" id="{BB7B556C-5FEF-4232-856E-157EC6E87817}"/>
+              </a:ext>
+            </a:extLst>
+          </p:cNvPr>
+          <p:cNvSpPr>
+            <a:spLocks noGrp="1"/>
+          </p:cNvSpPr>
+          <p:nvPr>
+            <p:ph idx="1"/>
+          </p:nvPr>
+        </p:nvSpPr>
+        <p:spPr/>
+        <p:txBody>
+          <a:bodyPr/>
+          <a:lstStyle/>
+          <a:p>
+            <a:r>
+              <a:rPr lang="en-US" dirty="0"/>
+              <a:t>Agenda</a:t>
+            </a:r>
+          </a:p>
+          <a:p>
+            <a:pPr lvl="1"/>
+            <a:r>
+              <a:rPr lang="en-US" dirty="0"/>
+              <a:t>What is RRN?</a:t>
+            </a:r>
+          </a:p>
+          <a:p>
+            <a:pPr lvl="1"/>
+            <a:r>
+              <a:rPr lang="en-US" dirty="0"/>
+              <a:t>When will you choose to use it?</a:t>
+            </a:r>
+          </a:p>
+          <a:p>
+            <a:pPr lvl="1"/>
+            <a:r>
+              <a:rPr lang="en-US" dirty="0"/>
+              <a:t>How to use it depending on your use cases (demo)?</a:t>
+            </a:r>
+          </a:p>
+          <a:p>
+            <a:endParaRPr lang="en-US" dirty="0"/>
+          </a:p>
+          <a:p>
+            <a:r>
+              <a:rPr lang="en-US" dirty="0"/>
+              <a:t>We will focus on big pictures so</a:t>
+            </a:r>
+          </a:p>
+          <a:p>
+            <a:pPr lvl="1"/>
+            <a:r>
+              <a:rPr lang="en-US" dirty="0"/>
+              <a:t>You get a good general understanding of the system</a:t>
+            </a:r>
+          </a:p>
+          <a:p>
+            <a:pPr lvl="1"/>
+            <a:r>
+              <a:rPr lang="en-US" dirty="0"/>
+              <a:t>You know where to look for the details and what details</a:t>
+            </a:r>
+          </a:p>
+          <a:p>
+            <a:pPr lvl="2"/>
+            <a:r>
+              <a:rPr lang="en-US" dirty="0"/>
+              <a:t>user manuals, Internet, TDMDAL support, etc.</a:t>
+            </a:r>
+          </a:p>
+          <a:p>
+            <a:pPr lvl="1"/>
+            <a:endParaRPr lang="en-US" dirty="0"/>
+          </a:p>
+          <a:p>
+            <a:pPr lvl="1"/>
+            <a:endParaRPr lang="en-US" dirty="0"/>
+          </a:p>
+          <a:p>
+            <a:pPr lvl="1"/>
+            <a:endParaRPr lang="en-US" dirty="0"/>
+          </a:p>
+        </p:txBody>
+      </p:sp>
+    </p:spTree>
+    <p:extLst>
+      <p:ext uri="{BB962C8B-B14F-4D97-AF65-F5344CB8AC3E}">
+        <p14:creationId xmlns:p14="http://schemas.microsoft.com/office/powerpoint/2010/main" val="1836805581"/>
+      </p:ext>
+    </p:extLst>
+  </p:cSld>
+  <p:clrMapOvr>
+    <a:masterClrMapping/>
+  </p:clrMapOvr>
+</p:sld>
+</file>
+
+<file path=ppt/slides/slide20.xml><?xml version="1.0" encoding="utf-8"?>
+<p:sld xmlns:a="http://schemas.openxmlformats.org/drawingml/2006/main" xmlns:r="http://schemas.openxmlformats.org/officeDocument/2006/relationships" xmlns:p="http://schemas.openxmlformats.org/presentationml/2006/main">
+  <p:cSld>
+    <p:spTree>
+      <p:nvGrpSpPr>
+        <p:cNvPr id="1" name=""/>
+        <p:cNvGrpSpPr/>
+        <p:nvPr/>
+      </p:nvGrpSpPr>
+      <p:grpSpPr>
+        <a:xfrm>
+          <a:off x="0" y="0"/>
+          <a:ext cx="0" cy="0"/>
+          <a:chOff x="0" y="0"/>
+          <a:chExt cx="0" cy="0"/>
+        </a:xfrm>
+      </p:grpSpPr>
+      <p:sp>
+        <p:nvSpPr>
+          <p:cNvPr id="2" name="Title 1">
+            <a:extLst>
+              <a:ext uri="{FF2B5EF4-FFF2-40B4-BE49-F238E27FC236}">
+                <a16:creationId xmlns:a16="http://schemas.microsoft.com/office/drawing/2014/main" id="{8E77643F-7E4A-4C62-8C76-C75C53E0EA9A}"/>
+              </a:ext>
+            </a:extLst>
+          </p:cNvPr>
+          <p:cNvSpPr>
+            <a:spLocks noGrp="1"/>
+          </p:cNvSpPr>
+          <p:nvPr>
+            <p:ph type="title"/>
+          </p:nvPr>
+        </p:nvSpPr>
+        <p:spPr/>
+        <p:txBody>
+          <a:bodyPr/>
+          <a:lstStyle/>
+          <a:p>
+            <a:r>
+              <a:rPr lang="en-US" dirty="0"/>
+              <a:t>Ex.1 </a:t>
+            </a:r>
+            <a:r>
+              <a:rPr lang="en-US" dirty="0" err="1"/>
+              <a:t>Matlab</a:t>
+            </a:r>
+            <a:r>
+              <a:rPr lang="en-US" dirty="0"/>
+              <a:t> - RNN Interactive Mode</a:t>
+            </a:r>
+          </a:p>
+        </p:txBody>
+      </p:sp>
+      <p:sp>
+        <p:nvSpPr>
+          <p:cNvPr id="3" name="Content Placeholder 2">
+            <a:extLst>
+              <a:ext uri="{FF2B5EF4-FFF2-40B4-BE49-F238E27FC236}">
+                <a16:creationId xmlns:a16="http://schemas.microsoft.com/office/drawing/2014/main" id="{25EE8030-6D98-4B88-BF44-DCFCBA683B52}"/>
+              </a:ext>
+            </a:extLst>
+          </p:cNvPr>
+          <p:cNvSpPr>
+            <a:spLocks noGrp="1"/>
+          </p:cNvSpPr>
+          <p:nvPr>
+            <p:ph idx="1"/>
+          </p:nvPr>
+        </p:nvSpPr>
+        <p:spPr/>
+        <p:txBody>
+          <a:bodyPr>
+            <a:normAutofit/>
+          </a:bodyPr>
+          <a:lstStyle/>
+          <a:p>
+            <a:r>
+              <a:rPr lang="en-US" dirty="0"/>
+              <a:t>Load </a:t>
+            </a:r>
+            <a:r>
+              <a:rPr lang="en-US" dirty="0" err="1"/>
+              <a:t>matlab</a:t>
+            </a:r>
+            <a:r>
+              <a:rPr lang="en-US" dirty="0"/>
+              <a:t> module</a:t>
+            </a:r>
+          </a:p>
+          <a:p>
+            <a:pPr marL="0" indent="0" algn="ctr">
+              <a:buNone/>
+            </a:pPr>
+            <a:r>
+              <a:rPr lang="en-US" b="1" dirty="0">
+                <a:latin typeface="Consolas" panose="020B0609020204030204" pitchFamily="49" charset="0"/>
+              </a:rPr>
+              <a:t>module load </a:t>
+            </a:r>
+            <a:r>
+              <a:rPr lang="en-US" b="1" dirty="0" err="1">
+                <a:latin typeface="Consolas" panose="020B0609020204030204" pitchFamily="49" charset="0"/>
+              </a:rPr>
+              <a:t>matlab</a:t>
+            </a:r>
+            <a:r>
+              <a:rPr lang="en-US" b="1" dirty="0">
+                <a:latin typeface="Consolas" panose="020B0609020204030204" pitchFamily="49" charset="0"/>
+              </a:rPr>
+              <a:t>/R2018b</a:t>
+            </a:r>
+          </a:p>
+          <a:p>
+            <a:endParaRPr lang="en-US" dirty="0"/>
+          </a:p>
+          <a:p>
+            <a:r>
+              <a:rPr lang="en-US" dirty="0"/>
+              <a:t>Run </a:t>
+            </a:r>
+            <a:r>
+              <a:rPr lang="en-US" dirty="0" err="1"/>
+              <a:t>matlab</a:t>
+            </a:r>
+            <a:r>
+              <a:rPr lang="en-US" dirty="0"/>
+              <a:t> with GUI</a:t>
+            </a:r>
+          </a:p>
+          <a:p>
+            <a:pPr marL="0" indent="0" algn="ctr">
+              <a:buNone/>
+            </a:pPr>
+            <a:r>
+              <a:rPr lang="en-US" b="1" dirty="0" err="1">
+                <a:latin typeface="Consolas" panose="020B0609020204030204" pitchFamily="49" charset="0"/>
+              </a:rPr>
+              <a:t>matlab</a:t>
+            </a:r>
+            <a:endParaRPr lang="en-US" b="1" dirty="0">
+              <a:latin typeface="Consolas" panose="020B0609020204030204" pitchFamily="49" charset="0"/>
+            </a:endParaRPr>
+          </a:p>
+          <a:p>
+            <a:pPr marL="0" indent="0">
+              <a:buNone/>
+            </a:pPr>
+            <a:endParaRPr lang="en-US" dirty="0"/>
+          </a:p>
+          <a:p>
+            <a:r>
+              <a:rPr lang="en-US" dirty="0"/>
+              <a:t>Run </a:t>
+            </a:r>
+            <a:r>
+              <a:rPr lang="en-US" dirty="0" err="1"/>
+              <a:t>matlab</a:t>
+            </a:r>
+            <a:r>
+              <a:rPr lang="en-US" dirty="0"/>
+              <a:t> without GUI</a:t>
+            </a:r>
+            <a:endParaRPr lang="en-US" b="1" dirty="0">
+              <a:latin typeface="Consolas" panose="020B0609020204030204" pitchFamily="49" charset="0"/>
+            </a:endParaRPr>
+          </a:p>
+          <a:p>
+            <a:pPr marL="0" indent="0" algn="ctr">
+              <a:buNone/>
+            </a:pPr>
+            <a:r>
+              <a:rPr lang="en-US" b="1" dirty="0" err="1">
+                <a:latin typeface="Consolas" panose="020B0609020204030204" pitchFamily="49" charset="0"/>
+              </a:rPr>
+              <a:t>matlab</a:t>
+            </a:r>
+            <a:r>
+              <a:rPr lang="en-US" b="1" dirty="0">
+                <a:latin typeface="Consolas" panose="020B0609020204030204" pitchFamily="49" charset="0"/>
+              </a:rPr>
+              <a:t> -</a:t>
+            </a:r>
+            <a:r>
+              <a:rPr lang="en-US" b="1" dirty="0" err="1">
+                <a:latin typeface="Consolas" panose="020B0609020204030204" pitchFamily="49" charset="0"/>
+              </a:rPr>
+              <a:t>nodesktop</a:t>
+            </a:r>
+            <a:r>
+              <a:rPr lang="en-US" b="1" dirty="0">
+                <a:latin typeface="Consolas" panose="020B0609020204030204" pitchFamily="49" charset="0"/>
+              </a:rPr>
+              <a:t> -</a:t>
+            </a:r>
+            <a:r>
+              <a:rPr lang="en-US" b="1" dirty="0" err="1">
+                <a:latin typeface="Consolas" panose="020B0609020204030204" pitchFamily="49" charset="0"/>
+              </a:rPr>
+              <a:t>nosplash</a:t>
+            </a:r>
+            <a:r>
+              <a:rPr lang="en-US" b="1" dirty="0">
+                <a:latin typeface="Consolas" panose="020B0609020204030204" pitchFamily="49" charset="0"/>
+              </a:rPr>
+              <a:t> -</a:t>
+            </a:r>
+            <a:r>
+              <a:rPr lang="en-US" b="1" dirty="0" err="1">
+                <a:latin typeface="Consolas" panose="020B0609020204030204" pitchFamily="49" charset="0"/>
+              </a:rPr>
+              <a:t>nodisplay</a:t>
+            </a:r>
+            <a:endParaRPr lang="en-US" b="1" dirty="0">
+              <a:latin typeface="Consolas" panose="020B0609020204030204" pitchFamily="49" charset="0"/>
+            </a:endParaRPr>
+          </a:p>
+          <a:p>
+            <a:pPr marL="0" indent="0">
+              <a:buNone/>
+            </a:pPr>
+            <a:endParaRPr lang="en-US" b="1" dirty="0">
+              <a:latin typeface="Consolas" panose="020B0609020204030204" pitchFamily="49" charset="0"/>
+            </a:endParaRPr>
+          </a:p>
+          <a:p>
+            <a:pPr marL="0" indent="0">
+              <a:buNone/>
+            </a:pPr>
+            <a:endParaRPr lang="en-US" b="1" dirty="0">
+              <a:latin typeface="Consolas" panose="020B0609020204030204" pitchFamily="49" charset="0"/>
+            </a:endParaRPr>
+          </a:p>
+          <a:p>
+            <a:endParaRPr lang="en-US" dirty="0"/>
+          </a:p>
+        </p:txBody>
+      </p:sp>
+    </p:spTree>
+    <p:extLst>
+      <p:ext uri="{BB962C8B-B14F-4D97-AF65-F5344CB8AC3E}">
+        <p14:creationId xmlns:p14="http://schemas.microsoft.com/office/powerpoint/2010/main" val="2647100879"/>
+      </p:ext>
+    </p:extLst>
+  </p:cSld>
+  <p:clrMapOvr>
+    <a:masterClrMapping/>
+  </p:clrMapOvr>
+</p:sld>
+</file>
+
+<file path=ppt/slides/slide21.xml><?xml version="1.0" encoding="utf-8"?>
+<p:sld xmlns:a="http://schemas.openxmlformats.org/drawingml/2006/main" xmlns:r="http://schemas.openxmlformats.org/officeDocument/2006/relationships" xmlns:p="http://schemas.openxmlformats.org/presentationml/2006/main">
+  <p:cSld>
+    <p:spTree>
+      <p:nvGrpSpPr>
+        <p:cNvPr id="1" name=""/>
+        <p:cNvGrpSpPr/>
+        <p:nvPr/>
+      </p:nvGrpSpPr>
+      <p:grpSpPr>
+        <a:xfrm>
+          <a:off x="0" y="0"/>
+          <a:ext cx="0" cy="0"/>
+          <a:chOff x="0" y="0"/>
+          <a:chExt cx="0" cy="0"/>
+        </a:xfrm>
+      </p:grpSpPr>
+      <p:sp>
+        <p:nvSpPr>
+          <p:cNvPr id="2" name="Title 1">
+            <a:extLst>
+              <a:ext uri="{FF2B5EF4-FFF2-40B4-BE49-F238E27FC236}">
+                <a16:creationId xmlns:a16="http://schemas.microsoft.com/office/drawing/2014/main" id="{30D8D49B-3C48-4568-98CA-8F3E24BFFC08}"/>
+              </a:ext>
+            </a:extLst>
+          </p:cNvPr>
+          <p:cNvSpPr>
+            <a:spLocks noGrp="1"/>
+          </p:cNvSpPr>
+          <p:nvPr>
+            <p:ph type="title"/>
+          </p:nvPr>
+        </p:nvSpPr>
+        <p:spPr/>
+        <p:txBody>
+          <a:bodyPr/>
+          <a:lstStyle/>
+          <a:p>
+            <a:r>
+              <a:rPr lang="en-US" dirty="0"/>
               <a:t>When to Use What</a:t>
             </a:r>
           </a:p>
@@ -5640,7 +7454,7 @@
             <p:ph idx="1"/>
             <p:extLst>
               <p:ext uri="{D42A27DB-BD31-4B8C-83A1-F6EECF244321}">
-                <p14:modId xmlns:p14="http://schemas.microsoft.com/office/powerpoint/2010/main" val="158435316"/>
+                <p14:modId xmlns:p14="http://schemas.microsoft.com/office/powerpoint/2010/main" val="2332631904"/>
               </p:ext>
             </p:extLst>
           </p:nvPr>
@@ -5834,7 +7648,7 @@
                       </a:pPr>
                       <a:r>
                         <a:rPr lang="en-US" dirty="0"/>
-                        <a:t>&lt; 12 cores</a:t>
+                        <a:t>&lt; 6 cores</a:t>
                       </a:r>
                     </a:p>
                     <a:p>
@@ -6054,7 +7868,7 @@
 </p:sld>
 </file>
 
-<file path=ppt/slides/slide18.xml><?xml version="1.0" encoding="utf-8"?>
+<file path=ppt/slides/slide22.xml><?xml version="1.0" encoding="utf-8"?>
 <p:sld xmlns:a="http://schemas.openxmlformats.org/drawingml/2006/main" xmlns:r="http://schemas.openxmlformats.org/officeDocument/2006/relationships" xmlns:p="http://schemas.openxmlformats.org/presentationml/2006/main">
   <p:cSld>
     <p:spTree>
@@ -6076,7 +7890,7 @@
           <p:cNvPr id="2" name="Title 1">
             <a:extLst>
               <a:ext uri="{FF2B5EF4-FFF2-40B4-BE49-F238E27FC236}">
-                <a16:creationId xmlns:a16="http://schemas.microsoft.com/office/drawing/2014/main" id="{30D8D49B-3C48-4568-98CA-8F3E24BFFC08}"/>
+                <a16:creationId xmlns:a16="http://schemas.microsoft.com/office/drawing/2014/main" id="{8E77643F-7E4A-4C62-8C76-C75C53E0EA9A}"/>
               </a:ext>
             </a:extLst>
           </p:cNvPr>
@@ -6094,6 +7908,397 @@
           <a:p>
             <a:r>
               <a:rPr lang="en-US" dirty="0"/>
+              <a:t>Ex.2 </a:t>
+            </a:r>
+            <a:r>
+              <a:rPr lang="en-US" dirty="0" err="1"/>
+              <a:t>Matlab</a:t>
+            </a:r>
+            <a:r>
+              <a:rPr lang="en-US" dirty="0"/>
+              <a:t> - RNN Batch Mode</a:t>
+            </a:r>
+          </a:p>
+        </p:txBody>
+      </p:sp>
+      <p:sp>
+        <p:nvSpPr>
+          <p:cNvPr id="3" name="Content Placeholder 2">
+            <a:extLst>
+              <a:ext uri="{FF2B5EF4-FFF2-40B4-BE49-F238E27FC236}">
+                <a16:creationId xmlns:a16="http://schemas.microsoft.com/office/drawing/2014/main" id="{25EE8030-6D98-4B88-BF44-DCFCBA683B52}"/>
+              </a:ext>
+            </a:extLst>
+          </p:cNvPr>
+          <p:cNvSpPr>
+            <a:spLocks noGrp="1"/>
+          </p:cNvSpPr>
+          <p:nvPr>
+            <p:ph idx="1"/>
+          </p:nvPr>
+        </p:nvSpPr>
+        <p:spPr/>
+        <p:txBody>
+          <a:bodyPr>
+            <a:normAutofit fontScale="92500" lnSpcReduction="20000"/>
+          </a:bodyPr>
+          <a:lstStyle/>
+          <a:p>
+            <a:r>
+              <a:rPr lang="en-US" dirty="0"/>
+              <a:t>Load </a:t>
+            </a:r>
+            <a:r>
+              <a:rPr lang="en-US" dirty="0" err="1"/>
+              <a:t>matlab</a:t>
+            </a:r>
+            <a:r>
+              <a:rPr lang="en-US" dirty="0"/>
+              <a:t> module</a:t>
+            </a:r>
+          </a:p>
+          <a:p>
+            <a:pPr marL="0" indent="0" algn="ctr">
+              <a:buNone/>
+            </a:pPr>
+            <a:r>
+              <a:rPr lang="en-US" b="1" dirty="0">
+                <a:latin typeface="Consolas" panose="020B0609020204030204" pitchFamily="49" charset="0"/>
+              </a:rPr>
+              <a:t>module load </a:t>
+            </a:r>
+            <a:r>
+              <a:rPr lang="en-US" b="1" dirty="0" err="1">
+                <a:latin typeface="Consolas" panose="020B0609020204030204" pitchFamily="49" charset="0"/>
+              </a:rPr>
+              <a:t>matlab</a:t>
+            </a:r>
+            <a:r>
+              <a:rPr lang="en-US" b="1" dirty="0">
+                <a:latin typeface="Consolas" panose="020B0609020204030204" pitchFamily="49" charset="0"/>
+              </a:rPr>
+              <a:t>/R2018b</a:t>
+            </a:r>
+          </a:p>
+          <a:p>
+            <a:endParaRPr lang="en-US" dirty="0"/>
+          </a:p>
+          <a:p>
+            <a:r>
+              <a:rPr lang="en-US" dirty="0"/>
+              <a:t>Run in foreground </a:t>
+            </a:r>
+          </a:p>
+          <a:p>
+            <a:pPr lvl="1"/>
+            <a:r>
+              <a:rPr lang="en-US" dirty="0"/>
+              <a:t>prompt taken; need to wait for result; </a:t>
+            </a:r>
+            <a:r>
+              <a:rPr lang="en-US" b="1" dirty="0">
+                <a:solidFill>
+                  <a:srgbClr val="FF3399"/>
+                </a:solidFill>
+              </a:rPr>
+              <a:t>not recommend</a:t>
+            </a:r>
+          </a:p>
+          <a:p>
+            <a:pPr lvl="1"/>
+            <a:endParaRPr lang="en-US" dirty="0">
+              <a:highlight>
+                <a:srgbClr val="FFFF00"/>
+              </a:highlight>
+            </a:endParaRPr>
+          </a:p>
+          <a:p>
+            <a:pPr marL="0" indent="0" algn="ctr">
+              <a:buNone/>
+            </a:pPr>
+            <a:r>
+              <a:rPr lang="en-US" b="1" dirty="0" err="1">
+                <a:latin typeface="Consolas" panose="020B0609020204030204" pitchFamily="49" charset="0"/>
+              </a:rPr>
+              <a:t>matlab</a:t>
+            </a:r>
+            <a:r>
+              <a:rPr lang="en-US" b="1" dirty="0">
+                <a:latin typeface="Consolas" panose="020B0609020204030204" pitchFamily="49" charset="0"/>
+              </a:rPr>
+              <a:t> -</a:t>
+            </a:r>
+            <a:r>
+              <a:rPr lang="en-US" b="1" dirty="0" err="1">
+                <a:latin typeface="Consolas" panose="020B0609020204030204" pitchFamily="49" charset="0"/>
+              </a:rPr>
+              <a:t>nodesktop</a:t>
+            </a:r>
+            <a:r>
+              <a:rPr lang="en-US" b="1" dirty="0">
+                <a:latin typeface="Consolas" panose="020B0609020204030204" pitchFamily="49" charset="0"/>
+              </a:rPr>
+              <a:t> -</a:t>
+            </a:r>
+            <a:r>
+              <a:rPr lang="en-US" b="1" dirty="0" err="1">
+                <a:latin typeface="Consolas" panose="020B0609020204030204" pitchFamily="49" charset="0"/>
+              </a:rPr>
+              <a:t>nosplash</a:t>
+            </a:r>
+            <a:r>
+              <a:rPr lang="en-US" b="1" dirty="0">
+                <a:latin typeface="Consolas" panose="020B0609020204030204" pitchFamily="49" charset="0"/>
+              </a:rPr>
+              <a:t> -</a:t>
+            </a:r>
+            <a:r>
+              <a:rPr lang="en-US" b="1" dirty="0" err="1">
+                <a:latin typeface="Consolas" panose="020B0609020204030204" pitchFamily="49" charset="0"/>
+              </a:rPr>
+              <a:t>nodisplay</a:t>
+            </a:r>
+            <a:r>
+              <a:rPr lang="en-US" b="1" dirty="0">
+                <a:latin typeface="Consolas" panose="020B0609020204030204" pitchFamily="49" charset="0"/>
+              </a:rPr>
+              <a:t> </a:t>
+            </a:r>
+            <a:r>
+              <a:rPr lang="en-US" b="1" dirty="0">
+                <a:solidFill>
+                  <a:srgbClr val="FF0000"/>
+                </a:solidFill>
+                <a:latin typeface="Consolas" panose="020B0609020204030204" pitchFamily="49" charset="0"/>
+              </a:rPr>
+              <a:t>&lt;</a:t>
+            </a:r>
+            <a:r>
+              <a:rPr lang="en-US" b="1" dirty="0" err="1">
+                <a:latin typeface="Consolas" panose="020B0609020204030204" pitchFamily="49" charset="0"/>
+              </a:rPr>
+              <a:t>matlab_test.m</a:t>
+            </a:r>
+            <a:r>
+              <a:rPr lang="en-US" b="1" dirty="0">
+                <a:latin typeface="Consolas" panose="020B0609020204030204" pitchFamily="49" charset="0"/>
+              </a:rPr>
+              <a:t>  </a:t>
+            </a:r>
+            <a:r>
+              <a:rPr lang="en-US" b="1" dirty="0">
+                <a:solidFill>
+                  <a:srgbClr val="FF0000"/>
+                </a:solidFill>
+                <a:latin typeface="Consolas" panose="020B0609020204030204" pitchFamily="49" charset="0"/>
+              </a:rPr>
+              <a:t>&amp;&gt;</a:t>
+            </a:r>
+            <a:r>
+              <a:rPr lang="en-US" b="1" dirty="0">
+                <a:latin typeface="Consolas" panose="020B0609020204030204" pitchFamily="49" charset="0"/>
+              </a:rPr>
+              <a:t>matlab_test.log</a:t>
+            </a:r>
+          </a:p>
+          <a:p>
+            <a:pPr marL="0" indent="0">
+              <a:buNone/>
+            </a:pPr>
+            <a:endParaRPr lang="en-US" dirty="0"/>
+          </a:p>
+          <a:p>
+            <a:r>
+              <a:rPr lang="en-US" dirty="0"/>
+              <a:t>Run in background and no hang up after logout (</a:t>
+            </a:r>
+            <a:r>
+              <a:rPr lang="en-US" b="1" dirty="0">
+                <a:solidFill>
+                  <a:srgbClr val="FF3399"/>
+                </a:solidFill>
+              </a:rPr>
+              <a:t>recommend</a:t>
+            </a:r>
+            <a:r>
+              <a:rPr lang="en-US" dirty="0"/>
+              <a:t>)</a:t>
+            </a:r>
+            <a:endParaRPr lang="en-US" b="1" dirty="0">
+              <a:latin typeface="Consolas" panose="020B0609020204030204" pitchFamily="49" charset="0"/>
+            </a:endParaRPr>
+          </a:p>
+          <a:p>
+            <a:pPr marL="0" indent="0" algn="ctr">
+              <a:buNone/>
+            </a:pPr>
+            <a:r>
+              <a:rPr lang="en-US" b="1" dirty="0" err="1">
+                <a:solidFill>
+                  <a:srgbClr val="FF0000"/>
+                </a:solidFill>
+                <a:latin typeface="Consolas" panose="020B0609020204030204" pitchFamily="49" charset="0"/>
+              </a:rPr>
+              <a:t>nohup</a:t>
+            </a:r>
+            <a:r>
+              <a:rPr lang="en-US" b="1" dirty="0">
+                <a:latin typeface="Consolas" panose="020B0609020204030204" pitchFamily="49" charset="0"/>
+              </a:rPr>
+              <a:t> </a:t>
+            </a:r>
+            <a:r>
+              <a:rPr lang="en-US" b="1" dirty="0" err="1">
+                <a:latin typeface="Consolas" panose="020B0609020204030204" pitchFamily="49" charset="0"/>
+              </a:rPr>
+              <a:t>matlab</a:t>
+            </a:r>
+            <a:r>
+              <a:rPr lang="en-US" b="1" dirty="0">
+                <a:latin typeface="Consolas" panose="020B0609020204030204" pitchFamily="49" charset="0"/>
+              </a:rPr>
+              <a:t> -</a:t>
+            </a:r>
+            <a:r>
+              <a:rPr lang="en-US" b="1" dirty="0" err="1">
+                <a:latin typeface="Consolas" panose="020B0609020204030204" pitchFamily="49" charset="0"/>
+              </a:rPr>
+              <a:t>nodesktop</a:t>
+            </a:r>
+            <a:r>
+              <a:rPr lang="en-US" b="1" dirty="0">
+                <a:latin typeface="Consolas" panose="020B0609020204030204" pitchFamily="49" charset="0"/>
+              </a:rPr>
+              <a:t> -</a:t>
+            </a:r>
+            <a:r>
+              <a:rPr lang="en-US" b="1" dirty="0" err="1">
+                <a:latin typeface="Consolas" panose="020B0609020204030204" pitchFamily="49" charset="0"/>
+              </a:rPr>
+              <a:t>nosplash</a:t>
+            </a:r>
+            <a:r>
+              <a:rPr lang="en-US" b="1" dirty="0">
+                <a:latin typeface="Consolas" panose="020B0609020204030204" pitchFamily="49" charset="0"/>
+              </a:rPr>
+              <a:t> -</a:t>
+            </a:r>
+            <a:r>
+              <a:rPr lang="en-US" b="1" dirty="0" err="1">
+                <a:latin typeface="Consolas" panose="020B0609020204030204" pitchFamily="49" charset="0"/>
+              </a:rPr>
+              <a:t>nodisplay</a:t>
+            </a:r>
+            <a:r>
+              <a:rPr lang="en-US" b="1" dirty="0">
+                <a:latin typeface="Consolas" panose="020B0609020204030204" pitchFamily="49" charset="0"/>
+              </a:rPr>
+              <a:t> &lt;</a:t>
+            </a:r>
+            <a:r>
+              <a:rPr lang="en-US" b="1" dirty="0" err="1">
+                <a:latin typeface="Consolas" panose="020B0609020204030204" pitchFamily="49" charset="0"/>
+              </a:rPr>
+              <a:t>matlab_test.m</a:t>
+            </a:r>
+            <a:r>
+              <a:rPr lang="en-US" b="1" dirty="0">
+                <a:latin typeface="Consolas" panose="020B0609020204030204" pitchFamily="49" charset="0"/>
+              </a:rPr>
+              <a:t> &amp;&gt;matlab_test.log </a:t>
+            </a:r>
+            <a:r>
+              <a:rPr lang="en-US" b="1" dirty="0">
+                <a:solidFill>
+                  <a:srgbClr val="FF0000"/>
+                </a:solidFill>
+                <a:latin typeface="Consolas" panose="020B0609020204030204" pitchFamily="49" charset="0"/>
+              </a:rPr>
+              <a:t>&amp;</a:t>
+            </a:r>
+          </a:p>
+          <a:p>
+            <a:pPr marL="0" indent="0" algn="ctr">
+              <a:buNone/>
+            </a:pPr>
+            <a:endParaRPr lang="en-US" b="1" dirty="0">
+              <a:latin typeface="Consolas" panose="020B0609020204030204" pitchFamily="49" charset="0"/>
+            </a:endParaRPr>
+          </a:p>
+          <a:p>
+            <a:pPr marL="0" indent="0">
+              <a:buNone/>
+            </a:pPr>
+            <a:endParaRPr lang="en-US" b="1" dirty="0">
+              <a:latin typeface="Consolas" panose="020B0609020204030204" pitchFamily="49" charset="0"/>
+            </a:endParaRPr>
+          </a:p>
+          <a:p>
+            <a:pPr marL="0" indent="0">
+              <a:buNone/>
+            </a:pPr>
+            <a:endParaRPr lang="en-US" b="1" dirty="0">
+              <a:latin typeface="Consolas" panose="020B0609020204030204" pitchFamily="49" charset="0"/>
+            </a:endParaRPr>
+          </a:p>
+          <a:p>
+            <a:endParaRPr lang="en-US" dirty="0"/>
+          </a:p>
+        </p:txBody>
+      </p:sp>
+    </p:spTree>
+    <p:extLst>
+      <p:ext uri="{BB962C8B-B14F-4D97-AF65-F5344CB8AC3E}">
+        <p14:creationId xmlns:p14="http://schemas.microsoft.com/office/powerpoint/2010/main" val="4212833241"/>
+      </p:ext>
+    </p:extLst>
+  </p:cSld>
+  <p:clrMapOvr>
+    <a:masterClrMapping/>
+  </p:clrMapOvr>
+</p:sld>
+</file>
+
+<file path=ppt/slides/slide23.xml><?xml version="1.0" encoding="utf-8"?>
+<p:sld xmlns:a="http://schemas.openxmlformats.org/drawingml/2006/main" xmlns:r="http://schemas.openxmlformats.org/officeDocument/2006/relationships" xmlns:p="http://schemas.openxmlformats.org/presentationml/2006/main">
+  <p:cSld>
+    <p:spTree>
+      <p:nvGrpSpPr>
+        <p:cNvPr id="1" name=""/>
+        <p:cNvGrpSpPr/>
+        <p:nvPr/>
+      </p:nvGrpSpPr>
+      <p:grpSpPr>
+        <a:xfrm>
+          <a:off x="0" y="0"/>
+          <a:ext cx="0" cy="0"/>
+          <a:chOff x="0" y="0"/>
+          <a:chExt cx="0" cy="0"/>
+        </a:xfrm>
+      </p:grpSpPr>
+      <p:sp>
+        <p:nvSpPr>
+          <p:cNvPr id="2" name="Title 1">
+            <a:extLst>
+              <a:ext uri="{FF2B5EF4-FFF2-40B4-BE49-F238E27FC236}">
+                <a16:creationId xmlns:a16="http://schemas.microsoft.com/office/drawing/2014/main" id="{30D8D49B-3C48-4568-98CA-8F3E24BFFC08}"/>
+              </a:ext>
+            </a:extLst>
+          </p:cNvPr>
+          <p:cNvSpPr>
+            <a:spLocks noGrp="1"/>
+          </p:cNvSpPr>
+          <p:nvPr>
+            <p:ph type="title"/>
+          </p:nvPr>
+        </p:nvSpPr>
+        <p:spPr/>
+        <p:txBody>
+          <a:bodyPr/>
+          <a:lstStyle/>
+          <a:p>
+            <a:r>
+              <a:rPr lang="en-US" dirty="0"/>
               <a:t>When to Use What</a:t>
             </a:r>
           </a:p>
@@ -6115,7 +8320,7 @@
             <p:ph idx="1"/>
             <p:extLst>
               <p:ext uri="{D42A27DB-BD31-4B8C-83A1-F6EECF244321}">
-                <p14:modId xmlns:p14="http://schemas.microsoft.com/office/powerpoint/2010/main" val="3462042939"/>
+                <p14:modId xmlns:p14="http://schemas.microsoft.com/office/powerpoint/2010/main" val="244281012"/>
               </p:ext>
             </p:extLst>
           </p:nvPr>
@@ -6309,7 +8514,7 @@
                       </a:pPr>
                       <a:r>
                         <a:rPr lang="en-US" dirty="0"/>
-                        <a:t>&lt; 12 cores</a:t>
+                        <a:t>&lt; 6 cores</a:t>
                       </a:r>
                     </a:p>
                     <a:p>
@@ -6581,7 +8786,7 @@
 </p:sld>
 </file>
 
-<file path=ppt/slides/slide19.xml><?xml version="1.0" encoding="utf-8"?>
+<file path=ppt/slides/slide24.xml><?xml version="1.0" encoding="utf-8"?>
 <p:sld xmlns:a="http://schemas.openxmlformats.org/drawingml/2006/main" xmlns:r="http://schemas.openxmlformats.org/officeDocument/2006/relationships" xmlns:p="http://schemas.openxmlformats.org/presentationml/2006/main">
   <p:cSld>
     <p:spTree>
@@ -6603,7 +8808,7 @@
           <p:cNvPr id="2" name="Title 1">
             <a:extLst>
               <a:ext uri="{FF2B5EF4-FFF2-40B4-BE49-F238E27FC236}">
-                <a16:creationId xmlns:a16="http://schemas.microsoft.com/office/drawing/2014/main" id="{30D8D49B-3C48-4568-98CA-8F3E24BFFC08}"/>
+                <a16:creationId xmlns:a16="http://schemas.microsoft.com/office/drawing/2014/main" id="{EBF0AC6C-6D30-4813-A47E-4BE531DE7EE9}"/>
               </a:ext>
             </a:extLst>
           </p:cNvPr>
@@ -6621,6 +8826,208 @@
           <a:p>
             <a:r>
               <a:rPr lang="en-US" dirty="0"/>
+              <a:t>Ex.3 </a:t>
+            </a:r>
+            <a:r>
+              <a:rPr lang="en-US" dirty="0" err="1"/>
+              <a:t>Matlab</a:t>
+            </a:r>
+            <a:r>
+              <a:rPr lang="en-US" dirty="0"/>
+              <a:t> – Interactive Compute Node </a:t>
+            </a:r>
+          </a:p>
+        </p:txBody>
+      </p:sp>
+      <p:sp>
+        <p:nvSpPr>
+          <p:cNvPr id="3" name="Content Placeholder 2">
+            <a:extLst>
+              <a:ext uri="{FF2B5EF4-FFF2-40B4-BE49-F238E27FC236}">
+                <a16:creationId xmlns:a16="http://schemas.microsoft.com/office/drawing/2014/main" id="{A60BA078-6C10-40BB-B76E-C9F439374E50}"/>
+              </a:ext>
+            </a:extLst>
+          </p:cNvPr>
+          <p:cNvSpPr>
+            <a:spLocks noGrp="1"/>
+          </p:cNvSpPr>
+          <p:nvPr>
+            <p:ph idx="1"/>
+          </p:nvPr>
+        </p:nvSpPr>
+        <p:spPr/>
+        <p:txBody>
+          <a:bodyPr>
+            <a:normAutofit/>
+          </a:bodyPr>
+          <a:lstStyle/>
+          <a:p>
+            <a:r>
+              <a:rPr lang="en-US" dirty="0"/>
+              <a:t>Allocate an interactive node</a:t>
+            </a:r>
+          </a:p>
+          <a:p>
+            <a:pPr marL="0" indent="0" algn="ctr">
+              <a:buNone/>
+            </a:pPr>
+            <a:r>
+              <a:rPr lang="en-US" b="1" dirty="0" err="1">
+                <a:latin typeface="Consolas" panose="020B0609020204030204" pitchFamily="49" charset="0"/>
+              </a:rPr>
+              <a:t>salloc</a:t>
+            </a:r>
+            <a:r>
+              <a:rPr lang="en-US" b="1" dirty="0">
+                <a:latin typeface="Consolas" panose="020B0609020204030204" pitchFamily="49" charset="0"/>
+              </a:rPr>
+              <a:t> -c 4 --mem=8g</a:t>
+            </a:r>
+          </a:p>
+          <a:p>
+            <a:endParaRPr lang="en-US" dirty="0"/>
+          </a:p>
+          <a:p>
+            <a:r>
+              <a:rPr lang="en-US" dirty="0"/>
+              <a:t>Load </a:t>
+            </a:r>
+            <a:r>
+              <a:rPr lang="en-US" dirty="0" err="1"/>
+              <a:t>matlab</a:t>
+            </a:r>
+            <a:r>
+              <a:rPr lang="en-US" dirty="0"/>
+              <a:t> module</a:t>
+            </a:r>
+          </a:p>
+          <a:p>
+            <a:pPr marL="0" indent="0" algn="ctr">
+              <a:buNone/>
+            </a:pPr>
+            <a:r>
+              <a:rPr lang="en-US" b="1" dirty="0">
+                <a:latin typeface="Consolas" panose="020B0609020204030204" pitchFamily="49" charset="0"/>
+              </a:rPr>
+              <a:t>module load </a:t>
+            </a:r>
+            <a:r>
+              <a:rPr lang="en-US" b="1" dirty="0" err="1">
+                <a:latin typeface="Consolas" panose="020B0609020204030204" pitchFamily="49" charset="0"/>
+              </a:rPr>
+              <a:t>matlab</a:t>
+            </a:r>
+            <a:r>
+              <a:rPr lang="en-US" b="1" dirty="0">
+                <a:latin typeface="Consolas" panose="020B0609020204030204" pitchFamily="49" charset="0"/>
+              </a:rPr>
+              <a:t>/R2018b</a:t>
+            </a:r>
+          </a:p>
+          <a:p>
+            <a:pPr marL="0" indent="0" algn="ctr">
+              <a:buNone/>
+            </a:pPr>
+            <a:endParaRPr lang="en-US" b="1" dirty="0">
+              <a:latin typeface="Consolas" panose="020B0609020204030204" pitchFamily="49" charset="0"/>
+            </a:endParaRPr>
+          </a:p>
+          <a:p>
+            <a:r>
+              <a:rPr lang="en-US" dirty="0"/>
+              <a:t>Run </a:t>
+            </a:r>
+            <a:r>
+              <a:rPr lang="en-US" dirty="0" err="1"/>
+              <a:t>matlab</a:t>
+            </a:r>
+            <a:r>
+              <a:rPr lang="en-US" dirty="0"/>
+              <a:t> in interactive mode with or without GUI</a:t>
+            </a:r>
+          </a:p>
+          <a:p>
+            <a:r>
+              <a:rPr lang="en-US" dirty="0"/>
+              <a:t>Run </a:t>
+            </a:r>
+            <a:r>
+              <a:rPr lang="en-US" dirty="0" err="1"/>
+              <a:t>matlab</a:t>
+            </a:r>
+            <a:r>
+              <a:rPr lang="en-US" dirty="0"/>
+              <a:t> in batch mode. </a:t>
+            </a:r>
+            <a:r>
+              <a:rPr lang="en-US" b="1" dirty="0"/>
+              <a:t>However, don’t exit the interactive node!</a:t>
+            </a:r>
+          </a:p>
+          <a:p>
+            <a:endParaRPr lang="en-US" dirty="0"/>
+          </a:p>
+          <a:p>
+            <a:endParaRPr lang="en-US" dirty="0"/>
+          </a:p>
+          <a:p>
+            <a:endParaRPr lang="en-US" dirty="0"/>
+          </a:p>
+        </p:txBody>
+      </p:sp>
+    </p:spTree>
+    <p:extLst>
+      <p:ext uri="{BB962C8B-B14F-4D97-AF65-F5344CB8AC3E}">
+        <p14:creationId xmlns:p14="http://schemas.microsoft.com/office/powerpoint/2010/main" val="2871092563"/>
+      </p:ext>
+    </p:extLst>
+  </p:cSld>
+  <p:clrMapOvr>
+    <a:masterClrMapping/>
+  </p:clrMapOvr>
+</p:sld>
+</file>
+
+<file path=ppt/slides/slide25.xml><?xml version="1.0" encoding="utf-8"?>
+<p:sld xmlns:a="http://schemas.openxmlformats.org/drawingml/2006/main" xmlns:r="http://schemas.openxmlformats.org/officeDocument/2006/relationships" xmlns:p="http://schemas.openxmlformats.org/presentationml/2006/main">
+  <p:cSld>
+    <p:spTree>
+      <p:nvGrpSpPr>
+        <p:cNvPr id="1" name=""/>
+        <p:cNvGrpSpPr/>
+        <p:nvPr/>
+      </p:nvGrpSpPr>
+      <p:grpSpPr>
+        <a:xfrm>
+          <a:off x="0" y="0"/>
+          <a:ext cx="0" cy="0"/>
+          <a:chOff x="0" y="0"/>
+          <a:chExt cx="0" cy="0"/>
+        </a:xfrm>
+      </p:grpSpPr>
+      <p:sp>
+        <p:nvSpPr>
+          <p:cNvPr id="2" name="Title 1">
+            <a:extLst>
+              <a:ext uri="{FF2B5EF4-FFF2-40B4-BE49-F238E27FC236}">
+                <a16:creationId xmlns:a16="http://schemas.microsoft.com/office/drawing/2014/main" id="{30D8D49B-3C48-4568-98CA-8F3E24BFFC08}"/>
+              </a:ext>
+            </a:extLst>
+          </p:cNvPr>
+          <p:cNvSpPr>
+            <a:spLocks noGrp="1"/>
+          </p:cNvSpPr>
+          <p:nvPr>
+            <p:ph type="title"/>
+          </p:nvPr>
+        </p:nvSpPr>
+        <p:spPr/>
+        <p:txBody>
+          <a:bodyPr/>
+          <a:lstStyle/>
+          <a:p>
+            <a:r>
+              <a:rPr lang="en-US" dirty="0"/>
               <a:t>When to Use What</a:t>
             </a:r>
           </a:p>
@@ -6642,7 +9049,7 @@
             <p:ph idx="1"/>
             <p:extLst>
               <p:ext uri="{D42A27DB-BD31-4B8C-83A1-F6EECF244321}">
-                <p14:modId xmlns:p14="http://schemas.microsoft.com/office/powerpoint/2010/main" val="2339728343"/>
+                <p14:modId xmlns:p14="http://schemas.microsoft.com/office/powerpoint/2010/main" val="589083771"/>
               </p:ext>
             </p:extLst>
           </p:nvPr>
@@ -6836,7 +9243,7 @@
                       </a:pPr>
                       <a:r>
                         <a:rPr lang="en-US" dirty="0"/>
-                        <a:t>&lt; 12 cores</a:t>
+                        <a:t>&lt; 6 cores</a:t>
                       </a:r>
                     </a:p>
                     <a:p>
@@ -7114,7 +9521,7 @@
 </p:sld>
 </file>
 
-<file path=ppt/slides/slide2.xml><?xml version="1.0" encoding="utf-8"?>
+<file path=ppt/slides/slide26.xml><?xml version="1.0" encoding="utf-8"?>
 <p:sld xmlns:a="http://schemas.openxmlformats.org/drawingml/2006/main" xmlns:r="http://schemas.openxmlformats.org/officeDocument/2006/relationships" xmlns:p="http://schemas.openxmlformats.org/presentationml/2006/main">
   <p:cSld>
     <p:spTree>
@@ -7136,7 +9543,7 @@
           <p:cNvPr id="2" name="Title 1">
             <a:extLst>
               <a:ext uri="{FF2B5EF4-FFF2-40B4-BE49-F238E27FC236}">
-                <a16:creationId xmlns:a16="http://schemas.microsoft.com/office/drawing/2014/main" id="{248440B8-23B8-4F1D-867E-AA1A4FE55E3F}"/>
+                <a16:creationId xmlns:a16="http://schemas.microsoft.com/office/drawing/2014/main" id="{7EFF90E5-3FD3-46B6-A354-094E6BF80CAB}"/>
               </a:ext>
             </a:extLst>
           </p:cNvPr>
@@ -7154,6 +9561,1995 @@
           <a:p>
             <a:r>
               <a:rPr lang="en-US" dirty="0"/>
+              <a:t>Ex.4 </a:t>
+            </a:r>
+            <a:r>
+              <a:rPr lang="en-US" dirty="0" err="1"/>
+              <a:t>Matlab</a:t>
+            </a:r>
+            <a:r>
+              <a:rPr lang="en-US" dirty="0"/>
+              <a:t> – Batch Compute Node (1) </a:t>
+            </a:r>
+          </a:p>
+        </p:txBody>
+      </p:sp>
+      <p:sp>
+        <p:nvSpPr>
+          <p:cNvPr id="3" name="Content Placeholder 2">
+            <a:extLst>
+              <a:ext uri="{FF2B5EF4-FFF2-40B4-BE49-F238E27FC236}">
+                <a16:creationId xmlns:a16="http://schemas.microsoft.com/office/drawing/2014/main" id="{06050607-66C6-4C57-83DD-77894D5CBA4E}"/>
+              </a:ext>
+            </a:extLst>
+          </p:cNvPr>
+          <p:cNvSpPr>
+            <a:spLocks noGrp="1"/>
+          </p:cNvSpPr>
+          <p:nvPr>
+            <p:ph idx="1"/>
+          </p:nvPr>
+        </p:nvSpPr>
+        <p:spPr/>
+        <p:txBody>
+          <a:bodyPr>
+            <a:normAutofit/>
+          </a:bodyPr>
+          <a:lstStyle/>
+          <a:p>
+            <a:r>
+              <a:rPr lang="en-US" dirty="0"/>
+              <a:t>Write a job submission script (an example, </a:t>
+            </a:r>
+            <a:r>
+              <a:rPr lang="en-US" b="1" dirty="0">
+                <a:latin typeface="Consolas" panose="020B0609020204030204" pitchFamily="49" charset="0"/>
+              </a:rPr>
+              <a:t>job.sh</a:t>
+            </a:r>
+            <a:r>
+              <a:rPr lang="en-US" dirty="0"/>
+              <a:t>)</a:t>
+            </a:r>
+          </a:p>
+        </p:txBody>
+      </p:sp>
+      <p:sp>
+        <p:nvSpPr>
+          <p:cNvPr id="4" name="TextBox 3">
+            <a:extLst>
+              <a:ext uri="{FF2B5EF4-FFF2-40B4-BE49-F238E27FC236}">
+                <a16:creationId xmlns:a16="http://schemas.microsoft.com/office/drawing/2014/main" id="{1DD115D5-43EB-4DA5-A272-EDA0609428B5}"/>
+              </a:ext>
+            </a:extLst>
+          </p:cNvPr>
+          <p:cNvSpPr txBox="1"/>
+          <p:nvPr/>
+        </p:nvSpPr>
+        <p:spPr>
+          <a:xfrm>
+            <a:off x="3175365" y="2373896"/>
+            <a:ext cx="7815944" cy="4401205"/>
+          </a:xfrm>
+          <a:prstGeom prst="rect">
+            <a:avLst/>
+          </a:prstGeom>
+          <a:solidFill>
+            <a:schemeClr val="bg1">
+              <a:lumMod val="95000"/>
+            </a:schemeClr>
+          </a:solidFill>
+        </p:spPr>
+        <p:txBody>
+          <a:bodyPr wrap="square" rtlCol="0">
+            <a:spAutoFit/>
+          </a:bodyPr>
+          <a:lstStyle/>
+          <a:p>
+            <a:r>
+              <a:rPr lang="en-US" sz="2000" dirty="0">
+                <a:latin typeface="Consolas" panose="020B0609020204030204" pitchFamily="49" charset="0"/>
+              </a:rPr>
+              <a:t>#!/bin/bash</a:t>
+            </a:r>
+          </a:p>
+          <a:p>
+            <a:endParaRPr lang="en-US" sz="2000" dirty="0">
+              <a:latin typeface="Consolas" panose="020B0609020204030204" pitchFamily="49" charset="0"/>
+            </a:endParaRPr>
+          </a:p>
+          <a:p>
+            <a:r>
+              <a:rPr lang="en-US" sz="2000" dirty="0">
+                <a:latin typeface="Consolas" panose="020B0609020204030204" pitchFamily="49" charset="0"/>
+              </a:rPr>
+              <a:t>#SBATCH --job-name=</a:t>
+            </a:r>
+            <a:r>
+              <a:rPr lang="en-US" sz="2000" dirty="0" err="1">
+                <a:latin typeface="Consolas" panose="020B0609020204030204" pitchFamily="49" charset="0"/>
+              </a:rPr>
+              <a:t>MATLAB_test</a:t>
+            </a:r>
+            <a:endParaRPr lang="en-US" sz="2000" dirty="0">
+              <a:latin typeface="Consolas" panose="020B0609020204030204" pitchFamily="49" charset="0"/>
+            </a:endParaRPr>
+          </a:p>
+          <a:p>
+            <a:r>
+              <a:rPr lang="en-US" sz="2000" dirty="0">
+                <a:latin typeface="Consolas" panose="020B0609020204030204" pitchFamily="49" charset="0"/>
+              </a:rPr>
+              <a:t>#SBATCH --partition=standard</a:t>
+            </a:r>
+          </a:p>
+          <a:p>
+            <a:r>
+              <a:rPr lang="en-US" sz="2000" dirty="0">
+                <a:latin typeface="Consolas" panose="020B0609020204030204" pitchFamily="49" charset="0"/>
+              </a:rPr>
+              <a:t>#SBATCH --mail-type=ALL</a:t>
+            </a:r>
+          </a:p>
+          <a:p>
+            <a:r>
+              <a:rPr lang="en-US" sz="2000" dirty="0">
+                <a:latin typeface="Consolas" panose="020B0609020204030204" pitchFamily="49" charset="0"/>
+              </a:rPr>
+              <a:t>#SBATCH --mail-user=jay.cao@rotman.utoronto.ca</a:t>
+            </a:r>
+          </a:p>
+          <a:p>
+            <a:r>
+              <a:rPr lang="en-US" sz="2000" dirty="0">
+                <a:latin typeface="Consolas" panose="020B0609020204030204" pitchFamily="49" charset="0"/>
+              </a:rPr>
+              <a:t>#SBATCH --output=</a:t>
+            </a:r>
+            <a:r>
+              <a:rPr lang="en-US" sz="2000" dirty="0" err="1">
+                <a:latin typeface="Consolas" panose="020B0609020204030204" pitchFamily="49" charset="0"/>
+              </a:rPr>
+              <a:t>STD.out</a:t>
+            </a:r>
+            <a:endParaRPr lang="en-US" sz="2000" dirty="0">
+              <a:latin typeface="Consolas" panose="020B0609020204030204" pitchFamily="49" charset="0"/>
+            </a:endParaRPr>
+          </a:p>
+          <a:p>
+            <a:r>
+              <a:rPr lang="en-US" sz="2000" dirty="0">
+                <a:latin typeface="Consolas" panose="020B0609020204030204" pitchFamily="49" charset="0"/>
+              </a:rPr>
+              <a:t>#SBATCH --error=</a:t>
+            </a:r>
+            <a:r>
+              <a:rPr lang="en-US" sz="2000" dirty="0" err="1">
+                <a:latin typeface="Consolas" panose="020B0609020204030204" pitchFamily="49" charset="0"/>
+              </a:rPr>
+              <a:t>STD.err</a:t>
+            </a:r>
+            <a:endParaRPr lang="en-US" sz="2000" dirty="0">
+              <a:latin typeface="Consolas" panose="020B0609020204030204" pitchFamily="49" charset="0"/>
+            </a:endParaRPr>
+          </a:p>
+          <a:p>
+            <a:r>
+              <a:rPr lang="en-US" sz="2000" dirty="0">
+                <a:latin typeface="Consolas" panose="020B0609020204030204" pitchFamily="49" charset="0"/>
+              </a:rPr>
+              <a:t>#SBATCH -c 4</a:t>
+            </a:r>
+          </a:p>
+          <a:p>
+            <a:r>
+              <a:rPr lang="en-US" sz="2000" dirty="0">
+                <a:latin typeface="Consolas" panose="020B0609020204030204" pitchFamily="49" charset="0"/>
+              </a:rPr>
+              <a:t>#SBATCH --time=30:00</a:t>
+            </a:r>
+          </a:p>
+          <a:p>
+            <a:r>
+              <a:rPr lang="en-US" sz="2000" dirty="0">
+                <a:latin typeface="Consolas" panose="020B0609020204030204" pitchFamily="49" charset="0"/>
+              </a:rPr>
+              <a:t>#SBATCH --mem=5000</a:t>
+            </a:r>
+          </a:p>
+          <a:p>
+            <a:endParaRPr lang="en-US" sz="2000" dirty="0">
+              <a:latin typeface="Consolas" panose="020B0609020204030204" pitchFamily="49" charset="0"/>
+            </a:endParaRPr>
+          </a:p>
+          <a:p>
+            <a:r>
+              <a:rPr lang="en-US" sz="2000" dirty="0">
+                <a:latin typeface="Consolas" panose="020B0609020204030204" pitchFamily="49" charset="0"/>
+              </a:rPr>
+              <a:t>module load </a:t>
+            </a:r>
+            <a:r>
+              <a:rPr lang="en-US" sz="2000" dirty="0" err="1">
+                <a:latin typeface="Consolas" panose="020B0609020204030204" pitchFamily="49" charset="0"/>
+              </a:rPr>
+              <a:t>matlab</a:t>
+            </a:r>
+            <a:r>
+              <a:rPr lang="en-US" sz="2000" dirty="0">
+                <a:latin typeface="Consolas" panose="020B0609020204030204" pitchFamily="49" charset="0"/>
+              </a:rPr>
+              <a:t>/R2018b</a:t>
+            </a:r>
+          </a:p>
+          <a:p>
+            <a:r>
+              <a:rPr lang="en-US" sz="2000" dirty="0" err="1">
+                <a:latin typeface="Consolas" panose="020B0609020204030204" pitchFamily="49" charset="0"/>
+              </a:rPr>
+              <a:t>matlab</a:t>
+            </a:r>
+            <a:r>
+              <a:rPr lang="en-US" sz="2000" dirty="0">
+                <a:latin typeface="Consolas" panose="020B0609020204030204" pitchFamily="49" charset="0"/>
+              </a:rPr>
+              <a:t> -</a:t>
+            </a:r>
+            <a:r>
+              <a:rPr lang="en-US" sz="2000" dirty="0" err="1">
+                <a:latin typeface="Consolas" panose="020B0609020204030204" pitchFamily="49" charset="0"/>
+              </a:rPr>
+              <a:t>nodesktop</a:t>
+            </a:r>
+            <a:r>
+              <a:rPr lang="en-US" sz="2000" dirty="0">
+                <a:latin typeface="Consolas" panose="020B0609020204030204" pitchFamily="49" charset="0"/>
+              </a:rPr>
+              <a:t> -</a:t>
+            </a:r>
+            <a:r>
+              <a:rPr lang="en-US" sz="2000" dirty="0" err="1">
+                <a:latin typeface="Consolas" panose="020B0609020204030204" pitchFamily="49" charset="0"/>
+              </a:rPr>
+              <a:t>nosplash</a:t>
+            </a:r>
+            <a:r>
+              <a:rPr lang="en-US" sz="2000" dirty="0">
+                <a:latin typeface="Consolas" panose="020B0609020204030204" pitchFamily="49" charset="0"/>
+              </a:rPr>
+              <a:t> -</a:t>
+            </a:r>
+            <a:r>
+              <a:rPr lang="en-US" sz="2000" dirty="0" err="1">
+                <a:latin typeface="Consolas" panose="020B0609020204030204" pitchFamily="49" charset="0"/>
+              </a:rPr>
+              <a:t>nodisplay</a:t>
+            </a:r>
+            <a:r>
+              <a:rPr lang="en-US" sz="2000" dirty="0">
+                <a:latin typeface="Consolas" panose="020B0609020204030204" pitchFamily="49" charset="0"/>
+              </a:rPr>
+              <a:t> &lt;</a:t>
+            </a:r>
+            <a:r>
+              <a:rPr lang="en-US" sz="2000" dirty="0" err="1">
+                <a:latin typeface="Consolas" panose="020B0609020204030204" pitchFamily="49" charset="0"/>
+              </a:rPr>
+              <a:t>matlab_test.m</a:t>
+            </a:r>
+            <a:endParaRPr lang="en-US" sz="2000" dirty="0"/>
+          </a:p>
+        </p:txBody>
+      </p:sp>
+      <p:sp>
+        <p:nvSpPr>
+          <p:cNvPr id="6" name="Left Brace 5">
+            <a:extLst>
+              <a:ext uri="{FF2B5EF4-FFF2-40B4-BE49-F238E27FC236}">
+                <a16:creationId xmlns:a16="http://schemas.microsoft.com/office/drawing/2014/main" id="{FB0D5847-6139-478F-821C-57B36A99EA1D}"/>
+              </a:ext>
+            </a:extLst>
+          </p:cNvPr>
+          <p:cNvSpPr/>
+          <p:nvPr/>
+        </p:nvSpPr>
+        <p:spPr>
+          <a:xfrm>
+            <a:off x="2821586" y="3135089"/>
+            <a:ext cx="252549" cy="2499360"/>
+          </a:xfrm>
+          <a:prstGeom prst="leftBrace">
+            <a:avLst/>
+          </a:prstGeom>
+          <a:ln w="28575"/>
+        </p:spPr>
+        <p:style>
+          <a:lnRef idx="1">
+            <a:schemeClr val="accent1"/>
+          </a:lnRef>
+          <a:fillRef idx="0">
+            <a:schemeClr val="accent1"/>
+          </a:fillRef>
+          <a:effectRef idx="0">
+            <a:schemeClr val="accent1"/>
+          </a:effectRef>
+          <a:fontRef idx="minor">
+            <a:schemeClr val="tx1"/>
+          </a:fontRef>
+        </p:style>
+        <p:txBody>
+          <a:bodyPr rtlCol="0" anchor="ctr"/>
+          <a:lstStyle/>
+          <a:p>
+            <a:pPr algn="ctr"/>
+            <a:endParaRPr lang="en-US" dirty="0"/>
+          </a:p>
+        </p:txBody>
+      </p:sp>
+      <p:sp>
+        <p:nvSpPr>
+          <p:cNvPr id="7" name="TextBox 6">
+            <a:extLst>
+              <a:ext uri="{FF2B5EF4-FFF2-40B4-BE49-F238E27FC236}">
+                <a16:creationId xmlns:a16="http://schemas.microsoft.com/office/drawing/2014/main" id="{79729DE7-4908-4A7E-B32B-3F8681201E8F}"/>
+              </a:ext>
+            </a:extLst>
+          </p:cNvPr>
+          <p:cNvSpPr txBox="1"/>
+          <p:nvPr/>
+        </p:nvSpPr>
+        <p:spPr>
+          <a:xfrm>
+            <a:off x="862149" y="4044839"/>
+            <a:ext cx="1959438" cy="646331"/>
+          </a:xfrm>
+          <a:prstGeom prst="rect">
+            <a:avLst/>
+          </a:prstGeom>
+          <a:noFill/>
+        </p:spPr>
+        <p:txBody>
+          <a:bodyPr wrap="square" rtlCol="0">
+            <a:spAutoFit/>
+          </a:bodyPr>
+          <a:lstStyle/>
+          <a:p>
+            <a:r>
+              <a:rPr lang="en-US" b="1" dirty="0"/>
+              <a:t>request resources (</a:t>
+            </a:r>
+            <a:r>
+              <a:rPr lang="en-US" b="1" dirty="0" err="1"/>
+              <a:t>Slurm</a:t>
+            </a:r>
+            <a:r>
+              <a:rPr lang="en-US" b="1" dirty="0"/>
+              <a:t> command) </a:t>
+            </a:r>
+          </a:p>
+        </p:txBody>
+      </p:sp>
+      <p:sp>
+        <p:nvSpPr>
+          <p:cNvPr id="8" name="Left Brace 7">
+            <a:extLst>
+              <a:ext uri="{FF2B5EF4-FFF2-40B4-BE49-F238E27FC236}">
+                <a16:creationId xmlns:a16="http://schemas.microsoft.com/office/drawing/2014/main" id="{7E82C866-9666-404D-9866-7972AAB777E8}"/>
+              </a:ext>
+            </a:extLst>
+          </p:cNvPr>
+          <p:cNvSpPr/>
+          <p:nvPr/>
+        </p:nvSpPr>
+        <p:spPr>
+          <a:xfrm>
+            <a:off x="2837921" y="6140188"/>
+            <a:ext cx="197031" cy="517123"/>
+          </a:xfrm>
+          <a:prstGeom prst="leftBrace">
+            <a:avLst/>
+          </a:prstGeom>
+          <a:ln w="28575"/>
+        </p:spPr>
+        <p:style>
+          <a:lnRef idx="1">
+            <a:schemeClr val="accent1"/>
+          </a:lnRef>
+          <a:fillRef idx="0">
+            <a:schemeClr val="accent1"/>
+          </a:fillRef>
+          <a:effectRef idx="0">
+            <a:schemeClr val="accent1"/>
+          </a:effectRef>
+          <a:fontRef idx="minor">
+            <a:schemeClr val="tx1"/>
+          </a:fontRef>
+        </p:style>
+        <p:txBody>
+          <a:bodyPr rtlCol="0" anchor="ctr"/>
+          <a:lstStyle/>
+          <a:p>
+            <a:pPr algn="ctr"/>
+            <a:endParaRPr lang="en-US" dirty="0"/>
+          </a:p>
+        </p:txBody>
+      </p:sp>
+      <p:sp>
+        <p:nvSpPr>
+          <p:cNvPr id="10" name="TextBox 9">
+            <a:extLst>
+              <a:ext uri="{FF2B5EF4-FFF2-40B4-BE49-F238E27FC236}">
+                <a16:creationId xmlns:a16="http://schemas.microsoft.com/office/drawing/2014/main" id="{4D855867-9D1B-4F29-ADED-CE234A94C1B6}"/>
+              </a:ext>
+            </a:extLst>
+          </p:cNvPr>
+          <p:cNvSpPr txBox="1"/>
+          <p:nvPr/>
+        </p:nvSpPr>
+        <p:spPr>
+          <a:xfrm>
+            <a:off x="1236620" y="6033098"/>
+            <a:ext cx="1584966" cy="646331"/>
+          </a:xfrm>
+          <a:prstGeom prst="rect">
+            <a:avLst/>
+          </a:prstGeom>
+          <a:noFill/>
+        </p:spPr>
+        <p:txBody>
+          <a:bodyPr wrap="square" rtlCol="0">
+            <a:spAutoFit/>
+          </a:bodyPr>
+          <a:lstStyle/>
+          <a:p>
+            <a:r>
+              <a:rPr lang="en-US" b="1" dirty="0"/>
+              <a:t>load </a:t>
+            </a:r>
+            <a:r>
+              <a:rPr lang="en-US" b="1" dirty="0" err="1"/>
+              <a:t>matlab</a:t>
+            </a:r>
+            <a:r>
+              <a:rPr lang="en-US" b="1" dirty="0"/>
+              <a:t> &amp; run my code</a:t>
+            </a:r>
+          </a:p>
+        </p:txBody>
+      </p:sp>
+      <p:sp>
+        <p:nvSpPr>
+          <p:cNvPr id="11" name="Left Brace 10">
+            <a:extLst>
+              <a:ext uri="{FF2B5EF4-FFF2-40B4-BE49-F238E27FC236}">
+                <a16:creationId xmlns:a16="http://schemas.microsoft.com/office/drawing/2014/main" id="{1249A8EB-BDF6-45FE-84E8-9D39C6C4E65A}"/>
+              </a:ext>
+            </a:extLst>
+          </p:cNvPr>
+          <p:cNvSpPr/>
+          <p:nvPr/>
+        </p:nvSpPr>
+        <p:spPr>
+          <a:xfrm>
+            <a:off x="2837921" y="2370788"/>
+            <a:ext cx="197031" cy="517123"/>
+          </a:xfrm>
+          <a:prstGeom prst="leftBrace">
+            <a:avLst/>
+          </a:prstGeom>
+          <a:ln w="28575"/>
+        </p:spPr>
+        <p:style>
+          <a:lnRef idx="1">
+            <a:schemeClr val="accent1"/>
+          </a:lnRef>
+          <a:fillRef idx="0">
+            <a:schemeClr val="accent1"/>
+          </a:fillRef>
+          <a:effectRef idx="0">
+            <a:schemeClr val="accent1"/>
+          </a:effectRef>
+          <a:fontRef idx="minor">
+            <a:schemeClr val="tx1"/>
+          </a:fontRef>
+        </p:style>
+        <p:txBody>
+          <a:bodyPr rtlCol="0" anchor="ctr"/>
+          <a:lstStyle/>
+          <a:p>
+            <a:pPr algn="ctr"/>
+            <a:endParaRPr lang="en-US" dirty="0"/>
+          </a:p>
+        </p:txBody>
+      </p:sp>
+      <p:sp>
+        <p:nvSpPr>
+          <p:cNvPr id="12" name="TextBox 11">
+            <a:extLst>
+              <a:ext uri="{FF2B5EF4-FFF2-40B4-BE49-F238E27FC236}">
+                <a16:creationId xmlns:a16="http://schemas.microsoft.com/office/drawing/2014/main" id="{258709D5-C0E7-430C-B962-A7FEC0E5B0F5}"/>
+              </a:ext>
+            </a:extLst>
+          </p:cNvPr>
+          <p:cNvSpPr txBox="1"/>
+          <p:nvPr/>
+        </p:nvSpPr>
+        <p:spPr>
+          <a:xfrm>
+            <a:off x="862149" y="2263698"/>
+            <a:ext cx="1959437" cy="646331"/>
+          </a:xfrm>
+          <a:prstGeom prst="rect">
+            <a:avLst/>
+          </a:prstGeom>
+          <a:noFill/>
+        </p:spPr>
+        <p:txBody>
+          <a:bodyPr wrap="square" rtlCol="0">
+            <a:spAutoFit/>
+          </a:bodyPr>
+          <a:lstStyle/>
+          <a:p>
+            <a:r>
+              <a:rPr lang="en-US" b="1" dirty="0"/>
+              <a:t>use bash shell to execute this script</a:t>
+            </a:r>
+          </a:p>
+        </p:txBody>
+      </p:sp>
+    </p:spTree>
+    <p:extLst>
+      <p:ext uri="{BB962C8B-B14F-4D97-AF65-F5344CB8AC3E}">
+        <p14:creationId xmlns:p14="http://schemas.microsoft.com/office/powerpoint/2010/main" val="1483295490"/>
+      </p:ext>
+    </p:extLst>
+  </p:cSld>
+  <p:clrMapOvr>
+    <a:masterClrMapping/>
+  </p:clrMapOvr>
+</p:sld>
+</file>
+
+<file path=ppt/slides/slide27.xml><?xml version="1.0" encoding="utf-8"?>
+<p:sld xmlns:a="http://schemas.openxmlformats.org/drawingml/2006/main" xmlns:r="http://schemas.openxmlformats.org/officeDocument/2006/relationships" xmlns:p="http://schemas.openxmlformats.org/presentationml/2006/main">
+  <p:cSld>
+    <p:spTree>
+      <p:nvGrpSpPr>
+        <p:cNvPr id="1" name=""/>
+        <p:cNvGrpSpPr/>
+        <p:nvPr/>
+      </p:nvGrpSpPr>
+      <p:grpSpPr>
+        <a:xfrm>
+          <a:off x="0" y="0"/>
+          <a:ext cx="0" cy="0"/>
+          <a:chOff x="0" y="0"/>
+          <a:chExt cx="0" cy="0"/>
+        </a:xfrm>
+      </p:grpSpPr>
+      <p:sp>
+        <p:nvSpPr>
+          <p:cNvPr id="2" name="Title 1">
+            <a:extLst>
+              <a:ext uri="{FF2B5EF4-FFF2-40B4-BE49-F238E27FC236}">
+                <a16:creationId xmlns:a16="http://schemas.microsoft.com/office/drawing/2014/main" id="{7EFF90E5-3FD3-46B6-A354-094E6BF80CAB}"/>
+              </a:ext>
+            </a:extLst>
+          </p:cNvPr>
+          <p:cNvSpPr>
+            <a:spLocks noGrp="1"/>
+          </p:cNvSpPr>
+          <p:nvPr>
+            <p:ph type="title"/>
+          </p:nvPr>
+        </p:nvSpPr>
+        <p:spPr/>
+        <p:txBody>
+          <a:bodyPr/>
+          <a:lstStyle/>
+          <a:p>
+            <a:r>
+              <a:rPr lang="en-US" dirty="0"/>
+              <a:t>Ex.4 </a:t>
+            </a:r>
+            <a:r>
+              <a:rPr lang="en-US" dirty="0" err="1"/>
+              <a:t>Matlab</a:t>
+            </a:r>
+            <a:r>
+              <a:rPr lang="en-US" dirty="0"/>
+              <a:t> – Batch Compute Node (2) </a:t>
+            </a:r>
+          </a:p>
+        </p:txBody>
+      </p:sp>
+      <p:sp>
+        <p:nvSpPr>
+          <p:cNvPr id="4" name="TextBox 3">
+            <a:extLst>
+              <a:ext uri="{FF2B5EF4-FFF2-40B4-BE49-F238E27FC236}">
+                <a16:creationId xmlns:a16="http://schemas.microsoft.com/office/drawing/2014/main" id="{1DD115D5-43EB-4DA5-A272-EDA0609428B5}"/>
+              </a:ext>
+            </a:extLst>
+          </p:cNvPr>
+          <p:cNvSpPr txBox="1"/>
+          <p:nvPr/>
+        </p:nvSpPr>
+        <p:spPr>
+          <a:xfrm>
+            <a:off x="945970" y="1537874"/>
+            <a:ext cx="10166166" cy="4401205"/>
+          </a:xfrm>
+          <a:prstGeom prst="rect">
+            <a:avLst/>
+          </a:prstGeom>
+          <a:solidFill>
+            <a:schemeClr val="bg1">
+              <a:lumMod val="95000"/>
+            </a:schemeClr>
+          </a:solidFill>
+        </p:spPr>
+        <p:txBody>
+          <a:bodyPr wrap="square" rtlCol="0">
+            <a:spAutoFit/>
+          </a:bodyPr>
+          <a:lstStyle/>
+          <a:p>
+            <a:r>
+              <a:rPr lang="en-US" sz="2000" dirty="0">
+                <a:latin typeface="Consolas" panose="020B0609020204030204" pitchFamily="49" charset="0"/>
+              </a:rPr>
+              <a:t>#!/bin/bash</a:t>
+            </a:r>
+          </a:p>
+          <a:p>
+            <a:endParaRPr lang="en-US" sz="2000" dirty="0">
+              <a:latin typeface="Consolas" panose="020B0609020204030204" pitchFamily="49" charset="0"/>
+            </a:endParaRPr>
+          </a:p>
+          <a:p>
+            <a:r>
+              <a:rPr lang="en-US" sz="2000" dirty="0">
+                <a:latin typeface="Consolas" panose="020B0609020204030204" pitchFamily="49" charset="0"/>
+              </a:rPr>
+              <a:t>#SBATCH --job-name=</a:t>
+            </a:r>
+            <a:r>
+              <a:rPr lang="en-US" sz="2000" dirty="0" err="1">
+                <a:latin typeface="Consolas" panose="020B0609020204030204" pitchFamily="49" charset="0"/>
+              </a:rPr>
+              <a:t>MATLAB_test</a:t>
+            </a:r>
+            <a:r>
+              <a:rPr lang="en-US" sz="2000" dirty="0">
+                <a:latin typeface="Consolas" panose="020B0609020204030204" pitchFamily="49" charset="0"/>
+              </a:rPr>
+              <a:t>	</a:t>
+            </a:r>
+            <a:r>
+              <a:rPr lang="en-US" sz="2000" dirty="0">
+                <a:solidFill>
+                  <a:srgbClr val="FF3399"/>
+                </a:solidFill>
+                <a:latin typeface="Consolas" panose="020B0609020204030204" pitchFamily="49" charset="0"/>
+              </a:rPr>
+              <a:t># set job name</a:t>
+            </a:r>
+          </a:p>
+          <a:p>
+            <a:r>
+              <a:rPr lang="en-US" sz="2000" dirty="0">
+                <a:latin typeface="Consolas" panose="020B0609020204030204" pitchFamily="49" charset="0"/>
+              </a:rPr>
+              <a:t>#SBATCH --partition=standard	</a:t>
+            </a:r>
+            <a:r>
+              <a:rPr lang="en-US" sz="2000" dirty="0">
+                <a:solidFill>
+                  <a:srgbClr val="FF3399"/>
+                </a:solidFill>
+                <a:latin typeface="Consolas" panose="020B0609020204030204" pitchFamily="49" charset="0"/>
+              </a:rPr>
+              <a:t># set job partition (group of nodes)</a:t>
+            </a:r>
+          </a:p>
+          <a:p>
+            <a:r>
+              <a:rPr lang="en-US" sz="2000" dirty="0">
+                <a:latin typeface="Consolas" panose="020B0609020204030204" pitchFamily="49" charset="0"/>
+              </a:rPr>
+              <a:t>#SBATCH --mail-type=ALL		</a:t>
+            </a:r>
+            <a:r>
+              <a:rPr lang="en-US" sz="2000" dirty="0">
+                <a:solidFill>
+                  <a:schemeClr val="bg2">
+                    <a:lumMod val="75000"/>
+                  </a:schemeClr>
+                </a:solidFill>
+                <a:latin typeface="Consolas" panose="020B0609020204030204" pitchFamily="49" charset="0"/>
+              </a:rPr>
+              <a:t># email me when job start, stop, etc.</a:t>
+            </a:r>
+          </a:p>
+          <a:p>
+            <a:r>
+              <a:rPr lang="en-US" sz="2000" dirty="0">
+                <a:latin typeface="Consolas" panose="020B0609020204030204" pitchFamily="49" charset="0"/>
+              </a:rPr>
+              <a:t>#SBATCH --mail-user=jay.cao@rotman.utoronto.ca</a:t>
+            </a:r>
+          </a:p>
+          <a:p>
+            <a:r>
+              <a:rPr lang="en-US" sz="2000" dirty="0">
+                <a:latin typeface="Consolas" panose="020B0609020204030204" pitchFamily="49" charset="0"/>
+              </a:rPr>
+              <a:t>#SBATCH --output=</a:t>
+            </a:r>
+            <a:r>
+              <a:rPr lang="en-US" sz="2000" dirty="0" err="1">
+                <a:latin typeface="Consolas" panose="020B0609020204030204" pitchFamily="49" charset="0"/>
+              </a:rPr>
+              <a:t>STD.out</a:t>
+            </a:r>
+            <a:r>
+              <a:rPr lang="en-US" sz="2000" dirty="0">
+                <a:latin typeface="Consolas" panose="020B0609020204030204" pitchFamily="49" charset="0"/>
+              </a:rPr>
+              <a:t>		</a:t>
+            </a:r>
+            <a:r>
+              <a:rPr lang="en-US" sz="2000" dirty="0">
+                <a:solidFill>
+                  <a:schemeClr val="bg2">
+                    <a:lumMod val="75000"/>
+                  </a:schemeClr>
+                </a:solidFill>
+                <a:latin typeface="Consolas" panose="020B0609020204030204" pitchFamily="49" charset="0"/>
+              </a:rPr>
+              <a:t># save standard output to </a:t>
+            </a:r>
+            <a:r>
+              <a:rPr lang="en-US" sz="2000" dirty="0" err="1">
+                <a:solidFill>
+                  <a:schemeClr val="bg2">
+                    <a:lumMod val="75000"/>
+                  </a:schemeClr>
+                </a:solidFill>
+                <a:latin typeface="Consolas" panose="020B0609020204030204" pitchFamily="49" charset="0"/>
+              </a:rPr>
+              <a:t>STD.out</a:t>
+            </a:r>
+            <a:endParaRPr lang="en-US" sz="2000" dirty="0">
+              <a:solidFill>
+                <a:schemeClr val="bg2">
+                  <a:lumMod val="75000"/>
+                </a:schemeClr>
+              </a:solidFill>
+              <a:latin typeface="Consolas" panose="020B0609020204030204" pitchFamily="49" charset="0"/>
+            </a:endParaRPr>
+          </a:p>
+          <a:p>
+            <a:r>
+              <a:rPr lang="en-US" sz="2000" dirty="0">
+                <a:latin typeface="Consolas" panose="020B0609020204030204" pitchFamily="49" charset="0"/>
+              </a:rPr>
+              <a:t>#SBATCH --error=</a:t>
+            </a:r>
+            <a:r>
+              <a:rPr lang="en-US" sz="2000" dirty="0" err="1">
+                <a:latin typeface="Consolas" panose="020B0609020204030204" pitchFamily="49" charset="0"/>
+              </a:rPr>
+              <a:t>STD.err</a:t>
+            </a:r>
+            <a:r>
+              <a:rPr lang="en-US" sz="2000" dirty="0">
+                <a:latin typeface="Consolas" panose="020B0609020204030204" pitchFamily="49" charset="0"/>
+              </a:rPr>
+              <a:t>		</a:t>
+            </a:r>
+            <a:r>
+              <a:rPr lang="en-US" sz="2000" dirty="0">
+                <a:solidFill>
+                  <a:schemeClr val="bg2">
+                    <a:lumMod val="75000"/>
+                  </a:schemeClr>
+                </a:solidFill>
+                <a:latin typeface="Consolas" panose="020B0609020204030204" pitchFamily="49" charset="0"/>
+              </a:rPr>
+              <a:t># save std. error output to </a:t>
+            </a:r>
+            <a:r>
+              <a:rPr lang="en-US" sz="2000" dirty="0" err="1">
+                <a:solidFill>
+                  <a:schemeClr val="bg2">
+                    <a:lumMod val="75000"/>
+                  </a:schemeClr>
+                </a:solidFill>
+                <a:latin typeface="Consolas" panose="020B0609020204030204" pitchFamily="49" charset="0"/>
+              </a:rPr>
+              <a:t>STD.out</a:t>
+            </a:r>
+            <a:endParaRPr lang="en-US" sz="2000" dirty="0">
+              <a:solidFill>
+                <a:schemeClr val="bg2">
+                  <a:lumMod val="75000"/>
+                </a:schemeClr>
+              </a:solidFill>
+              <a:latin typeface="Consolas" panose="020B0609020204030204" pitchFamily="49" charset="0"/>
+            </a:endParaRPr>
+          </a:p>
+          <a:p>
+            <a:r>
+              <a:rPr lang="en-US" sz="2000" dirty="0">
+                <a:latin typeface="Consolas" panose="020B0609020204030204" pitchFamily="49" charset="0"/>
+              </a:rPr>
+              <a:t>#SBATCH -c 4				</a:t>
+            </a:r>
+            <a:r>
+              <a:rPr lang="en-US" sz="2000" dirty="0">
+                <a:solidFill>
+                  <a:schemeClr val="bg2">
+                    <a:lumMod val="75000"/>
+                  </a:schemeClr>
+                </a:solidFill>
+                <a:latin typeface="Consolas" panose="020B0609020204030204" pitchFamily="49" charset="0"/>
+              </a:rPr>
+              <a:t># ask for 4 CPUs</a:t>
+            </a:r>
+          </a:p>
+          <a:p>
+            <a:r>
+              <a:rPr lang="en-US" sz="2000" dirty="0">
+                <a:latin typeface="Consolas" panose="020B0609020204030204" pitchFamily="49" charset="0"/>
+              </a:rPr>
+              <a:t>#SBATCH --time=30:00		</a:t>
+            </a:r>
+            <a:r>
+              <a:rPr lang="en-US" sz="2000" dirty="0">
+                <a:solidFill>
+                  <a:schemeClr val="bg2">
+                    <a:lumMod val="75000"/>
+                  </a:schemeClr>
+                </a:solidFill>
+                <a:latin typeface="Consolas" panose="020B0609020204030204" pitchFamily="49" charset="0"/>
+              </a:rPr>
+              <a:t># set wall time to be 30mins</a:t>
+            </a:r>
+          </a:p>
+          <a:p>
+            <a:r>
+              <a:rPr lang="en-US" sz="2000" dirty="0">
+                <a:latin typeface="Consolas" panose="020B0609020204030204" pitchFamily="49" charset="0"/>
+              </a:rPr>
+              <a:t>#SBATCH --mem=5000			</a:t>
+            </a:r>
+            <a:r>
+              <a:rPr lang="en-US" sz="2000" dirty="0">
+                <a:solidFill>
+                  <a:schemeClr val="bg2">
+                    <a:lumMod val="75000"/>
+                  </a:schemeClr>
+                </a:solidFill>
+                <a:latin typeface="Consolas" panose="020B0609020204030204" pitchFamily="49" charset="0"/>
+              </a:rPr>
+              <a:t># ask for 5G memory</a:t>
+            </a:r>
+          </a:p>
+          <a:p>
+            <a:endParaRPr lang="en-US" sz="2000" dirty="0">
+              <a:latin typeface="Consolas" panose="020B0609020204030204" pitchFamily="49" charset="0"/>
+            </a:endParaRPr>
+          </a:p>
+          <a:p>
+            <a:r>
+              <a:rPr lang="en-US" sz="2000" dirty="0">
+                <a:latin typeface="Consolas" panose="020B0609020204030204" pitchFamily="49" charset="0"/>
+              </a:rPr>
+              <a:t>module load </a:t>
+            </a:r>
+            <a:r>
+              <a:rPr lang="en-US" sz="2000" dirty="0" err="1">
+                <a:latin typeface="Consolas" panose="020B0609020204030204" pitchFamily="49" charset="0"/>
+              </a:rPr>
+              <a:t>matlab</a:t>
+            </a:r>
+            <a:r>
+              <a:rPr lang="en-US" sz="2000" dirty="0">
+                <a:latin typeface="Consolas" panose="020B0609020204030204" pitchFamily="49" charset="0"/>
+              </a:rPr>
+              <a:t>/R2018b</a:t>
+            </a:r>
+          </a:p>
+          <a:p>
+            <a:r>
+              <a:rPr lang="en-US" sz="2000" dirty="0" err="1">
+                <a:latin typeface="Consolas" panose="020B0609020204030204" pitchFamily="49" charset="0"/>
+              </a:rPr>
+              <a:t>matlab</a:t>
+            </a:r>
+            <a:r>
+              <a:rPr lang="en-US" sz="2000" dirty="0">
+                <a:latin typeface="Consolas" panose="020B0609020204030204" pitchFamily="49" charset="0"/>
+              </a:rPr>
+              <a:t> -</a:t>
+            </a:r>
+            <a:r>
+              <a:rPr lang="en-US" sz="2000" dirty="0" err="1">
+                <a:latin typeface="Consolas" panose="020B0609020204030204" pitchFamily="49" charset="0"/>
+              </a:rPr>
+              <a:t>nodesktop</a:t>
+            </a:r>
+            <a:r>
+              <a:rPr lang="en-US" sz="2000" dirty="0">
+                <a:latin typeface="Consolas" panose="020B0609020204030204" pitchFamily="49" charset="0"/>
+              </a:rPr>
+              <a:t> -</a:t>
+            </a:r>
+            <a:r>
+              <a:rPr lang="en-US" sz="2000" dirty="0" err="1">
+                <a:latin typeface="Consolas" panose="020B0609020204030204" pitchFamily="49" charset="0"/>
+              </a:rPr>
+              <a:t>nosplash</a:t>
+            </a:r>
+            <a:r>
+              <a:rPr lang="en-US" sz="2000" dirty="0">
+                <a:latin typeface="Consolas" panose="020B0609020204030204" pitchFamily="49" charset="0"/>
+              </a:rPr>
+              <a:t> -</a:t>
+            </a:r>
+            <a:r>
+              <a:rPr lang="en-US" sz="2000" dirty="0" err="1">
+                <a:latin typeface="Consolas" panose="020B0609020204030204" pitchFamily="49" charset="0"/>
+              </a:rPr>
+              <a:t>nodisplay</a:t>
+            </a:r>
+            <a:r>
+              <a:rPr lang="en-US" sz="2000" dirty="0">
+                <a:latin typeface="Consolas" panose="020B0609020204030204" pitchFamily="49" charset="0"/>
+              </a:rPr>
+              <a:t> &lt;</a:t>
+            </a:r>
+            <a:r>
+              <a:rPr lang="en-US" sz="2000" dirty="0" err="1">
+                <a:latin typeface="Consolas" panose="020B0609020204030204" pitchFamily="49" charset="0"/>
+              </a:rPr>
+              <a:t>matlab_test.m</a:t>
+            </a:r>
+            <a:endParaRPr lang="en-US" sz="2000" dirty="0"/>
+          </a:p>
+        </p:txBody>
+      </p:sp>
+      <p:sp>
+        <p:nvSpPr>
+          <p:cNvPr id="5" name="TextBox 4">
+            <a:extLst>
+              <a:ext uri="{FF2B5EF4-FFF2-40B4-BE49-F238E27FC236}">
+                <a16:creationId xmlns:a16="http://schemas.microsoft.com/office/drawing/2014/main" id="{373B346E-4D77-4950-BE8F-1E71E6B0B9AF}"/>
+              </a:ext>
+            </a:extLst>
+          </p:cNvPr>
+          <p:cNvSpPr txBox="1"/>
+          <p:nvPr/>
+        </p:nvSpPr>
+        <p:spPr>
+          <a:xfrm>
+            <a:off x="884189" y="6308209"/>
+            <a:ext cx="4634089" cy="369332"/>
+          </a:xfrm>
+          <a:prstGeom prst="rect">
+            <a:avLst/>
+          </a:prstGeom>
+          <a:noFill/>
+        </p:spPr>
+        <p:txBody>
+          <a:bodyPr wrap="none" rtlCol="0">
+            <a:spAutoFit/>
+          </a:bodyPr>
+          <a:lstStyle/>
+          <a:p>
+            <a:r>
+              <a:rPr lang="en-US" dirty="0">
+                <a:hlinkClick r:id="rId2"/>
+              </a:rPr>
+              <a:t>https://cac.queensu.ca/wiki/index.php/SLURM</a:t>
+            </a:r>
+            <a:endParaRPr lang="en-US" dirty="0"/>
+          </a:p>
+        </p:txBody>
+      </p:sp>
+    </p:spTree>
+    <p:extLst>
+      <p:ext uri="{BB962C8B-B14F-4D97-AF65-F5344CB8AC3E}">
+        <p14:creationId xmlns:p14="http://schemas.microsoft.com/office/powerpoint/2010/main" val="3332480798"/>
+      </p:ext>
+    </p:extLst>
+  </p:cSld>
+  <p:clrMapOvr>
+    <a:masterClrMapping/>
+  </p:clrMapOvr>
+</p:sld>
+</file>
+
+<file path=ppt/slides/slide28.xml><?xml version="1.0" encoding="utf-8"?>
+<p:sld xmlns:a="http://schemas.openxmlformats.org/drawingml/2006/main" xmlns:r="http://schemas.openxmlformats.org/officeDocument/2006/relationships" xmlns:p="http://schemas.openxmlformats.org/presentationml/2006/main">
+  <p:cSld>
+    <p:spTree>
+      <p:nvGrpSpPr>
+        <p:cNvPr id="1" name=""/>
+        <p:cNvGrpSpPr/>
+        <p:nvPr/>
+      </p:nvGrpSpPr>
+      <p:grpSpPr>
+        <a:xfrm>
+          <a:off x="0" y="0"/>
+          <a:ext cx="0" cy="0"/>
+          <a:chOff x="0" y="0"/>
+          <a:chExt cx="0" cy="0"/>
+        </a:xfrm>
+      </p:grpSpPr>
+      <p:sp>
+        <p:nvSpPr>
+          <p:cNvPr id="2" name="Title 1">
+            <a:extLst>
+              <a:ext uri="{FF2B5EF4-FFF2-40B4-BE49-F238E27FC236}">
+                <a16:creationId xmlns:a16="http://schemas.microsoft.com/office/drawing/2014/main" id="{7EFF90E5-3FD3-46B6-A354-094E6BF80CAB}"/>
+              </a:ext>
+            </a:extLst>
+          </p:cNvPr>
+          <p:cNvSpPr>
+            <a:spLocks noGrp="1"/>
+          </p:cNvSpPr>
+          <p:nvPr>
+            <p:ph type="title"/>
+          </p:nvPr>
+        </p:nvSpPr>
+        <p:spPr/>
+        <p:txBody>
+          <a:bodyPr/>
+          <a:lstStyle/>
+          <a:p>
+            <a:r>
+              <a:rPr lang="en-US" dirty="0"/>
+              <a:t>Ex.4 </a:t>
+            </a:r>
+            <a:r>
+              <a:rPr lang="en-US" dirty="0" err="1"/>
+              <a:t>Matlab</a:t>
+            </a:r>
+            <a:r>
+              <a:rPr lang="en-US" dirty="0"/>
+              <a:t> – Batch Compute Node (2) </a:t>
+            </a:r>
+          </a:p>
+        </p:txBody>
+      </p:sp>
+      <p:sp>
+        <p:nvSpPr>
+          <p:cNvPr id="4" name="TextBox 3">
+            <a:extLst>
+              <a:ext uri="{FF2B5EF4-FFF2-40B4-BE49-F238E27FC236}">
+                <a16:creationId xmlns:a16="http://schemas.microsoft.com/office/drawing/2014/main" id="{1DD115D5-43EB-4DA5-A272-EDA0609428B5}"/>
+              </a:ext>
+            </a:extLst>
+          </p:cNvPr>
+          <p:cNvSpPr txBox="1"/>
+          <p:nvPr/>
+        </p:nvSpPr>
+        <p:spPr>
+          <a:xfrm>
+            <a:off x="945970" y="1537874"/>
+            <a:ext cx="10166166" cy="4401205"/>
+          </a:xfrm>
+          <a:prstGeom prst="rect">
+            <a:avLst/>
+          </a:prstGeom>
+          <a:solidFill>
+            <a:schemeClr val="bg1">
+              <a:lumMod val="95000"/>
+            </a:schemeClr>
+          </a:solidFill>
+        </p:spPr>
+        <p:txBody>
+          <a:bodyPr wrap="square" rtlCol="0">
+            <a:spAutoFit/>
+          </a:bodyPr>
+          <a:lstStyle/>
+          <a:p>
+            <a:r>
+              <a:rPr lang="en-US" sz="2000" dirty="0">
+                <a:latin typeface="Consolas" panose="020B0609020204030204" pitchFamily="49" charset="0"/>
+              </a:rPr>
+              <a:t>#!/bin/bash</a:t>
+            </a:r>
+          </a:p>
+          <a:p>
+            <a:endParaRPr lang="en-US" sz="2000" dirty="0">
+              <a:latin typeface="Consolas" panose="020B0609020204030204" pitchFamily="49" charset="0"/>
+            </a:endParaRPr>
+          </a:p>
+          <a:p>
+            <a:r>
+              <a:rPr lang="en-US" sz="2000" dirty="0">
+                <a:latin typeface="Consolas" panose="020B0609020204030204" pitchFamily="49" charset="0"/>
+              </a:rPr>
+              <a:t>#SBATCH --job-name=</a:t>
+            </a:r>
+            <a:r>
+              <a:rPr lang="en-US" sz="2000" dirty="0" err="1">
+                <a:latin typeface="Consolas" panose="020B0609020204030204" pitchFamily="49" charset="0"/>
+              </a:rPr>
+              <a:t>MATLAB_test</a:t>
+            </a:r>
+            <a:r>
+              <a:rPr lang="en-US" sz="2000" dirty="0">
+                <a:latin typeface="Consolas" panose="020B0609020204030204" pitchFamily="49" charset="0"/>
+              </a:rPr>
+              <a:t>	</a:t>
+            </a:r>
+            <a:r>
+              <a:rPr lang="en-US" sz="2000" dirty="0">
+                <a:solidFill>
+                  <a:schemeClr val="bg2">
+                    <a:lumMod val="75000"/>
+                  </a:schemeClr>
+                </a:solidFill>
+                <a:latin typeface="Consolas" panose="020B0609020204030204" pitchFamily="49" charset="0"/>
+              </a:rPr>
+              <a:t># set job name</a:t>
+            </a:r>
+          </a:p>
+          <a:p>
+            <a:r>
+              <a:rPr lang="en-US" sz="2000" dirty="0">
+                <a:latin typeface="Consolas" panose="020B0609020204030204" pitchFamily="49" charset="0"/>
+              </a:rPr>
+              <a:t>#SBATCH --partition=standard	</a:t>
+            </a:r>
+            <a:r>
+              <a:rPr lang="en-US" sz="2000" dirty="0">
+                <a:solidFill>
+                  <a:schemeClr val="bg2">
+                    <a:lumMod val="75000"/>
+                  </a:schemeClr>
+                </a:solidFill>
+                <a:latin typeface="Consolas" panose="020B0609020204030204" pitchFamily="49" charset="0"/>
+              </a:rPr>
+              <a:t># set job partition (group of nodes)</a:t>
+            </a:r>
+          </a:p>
+          <a:p>
+            <a:r>
+              <a:rPr lang="en-US" sz="2000" dirty="0">
+                <a:latin typeface="Consolas" panose="020B0609020204030204" pitchFamily="49" charset="0"/>
+              </a:rPr>
+              <a:t>#SBATCH --mail-type=ALL		</a:t>
+            </a:r>
+            <a:r>
+              <a:rPr lang="en-US" sz="2000" dirty="0">
+                <a:solidFill>
+                  <a:srgbClr val="FF3399"/>
+                </a:solidFill>
+                <a:latin typeface="Consolas" panose="020B0609020204030204" pitchFamily="49" charset="0"/>
+              </a:rPr>
+              <a:t># email me when job start, stop, etc.</a:t>
+            </a:r>
+          </a:p>
+          <a:p>
+            <a:r>
+              <a:rPr lang="en-US" sz="2000" dirty="0">
+                <a:latin typeface="Consolas" panose="020B0609020204030204" pitchFamily="49" charset="0"/>
+              </a:rPr>
+              <a:t>#SBATCH --mail-user=jay.cao@rotman.utoronto.ca </a:t>
+            </a:r>
+            <a:r>
+              <a:rPr lang="en-US" sz="2000" dirty="0">
+                <a:solidFill>
+                  <a:srgbClr val="FF3399"/>
+                </a:solidFill>
+                <a:latin typeface="Consolas" panose="020B0609020204030204" pitchFamily="49" charset="0"/>
+              </a:rPr>
+              <a:t># set my email address</a:t>
+            </a:r>
+          </a:p>
+          <a:p>
+            <a:r>
+              <a:rPr lang="en-US" sz="2000" dirty="0">
+                <a:latin typeface="Consolas" panose="020B0609020204030204" pitchFamily="49" charset="0"/>
+              </a:rPr>
+              <a:t>#SBATCH --output=</a:t>
+            </a:r>
+            <a:r>
+              <a:rPr lang="en-US" sz="2000" dirty="0" err="1">
+                <a:latin typeface="Consolas" panose="020B0609020204030204" pitchFamily="49" charset="0"/>
+              </a:rPr>
+              <a:t>STD.out</a:t>
+            </a:r>
+            <a:r>
+              <a:rPr lang="en-US" sz="2000" dirty="0">
+                <a:latin typeface="Consolas" panose="020B0609020204030204" pitchFamily="49" charset="0"/>
+              </a:rPr>
+              <a:t>		</a:t>
+            </a:r>
+            <a:r>
+              <a:rPr lang="en-US" sz="2000" dirty="0">
+                <a:solidFill>
+                  <a:schemeClr val="bg2">
+                    <a:lumMod val="75000"/>
+                  </a:schemeClr>
+                </a:solidFill>
+                <a:latin typeface="Consolas" panose="020B0609020204030204" pitchFamily="49" charset="0"/>
+              </a:rPr>
+              <a:t># save standard output to </a:t>
+            </a:r>
+            <a:r>
+              <a:rPr lang="en-US" sz="2000" dirty="0" err="1">
+                <a:solidFill>
+                  <a:schemeClr val="bg2">
+                    <a:lumMod val="75000"/>
+                  </a:schemeClr>
+                </a:solidFill>
+                <a:latin typeface="Consolas" panose="020B0609020204030204" pitchFamily="49" charset="0"/>
+              </a:rPr>
+              <a:t>STD.out</a:t>
+            </a:r>
+            <a:endParaRPr lang="en-US" sz="2000" dirty="0">
+              <a:solidFill>
+                <a:schemeClr val="bg2">
+                  <a:lumMod val="75000"/>
+                </a:schemeClr>
+              </a:solidFill>
+              <a:latin typeface="Consolas" panose="020B0609020204030204" pitchFamily="49" charset="0"/>
+            </a:endParaRPr>
+          </a:p>
+          <a:p>
+            <a:r>
+              <a:rPr lang="en-US" sz="2000" dirty="0">
+                <a:latin typeface="Consolas" panose="020B0609020204030204" pitchFamily="49" charset="0"/>
+              </a:rPr>
+              <a:t>#SBATCH --error=</a:t>
+            </a:r>
+            <a:r>
+              <a:rPr lang="en-US" sz="2000" dirty="0" err="1">
+                <a:latin typeface="Consolas" panose="020B0609020204030204" pitchFamily="49" charset="0"/>
+              </a:rPr>
+              <a:t>STD.err</a:t>
+            </a:r>
+            <a:r>
+              <a:rPr lang="en-US" sz="2000" dirty="0">
+                <a:latin typeface="Consolas" panose="020B0609020204030204" pitchFamily="49" charset="0"/>
+              </a:rPr>
+              <a:t>		</a:t>
+            </a:r>
+            <a:r>
+              <a:rPr lang="en-US" sz="2000" dirty="0">
+                <a:solidFill>
+                  <a:schemeClr val="bg2">
+                    <a:lumMod val="75000"/>
+                  </a:schemeClr>
+                </a:solidFill>
+                <a:latin typeface="Consolas" panose="020B0609020204030204" pitchFamily="49" charset="0"/>
+              </a:rPr>
+              <a:t># save std. error output to </a:t>
+            </a:r>
+            <a:r>
+              <a:rPr lang="en-US" sz="2000" dirty="0" err="1">
+                <a:solidFill>
+                  <a:schemeClr val="bg2">
+                    <a:lumMod val="75000"/>
+                  </a:schemeClr>
+                </a:solidFill>
+                <a:latin typeface="Consolas" panose="020B0609020204030204" pitchFamily="49" charset="0"/>
+              </a:rPr>
+              <a:t>STD.out</a:t>
+            </a:r>
+            <a:endParaRPr lang="en-US" sz="2000" dirty="0">
+              <a:solidFill>
+                <a:schemeClr val="bg2">
+                  <a:lumMod val="75000"/>
+                </a:schemeClr>
+              </a:solidFill>
+              <a:latin typeface="Consolas" panose="020B0609020204030204" pitchFamily="49" charset="0"/>
+            </a:endParaRPr>
+          </a:p>
+          <a:p>
+            <a:r>
+              <a:rPr lang="en-US" sz="2000" dirty="0">
+                <a:latin typeface="Consolas" panose="020B0609020204030204" pitchFamily="49" charset="0"/>
+              </a:rPr>
+              <a:t>#SBATCH -c 4				</a:t>
+            </a:r>
+            <a:r>
+              <a:rPr lang="en-US" sz="2000" dirty="0">
+                <a:solidFill>
+                  <a:schemeClr val="bg2">
+                    <a:lumMod val="75000"/>
+                  </a:schemeClr>
+                </a:solidFill>
+                <a:latin typeface="Consolas" panose="020B0609020204030204" pitchFamily="49" charset="0"/>
+              </a:rPr>
+              <a:t># ask for 4 CPUs</a:t>
+            </a:r>
+          </a:p>
+          <a:p>
+            <a:r>
+              <a:rPr lang="en-US" sz="2000" dirty="0">
+                <a:latin typeface="Consolas" panose="020B0609020204030204" pitchFamily="49" charset="0"/>
+              </a:rPr>
+              <a:t>#SBATCH --time=30:00		</a:t>
+            </a:r>
+            <a:r>
+              <a:rPr lang="en-US" sz="2000" dirty="0">
+                <a:solidFill>
+                  <a:schemeClr val="bg2">
+                    <a:lumMod val="75000"/>
+                  </a:schemeClr>
+                </a:solidFill>
+                <a:latin typeface="Consolas" panose="020B0609020204030204" pitchFamily="49" charset="0"/>
+              </a:rPr>
+              <a:t># set wall time to be 30mins</a:t>
+            </a:r>
+          </a:p>
+          <a:p>
+            <a:r>
+              <a:rPr lang="en-US" sz="2000" dirty="0">
+                <a:latin typeface="Consolas" panose="020B0609020204030204" pitchFamily="49" charset="0"/>
+              </a:rPr>
+              <a:t>#SBATCH --mem=5000			</a:t>
+            </a:r>
+            <a:r>
+              <a:rPr lang="en-US" sz="2000" dirty="0">
+                <a:solidFill>
+                  <a:schemeClr val="bg2">
+                    <a:lumMod val="75000"/>
+                  </a:schemeClr>
+                </a:solidFill>
+                <a:latin typeface="Consolas" panose="020B0609020204030204" pitchFamily="49" charset="0"/>
+              </a:rPr>
+              <a:t># ask for 5G memory</a:t>
+            </a:r>
+          </a:p>
+          <a:p>
+            <a:endParaRPr lang="en-US" sz="2000" dirty="0">
+              <a:latin typeface="Consolas" panose="020B0609020204030204" pitchFamily="49" charset="0"/>
+            </a:endParaRPr>
+          </a:p>
+          <a:p>
+            <a:r>
+              <a:rPr lang="en-US" sz="2000" dirty="0">
+                <a:latin typeface="Consolas" panose="020B0609020204030204" pitchFamily="49" charset="0"/>
+              </a:rPr>
+              <a:t>module load </a:t>
+            </a:r>
+            <a:r>
+              <a:rPr lang="en-US" sz="2000" dirty="0" err="1">
+                <a:latin typeface="Consolas" panose="020B0609020204030204" pitchFamily="49" charset="0"/>
+              </a:rPr>
+              <a:t>matlab</a:t>
+            </a:r>
+            <a:r>
+              <a:rPr lang="en-US" sz="2000" dirty="0">
+                <a:latin typeface="Consolas" panose="020B0609020204030204" pitchFamily="49" charset="0"/>
+              </a:rPr>
+              <a:t>/R2018b</a:t>
+            </a:r>
+          </a:p>
+          <a:p>
+            <a:r>
+              <a:rPr lang="en-US" sz="2000" dirty="0" err="1">
+                <a:latin typeface="Consolas" panose="020B0609020204030204" pitchFamily="49" charset="0"/>
+              </a:rPr>
+              <a:t>matlab</a:t>
+            </a:r>
+            <a:r>
+              <a:rPr lang="en-US" sz="2000" dirty="0">
+                <a:latin typeface="Consolas" panose="020B0609020204030204" pitchFamily="49" charset="0"/>
+              </a:rPr>
+              <a:t> -</a:t>
+            </a:r>
+            <a:r>
+              <a:rPr lang="en-US" sz="2000" dirty="0" err="1">
+                <a:latin typeface="Consolas" panose="020B0609020204030204" pitchFamily="49" charset="0"/>
+              </a:rPr>
+              <a:t>nodesktop</a:t>
+            </a:r>
+            <a:r>
+              <a:rPr lang="en-US" sz="2000" dirty="0">
+                <a:latin typeface="Consolas" panose="020B0609020204030204" pitchFamily="49" charset="0"/>
+              </a:rPr>
+              <a:t> -</a:t>
+            </a:r>
+            <a:r>
+              <a:rPr lang="en-US" sz="2000" dirty="0" err="1">
+                <a:latin typeface="Consolas" panose="020B0609020204030204" pitchFamily="49" charset="0"/>
+              </a:rPr>
+              <a:t>nosplash</a:t>
+            </a:r>
+            <a:r>
+              <a:rPr lang="en-US" sz="2000" dirty="0">
+                <a:latin typeface="Consolas" panose="020B0609020204030204" pitchFamily="49" charset="0"/>
+              </a:rPr>
+              <a:t> -</a:t>
+            </a:r>
+            <a:r>
+              <a:rPr lang="en-US" sz="2000" dirty="0" err="1">
+                <a:latin typeface="Consolas" panose="020B0609020204030204" pitchFamily="49" charset="0"/>
+              </a:rPr>
+              <a:t>nodisplay</a:t>
+            </a:r>
+            <a:r>
+              <a:rPr lang="en-US" sz="2000" dirty="0">
+                <a:latin typeface="Consolas" panose="020B0609020204030204" pitchFamily="49" charset="0"/>
+              </a:rPr>
+              <a:t> &lt;</a:t>
+            </a:r>
+            <a:r>
+              <a:rPr lang="en-US" sz="2000" dirty="0" err="1">
+                <a:latin typeface="Consolas" panose="020B0609020204030204" pitchFamily="49" charset="0"/>
+              </a:rPr>
+              <a:t>matlab_test.m</a:t>
+            </a:r>
+            <a:endParaRPr lang="en-US" sz="2000" dirty="0"/>
+          </a:p>
+        </p:txBody>
+      </p:sp>
+      <p:sp>
+        <p:nvSpPr>
+          <p:cNvPr id="5" name="TextBox 4">
+            <a:extLst>
+              <a:ext uri="{FF2B5EF4-FFF2-40B4-BE49-F238E27FC236}">
+                <a16:creationId xmlns:a16="http://schemas.microsoft.com/office/drawing/2014/main" id="{BD8F4836-7785-4D29-A98F-81FF751B4575}"/>
+              </a:ext>
+            </a:extLst>
+          </p:cNvPr>
+          <p:cNvSpPr txBox="1"/>
+          <p:nvPr/>
+        </p:nvSpPr>
+        <p:spPr>
+          <a:xfrm>
+            <a:off x="884189" y="6308209"/>
+            <a:ext cx="4634089" cy="369332"/>
+          </a:xfrm>
+          <a:prstGeom prst="rect">
+            <a:avLst/>
+          </a:prstGeom>
+          <a:noFill/>
+        </p:spPr>
+        <p:txBody>
+          <a:bodyPr wrap="none" rtlCol="0">
+            <a:spAutoFit/>
+          </a:bodyPr>
+          <a:lstStyle/>
+          <a:p>
+            <a:r>
+              <a:rPr lang="en-US" dirty="0">
+                <a:hlinkClick r:id="rId2"/>
+              </a:rPr>
+              <a:t>https://cac.queensu.ca/wiki/index.php/SLURM</a:t>
+            </a:r>
+            <a:endParaRPr lang="en-US" dirty="0"/>
+          </a:p>
+        </p:txBody>
+      </p:sp>
+    </p:spTree>
+    <p:extLst>
+      <p:ext uri="{BB962C8B-B14F-4D97-AF65-F5344CB8AC3E}">
+        <p14:creationId xmlns:p14="http://schemas.microsoft.com/office/powerpoint/2010/main" val="3125692063"/>
+      </p:ext>
+    </p:extLst>
+  </p:cSld>
+  <p:clrMapOvr>
+    <a:masterClrMapping/>
+  </p:clrMapOvr>
+</p:sld>
+</file>
+
+<file path=ppt/slides/slide29.xml><?xml version="1.0" encoding="utf-8"?>
+<p:sld xmlns:a="http://schemas.openxmlformats.org/drawingml/2006/main" xmlns:r="http://schemas.openxmlformats.org/officeDocument/2006/relationships" xmlns:p="http://schemas.openxmlformats.org/presentationml/2006/main">
+  <p:cSld>
+    <p:spTree>
+      <p:nvGrpSpPr>
+        <p:cNvPr id="1" name=""/>
+        <p:cNvGrpSpPr/>
+        <p:nvPr/>
+      </p:nvGrpSpPr>
+      <p:grpSpPr>
+        <a:xfrm>
+          <a:off x="0" y="0"/>
+          <a:ext cx="0" cy="0"/>
+          <a:chOff x="0" y="0"/>
+          <a:chExt cx="0" cy="0"/>
+        </a:xfrm>
+      </p:grpSpPr>
+      <p:sp>
+        <p:nvSpPr>
+          <p:cNvPr id="2" name="Title 1">
+            <a:extLst>
+              <a:ext uri="{FF2B5EF4-FFF2-40B4-BE49-F238E27FC236}">
+                <a16:creationId xmlns:a16="http://schemas.microsoft.com/office/drawing/2014/main" id="{7EFF90E5-3FD3-46B6-A354-094E6BF80CAB}"/>
+              </a:ext>
+            </a:extLst>
+          </p:cNvPr>
+          <p:cNvSpPr>
+            <a:spLocks noGrp="1"/>
+          </p:cNvSpPr>
+          <p:nvPr>
+            <p:ph type="title"/>
+          </p:nvPr>
+        </p:nvSpPr>
+        <p:spPr/>
+        <p:txBody>
+          <a:bodyPr/>
+          <a:lstStyle/>
+          <a:p>
+            <a:r>
+              <a:rPr lang="en-US" dirty="0"/>
+              <a:t>Ex.4 </a:t>
+            </a:r>
+            <a:r>
+              <a:rPr lang="en-US" dirty="0" err="1"/>
+              <a:t>Matlab</a:t>
+            </a:r>
+            <a:r>
+              <a:rPr lang="en-US" dirty="0"/>
+              <a:t> – Batch Compute Node (2) </a:t>
+            </a:r>
+          </a:p>
+        </p:txBody>
+      </p:sp>
+      <p:sp>
+        <p:nvSpPr>
+          <p:cNvPr id="4" name="TextBox 3">
+            <a:extLst>
+              <a:ext uri="{FF2B5EF4-FFF2-40B4-BE49-F238E27FC236}">
+                <a16:creationId xmlns:a16="http://schemas.microsoft.com/office/drawing/2014/main" id="{1DD115D5-43EB-4DA5-A272-EDA0609428B5}"/>
+              </a:ext>
+            </a:extLst>
+          </p:cNvPr>
+          <p:cNvSpPr txBox="1"/>
+          <p:nvPr/>
+        </p:nvSpPr>
+        <p:spPr>
+          <a:xfrm>
+            <a:off x="945970" y="1537874"/>
+            <a:ext cx="10166166" cy="4401205"/>
+          </a:xfrm>
+          <a:prstGeom prst="rect">
+            <a:avLst/>
+          </a:prstGeom>
+          <a:solidFill>
+            <a:schemeClr val="bg1">
+              <a:lumMod val="95000"/>
+            </a:schemeClr>
+          </a:solidFill>
+        </p:spPr>
+        <p:txBody>
+          <a:bodyPr wrap="square" rtlCol="0">
+            <a:spAutoFit/>
+          </a:bodyPr>
+          <a:lstStyle/>
+          <a:p>
+            <a:r>
+              <a:rPr lang="en-US" sz="2000" dirty="0">
+                <a:latin typeface="Consolas" panose="020B0609020204030204" pitchFamily="49" charset="0"/>
+              </a:rPr>
+              <a:t>#!/bin/bash</a:t>
+            </a:r>
+          </a:p>
+          <a:p>
+            <a:endParaRPr lang="en-US" sz="2000" dirty="0">
+              <a:latin typeface="Consolas" panose="020B0609020204030204" pitchFamily="49" charset="0"/>
+            </a:endParaRPr>
+          </a:p>
+          <a:p>
+            <a:r>
+              <a:rPr lang="en-US" sz="2000" dirty="0">
+                <a:latin typeface="Consolas" panose="020B0609020204030204" pitchFamily="49" charset="0"/>
+              </a:rPr>
+              <a:t>#SBATCH --job-name=</a:t>
+            </a:r>
+            <a:r>
+              <a:rPr lang="en-US" sz="2000" dirty="0" err="1">
+                <a:latin typeface="Consolas" panose="020B0609020204030204" pitchFamily="49" charset="0"/>
+              </a:rPr>
+              <a:t>MATLAB_test</a:t>
+            </a:r>
+            <a:r>
+              <a:rPr lang="en-US" sz="2000" dirty="0">
+                <a:latin typeface="Consolas" panose="020B0609020204030204" pitchFamily="49" charset="0"/>
+              </a:rPr>
+              <a:t>	</a:t>
+            </a:r>
+            <a:r>
+              <a:rPr lang="en-US" sz="2000" dirty="0">
+                <a:solidFill>
+                  <a:schemeClr val="bg2">
+                    <a:lumMod val="75000"/>
+                  </a:schemeClr>
+                </a:solidFill>
+                <a:latin typeface="Consolas" panose="020B0609020204030204" pitchFamily="49" charset="0"/>
+              </a:rPr>
+              <a:t># set job name</a:t>
+            </a:r>
+          </a:p>
+          <a:p>
+            <a:r>
+              <a:rPr lang="en-US" sz="2000" dirty="0">
+                <a:latin typeface="Consolas" panose="020B0609020204030204" pitchFamily="49" charset="0"/>
+              </a:rPr>
+              <a:t>#SBATCH --partition=standard	</a:t>
+            </a:r>
+            <a:r>
+              <a:rPr lang="en-US" sz="2000" dirty="0">
+                <a:solidFill>
+                  <a:schemeClr val="bg2">
+                    <a:lumMod val="75000"/>
+                  </a:schemeClr>
+                </a:solidFill>
+                <a:latin typeface="Consolas" panose="020B0609020204030204" pitchFamily="49" charset="0"/>
+              </a:rPr>
+              <a:t># set job partition (group of nodes)</a:t>
+            </a:r>
+          </a:p>
+          <a:p>
+            <a:r>
+              <a:rPr lang="en-US" sz="2000" dirty="0">
+                <a:latin typeface="Consolas" panose="020B0609020204030204" pitchFamily="49" charset="0"/>
+              </a:rPr>
+              <a:t>#SBATCH --mail-type=ALL		</a:t>
+            </a:r>
+            <a:r>
+              <a:rPr lang="en-US" sz="2000" dirty="0">
+                <a:solidFill>
+                  <a:schemeClr val="bg2">
+                    <a:lumMod val="75000"/>
+                  </a:schemeClr>
+                </a:solidFill>
+                <a:latin typeface="Consolas" panose="020B0609020204030204" pitchFamily="49" charset="0"/>
+              </a:rPr>
+              <a:t># email me when job start, stop, etc.</a:t>
+            </a:r>
+          </a:p>
+          <a:p>
+            <a:r>
+              <a:rPr lang="en-US" sz="2000" dirty="0">
+                <a:latin typeface="Consolas" panose="020B0609020204030204" pitchFamily="49" charset="0"/>
+              </a:rPr>
+              <a:t>#SBATCH --mail-user=jay.cao@rotman.utoronto.ca </a:t>
+            </a:r>
+            <a:r>
+              <a:rPr lang="en-US" sz="2000" dirty="0">
+                <a:solidFill>
+                  <a:schemeClr val="bg2">
+                    <a:lumMod val="75000"/>
+                  </a:schemeClr>
+                </a:solidFill>
+                <a:latin typeface="Consolas" panose="020B0609020204030204" pitchFamily="49" charset="0"/>
+              </a:rPr>
+              <a:t># set my email address</a:t>
+            </a:r>
+          </a:p>
+          <a:p>
+            <a:r>
+              <a:rPr lang="en-US" sz="2000" dirty="0">
+                <a:latin typeface="Consolas" panose="020B0609020204030204" pitchFamily="49" charset="0"/>
+              </a:rPr>
+              <a:t>#SBATCH --output=</a:t>
+            </a:r>
+            <a:r>
+              <a:rPr lang="en-US" sz="2000" dirty="0" err="1">
+                <a:latin typeface="Consolas" panose="020B0609020204030204" pitchFamily="49" charset="0"/>
+              </a:rPr>
+              <a:t>STD.out</a:t>
+            </a:r>
+            <a:r>
+              <a:rPr lang="en-US" sz="2000" dirty="0">
+                <a:latin typeface="Consolas" panose="020B0609020204030204" pitchFamily="49" charset="0"/>
+              </a:rPr>
+              <a:t>		</a:t>
+            </a:r>
+            <a:r>
+              <a:rPr lang="en-US" sz="2000" dirty="0">
+                <a:solidFill>
+                  <a:srgbClr val="FF3399"/>
+                </a:solidFill>
+                <a:latin typeface="Consolas" panose="020B0609020204030204" pitchFamily="49" charset="0"/>
+              </a:rPr>
+              <a:t># save standard output to </a:t>
+            </a:r>
+            <a:r>
+              <a:rPr lang="en-US" sz="2000" dirty="0" err="1">
+                <a:solidFill>
+                  <a:srgbClr val="FF3399"/>
+                </a:solidFill>
+                <a:latin typeface="Consolas" panose="020B0609020204030204" pitchFamily="49" charset="0"/>
+              </a:rPr>
+              <a:t>STD.out</a:t>
+            </a:r>
+            <a:endParaRPr lang="en-US" sz="2000" dirty="0">
+              <a:solidFill>
+                <a:srgbClr val="FF3399"/>
+              </a:solidFill>
+              <a:latin typeface="Consolas" panose="020B0609020204030204" pitchFamily="49" charset="0"/>
+            </a:endParaRPr>
+          </a:p>
+          <a:p>
+            <a:r>
+              <a:rPr lang="en-US" sz="2000" dirty="0">
+                <a:latin typeface="Consolas" panose="020B0609020204030204" pitchFamily="49" charset="0"/>
+              </a:rPr>
+              <a:t>#SBATCH --error=</a:t>
+            </a:r>
+            <a:r>
+              <a:rPr lang="en-US" sz="2000" dirty="0" err="1">
+                <a:latin typeface="Consolas" panose="020B0609020204030204" pitchFamily="49" charset="0"/>
+              </a:rPr>
+              <a:t>STD.err</a:t>
+            </a:r>
+            <a:r>
+              <a:rPr lang="en-US" sz="2000" dirty="0">
+                <a:latin typeface="Consolas" panose="020B0609020204030204" pitchFamily="49" charset="0"/>
+              </a:rPr>
+              <a:t>		</a:t>
+            </a:r>
+            <a:r>
+              <a:rPr lang="en-US" sz="2000" dirty="0">
+                <a:solidFill>
+                  <a:srgbClr val="FF3399"/>
+                </a:solidFill>
+                <a:latin typeface="Consolas" panose="020B0609020204030204" pitchFamily="49" charset="0"/>
+              </a:rPr>
+              <a:t># save std. error output to </a:t>
+            </a:r>
+            <a:r>
+              <a:rPr lang="en-US" sz="2000" dirty="0" err="1">
+                <a:solidFill>
+                  <a:srgbClr val="FF3399"/>
+                </a:solidFill>
+                <a:latin typeface="Consolas" panose="020B0609020204030204" pitchFamily="49" charset="0"/>
+              </a:rPr>
+              <a:t>STD.out</a:t>
+            </a:r>
+            <a:endParaRPr lang="en-US" sz="2000" dirty="0">
+              <a:solidFill>
+                <a:srgbClr val="FF3399"/>
+              </a:solidFill>
+              <a:latin typeface="Consolas" panose="020B0609020204030204" pitchFamily="49" charset="0"/>
+            </a:endParaRPr>
+          </a:p>
+          <a:p>
+            <a:r>
+              <a:rPr lang="en-US" sz="2000" dirty="0">
+                <a:latin typeface="Consolas" panose="020B0609020204030204" pitchFamily="49" charset="0"/>
+              </a:rPr>
+              <a:t>#SBATCH -c 4				</a:t>
+            </a:r>
+            <a:r>
+              <a:rPr lang="en-US" sz="2000" dirty="0">
+                <a:solidFill>
+                  <a:schemeClr val="bg2">
+                    <a:lumMod val="75000"/>
+                  </a:schemeClr>
+                </a:solidFill>
+                <a:latin typeface="Consolas" panose="020B0609020204030204" pitchFamily="49" charset="0"/>
+              </a:rPr>
+              <a:t># ask for 4 CPUs</a:t>
+            </a:r>
+          </a:p>
+          <a:p>
+            <a:r>
+              <a:rPr lang="en-US" sz="2000" dirty="0">
+                <a:latin typeface="Consolas" panose="020B0609020204030204" pitchFamily="49" charset="0"/>
+              </a:rPr>
+              <a:t>#SBATCH --time=30:00		</a:t>
+            </a:r>
+            <a:r>
+              <a:rPr lang="en-US" sz="2000" dirty="0">
+                <a:solidFill>
+                  <a:schemeClr val="bg2">
+                    <a:lumMod val="75000"/>
+                  </a:schemeClr>
+                </a:solidFill>
+                <a:latin typeface="Consolas" panose="020B0609020204030204" pitchFamily="49" charset="0"/>
+              </a:rPr>
+              <a:t># set wall time to be 30mins</a:t>
+            </a:r>
+          </a:p>
+          <a:p>
+            <a:r>
+              <a:rPr lang="en-US" sz="2000" dirty="0">
+                <a:latin typeface="Consolas" panose="020B0609020204030204" pitchFamily="49" charset="0"/>
+              </a:rPr>
+              <a:t>#SBATCH --mem=5000			</a:t>
+            </a:r>
+            <a:r>
+              <a:rPr lang="en-US" sz="2000" dirty="0">
+                <a:solidFill>
+                  <a:schemeClr val="bg2">
+                    <a:lumMod val="75000"/>
+                  </a:schemeClr>
+                </a:solidFill>
+                <a:latin typeface="Consolas" panose="020B0609020204030204" pitchFamily="49" charset="0"/>
+              </a:rPr>
+              <a:t># ask for 5G memory</a:t>
+            </a:r>
+          </a:p>
+          <a:p>
+            <a:endParaRPr lang="en-US" sz="2000" dirty="0">
+              <a:latin typeface="Consolas" panose="020B0609020204030204" pitchFamily="49" charset="0"/>
+            </a:endParaRPr>
+          </a:p>
+          <a:p>
+            <a:r>
+              <a:rPr lang="en-US" sz="2000" dirty="0">
+                <a:latin typeface="Consolas" panose="020B0609020204030204" pitchFamily="49" charset="0"/>
+              </a:rPr>
+              <a:t>module load </a:t>
+            </a:r>
+            <a:r>
+              <a:rPr lang="en-US" sz="2000" dirty="0" err="1">
+                <a:latin typeface="Consolas" panose="020B0609020204030204" pitchFamily="49" charset="0"/>
+              </a:rPr>
+              <a:t>matlab</a:t>
+            </a:r>
+            <a:r>
+              <a:rPr lang="en-US" sz="2000" dirty="0">
+                <a:latin typeface="Consolas" panose="020B0609020204030204" pitchFamily="49" charset="0"/>
+              </a:rPr>
+              <a:t>/R2018b</a:t>
+            </a:r>
+          </a:p>
+          <a:p>
+            <a:r>
+              <a:rPr lang="en-US" sz="2000" dirty="0" err="1">
+                <a:latin typeface="Consolas" panose="020B0609020204030204" pitchFamily="49" charset="0"/>
+              </a:rPr>
+              <a:t>matlab</a:t>
+            </a:r>
+            <a:r>
+              <a:rPr lang="en-US" sz="2000" dirty="0">
+                <a:latin typeface="Consolas" panose="020B0609020204030204" pitchFamily="49" charset="0"/>
+              </a:rPr>
+              <a:t> -</a:t>
+            </a:r>
+            <a:r>
+              <a:rPr lang="en-US" sz="2000" dirty="0" err="1">
+                <a:latin typeface="Consolas" panose="020B0609020204030204" pitchFamily="49" charset="0"/>
+              </a:rPr>
+              <a:t>nodesktop</a:t>
+            </a:r>
+            <a:r>
+              <a:rPr lang="en-US" sz="2000" dirty="0">
+                <a:latin typeface="Consolas" panose="020B0609020204030204" pitchFamily="49" charset="0"/>
+              </a:rPr>
+              <a:t> -</a:t>
+            </a:r>
+            <a:r>
+              <a:rPr lang="en-US" sz="2000" dirty="0" err="1">
+                <a:latin typeface="Consolas" panose="020B0609020204030204" pitchFamily="49" charset="0"/>
+              </a:rPr>
+              <a:t>nosplash</a:t>
+            </a:r>
+            <a:r>
+              <a:rPr lang="en-US" sz="2000" dirty="0">
+                <a:latin typeface="Consolas" panose="020B0609020204030204" pitchFamily="49" charset="0"/>
+              </a:rPr>
+              <a:t> -</a:t>
+            </a:r>
+            <a:r>
+              <a:rPr lang="en-US" sz="2000" dirty="0" err="1">
+                <a:latin typeface="Consolas" panose="020B0609020204030204" pitchFamily="49" charset="0"/>
+              </a:rPr>
+              <a:t>nodisplay</a:t>
+            </a:r>
+            <a:r>
+              <a:rPr lang="en-US" sz="2000" dirty="0">
+                <a:latin typeface="Consolas" panose="020B0609020204030204" pitchFamily="49" charset="0"/>
+              </a:rPr>
+              <a:t> &lt;</a:t>
+            </a:r>
+            <a:r>
+              <a:rPr lang="en-US" sz="2000" dirty="0" err="1">
+                <a:latin typeface="Consolas" panose="020B0609020204030204" pitchFamily="49" charset="0"/>
+              </a:rPr>
+              <a:t>matlab_test.m</a:t>
+            </a:r>
+            <a:endParaRPr lang="en-US" sz="2000" dirty="0"/>
+          </a:p>
+        </p:txBody>
+      </p:sp>
+      <p:sp>
+        <p:nvSpPr>
+          <p:cNvPr id="5" name="TextBox 4">
+            <a:extLst>
+              <a:ext uri="{FF2B5EF4-FFF2-40B4-BE49-F238E27FC236}">
+                <a16:creationId xmlns:a16="http://schemas.microsoft.com/office/drawing/2014/main" id="{398693F2-F5E1-45F7-A17B-E7811478AF6D}"/>
+              </a:ext>
+            </a:extLst>
+          </p:cNvPr>
+          <p:cNvSpPr txBox="1"/>
+          <p:nvPr/>
+        </p:nvSpPr>
+        <p:spPr>
+          <a:xfrm>
+            <a:off x="884189" y="6308209"/>
+            <a:ext cx="4634089" cy="369332"/>
+          </a:xfrm>
+          <a:prstGeom prst="rect">
+            <a:avLst/>
+          </a:prstGeom>
+          <a:noFill/>
+        </p:spPr>
+        <p:txBody>
+          <a:bodyPr wrap="none" rtlCol="0">
+            <a:spAutoFit/>
+          </a:bodyPr>
+          <a:lstStyle/>
+          <a:p>
+            <a:r>
+              <a:rPr lang="en-US" dirty="0">
+                <a:hlinkClick r:id="rId2"/>
+              </a:rPr>
+              <a:t>https://cac.queensu.ca/wiki/index.php/SLURM</a:t>
+            </a:r>
+            <a:endParaRPr lang="en-US" dirty="0"/>
+          </a:p>
+        </p:txBody>
+      </p:sp>
+    </p:spTree>
+    <p:extLst>
+      <p:ext uri="{BB962C8B-B14F-4D97-AF65-F5344CB8AC3E}">
+        <p14:creationId xmlns:p14="http://schemas.microsoft.com/office/powerpoint/2010/main" val="345284017"/>
+      </p:ext>
+    </p:extLst>
+  </p:cSld>
+  <p:clrMapOvr>
+    <a:masterClrMapping/>
+  </p:clrMapOvr>
+</p:sld>
+</file>
+
+<file path=ppt/slides/slide3.xml><?xml version="1.0" encoding="utf-8"?>
+<p:sld xmlns:a="http://schemas.openxmlformats.org/drawingml/2006/main" xmlns:r="http://schemas.openxmlformats.org/officeDocument/2006/relationships" xmlns:p="http://schemas.openxmlformats.org/presentationml/2006/main">
+  <p:cSld>
+    <p:spTree>
+      <p:nvGrpSpPr>
+        <p:cNvPr id="1" name=""/>
+        <p:cNvGrpSpPr/>
+        <p:nvPr/>
+      </p:nvGrpSpPr>
+      <p:grpSpPr>
+        <a:xfrm>
+          <a:off x="0" y="0"/>
+          <a:ext cx="0" cy="0"/>
+          <a:chOff x="0" y="0"/>
+          <a:chExt cx="0" cy="0"/>
+        </a:xfrm>
+      </p:grpSpPr>
+      <p:sp>
+        <p:nvSpPr>
+          <p:cNvPr id="2" name="Title 1">
+            <a:extLst>
+              <a:ext uri="{FF2B5EF4-FFF2-40B4-BE49-F238E27FC236}">
+                <a16:creationId xmlns:a16="http://schemas.microsoft.com/office/drawing/2014/main" id="{248440B8-23B8-4F1D-867E-AA1A4FE55E3F}"/>
+              </a:ext>
+            </a:extLst>
+          </p:cNvPr>
+          <p:cNvSpPr>
+            <a:spLocks noGrp="1"/>
+          </p:cNvSpPr>
+          <p:nvPr>
+            <p:ph type="title"/>
+          </p:nvPr>
+        </p:nvSpPr>
+        <p:spPr/>
+        <p:txBody>
+          <a:bodyPr/>
+          <a:lstStyle/>
+          <a:p>
+            <a:r>
+              <a:rPr lang="en-US" dirty="0"/>
               <a:t>What is RNN (1)</a:t>
             </a:r>
           </a:p>
@@ -7196,14 +11592,14 @@
             <a:pPr lvl="1"/>
             <a:r>
               <a:rPr lang="en-US" dirty="0"/>
-              <a:t>Storage: Home directories; 50T project directory</a:t>
+              <a:t>Storage: Home directories; 50T shared project directory</a:t>
             </a:r>
           </a:p>
           <a:p>
             <a:pPr lvl="1"/>
             <a:r>
               <a:rPr lang="en-US" dirty="0"/>
-              <a:t>Software: Python, R, </a:t>
+              <a:t>Software: Linux OS; Python, R, </a:t>
             </a:r>
             <a:r>
               <a:rPr lang="en-US" dirty="0" err="1"/>
@@ -7297,7 +11693,7 @@
         </p:blipFill>
         <p:spPr>
           <a:xfrm>
-            <a:off x="10201552" y="817188"/>
+            <a:off x="10488944" y="451426"/>
             <a:ext cx="780290" cy="780290"/>
           </a:xfrm>
           <a:prstGeom prst="rect">
@@ -7319,7 +11715,7 @@
         </p:nvSpPr>
         <p:spPr>
           <a:xfrm>
-            <a:off x="10121244" y="1597478"/>
+            <a:off x="10408636" y="1231716"/>
             <a:ext cx="1408784" cy="1015663"/>
           </a:xfrm>
           <a:prstGeom prst="rect">
@@ -7370,7 +11766,7 @@
         </p:nvSpPr>
         <p:spPr>
           <a:xfrm>
-            <a:off x="8104639" y="2684590"/>
+            <a:off x="8392031" y="2318828"/>
             <a:ext cx="1285032" cy="369332"/>
           </a:xfrm>
           <a:prstGeom prst="rect">
@@ -7419,7 +11815,7 @@
         </p:blipFill>
         <p:spPr>
           <a:xfrm>
-            <a:off x="8317704" y="2152281"/>
+            <a:off x="8605096" y="1786519"/>
             <a:ext cx="691426" cy="691426"/>
           </a:xfrm>
           <a:prstGeom prst="rect">
@@ -7443,7 +11839,7 @@
         </p:nvCxnSpPr>
         <p:spPr>
           <a:xfrm>
-            <a:off x="9212035" y="1203535"/>
+            <a:off x="9499427" y="837773"/>
             <a:ext cx="885562" cy="0"/>
           </a:xfrm>
           <a:prstGeom prst="line">
@@ -7500,7 +11896,7 @@
         </p:blipFill>
         <p:spPr>
           <a:xfrm>
-            <a:off x="8273272" y="742270"/>
+            <a:off x="8560664" y="376508"/>
             <a:ext cx="780290" cy="780290"/>
           </a:xfrm>
           <a:prstGeom prst="rect">
@@ -7522,7 +11918,7 @@
         </p:nvSpPr>
         <p:spPr>
           <a:xfrm>
-            <a:off x="8233043" y="562833"/>
+            <a:off x="8520435" y="197071"/>
             <a:ext cx="958789" cy="369332"/>
           </a:xfrm>
           <a:prstGeom prst="rect">
@@ -7561,7 +11957,7 @@
         </p:nvCxnSpPr>
         <p:spPr>
           <a:xfrm flipV="1">
-            <a:off x="8663417" y="1522560"/>
+            <a:off x="8950809" y="1156798"/>
             <a:ext cx="0" cy="629721"/>
           </a:xfrm>
           <a:prstGeom prst="line">
@@ -7603,7 +11999,7 @@
 </p:sld>
 </file>
 
-<file path=ppt/slides/slide20.xml><?xml version="1.0" encoding="utf-8"?>
+<file path=ppt/slides/slide30.xml><?xml version="1.0" encoding="utf-8"?>
 <p:sld xmlns:a="http://schemas.openxmlformats.org/drawingml/2006/main" xmlns:r="http://schemas.openxmlformats.org/officeDocument/2006/relationships" xmlns:p="http://schemas.openxmlformats.org/presentationml/2006/main">
   <p:cSld>
     <p:spTree>
@@ -7625,7 +12021,7 @@
           <p:cNvPr id="2" name="Title 1">
             <a:extLst>
               <a:ext uri="{FF2B5EF4-FFF2-40B4-BE49-F238E27FC236}">
-                <a16:creationId xmlns:a16="http://schemas.microsoft.com/office/drawing/2014/main" id="{2467A9F1-4E51-4859-BD6E-6A30989FF959}"/>
+                <a16:creationId xmlns:a16="http://schemas.microsoft.com/office/drawing/2014/main" id="{7EFF90E5-3FD3-46B6-A354-094E6BF80CAB}"/>
               </a:ext>
             </a:extLst>
           </p:cNvPr>
@@ -7643,195 +12039,7 @@
           <a:p>
             <a:r>
               <a:rPr lang="en-US" dirty="0"/>
-              <a:t>Using Software – Module System</a:t>
-            </a:r>
-          </a:p>
-        </p:txBody>
-      </p:sp>
-      <p:sp>
-        <p:nvSpPr>
-          <p:cNvPr id="3" name="Content Placeholder 2">
-            <a:extLst>
-              <a:ext uri="{FF2B5EF4-FFF2-40B4-BE49-F238E27FC236}">
-                <a16:creationId xmlns:a16="http://schemas.microsoft.com/office/drawing/2014/main" id="{898F6EEF-7A0C-4D76-8C06-43E6306C7CC2}"/>
-              </a:ext>
-            </a:extLst>
-          </p:cNvPr>
-          <p:cNvSpPr>
-            <a:spLocks noGrp="1"/>
-          </p:cNvSpPr>
-          <p:nvPr>
-            <p:ph idx="1"/>
-          </p:nvPr>
-        </p:nvSpPr>
-        <p:spPr/>
-        <p:txBody>
-          <a:bodyPr/>
-          <a:lstStyle/>
-          <a:p>
-            <a:r>
-              <a:rPr lang="en-US" dirty="0"/>
-              <a:t>A software Environment Module system</a:t>
-            </a:r>
-          </a:p>
-          <a:p>
-            <a:endParaRPr lang="en-US" dirty="0"/>
-          </a:p>
-          <a:p>
-            <a:pPr marL="0" indent="0" algn="ctr">
-              <a:buNone/>
-            </a:pPr>
-            <a:r>
-              <a:rPr lang="en-US" dirty="0">
-                <a:latin typeface="Consolas" panose="020B0609020204030204" pitchFamily="49" charset="0"/>
-              </a:rPr>
-              <a:t>module avail</a:t>
-            </a:r>
-          </a:p>
-          <a:p>
-            <a:pPr marL="0" indent="0" algn="ctr">
-              <a:buNone/>
-            </a:pPr>
-            <a:endParaRPr lang="en-US" dirty="0">
-              <a:latin typeface="Consolas" panose="020B0609020204030204" pitchFamily="49" charset="0"/>
-            </a:endParaRPr>
-          </a:p>
-          <a:p>
-            <a:pPr marL="0" indent="0" algn="ctr">
-              <a:buNone/>
-            </a:pPr>
-            <a:r>
-              <a:rPr lang="en-US" dirty="0">
-                <a:latin typeface="Consolas" panose="020B0609020204030204" pitchFamily="49" charset="0"/>
-              </a:rPr>
-              <a:t>module load &lt;</a:t>
-            </a:r>
-            <a:r>
-              <a:rPr lang="en-US" dirty="0" err="1">
-                <a:latin typeface="Consolas" panose="020B0609020204030204" pitchFamily="49" charset="0"/>
-              </a:rPr>
-              <a:t>module_name</a:t>
-            </a:r>
-            <a:r>
-              <a:rPr lang="en-US" dirty="0">
-                <a:latin typeface="Consolas" panose="020B0609020204030204" pitchFamily="49" charset="0"/>
-              </a:rPr>
-              <a:t>&gt;</a:t>
-            </a:r>
-          </a:p>
-          <a:p>
-            <a:pPr marL="0" indent="0" algn="ctr">
-              <a:buNone/>
-            </a:pPr>
-            <a:endParaRPr lang="en-US" dirty="0">
-              <a:latin typeface="Consolas" panose="020B0609020204030204" pitchFamily="49" charset="0"/>
-            </a:endParaRPr>
-          </a:p>
-          <a:p>
-            <a:pPr marL="0" indent="0" algn="ctr">
-              <a:buNone/>
-            </a:pPr>
-            <a:r>
-              <a:rPr lang="en-US" dirty="0">
-                <a:latin typeface="Consolas" panose="020B0609020204030204" pitchFamily="49" charset="0"/>
-              </a:rPr>
-              <a:t>module list</a:t>
-            </a:r>
-          </a:p>
-        </p:txBody>
-      </p:sp>
-      <p:sp>
-        <p:nvSpPr>
-          <p:cNvPr id="4" name="TextBox 3">
-            <a:extLst>
-              <a:ext uri="{FF2B5EF4-FFF2-40B4-BE49-F238E27FC236}">
-                <a16:creationId xmlns:a16="http://schemas.microsoft.com/office/drawing/2014/main" id="{F7320CDB-A8D1-44DE-99C4-62ACB9D31EFE}"/>
-              </a:ext>
-            </a:extLst>
-          </p:cNvPr>
-          <p:cNvSpPr txBox="1"/>
-          <p:nvPr/>
-        </p:nvSpPr>
-        <p:spPr>
-          <a:xfrm>
-            <a:off x="884189" y="6308209"/>
-            <a:ext cx="8132804" cy="369332"/>
-          </a:xfrm>
-          <a:prstGeom prst="rect">
-            <a:avLst/>
-          </a:prstGeom>
-          <a:noFill/>
-        </p:spPr>
-        <p:txBody>
-          <a:bodyPr wrap="none" rtlCol="0">
-            <a:spAutoFit/>
-          </a:bodyPr>
-          <a:lstStyle/>
-          <a:p>
-            <a:r>
-              <a:rPr lang="en-US" dirty="0">
-                <a:hlinkClick r:id="rId2"/>
-              </a:rPr>
-              <a:t>https://tdmdal.github.io/computing-research/getting-started.html#loading-software</a:t>
-            </a:r>
-            <a:endParaRPr lang="en-US" dirty="0"/>
-          </a:p>
-        </p:txBody>
-      </p:sp>
-    </p:spTree>
-    <p:extLst>
-      <p:ext uri="{BB962C8B-B14F-4D97-AF65-F5344CB8AC3E}">
-        <p14:creationId xmlns:p14="http://schemas.microsoft.com/office/powerpoint/2010/main" val="4034858110"/>
-      </p:ext>
-    </p:extLst>
-  </p:cSld>
-  <p:clrMapOvr>
-    <a:masterClrMapping/>
-  </p:clrMapOvr>
-</p:sld>
-</file>
-
-<file path=ppt/slides/slide21.xml><?xml version="1.0" encoding="utf-8"?>
-<p:sld xmlns:a="http://schemas.openxmlformats.org/drawingml/2006/main" xmlns:r="http://schemas.openxmlformats.org/officeDocument/2006/relationships" xmlns:p="http://schemas.openxmlformats.org/presentationml/2006/main">
-  <p:cSld>
-    <p:spTree>
-      <p:nvGrpSpPr>
-        <p:cNvPr id="1" name=""/>
-        <p:cNvGrpSpPr/>
-        <p:nvPr/>
-      </p:nvGrpSpPr>
-      <p:grpSpPr>
-        <a:xfrm>
-          <a:off x="0" y="0"/>
-          <a:ext cx="0" cy="0"/>
-          <a:chOff x="0" y="0"/>
-          <a:chExt cx="0" cy="0"/>
-        </a:xfrm>
-      </p:grpSpPr>
-      <p:sp>
-        <p:nvSpPr>
-          <p:cNvPr id="2" name="Title 1">
-            <a:extLst>
-              <a:ext uri="{FF2B5EF4-FFF2-40B4-BE49-F238E27FC236}">
-                <a16:creationId xmlns:a16="http://schemas.microsoft.com/office/drawing/2014/main" id="{8E77643F-7E4A-4C62-8C76-C75C53E0EA9A}"/>
-              </a:ext>
-            </a:extLst>
-          </p:cNvPr>
-          <p:cNvSpPr>
-            <a:spLocks noGrp="1"/>
-          </p:cNvSpPr>
-          <p:nvPr>
-            <p:ph type="title"/>
-          </p:nvPr>
-        </p:nvSpPr>
-        <p:spPr/>
-        <p:txBody>
-          <a:bodyPr/>
-          <a:lstStyle/>
-          <a:p>
-            <a:r>
-              <a:rPr lang="en-US" dirty="0"/>
-              <a:t>Ex.1 </a:t>
+              <a:t>Ex.4 </a:t>
             </a:r>
             <a:r>
               <a:rPr lang="en-US" dirty="0" err="1"/>
@@ -7839,1400 +12047,7 @@
             </a:r>
             <a:r>
               <a:rPr lang="en-US" dirty="0"/>
-              <a:t> - RNN Interactive Mode</a:t>
-            </a:r>
-          </a:p>
-        </p:txBody>
-      </p:sp>
-      <p:sp>
-        <p:nvSpPr>
-          <p:cNvPr id="3" name="Content Placeholder 2">
-            <a:extLst>
-              <a:ext uri="{FF2B5EF4-FFF2-40B4-BE49-F238E27FC236}">
-                <a16:creationId xmlns:a16="http://schemas.microsoft.com/office/drawing/2014/main" id="{25EE8030-6D98-4B88-BF44-DCFCBA683B52}"/>
-              </a:ext>
-            </a:extLst>
-          </p:cNvPr>
-          <p:cNvSpPr>
-            <a:spLocks noGrp="1"/>
-          </p:cNvSpPr>
-          <p:nvPr>
-            <p:ph idx="1"/>
-          </p:nvPr>
-        </p:nvSpPr>
-        <p:spPr/>
-        <p:txBody>
-          <a:bodyPr>
-            <a:normAutofit/>
-          </a:bodyPr>
-          <a:lstStyle/>
-          <a:p>
-            <a:r>
-              <a:rPr lang="en-US" dirty="0"/>
-              <a:t>Load </a:t>
-            </a:r>
-            <a:r>
-              <a:rPr lang="en-US" dirty="0" err="1"/>
-              <a:t>matlab</a:t>
-            </a:r>
-            <a:r>
-              <a:rPr lang="en-US" dirty="0"/>
-              <a:t> module</a:t>
-            </a:r>
-          </a:p>
-          <a:p>
-            <a:pPr marL="0" indent="0" algn="ctr">
-              <a:buNone/>
-            </a:pPr>
-            <a:r>
-              <a:rPr lang="en-US" b="1" dirty="0">
-                <a:latin typeface="Consolas" panose="020B0609020204030204" pitchFamily="49" charset="0"/>
-              </a:rPr>
-              <a:t>module load </a:t>
-            </a:r>
-            <a:r>
-              <a:rPr lang="en-US" b="1" dirty="0" err="1">
-                <a:latin typeface="Consolas" panose="020B0609020204030204" pitchFamily="49" charset="0"/>
-              </a:rPr>
-              <a:t>matlab</a:t>
-            </a:r>
-            <a:r>
-              <a:rPr lang="en-US" b="1" dirty="0">
-                <a:latin typeface="Consolas" panose="020B0609020204030204" pitchFamily="49" charset="0"/>
-              </a:rPr>
-              <a:t>/R2018b</a:t>
-            </a:r>
-          </a:p>
-          <a:p>
-            <a:endParaRPr lang="en-US" dirty="0"/>
-          </a:p>
-          <a:p>
-            <a:r>
-              <a:rPr lang="en-US" dirty="0"/>
-              <a:t>Run </a:t>
-            </a:r>
-            <a:r>
-              <a:rPr lang="en-US" dirty="0" err="1"/>
-              <a:t>matlab</a:t>
-            </a:r>
-            <a:r>
-              <a:rPr lang="en-US" dirty="0"/>
-              <a:t> with GUI</a:t>
-            </a:r>
-          </a:p>
-          <a:p>
-            <a:pPr marL="0" indent="0" algn="ctr">
-              <a:buNone/>
-            </a:pPr>
-            <a:r>
-              <a:rPr lang="en-US" b="1" dirty="0" err="1">
-                <a:latin typeface="Consolas" panose="020B0609020204030204" pitchFamily="49" charset="0"/>
-              </a:rPr>
-              <a:t>matlab</a:t>
-            </a:r>
-            <a:endParaRPr lang="en-US" b="1" dirty="0">
-              <a:latin typeface="Consolas" panose="020B0609020204030204" pitchFamily="49" charset="0"/>
-            </a:endParaRPr>
-          </a:p>
-          <a:p>
-            <a:pPr marL="0" indent="0">
-              <a:buNone/>
-            </a:pPr>
-            <a:endParaRPr lang="en-US" dirty="0"/>
-          </a:p>
-          <a:p>
-            <a:r>
-              <a:rPr lang="en-US" dirty="0"/>
-              <a:t>Run </a:t>
-            </a:r>
-            <a:r>
-              <a:rPr lang="en-US" dirty="0" err="1"/>
-              <a:t>matlab</a:t>
-            </a:r>
-            <a:r>
-              <a:rPr lang="en-US" dirty="0"/>
-              <a:t> without GUI</a:t>
-            </a:r>
-            <a:endParaRPr lang="en-US" b="1" dirty="0">
-              <a:latin typeface="Consolas" panose="020B0609020204030204" pitchFamily="49" charset="0"/>
-            </a:endParaRPr>
-          </a:p>
-          <a:p>
-            <a:pPr marL="0" indent="0" algn="ctr">
-              <a:buNone/>
-            </a:pPr>
-            <a:r>
-              <a:rPr lang="en-US" b="1" dirty="0" err="1">
-                <a:latin typeface="Consolas" panose="020B0609020204030204" pitchFamily="49" charset="0"/>
-              </a:rPr>
-              <a:t>matlab</a:t>
-            </a:r>
-            <a:r>
-              <a:rPr lang="en-US" b="1" dirty="0">
-                <a:latin typeface="Consolas" panose="020B0609020204030204" pitchFamily="49" charset="0"/>
-              </a:rPr>
-              <a:t> -</a:t>
-            </a:r>
-            <a:r>
-              <a:rPr lang="en-US" b="1" dirty="0" err="1">
-                <a:latin typeface="Consolas" panose="020B0609020204030204" pitchFamily="49" charset="0"/>
-              </a:rPr>
-              <a:t>nodesktop</a:t>
-            </a:r>
-            <a:r>
-              <a:rPr lang="en-US" b="1" dirty="0">
-                <a:latin typeface="Consolas" panose="020B0609020204030204" pitchFamily="49" charset="0"/>
-              </a:rPr>
-              <a:t> -</a:t>
-            </a:r>
-            <a:r>
-              <a:rPr lang="en-US" b="1" dirty="0" err="1">
-                <a:latin typeface="Consolas" panose="020B0609020204030204" pitchFamily="49" charset="0"/>
-              </a:rPr>
-              <a:t>nosplash</a:t>
-            </a:r>
-            <a:r>
-              <a:rPr lang="en-US" b="1" dirty="0">
-                <a:latin typeface="Consolas" panose="020B0609020204030204" pitchFamily="49" charset="0"/>
-              </a:rPr>
-              <a:t> -</a:t>
-            </a:r>
-            <a:r>
-              <a:rPr lang="en-US" b="1" dirty="0" err="1">
-                <a:latin typeface="Consolas" panose="020B0609020204030204" pitchFamily="49" charset="0"/>
-              </a:rPr>
-              <a:t>nodisplay</a:t>
-            </a:r>
-            <a:endParaRPr lang="en-US" b="1" dirty="0">
-              <a:latin typeface="Consolas" panose="020B0609020204030204" pitchFamily="49" charset="0"/>
-            </a:endParaRPr>
-          </a:p>
-          <a:p>
-            <a:pPr marL="0" indent="0">
-              <a:buNone/>
-            </a:pPr>
-            <a:endParaRPr lang="en-US" b="1" dirty="0">
-              <a:latin typeface="Consolas" panose="020B0609020204030204" pitchFamily="49" charset="0"/>
-            </a:endParaRPr>
-          </a:p>
-          <a:p>
-            <a:pPr marL="0" indent="0">
-              <a:buNone/>
-            </a:pPr>
-            <a:endParaRPr lang="en-US" b="1" dirty="0">
-              <a:latin typeface="Consolas" panose="020B0609020204030204" pitchFamily="49" charset="0"/>
-            </a:endParaRPr>
-          </a:p>
-          <a:p>
-            <a:endParaRPr lang="en-US" dirty="0"/>
-          </a:p>
-        </p:txBody>
-      </p:sp>
-    </p:spTree>
-    <p:extLst>
-      <p:ext uri="{BB962C8B-B14F-4D97-AF65-F5344CB8AC3E}">
-        <p14:creationId xmlns:p14="http://schemas.microsoft.com/office/powerpoint/2010/main" val="2647100879"/>
-      </p:ext>
-    </p:extLst>
-  </p:cSld>
-  <p:clrMapOvr>
-    <a:masterClrMapping/>
-  </p:clrMapOvr>
-</p:sld>
-</file>
-
-<file path=ppt/slides/slide22.xml><?xml version="1.0" encoding="utf-8"?>
-<p:sld xmlns:a="http://schemas.openxmlformats.org/drawingml/2006/main" xmlns:r="http://schemas.openxmlformats.org/officeDocument/2006/relationships" xmlns:p="http://schemas.openxmlformats.org/presentationml/2006/main">
-  <p:cSld>
-    <p:spTree>
-      <p:nvGrpSpPr>
-        <p:cNvPr id="1" name=""/>
-        <p:cNvGrpSpPr/>
-        <p:nvPr/>
-      </p:nvGrpSpPr>
-      <p:grpSpPr>
-        <a:xfrm>
-          <a:off x="0" y="0"/>
-          <a:ext cx="0" cy="0"/>
-          <a:chOff x="0" y="0"/>
-          <a:chExt cx="0" cy="0"/>
-        </a:xfrm>
-      </p:grpSpPr>
-      <p:sp>
-        <p:nvSpPr>
-          <p:cNvPr id="2" name="Title 1">
-            <a:extLst>
-              <a:ext uri="{FF2B5EF4-FFF2-40B4-BE49-F238E27FC236}">
-                <a16:creationId xmlns:a16="http://schemas.microsoft.com/office/drawing/2014/main" id="{8E77643F-7E4A-4C62-8C76-C75C53E0EA9A}"/>
-              </a:ext>
-            </a:extLst>
-          </p:cNvPr>
-          <p:cNvSpPr>
-            <a:spLocks noGrp="1"/>
-          </p:cNvSpPr>
-          <p:nvPr>
-            <p:ph type="title"/>
-          </p:nvPr>
-        </p:nvSpPr>
-        <p:spPr/>
-        <p:txBody>
-          <a:bodyPr/>
-          <a:lstStyle/>
-          <a:p>
-            <a:r>
-              <a:rPr lang="en-US" dirty="0"/>
-              <a:t>Ex.1 </a:t>
-            </a:r>
-            <a:r>
-              <a:rPr lang="en-US" dirty="0" err="1"/>
-              <a:t>Matlab</a:t>
-            </a:r>
-            <a:r>
-              <a:rPr lang="en-US" dirty="0"/>
-              <a:t> - RNN Batch Mode</a:t>
-            </a:r>
-          </a:p>
-        </p:txBody>
-      </p:sp>
-      <p:sp>
-        <p:nvSpPr>
-          <p:cNvPr id="3" name="Content Placeholder 2">
-            <a:extLst>
-              <a:ext uri="{FF2B5EF4-FFF2-40B4-BE49-F238E27FC236}">
-                <a16:creationId xmlns:a16="http://schemas.microsoft.com/office/drawing/2014/main" id="{25EE8030-6D98-4B88-BF44-DCFCBA683B52}"/>
-              </a:ext>
-            </a:extLst>
-          </p:cNvPr>
-          <p:cNvSpPr>
-            <a:spLocks noGrp="1"/>
-          </p:cNvSpPr>
-          <p:nvPr>
-            <p:ph idx="1"/>
-          </p:nvPr>
-        </p:nvSpPr>
-        <p:spPr/>
-        <p:txBody>
-          <a:bodyPr>
-            <a:normAutofit fontScale="92500" lnSpcReduction="10000"/>
-          </a:bodyPr>
-          <a:lstStyle/>
-          <a:p>
-            <a:r>
-              <a:rPr lang="en-US" dirty="0"/>
-              <a:t>Load </a:t>
-            </a:r>
-            <a:r>
-              <a:rPr lang="en-US" dirty="0" err="1"/>
-              <a:t>matlab</a:t>
-            </a:r>
-            <a:r>
-              <a:rPr lang="en-US" dirty="0"/>
-              <a:t> module</a:t>
-            </a:r>
-          </a:p>
-          <a:p>
-            <a:pPr marL="0" indent="0" algn="ctr">
-              <a:buNone/>
-            </a:pPr>
-            <a:r>
-              <a:rPr lang="en-US" b="1" dirty="0">
-                <a:latin typeface="Consolas" panose="020B0609020204030204" pitchFamily="49" charset="0"/>
-              </a:rPr>
-              <a:t>module load </a:t>
-            </a:r>
-            <a:r>
-              <a:rPr lang="en-US" b="1" dirty="0" err="1">
-                <a:latin typeface="Consolas" panose="020B0609020204030204" pitchFamily="49" charset="0"/>
-              </a:rPr>
-              <a:t>matlab</a:t>
-            </a:r>
-            <a:r>
-              <a:rPr lang="en-US" b="1" dirty="0">
-                <a:latin typeface="Consolas" panose="020B0609020204030204" pitchFamily="49" charset="0"/>
-              </a:rPr>
-              <a:t>/R2018b</a:t>
-            </a:r>
-          </a:p>
-          <a:p>
-            <a:endParaRPr lang="en-US" dirty="0"/>
-          </a:p>
-          <a:p>
-            <a:r>
-              <a:rPr lang="en-US" dirty="0"/>
-              <a:t>Run in foreground (i.e. prompt taken; need to waiting for result)</a:t>
-            </a:r>
-          </a:p>
-          <a:p>
-            <a:pPr marL="0" indent="0" algn="ctr">
-              <a:buNone/>
-            </a:pPr>
-            <a:r>
-              <a:rPr lang="en-US" b="1" dirty="0" err="1">
-                <a:latin typeface="Consolas" panose="020B0609020204030204" pitchFamily="49" charset="0"/>
-              </a:rPr>
-              <a:t>matlab</a:t>
-            </a:r>
-            <a:r>
-              <a:rPr lang="en-US" b="1" dirty="0">
-                <a:latin typeface="Consolas" panose="020B0609020204030204" pitchFamily="49" charset="0"/>
-              </a:rPr>
-              <a:t> -</a:t>
-            </a:r>
-            <a:r>
-              <a:rPr lang="en-US" b="1" dirty="0" err="1">
-                <a:latin typeface="Consolas" panose="020B0609020204030204" pitchFamily="49" charset="0"/>
-              </a:rPr>
-              <a:t>nodesktop</a:t>
-            </a:r>
-            <a:r>
-              <a:rPr lang="en-US" b="1" dirty="0">
-                <a:latin typeface="Consolas" panose="020B0609020204030204" pitchFamily="49" charset="0"/>
-              </a:rPr>
-              <a:t> -</a:t>
-            </a:r>
-            <a:r>
-              <a:rPr lang="en-US" b="1" dirty="0" err="1">
-                <a:latin typeface="Consolas" panose="020B0609020204030204" pitchFamily="49" charset="0"/>
-              </a:rPr>
-              <a:t>nosplash</a:t>
-            </a:r>
-            <a:r>
-              <a:rPr lang="en-US" b="1" dirty="0">
-                <a:latin typeface="Consolas" panose="020B0609020204030204" pitchFamily="49" charset="0"/>
-              </a:rPr>
-              <a:t> -</a:t>
-            </a:r>
-            <a:r>
-              <a:rPr lang="en-US" b="1" dirty="0" err="1">
-                <a:latin typeface="Consolas" panose="020B0609020204030204" pitchFamily="49" charset="0"/>
-              </a:rPr>
-              <a:t>nodisplay</a:t>
-            </a:r>
-            <a:r>
-              <a:rPr lang="en-US" b="1" dirty="0">
-                <a:latin typeface="Consolas" panose="020B0609020204030204" pitchFamily="49" charset="0"/>
-              </a:rPr>
-              <a:t> </a:t>
-            </a:r>
-            <a:r>
-              <a:rPr lang="en-US" b="1" dirty="0">
-                <a:solidFill>
-                  <a:srgbClr val="FF0000"/>
-                </a:solidFill>
-                <a:latin typeface="Consolas" panose="020B0609020204030204" pitchFamily="49" charset="0"/>
-              </a:rPr>
-              <a:t>&lt;</a:t>
-            </a:r>
-            <a:r>
-              <a:rPr lang="en-US" b="1" dirty="0" err="1">
-                <a:latin typeface="Consolas" panose="020B0609020204030204" pitchFamily="49" charset="0"/>
-              </a:rPr>
-              <a:t>matlab_test.m</a:t>
-            </a:r>
-            <a:r>
-              <a:rPr lang="en-US" b="1" dirty="0">
-                <a:latin typeface="Consolas" panose="020B0609020204030204" pitchFamily="49" charset="0"/>
-              </a:rPr>
-              <a:t>  </a:t>
-            </a:r>
-            <a:r>
-              <a:rPr lang="en-US" b="1" dirty="0">
-                <a:solidFill>
-                  <a:srgbClr val="FF0000"/>
-                </a:solidFill>
-                <a:latin typeface="Consolas" panose="020B0609020204030204" pitchFamily="49" charset="0"/>
-              </a:rPr>
-              <a:t>&amp;&gt;</a:t>
-            </a:r>
-            <a:r>
-              <a:rPr lang="en-US" b="1" dirty="0">
-                <a:latin typeface="Consolas" panose="020B0609020204030204" pitchFamily="49" charset="0"/>
-              </a:rPr>
-              <a:t>matlab_test.log</a:t>
-            </a:r>
-          </a:p>
-          <a:p>
-            <a:pPr marL="0" indent="0">
-              <a:buNone/>
-            </a:pPr>
-            <a:endParaRPr lang="en-US" dirty="0"/>
-          </a:p>
-          <a:p>
-            <a:r>
-              <a:rPr lang="en-US" dirty="0"/>
-              <a:t>Run in background and no hang up after logout</a:t>
-            </a:r>
-            <a:endParaRPr lang="en-US" b="1" dirty="0">
-              <a:latin typeface="Consolas" panose="020B0609020204030204" pitchFamily="49" charset="0"/>
-            </a:endParaRPr>
-          </a:p>
-          <a:p>
-            <a:pPr marL="0" indent="0" algn="ctr">
-              <a:buNone/>
-            </a:pPr>
-            <a:r>
-              <a:rPr lang="en-US" b="1" dirty="0" err="1">
-                <a:solidFill>
-                  <a:srgbClr val="FF0000"/>
-                </a:solidFill>
-                <a:latin typeface="Consolas" panose="020B0609020204030204" pitchFamily="49" charset="0"/>
-              </a:rPr>
-              <a:t>nohup</a:t>
-            </a:r>
-            <a:r>
-              <a:rPr lang="en-US" b="1" dirty="0">
-                <a:latin typeface="Consolas" panose="020B0609020204030204" pitchFamily="49" charset="0"/>
-              </a:rPr>
-              <a:t> </a:t>
-            </a:r>
-            <a:r>
-              <a:rPr lang="en-US" b="1" dirty="0" err="1">
-                <a:latin typeface="Consolas" panose="020B0609020204030204" pitchFamily="49" charset="0"/>
-              </a:rPr>
-              <a:t>matlab</a:t>
-            </a:r>
-            <a:r>
-              <a:rPr lang="en-US" b="1" dirty="0">
-                <a:latin typeface="Consolas" panose="020B0609020204030204" pitchFamily="49" charset="0"/>
-              </a:rPr>
-              <a:t> -</a:t>
-            </a:r>
-            <a:r>
-              <a:rPr lang="en-US" b="1" dirty="0" err="1">
-                <a:latin typeface="Consolas" panose="020B0609020204030204" pitchFamily="49" charset="0"/>
-              </a:rPr>
-              <a:t>nodesktop</a:t>
-            </a:r>
-            <a:r>
-              <a:rPr lang="en-US" b="1" dirty="0">
-                <a:latin typeface="Consolas" panose="020B0609020204030204" pitchFamily="49" charset="0"/>
-              </a:rPr>
-              <a:t> -</a:t>
-            </a:r>
-            <a:r>
-              <a:rPr lang="en-US" b="1" dirty="0" err="1">
-                <a:latin typeface="Consolas" panose="020B0609020204030204" pitchFamily="49" charset="0"/>
-              </a:rPr>
-              <a:t>nosplash</a:t>
-            </a:r>
-            <a:r>
-              <a:rPr lang="en-US" b="1" dirty="0">
-                <a:latin typeface="Consolas" panose="020B0609020204030204" pitchFamily="49" charset="0"/>
-              </a:rPr>
-              <a:t> -</a:t>
-            </a:r>
-            <a:r>
-              <a:rPr lang="en-US" b="1" dirty="0" err="1">
-                <a:latin typeface="Consolas" panose="020B0609020204030204" pitchFamily="49" charset="0"/>
-              </a:rPr>
-              <a:t>nodisplay</a:t>
-            </a:r>
-            <a:r>
-              <a:rPr lang="en-US" b="1" dirty="0">
-                <a:latin typeface="Consolas" panose="020B0609020204030204" pitchFamily="49" charset="0"/>
-              </a:rPr>
-              <a:t> &lt;</a:t>
-            </a:r>
-            <a:r>
-              <a:rPr lang="en-US" b="1" dirty="0" err="1">
-                <a:latin typeface="Consolas" panose="020B0609020204030204" pitchFamily="49" charset="0"/>
-              </a:rPr>
-              <a:t>matlab_test.m</a:t>
-            </a:r>
-            <a:r>
-              <a:rPr lang="en-US" b="1" dirty="0">
-                <a:latin typeface="Consolas" panose="020B0609020204030204" pitchFamily="49" charset="0"/>
-              </a:rPr>
-              <a:t> &amp;&gt;matlab_test.log </a:t>
-            </a:r>
-            <a:r>
-              <a:rPr lang="en-US" b="1" dirty="0">
-                <a:solidFill>
-                  <a:srgbClr val="FF0000"/>
-                </a:solidFill>
-                <a:latin typeface="Consolas" panose="020B0609020204030204" pitchFamily="49" charset="0"/>
-              </a:rPr>
-              <a:t>&amp;</a:t>
-            </a:r>
-          </a:p>
-          <a:p>
-            <a:pPr marL="0" indent="0" algn="ctr">
-              <a:buNone/>
-            </a:pPr>
-            <a:endParaRPr lang="en-US" b="1" dirty="0">
-              <a:latin typeface="Consolas" panose="020B0609020204030204" pitchFamily="49" charset="0"/>
-            </a:endParaRPr>
-          </a:p>
-          <a:p>
-            <a:pPr marL="0" indent="0">
-              <a:buNone/>
-            </a:pPr>
-            <a:endParaRPr lang="en-US" b="1" dirty="0">
-              <a:latin typeface="Consolas" panose="020B0609020204030204" pitchFamily="49" charset="0"/>
-            </a:endParaRPr>
-          </a:p>
-          <a:p>
-            <a:pPr marL="0" indent="0">
-              <a:buNone/>
-            </a:pPr>
-            <a:endParaRPr lang="en-US" b="1" dirty="0">
-              <a:latin typeface="Consolas" panose="020B0609020204030204" pitchFamily="49" charset="0"/>
-            </a:endParaRPr>
-          </a:p>
-          <a:p>
-            <a:endParaRPr lang="en-US" dirty="0"/>
-          </a:p>
-        </p:txBody>
-      </p:sp>
-    </p:spTree>
-    <p:extLst>
-      <p:ext uri="{BB962C8B-B14F-4D97-AF65-F5344CB8AC3E}">
-        <p14:creationId xmlns:p14="http://schemas.microsoft.com/office/powerpoint/2010/main" val="4212833241"/>
-      </p:ext>
-    </p:extLst>
-  </p:cSld>
-  <p:clrMapOvr>
-    <a:masterClrMapping/>
-  </p:clrMapOvr>
-</p:sld>
-</file>
-
-<file path=ppt/slides/slide23.xml><?xml version="1.0" encoding="utf-8"?>
-<p:sld xmlns:a="http://schemas.openxmlformats.org/drawingml/2006/main" xmlns:r="http://schemas.openxmlformats.org/officeDocument/2006/relationships" xmlns:p="http://schemas.openxmlformats.org/presentationml/2006/main">
-  <p:cSld>
-    <p:spTree>
-      <p:nvGrpSpPr>
-        <p:cNvPr id="1" name=""/>
-        <p:cNvGrpSpPr/>
-        <p:nvPr/>
-      </p:nvGrpSpPr>
-      <p:grpSpPr>
-        <a:xfrm>
-          <a:off x="0" y="0"/>
-          <a:ext cx="0" cy="0"/>
-          <a:chOff x="0" y="0"/>
-          <a:chExt cx="0" cy="0"/>
-        </a:xfrm>
-      </p:grpSpPr>
-      <p:sp>
-        <p:nvSpPr>
-          <p:cNvPr id="2" name="Title 1">
-            <a:extLst>
-              <a:ext uri="{FF2B5EF4-FFF2-40B4-BE49-F238E27FC236}">
-                <a16:creationId xmlns:a16="http://schemas.microsoft.com/office/drawing/2014/main" id="{EBF0AC6C-6D30-4813-A47E-4BE531DE7EE9}"/>
-              </a:ext>
-            </a:extLst>
-          </p:cNvPr>
-          <p:cNvSpPr>
-            <a:spLocks noGrp="1"/>
-          </p:cNvSpPr>
-          <p:nvPr>
-            <p:ph type="title"/>
-          </p:nvPr>
-        </p:nvSpPr>
-        <p:spPr/>
-        <p:txBody>
-          <a:bodyPr/>
-          <a:lstStyle/>
-          <a:p>
-            <a:r>
-              <a:rPr lang="en-US" dirty="0"/>
-              <a:t>Ex.1 </a:t>
-            </a:r>
-            <a:r>
-              <a:rPr lang="en-US" dirty="0" err="1"/>
-              <a:t>Matlab</a:t>
-            </a:r>
-            <a:r>
-              <a:rPr lang="en-US" dirty="0"/>
-              <a:t> – Interactive Compute Node </a:t>
-            </a:r>
-          </a:p>
-        </p:txBody>
-      </p:sp>
-      <p:sp>
-        <p:nvSpPr>
-          <p:cNvPr id="3" name="Content Placeholder 2">
-            <a:extLst>
-              <a:ext uri="{FF2B5EF4-FFF2-40B4-BE49-F238E27FC236}">
-                <a16:creationId xmlns:a16="http://schemas.microsoft.com/office/drawing/2014/main" id="{A60BA078-6C10-40BB-B76E-C9F439374E50}"/>
-              </a:ext>
-            </a:extLst>
-          </p:cNvPr>
-          <p:cNvSpPr>
-            <a:spLocks noGrp="1"/>
-          </p:cNvSpPr>
-          <p:nvPr>
-            <p:ph idx="1"/>
-          </p:nvPr>
-        </p:nvSpPr>
-        <p:spPr/>
-        <p:txBody>
-          <a:bodyPr>
-            <a:normAutofit/>
-          </a:bodyPr>
-          <a:lstStyle/>
-          <a:p>
-            <a:r>
-              <a:rPr lang="en-US" dirty="0"/>
-              <a:t>Allocate an interactive node</a:t>
-            </a:r>
-          </a:p>
-          <a:p>
-            <a:pPr marL="0" indent="0" algn="ctr">
-              <a:buNone/>
-            </a:pPr>
-            <a:r>
-              <a:rPr lang="en-US" b="1" dirty="0" err="1">
-                <a:latin typeface="Consolas" panose="020B0609020204030204" pitchFamily="49" charset="0"/>
-              </a:rPr>
-              <a:t>salloc</a:t>
-            </a:r>
-            <a:r>
-              <a:rPr lang="en-US" b="1" dirty="0">
-                <a:latin typeface="Consolas" panose="020B0609020204030204" pitchFamily="49" charset="0"/>
-              </a:rPr>
-              <a:t> -c 4 --mem=8g</a:t>
-            </a:r>
-          </a:p>
-          <a:p>
-            <a:endParaRPr lang="en-US" dirty="0"/>
-          </a:p>
-          <a:p>
-            <a:r>
-              <a:rPr lang="en-US" dirty="0"/>
-              <a:t>Load </a:t>
-            </a:r>
-            <a:r>
-              <a:rPr lang="en-US" dirty="0" err="1"/>
-              <a:t>matlab</a:t>
-            </a:r>
-            <a:r>
-              <a:rPr lang="en-US" dirty="0"/>
-              <a:t> module</a:t>
-            </a:r>
-          </a:p>
-          <a:p>
-            <a:pPr marL="0" indent="0" algn="ctr">
-              <a:buNone/>
-            </a:pPr>
-            <a:r>
-              <a:rPr lang="en-US" b="1" dirty="0">
-                <a:latin typeface="Consolas" panose="020B0609020204030204" pitchFamily="49" charset="0"/>
-              </a:rPr>
-              <a:t>module load </a:t>
-            </a:r>
-            <a:r>
-              <a:rPr lang="en-US" b="1" dirty="0" err="1">
-                <a:latin typeface="Consolas" panose="020B0609020204030204" pitchFamily="49" charset="0"/>
-              </a:rPr>
-              <a:t>matlab</a:t>
-            </a:r>
-            <a:r>
-              <a:rPr lang="en-US" b="1" dirty="0">
-                <a:latin typeface="Consolas" panose="020B0609020204030204" pitchFamily="49" charset="0"/>
-              </a:rPr>
-              <a:t>/R2018b</a:t>
-            </a:r>
-          </a:p>
-          <a:p>
-            <a:pPr marL="0" indent="0" algn="ctr">
-              <a:buNone/>
-            </a:pPr>
-            <a:endParaRPr lang="en-US" b="1" dirty="0">
-              <a:latin typeface="Consolas" panose="020B0609020204030204" pitchFamily="49" charset="0"/>
-            </a:endParaRPr>
-          </a:p>
-          <a:p>
-            <a:r>
-              <a:rPr lang="en-US" dirty="0"/>
-              <a:t>Run </a:t>
-            </a:r>
-            <a:r>
-              <a:rPr lang="en-US" dirty="0" err="1"/>
-              <a:t>matlab</a:t>
-            </a:r>
-            <a:r>
-              <a:rPr lang="en-US" dirty="0"/>
-              <a:t> in interactive mode with or without GUI</a:t>
-            </a:r>
-          </a:p>
-          <a:p>
-            <a:r>
-              <a:rPr lang="en-US" dirty="0"/>
-              <a:t>Run </a:t>
-            </a:r>
-            <a:r>
-              <a:rPr lang="en-US" dirty="0" err="1"/>
-              <a:t>matlab</a:t>
-            </a:r>
-            <a:r>
-              <a:rPr lang="en-US" dirty="0"/>
-              <a:t> in batch mode. </a:t>
-            </a:r>
-            <a:r>
-              <a:rPr lang="en-US" b="1" dirty="0"/>
-              <a:t>However, don’t exit the interactive node!</a:t>
-            </a:r>
-          </a:p>
-          <a:p>
-            <a:endParaRPr lang="en-US" dirty="0"/>
-          </a:p>
-          <a:p>
-            <a:endParaRPr lang="en-US" dirty="0"/>
-          </a:p>
-          <a:p>
-            <a:endParaRPr lang="en-US" dirty="0"/>
-          </a:p>
-        </p:txBody>
-      </p:sp>
-    </p:spTree>
-    <p:extLst>
-      <p:ext uri="{BB962C8B-B14F-4D97-AF65-F5344CB8AC3E}">
-        <p14:creationId xmlns:p14="http://schemas.microsoft.com/office/powerpoint/2010/main" val="2871092563"/>
-      </p:ext>
-    </p:extLst>
-  </p:cSld>
-  <p:clrMapOvr>
-    <a:masterClrMapping/>
-  </p:clrMapOvr>
-</p:sld>
-</file>
-
-<file path=ppt/slides/slide24.xml><?xml version="1.0" encoding="utf-8"?>
-<p:sld xmlns:a="http://schemas.openxmlformats.org/drawingml/2006/main" xmlns:r="http://schemas.openxmlformats.org/officeDocument/2006/relationships" xmlns:p="http://schemas.openxmlformats.org/presentationml/2006/main">
-  <p:cSld>
-    <p:spTree>
-      <p:nvGrpSpPr>
-        <p:cNvPr id="1" name=""/>
-        <p:cNvGrpSpPr/>
-        <p:nvPr/>
-      </p:nvGrpSpPr>
-      <p:grpSpPr>
-        <a:xfrm>
-          <a:off x="0" y="0"/>
-          <a:ext cx="0" cy="0"/>
-          <a:chOff x="0" y="0"/>
-          <a:chExt cx="0" cy="0"/>
-        </a:xfrm>
-      </p:grpSpPr>
-      <p:sp>
-        <p:nvSpPr>
-          <p:cNvPr id="2" name="Title 1">
-            <a:extLst>
-              <a:ext uri="{FF2B5EF4-FFF2-40B4-BE49-F238E27FC236}">
-                <a16:creationId xmlns:a16="http://schemas.microsoft.com/office/drawing/2014/main" id="{7EFF90E5-3FD3-46B6-A354-094E6BF80CAB}"/>
-              </a:ext>
-            </a:extLst>
-          </p:cNvPr>
-          <p:cNvSpPr>
-            <a:spLocks noGrp="1"/>
-          </p:cNvSpPr>
-          <p:nvPr>
-            <p:ph type="title"/>
-          </p:nvPr>
-        </p:nvSpPr>
-        <p:spPr/>
-        <p:txBody>
-          <a:bodyPr/>
-          <a:lstStyle/>
-          <a:p>
-            <a:r>
-              <a:rPr lang="en-US" dirty="0"/>
-              <a:t>Ex.1 </a:t>
-            </a:r>
-            <a:r>
-              <a:rPr lang="en-US" dirty="0" err="1"/>
-              <a:t>Matlab</a:t>
-            </a:r>
-            <a:r>
-              <a:rPr lang="en-US" dirty="0"/>
-              <a:t> – Batch Compute Node (1) </a:t>
-            </a:r>
-          </a:p>
-        </p:txBody>
-      </p:sp>
-      <p:sp>
-        <p:nvSpPr>
-          <p:cNvPr id="3" name="Content Placeholder 2">
-            <a:extLst>
-              <a:ext uri="{FF2B5EF4-FFF2-40B4-BE49-F238E27FC236}">
-                <a16:creationId xmlns:a16="http://schemas.microsoft.com/office/drawing/2014/main" id="{06050607-66C6-4C57-83DD-77894D5CBA4E}"/>
-              </a:ext>
-            </a:extLst>
-          </p:cNvPr>
-          <p:cNvSpPr>
-            <a:spLocks noGrp="1"/>
-          </p:cNvSpPr>
-          <p:nvPr>
-            <p:ph idx="1"/>
-          </p:nvPr>
-        </p:nvSpPr>
-        <p:spPr/>
-        <p:txBody>
-          <a:bodyPr>
-            <a:normAutofit/>
-          </a:bodyPr>
-          <a:lstStyle/>
-          <a:p>
-            <a:r>
-              <a:rPr lang="en-US" dirty="0"/>
-              <a:t>Write a job submission script (an example, </a:t>
-            </a:r>
-            <a:r>
-              <a:rPr lang="en-US" dirty="0">
-                <a:latin typeface="Consolas" panose="020B0609020204030204" pitchFamily="49" charset="0"/>
-              </a:rPr>
-              <a:t>job.sh</a:t>
-            </a:r>
-            <a:r>
-              <a:rPr lang="en-US" dirty="0"/>
-              <a:t>)</a:t>
-            </a:r>
-          </a:p>
-        </p:txBody>
-      </p:sp>
-      <p:sp>
-        <p:nvSpPr>
-          <p:cNvPr id="4" name="TextBox 3">
-            <a:extLst>
-              <a:ext uri="{FF2B5EF4-FFF2-40B4-BE49-F238E27FC236}">
-                <a16:creationId xmlns:a16="http://schemas.microsoft.com/office/drawing/2014/main" id="{1DD115D5-43EB-4DA5-A272-EDA0609428B5}"/>
-              </a:ext>
-            </a:extLst>
-          </p:cNvPr>
-          <p:cNvSpPr txBox="1"/>
-          <p:nvPr/>
-        </p:nvSpPr>
-        <p:spPr>
-          <a:xfrm>
-            <a:off x="3175365" y="2373896"/>
-            <a:ext cx="7815944" cy="4401205"/>
-          </a:xfrm>
-          <a:prstGeom prst="rect">
-            <a:avLst/>
-          </a:prstGeom>
-          <a:solidFill>
-            <a:schemeClr val="bg1">
-              <a:lumMod val="95000"/>
-            </a:schemeClr>
-          </a:solidFill>
-        </p:spPr>
-        <p:txBody>
-          <a:bodyPr wrap="square" rtlCol="0">
-            <a:spAutoFit/>
-          </a:bodyPr>
-          <a:lstStyle/>
-          <a:p>
-            <a:r>
-              <a:rPr lang="en-US" sz="2000" dirty="0">
-                <a:latin typeface="Consolas" panose="020B0609020204030204" pitchFamily="49" charset="0"/>
-              </a:rPr>
-              <a:t>#!/bin/bash</a:t>
-            </a:r>
-          </a:p>
-          <a:p>
-            <a:endParaRPr lang="en-US" sz="2000" dirty="0">
-              <a:latin typeface="Consolas" panose="020B0609020204030204" pitchFamily="49" charset="0"/>
-            </a:endParaRPr>
-          </a:p>
-          <a:p>
-            <a:r>
-              <a:rPr lang="en-US" sz="2000" dirty="0">
-                <a:latin typeface="Consolas" panose="020B0609020204030204" pitchFamily="49" charset="0"/>
-              </a:rPr>
-              <a:t>#SBATCH --job-name=</a:t>
-            </a:r>
-            <a:r>
-              <a:rPr lang="en-US" sz="2000" dirty="0" err="1">
-                <a:latin typeface="Consolas" panose="020B0609020204030204" pitchFamily="49" charset="0"/>
-              </a:rPr>
-              <a:t>MATLAB_test</a:t>
-            </a:r>
-            <a:endParaRPr lang="en-US" sz="2000" dirty="0">
-              <a:latin typeface="Consolas" panose="020B0609020204030204" pitchFamily="49" charset="0"/>
-            </a:endParaRPr>
-          </a:p>
-          <a:p>
-            <a:r>
-              <a:rPr lang="en-US" sz="2000" dirty="0">
-                <a:latin typeface="Consolas" panose="020B0609020204030204" pitchFamily="49" charset="0"/>
-              </a:rPr>
-              <a:t>#SBATCH --partition=standard</a:t>
-            </a:r>
-          </a:p>
-          <a:p>
-            <a:r>
-              <a:rPr lang="en-US" sz="2000" dirty="0">
-                <a:latin typeface="Consolas" panose="020B0609020204030204" pitchFamily="49" charset="0"/>
-              </a:rPr>
-              <a:t>#SBATCH --mail-type=ALL</a:t>
-            </a:r>
-          </a:p>
-          <a:p>
-            <a:r>
-              <a:rPr lang="en-US" sz="2000" dirty="0">
-                <a:latin typeface="Consolas" panose="020B0609020204030204" pitchFamily="49" charset="0"/>
-              </a:rPr>
-              <a:t>#SBATCH --mail-user=jay.cao@rotman.utoronto.ca</a:t>
-            </a:r>
-          </a:p>
-          <a:p>
-            <a:r>
-              <a:rPr lang="en-US" sz="2000" dirty="0">
-                <a:latin typeface="Consolas" panose="020B0609020204030204" pitchFamily="49" charset="0"/>
-              </a:rPr>
-              <a:t>#SBATCH --output=</a:t>
-            </a:r>
-            <a:r>
-              <a:rPr lang="en-US" sz="2000" dirty="0" err="1">
-                <a:latin typeface="Consolas" panose="020B0609020204030204" pitchFamily="49" charset="0"/>
-              </a:rPr>
-              <a:t>STD.out</a:t>
-            </a:r>
-            <a:endParaRPr lang="en-US" sz="2000" dirty="0">
-              <a:latin typeface="Consolas" panose="020B0609020204030204" pitchFamily="49" charset="0"/>
-            </a:endParaRPr>
-          </a:p>
-          <a:p>
-            <a:r>
-              <a:rPr lang="en-US" sz="2000" dirty="0">
-                <a:latin typeface="Consolas" panose="020B0609020204030204" pitchFamily="49" charset="0"/>
-              </a:rPr>
-              <a:t>#SBATCH --error=</a:t>
-            </a:r>
-            <a:r>
-              <a:rPr lang="en-US" sz="2000" dirty="0" err="1">
-                <a:latin typeface="Consolas" panose="020B0609020204030204" pitchFamily="49" charset="0"/>
-              </a:rPr>
-              <a:t>STD.err</a:t>
-            </a:r>
-            <a:endParaRPr lang="en-US" sz="2000" dirty="0">
-              <a:latin typeface="Consolas" panose="020B0609020204030204" pitchFamily="49" charset="0"/>
-            </a:endParaRPr>
-          </a:p>
-          <a:p>
-            <a:r>
-              <a:rPr lang="en-US" sz="2000" dirty="0">
-                <a:latin typeface="Consolas" panose="020B0609020204030204" pitchFamily="49" charset="0"/>
-              </a:rPr>
-              <a:t>#SBATCH -c 4</a:t>
-            </a:r>
-          </a:p>
-          <a:p>
-            <a:r>
-              <a:rPr lang="en-US" sz="2000" dirty="0">
-                <a:latin typeface="Consolas" panose="020B0609020204030204" pitchFamily="49" charset="0"/>
-              </a:rPr>
-              <a:t>#SBATCH --time=30:00</a:t>
-            </a:r>
-          </a:p>
-          <a:p>
-            <a:r>
-              <a:rPr lang="en-US" sz="2000" dirty="0">
-                <a:latin typeface="Consolas" panose="020B0609020204030204" pitchFamily="49" charset="0"/>
-              </a:rPr>
-              <a:t>#SBATCH --mem=5000</a:t>
-            </a:r>
-          </a:p>
-          <a:p>
-            <a:endParaRPr lang="en-US" sz="2000" dirty="0">
-              <a:latin typeface="Consolas" panose="020B0609020204030204" pitchFamily="49" charset="0"/>
-            </a:endParaRPr>
-          </a:p>
-          <a:p>
-            <a:r>
-              <a:rPr lang="en-US" sz="2000" dirty="0">
-                <a:latin typeface="Consolas" panose="020B0609020204030204" pitchFamily="49" charset="0"/>
-              </a:rPr>
-              <a:t>module load </a:t>
-            </a:r>
-            <a:r>
-              <a:rPr lang="en-US" sz="2000" dirty="0" err="1">
-                <a:latin typeface="Consolas" panose="020B0609020204030204" pitchFamily="49" charset="0"/>
-              </a:rPr>
-              <a:t>matlab</a:t>
-            </a:r>
-            <a:r>
-              <a:rPr lang="en-US" sz="2000" dirty="0">
-                <a:latin typeface="Consolas" panose="020B0609020204030204" pitchFamily="49" charset="0"/>
-              </a:rPr>
-              <a:t>/R2018b</a:t>
-            </a:r>
-          </a:p>
-          <a:p>
-            <a:r>
-              <a:rPr lang="en-US" sz="2000" dirty="0" err="1">
-                <a:latin typeface="Consolas" panose="020B0609020204030204" pitchFamily="49" charset="0"/>
-              </a:rPr>
-              <a:t>matlab</a:t>
-            </a:r>
-            <a:r>
-              <a:rPr lang="en-US" sz="2000" dirty="0">
-                <a:latin typeface="Consolas" panose="020B0609020204030204" pitchFamily="49" charset="0"/>
-              </a:rPr>
-              <a:t> -</a:t>
-            </a:r>
-            <a:r>
-              <a:rPr lang="en-US" sz="2000" dirty="0" err="1">
-                <a:latin typeface="Consolas" panose="020B0609020204030204" pitchFamily="49" charset="0"/>
-              </a:rPr>
-              <a:t>nodesktop</a:t>
-            </a:r>
-            <a:r>
-              <a:rPr lang="en-US" sz="2000" dirty="0">
-                <a:latin typeface="Consolas" panose="020B0609020204030204" pitchFamily="49" charset="0"/>
-              </a:rPr>
-              <a:t> -</a:t>
-            </a:r>
-            <a:r>
-              <a:rPr lang="en-US" sz="2000" dirty="0" err="1">
-                <a:latin typeface="Consolas" panose="020B0609020204030204" pitchFamily="49" charset="0"/>
-              </a:rPr>
-              <a:t>nosplash</a:t>
-            </a:r>
-            <a:r>
-              <a:rPr lang="en-US" sz="2000" dirty="0">
-                <a:latin typeface="Consolas" panose="020B0609020204030204" pitchFamily="49" charset="0"/>
-              </a:rPr>
-              <a:t> -</a:t>
-            </a:r>
-            <a:r>
-              <a:rPr lang="en-US" sz="2000" dirty="0" err="1">
-                <a:latin typeface="Consolas" panose="020B0609020204030204" pitchFamily="49" charset="0"/>
-              </a:rPr>
-              <a:t>nodisplay</a:t>
-            </a:r>
-            <a:r>
-              <a:rPr lang="en-US" sz="2000" dirty="0">
-                <a:latin typeface="Consolas" panose="020B0609020204030204" pitchFamily="49" charset="0"/>
-              </a:rPr>
-              <a:t> &lt;</a:t>
-            </a:r>
-            <a:r>
-              <a:rPr lang="en-US" sz="2000" dirty="0" err="1">
-                <a:latin typeface="Consolas" panose="020B0609020204030204" pitchFamily="49" charset="0"/>
-              </a:rPr>
-              <a:t>matlab_test.m</a:t>
-            </a:r>
-            <a:endParaRPr lang="en-US" sz="2000" dirty="0"/>
-          </a:p>
-        </p:txBody>
-      </p:sp>
-      <p:sp>
-        <p:nvSpPr>
-          <p:cNvPr id="6" name="Left Brace 5">
-            <a:extLst>
-              <a:ext uri="{FF2B5EF4-FFF2-40B4-BE49-F238E27FC236}">
-                <a16:creationId xmlns:a16="http://schemas.microsoft.com/office/drawing/2014/main" id="{FB0D5847-6139-478F-821C-57B36A99EA1D}"/>
-              </a:ext>
-            </a:extLst>
-          </p:cNvPr>
-          <p:cNvSpPr/>
-          <p:nvPr/>
-        </p:nvSpPr>
-        <p:spPr>
-          <a:xfrm>
-            <a:off x="2821586" y="3135089"/>
-            <a:ext cx="252549" cy="2499360"/>
-          </a:xfrm>
-          <a:prstGeom prst="leftBrace">
-            <a:avLst/>
-          </a:prstGeom>
-          <a:ln w="28575"/>
-        </p:spPr>
-        <p:style>
-          <a:lnRef idx="1">
-            <a:schemeClr val="accent1"/>
-          </a:lnRef>
-          <a:fillRef idx="0">
-            <a:schemeClr val="accent1"/>
-          </a:fillRef>
-          <a:effectRef idx="0">
-            <a:schemeClr val="accent1"/>
-          </a:effectRef>
-          <a:fontRef idx="minor">
-            <a:schemeClr val="tx1"/>
-          </a:fontRef>
-        </p:style>
-        <p:txBody>
-          <a:bodyPr rtlCol="0" anchor="ctr"/>
-          <a:lstStyle/>
-          <a:p>
-            <a:pPr algn="ctr"/>
-            <a:endParaRPr lang="en-US" dirty="0"/>
-          </a:p>
-        </p:txBody>
-      </p:sp>
-      <p:sp>
-        <p:nvSpPr>
-          <p:cNvPr id="7" name="TextBox 6">
-            <a:extLst>
-              <a:ext uri="{FF2B5EF4-FFF2-40B4-BE49-F238E27FC236}">
-                <a16:creationId xmlns:a16="http://schemas.microsoft.com/office/drawing/2014/main" id="{79729DE7-4908-4A7E-B32B-3F8681201E8F}"/>
-              </a:ext>
-            </a:extLst>
-          </p:cNvPr>
-          <p:cNvSpPr txBox="1"/>
-          <p:nvPr/>
-        </p:nvSpPr>
-        <p:spPr>
-          <a:xfrm>
-            <a:off x="1577335" y="4062257"/>
-            <a:ext cx="1244251" cy="646331"/>
-          </a:xfrm>
-          <a:prstGeom prst="rect">
-            <a:avLst/>
-          </a:prstGeom>
-          <a:noFill/>
-        </p:spPr>
-        <p:txBody>
-          <a:bodyPr wrap="square" rtlCol="0">
-            <a:spAutoFit/>
-          </a:bodyPr>
-          <a:lstStyle/>
-          <a:p>
-            <a:r>
-              <a:rPr lang="en-US" b="1" dirty="0" err="1"/>
-              <a:t>Slurm</a:t>
-            </a:r>
-            <a:r>
-              <a:rPr lang="en-US" b="1" dirty="0"/>
-              <a:t> command</a:t>
-            </a:r>
-          </a:p>
-        </p:txBody>
-      </p:sp>
-      <p:sp>
-        <p:nvSpPr>
-          <p:cNvPr id="8" name="Left Brace 7">
-            <a:extLst>
-              <a:ext uri="{FF2B5EF4-FFF2-40B4-BE49-F238E27FC236}">
-                <a16:creationId xmlns:a16="http://schemas.microsoft.com/office/drawing/2014/main" id="{7E82C866-9666-404D-9866-7972AAB777E8}"/>
-              </a:ext>
-            </a:extLst>
-          </p:cNvPr>
-          <p:cNvSpPr/>
-          <p:nvPr/>
-        </p:nvSpPr>
-        <p:spPr>
-          <a:xfrm>
-            <a:off x="2837921" y="6140188"/>
-            <a:ext cx="197031" cy="517123"/>
-          </a:xfrm>
-          <a:prstGeom prst="leftBrace">
-            <a:avLst/>
-          </a:prstGeom>
-          <a:ln w="28575"/>
-        </p:spPr>
-        <p:style>
-          <a:lnRef idx="1">
-            <a:schemeClr val="accent1"/>
-          </a:lnRef>
-          <a:fillRef idx="0">
-            <a:schemeClr val="accent1"/>
-          </a:fillRef>
-          <a:effectRef idx="0">
-            <a:schemeClr val="accent1"/>
-          </a:effectRef>
-          <a:fontRef idx="minor">
-            <a:schemeClr val="tx1"/>
-          </a:fontRef>
-        </p:style>
-        <p:txBody>
-          <a:bodyPr rtlCol="0" anchor="ctr"/>
-          <a:lstStyle/>
-          <a:p>
-            <a:pPr algn="ctr"/>
-            <a:endParaRPr lang="en-US" dirty="0"/>
-          </a:p>
-        </p:txBody>
-      </p:sp>
-      <p:sp>
-        <p:nvSpPr>
-          <p:cNvPr id="10" name="TextBox 9">
-            <a:extLst>
-              <a:ext uri="{FF2B5EF4-FFF2-40B4-BE49-F238E27FC236}">
-                <a16:creationId xmlns:a16="http://schemas.microsoft.com/office/drawing/2014/main" id="{4D855867-9D1B-4F29-ADED-CE234A94C1B6}"/>
-              </a:ext>
-            </a:extLst>
-          </p:cNvPr>
-          <p:cNvSpPr txBox="1"/>
-          <p:nvPr/>
-        </p:nvSpPr>
-        <p:spPr>
-          <a:xfrm>
-            <a:off x="1236620" y="6033098"/>
-            <a:ext cx="1584966" cy="646331"/>
-          </a:xfrm>
-          <a:prstGeom prst="rect">
-            <a:avLst/>
-          </a:prstGeom>
-          <a:noFill/>
-        </p:spPr>
-        <p:txBody>
-          <a:bodyPr wrap="square" rtlCol="0">
-            <a:spAutoFit/>
-          </a:bodyPr>
-          <a:lstStyle/>
-          <a:p>
-            <a:r>
-              <a:rPr lang="en-US" b="1" dirty="0"/>
-              <a:t>load </a:t>
-            </a:r>
-            <a:r>
-              <a:rPr lang="en-US" b="1" dirty="0" err="1"/>
-              <a:t>matlab</a:t>
-            </a:r>
-            <a:r>
-              <a:rPr lang="en-US" b="1" dirty="0"/>
-              <a:t> &amp; run my code</a:t>
-            </a:r>
-          </a:p>
-        </p:txBody>
-      </p:sp>
-      <p:sp>
-        <p:nvSpPr>
-          <p:cNvPr id="11" name="Left Brace 10">
-            <a:extLst>
-              <a:ext uri="{FF2B5EF4-FFF2-40B4-BE49-F238E27FC236}">
-                <a16:creationId xmlns:a16="http://schemas.microsoft.com/office/drawing/2014/main" id="{1249A8EB-BDF6-45FE-84E8-9D39C6C4E65A}"/>
-              </a:ext>
-            </a:extLst>
-          </p:cNvPr>
-          <p:cNvSpPr/>
-          <p:nvPr/>
-        </p:nvSpPr>
-        <p:spPr>
-          <a:xfrm>
-            <a:off x="2837921" y="2370788"/>
-            <a:ext cx="197031" cy="517123"/>
-          </a:xfrm>
-          <a:prstGeom prst="leftBrace">
-            <a:avLst/>
-          </a:prstGeom>
-          <a:ln w="28575"/>
-        </p:spPr>
-        <p:style>
-          <a:lnRef idx="1">
-            <a:schemeClr val="accent1"/>
-          </a:lnRef>
-          <a:fillRef idx="0">
-            <a:schemeClr val="accent1"/>
-          </a:fillRef>
-          <a:effectRef idx="0">
-            <a:schemeClr val="accent1"/>
-          </a:effectRef>
-          <a:fontRef idx="minor">
-            <a:schemeClr val="tx1"/>
-          </a:fontRef>
-        </p:style>
-        <p:txBody>
-          <a:bodyPr rtlCol="0" anchor="ctr"/>
-          <a:lstStyle/>
-          <a:p>
-            <a:pPr algn="ctr"/>
-            <a:endParaRPr lang="en-US" dirty="0"/>
-          </a:p>
-        </p:txBody>
-      </p:sp>
-      <p:sp>
-        <p:nvSpPr>
-          <p:cNvPr id="12" name="TextBox 11">
-            <a:extLst>
-              <a:ext uri="{FF2B5EF4-FFF2-40B4-BE49-F238E27FC236}">
-                <a16:creationId xmlns:a16="http://schemas.microsoft.com/office/drawing/2014/main" id="{258709D5-C0E7-430C-B962-A7FEC0E5B0F5}"/>
-              </a:ext>
-            </a:extLst>
-          </p:cNvPr>
-          <p:cNvSpPr txBox="1"/>
-          <p:nvPr/>
-        </p:nvSpPr>
-        <p:spPr>
-          <a:xfrm>
-            <a:off x="862149" y="2263698"/>
-            <a:ext cx="1959437" cy="646331"/>
-          </a:xfrm>
-          <a:prstGeom prst="rect">
-            <a:avLst/>
-          </a:prstGeom>
-          <a:noFill/>
-        </p:spPr>
-        <p:txBody>
-          <a:bodyPr wrap="square" rtlCol="0">
-            <a:spAutoFit/>
-          </a:bodyPr>
-          <a:lstStyle/>
-          <a:p>
-            <a:r>
-              <a:rPr lang="en-US" b="1" dirty="0"/>
-              <a:t>use bash shell to execute this script</a:t>
-            </a:r>
-          </a:p>
-        </p:txBody>
-      </p:sp>
-    </p:spTree>
-    <p:extLst>
-      <p:ext uri="{BB962C8B-B14F-4D97-AF65-F5344CB8AC3E}">
-        <p14:creationId xmlns:p14="http://schemas.microsoft.com/office/powerpoint/2010/main" val="1483295490"/>
-      </p:ext>
-    </p:extLst>
-  </p:cSld>
-  <p:clrMapOvr>
-    <a:masterClrMapping/>
-  </p:clrMapOvr>
-</p:sld>
-</file>
-
-<file path=ppt/slides/slide25.xml><?xml version="1.0" encoding="utf-8"?>
-<p:sld xmlns:a="http://schemas.openxmlformats.org/drawingml/2006/main" xmlns:r="http://schemas.openxmlformats.org/officeDocument/2006/relationships" xmlns:p="http://schemas.openxmlformats.org/presentationml/2006/main">
-  <p:cSld>
-    <p:spTree>
-      <p:nvGrpSpPr>
-        <p:cNvPr id="1" name=""/>
-        <p:cNvGrpSpPr/>
-        <p:nvPr/>
-      </p:nvGrpSpPr>
-      <p:grpSpPr>
-        <a:xfrm>
-          <a:off x="0" y="0"/>
-          <a:ext cx="0" cy="0"/>
-          <a:chOff x="0" y="0"/>
-          <a:chExt cx="0" cy="0"/>
-        </a:xfrm>
-      </p:grpSpPr>
-      <p:sp>
-        <p:nvSpPr>
-          <p:cNvPr id="2" name="Title 1">
-            <a:extLst>
-              <a:ext uri="{FF2B5EF4-FFF2-40B4-BE49-F238E27FC236}">
-                <a16:creationId xmlns:a16="http://schemas.microsoft.com/office/drawing/2014/main" id="{7EFF90E5-3FD3-46B6-A354-094E6BF80CAB}"/>
-              </a:ext>
-            </a:extLst>
-          </p:cNvPr>
-          <p:cNvSpPr>
-            <a:spLocks noGrp="1"/>
-          </p:cNvSpPr>
-          <p:nvPr>
-            <p:ph type="title"/>
-          </p:nvPr>
-        </p:nvSpPr>
-        <p:spPr/>
-        <p:txBody>
-          <a:bodyPr/>
-          <a:lstStyle/>
-          <a:p>
-            <a:r>
-              <a:rPr lang="en-US" dirty="0"/>
-              <a:t>Ex.1 </a:t>
-            </a:r>
-            <a:r>
-              <a:rPr lang="en-US" dirty="0" err="1"/>
-              <a:t>Matlab</a:t>
-            </a:r>
-            <a:r>
-              <a:rPr lang="en-US" dirty="0"/>
-              <a:t> – Batch Compute Node (2) </a:t>
+              <a:t> – Batch Compute Node (2)</a:t>
             </a:r>
           </a:p>
         </p:txBody>
@@ -9303,7 +12118,9 @@
             <a:r>
               <a:rPr lang="en-US" sz="2000" dirty="0">
                 <a:solidFill>
-                  <a:srgbClr val="FF3399"/>
+                  <a:schemeClr val="bg2">
+                    <a:lumMod val="75000"/>
+                  </a:schemeClr>
                 </a:solidFill>
                 <a:latin typeface="Consolas" panose="020B0609020204030204" pitchFamily="49" charset="0"/>
               </a:rPr>
@@ -9316,23 +12133,6 @@
                 <a:latin typeface="Consolas" panose="020B0609020204030204" pitchFamily="49" charset="0"/>
               </a:rPr>
               <a:t>#SBATCH --partition=standard	</a:t>
-            </a:r>
-            <a:r>
-              <a:rPr lang="en-US" sz="2000" dirty="0">
-                <a:solidFill>
-                  <a:srgbClr val="FF3399"/>
-                </a:solidFill>
-                <a:latin typeface="Consolas" panose="020B0609020204030204" pitchFamily="49" charset="0"/>
-              </a:rPr>
-              <a:t># set job partition (group of nodes)</a:t>
-            </a:r>
-          </a:p>
-          <a:p>
-            <a:r>
-              <a:rPr lang="en-US" sz="2000" dirty="0">
-                <a:latin typeface="Consolas" panose="020B0609020204030204" pitchFamily="49" charset="0"/>
-              </a:rPr>
-              <a:t>#SBATCH --mail-type=ALL		</a:t>
             </a:r>
             <a:r>
               <a:rPr lang="en-US" sz="2000" dirty="0">
@@ -9343,6 +12143,25 @@
                 </a:solidFill>
                 <a:latin typeface="Consolas" panose="020B0609020204030204" pitchFamily="49" charset="0"/>
               </a:rPr>
+              <a:t># set job partition (group of nodes)</a:t>
+            </a:r>
+          </a:p>
+          <a:p>
+            <a:r>
+              <a:rPr lang="en-US" sz="2000" dirty="0">
+                <a:latin typeface="Consolas" panose="020B0609020204030204" pitchFamily="49" charset="0"/>
+              </a:rPr>
+              <a:t>#SBATCH --mail-type=ALL		</a:t>
+            </a:r>
+            <a:r>
+              <a:rPr lang="en-US" sz="2000" dirty="0">
+                <a:solidFill>
+                  <a:schemeClr val="bg2">
+                    <a:lumMod val="75000"/>
+                  </a:schemeClr>
+                </a:solidFill>
+                <a:latin typeface="Consolas" panose="020B0609020204030204" pitchFamily="49" charset="0"/>
+              </a:rPr>
               <a:t># email me when job start, stop, etc.</a:t>
             </a:r>
           </a:p>
@@ -9351,7 +12170,18 @@
               <a:rPr lang="en-US" sz="2000" dirty="0">
                 <a:latin typeface="Consolas" panose="020B0609020204030204" pitchFamily="49" charset="0"/>
               </a:rPr>
-              <a:t>#SBATCH --mail-user=jay.cao@rotman.utoronto.ca</a:t>
+              <a:t>#SBATCH --mail-user=jay.cao@rotman.utoronto.ca </a:t>
+            </a:r>
+            <a:r>
+              <a:rPr lang="en-US" sz="2000" dirty="0">
+                <a:solidFill>
+                  <a:schemeClr val="bg2">
+                    <a:lumMod val="75000"/>
+                  </a:schemeClr>
+                </a:solidFill>
+                <a:latin typeface="Consolas" panose="020B0609020204030204" pitchFamily="49" charset="0"/>
+              </a:rPr>
+              <a:t># set my email address</a:t>
             </a:r>
           </a:p>
           <a:p>
@@ -9464,9 +12294,7 @@
             <a:r>
               <a:rPr lang="en-US" sz="2000" dirty="0">
                 <a:solidFill>
-                  <a:schemeClr val="bg2">
-                    <a:lumMod val="75000"/>
-                  </a:schemeClr>
+                  <a:srgbClr val="FF3399"/>
                 </a:solidFill>
                 <a:latin typeface="Consolas" panose="020B0609020204030204" pitchFamily="49" charset="0"/>
               </a:rPr>
@@ -9483,9 +12311,7 @@
             <a:r>
               <a:rPr lang="en-US" sz="2000" dirty="0">
                 <a:solidFill>
-                  <a:schemeClr val="bg2">
-                    <a:lumMod val="75000"/>
-                  </a:schemeClr>
+                  <a:srgbClr val="FF3399"/>
                 </a:solidFill>
                 <a:latin typeface="Consolas" panose="020B0609020204030204" pitchFamily="49" charset="0"/>
               </a:rPr>
@@ -9502,9 +12328,7 @@
             <a:r>
               <a:rPr lang="en-US" sz="2000" dirty="0">
                 <a:solidFill>
-                  <a:schemeClr val="bg2">
-                    <a:lumMod val="75000"/>
-                  </a:schemeClr>
+                  <a:srgbClr val="FF3399"/>
                 </a:solidFill>
                 <a:latin typeface="Consolas" panose="020B0609020204030204" pitchFamily="49" charset="0"/>
               </a:rPr>
@@ -9600,7 +12424,7 @@
           <p:cNvPr id="5" name="TextBox 4">
             <a:extLst>
               <a:ext uri="{FF2B5EF4-FFF2-40B4-BE49-F238E27FC236}">
-                <a16:creationId xmlns:a16="http://schemas.microsoft.com/office/drawing/2014/main" id="{373B346E-4D77-4950-BE8F-1E71E6B0B9AF}"/>
+                <a16:creationId xmlns:a16="http://schemas.microsoft.com/office/drawing/2014/main" id="{0FE55885-BF5A-4DD8-940F-A2C111E20300}"/>
               </a:ext>
             </a:extLst>
           </p:cNvPr>
@@ -9636,7 +12460,7 @@
     </p:spTree>
     <p:extLst>
       <p:ext uri="{BB962C8B-B14F-4D97-AF65-F5344CB8AC3E}">
-        <p14:creationId xmlns:p14="http://schemas.microsoft.com/office/powerpoint/2010/main" val="3332480798"/>
+        <p14:creationId xmlns:p14="http://schemas.microsoft.com/office/powerpoint/2010/main" val="3210137513"/>
       </p:ext>
     </p:extLst>
   </p:cSld>
@@ -9646,7 +12470,7 @@
 </p:sld>
 </file>
 
-<file path=ppt/slides/slide26.xml><?xml version="1.0" encoding="utf-8"?>
+<file path=ppt/slides/slide31.xml><?xml version="1.0" encoding="utf-8"?>
 <p:sld xmlns:a="http://schemas.openxmlformats.org/drawingml/2006/main" xmlns:r="http://schemas.openxmlformats.org/officeDocument/2006/relationships" xmlns:p="http://schemas.openxmlformats.org/presentationml/2006/main">
   <p:cSld>
     <p:spTree>
@@ -9668,7 +12492,7 @@
           <p:cNvPr id="2" name="Title 1">
             <a:extLst>
               <a:ext uri="{FF2B5EF4-FFF2-40B4-BE49-F238E27FC236}">
-                <a16:creationId xmlns:a16="http://schemas.microsoft.com/office/drawing/2014/main" id="{7EFF90E5-3FD3-46B6-A354-094E6BF80CAB}"/>
+                <a16:creationId xmlns:a16="http://schemas.microsoft.com/office/drawing/2014/main" id="{ECF8CC82-4A7D-4AA7-AFB8-0B928F6C48B1}"/>
               </a:ext>
             </a:extLst>
           </p:cNvPr>
@@ -9686,7 +12510,7 @@
           <a:p>
             <a:r>
               <a:rPr lang="en-US" dirty="0"/>
-              <a:t>Ex.1 </a:t>
+              <a:t>Ex.4 </a:t>
             </a:r>
             <a:r>
               <a:rPr lang="en-US" dirty="0" err="1"/>
@@ -9694,7 +12518,137 @@
             </a:r>
             <a:r>
               <a:rPr lang="en-US" dirty="0"/>
-              <a:t> – Batch Compute Node (2) </a:t>
+              <a:t> – Batch Compute Node (3)</a:t>
+            </a:r>
+          </a:p>
+        </p:txBody>
+      </p:sp>
+      <p:sp>
+        <p:nvSpPr>
+          <p:cNvPr id="3" name="Content Placeholder 2">
+            <a:extLst>
+              <a:ext uri="{FF2B5EF4-FFF2-40B4-BE49-F238E27FC236}">
+                <a16:creationId xmlns:a16="http://schemas.microsoft.com/office/drawing/2014/main" id="{A952274A-38F4-46B5-BCC6-4D3268390103}"/>
+              </a:ext>
+            </a:extLst>
+          </p:cNvPr>
+          <p:cNvSpPr>
+            <a:spLocks noGrp="1"/>
+          </p:cNvSpPr>
+          <p:nvPr>
+            <p:ph idx="1"/>
+          </p:nvPr>
+        </p:nvSpPr>
+        <p:spPr/>
+        <p:txBody>
+          <a:bodyPr>
+            <a:normAutofit lnSpcReduction="10000"/>
+          </a:bodyPr>
+          <a:lstStyle/>
+          <a:p>
+            <a:r>
+              <a:rPr lang="en-US" dirty="0"/>
+              <a:t>run job script to submit your code to a compute node</a:t>
+            </a:r>
+          </a:p>
+          <a:p>
+            <a:pPr lvl="1"/>
+            <a:r>
+              <a:rPr lang="en-US" dirty="0"/>
+              <a:t>currently CAC doesn’t enable inter-node jobs</a:t>
+            </a:r>
+          </a:p>
+          <a:p>
+            <a:pPr marL="0" indent="0" algn="ctr">
+              <a:buNone/>
+            </a:pPr>
+            <a:r>
+              <a:rPr lang="en-US" dirty="0" err="1">
+                <a:latin typeface="Consolas" panose="020B0609020204030204" pitchFamily="49" charset="0"/>
+              </a:rPr>
+              <a:t>sbatch</a:t>
+            </a:r>
+            <a:r>
+              <a:rPr lang="en-US" dirty="0">
+                <a:latin typeface="Consolas" panose="020B0609020204030204" pitchFamily="49" charset="0"/>
+              </a:rPr>
+              <a:t> job.sh</a:t>
+            </a:r>
+          </a:p>
+          <a:p>
+            <a:endParaRPr lang="en-US" dirty="0"/>
+          </a:p>
+          <a:p>
+            <a:r>
+              <a:rPr lang="en-US" dirty="0"/>
+              <a:t>Show status of jobs</a:t>
+            </a:r>
+          </a:p>
+          <a:p>
+            <a:pPr marL="0" indent="0" algn="ctr">
+              <a:buNone/>
+            </a:pPr>
+            <a:r>
+              <a:rPr lang="en-US" dirty="0" err="1">
+                <a:latin typeface="Consolas" panose="020B0609020204030204" pitchFamily="49" charset="0"/>
+              </a:rPr>
+              <a:t>squeue</a:t>
+            </a:r>
+            <a:r>
+              <a:rPr lang="en-US" dirty="0">
+                <a:latin typeface="Consolas" panose="020B0609020204030204" pitchFamily="49" charset="0"/>
+              </a:rPr>
+              <a:t> --job &lt;</a:t>
+            </a:r>
+            <a:r>
+              <a:rPr lang="en-US" dirty="0" err="1">
+                <a:latin typeface="Consolas" panose="020B0609020204030204" pitchFamily="49" charset="0"/>
+              </a:rPr>
+              <a:t>job_id</a:t>
+            </a:r>
+            <a:r>
+              <a:rPr lang="en-US" dirty="0">
+                <a:latin typeface="Consolas" panose="020B0609020204030204" pitchFamily="49" charset="0"/>
+              </a:rPr>
+              <a:t>&gt;</a:t>
+            </a:r>
+          </a:p>
+          <a:p>
+            <a:endParaRPr lang="en-US" dirty="0"/>
+          </a:p>
+          <a:p>
+            <a:r>
+              <a:rPr lang="en-US" dirty="0"/>
+              <a:t>Cancel jobs</a:t>
+            </a:r>
+          </a:p>
+          <a:p>
+            <a:pPr marL="0" indent="0" algn="ctr">
+              <a:buNone/>
+            </a:pPr>
+            <a:r>
+              <a:rPr lang="en-US" dirty="0" err="1">
+                <a:latin typeface="Consolas" panose="020B0609020204030204" pitchFamily="49" charset="0"/>
+              </a:rPr>
+              <a:t>scancel</a:t>
+            </a:r>
+            <a:r>
+              <a:rPr lang="en-US" dirty="0">
+                <a:latin typeface="Consolas" panose="020B0609020204030204" pitchFamily="49" charset="0"/>
+              </a:rPr>
+              <a:t> &lt;</a:t>
+            </a:r>
+            <a:r>
+              <a:rPr lang="en-US" dirty="0" err="1">
+                <a:latin typeface="Consolas" panose="020B0609020204030204" pitchFamily="49" charset="0"/>
+              </a:rPr>
+              <a:t>job_id</a:t>
+            </a:r>
+            <a:r>
+              <a:rPr lang="en-US" dirty="0">
+                <a:latin typeface="Consolas" panose="020B0609020204030204" pitchFamily="49" charset="0"/>
+              </a:rPr>
+              <a:t>&gt;</a:t>
             </a:r>
           </a:p>
         </p:txBody>
@@ -9704,376 +12658,7 @@
           <p:cNvPr id="4" name="TextBox 3">
             <a:extLst>
               <a:ext uri="{FF2B5EF4-FFF2-40B4-BE49-F238E27FC236}">
-                <a16:creationId xmlns:a16="http://schemas.microsoft.com/office/drawing/2014/main" id="{1DD115D5-43EB-4DA5-A272-EDA0609428B5}"/>
-              </a:ext>
-            </a:extLst>
-          </p:cNvPr>
-          <p:cNvSpPr txBox="1"/>
-          <p:nvPr/>
-        </p:nvSpPr>
-        <p:spPr>
-          <a:xfrm>
-            <a:off x="945970" y="1537874"/>
-            <a:ext cx="10166166" cy="4401205"/>
-          </a:xfrm>
-          <a:prstGeom prst="rect">
-            <a:avLst/>
-          </a:prstGeom>
-          <a:solidFill>
-            <a:schemeClr val="bg1">
-              <a:lumMod val="95000"/>
-            </a:schemeClr>
-          </a:solidFill>
-        </p:spPr>
-        <p:txBody>
-          <a:bodyPr wrap="square" rtlCol="0">
-            <a:spAutoFit/>
-          </a:bodyPr>
-          <a:lstStyle/>
-          <a:p>
-            <a:r>
-              <a:rPr lang="en-US" sz="2000" dirty="0">
-                <a:latin typeface="Consolas" panose="020B0609020204030204" pitchFamily="49" charset="0"/>
-              </a:rPr>
-              <a:t>#!/bin/bash</a:t>
-            </a:r>
-          </a:p>
-          <a:p>
-            <a:endParaRPr lang="en-US" sz="2000" dirty="0">
-              <a:latin typeface="Consolas" panose="020B0609020204030204" pitchFamily="49" charset="0"/>
-            </a:endParaRPr>
-          </a:p>
-          <a:p>
-            <a:r>
-              <a:rPr lang="en-US" sz="2000" dirty="0">
-                <a:latin typeface="Consolas" panose="020B0609020204030204" pitchFamily="49" charset="0"/>
-              </a:rPr>
-              <a:t>#SBATCH --job-name=</a:t>
-            </a:r>
-            <a:r>
-              <a:rPr lang="en-US" sz="2000" dirty="0" err="1">
-                <a:latin typeface="Consolas" panose="020B0609020204030204" pitchFamily="49" charset="0"/>
-              </a:rPr>
-              <a:t>MATLAB_test</a:t>
-            </a:r>
-            <a:r>
-              <a:rPr lang="en-US" sz="2000" dirty="0">
-                <a:latin typeface="Consolas" panose="020B0609020204030204" pitchFamily="49" charset="0"/>
-              </a:rPr>
-              <a:t>	</a:t>
-            </a:r>
-            <a:r>
-              <a:rPr lang="en-US" sz="2000" dirty="0">
-                <a:solidFill>
-                  <a:schemeClr val="bg2">
-                    <a:lumMod val="75000"/>
-                  </a:schemeClr>
-                </a:solidFill>
-                <a:latin typeface="Consolas" panose="020B0609020204030204" pitchFamily="49" charset="0"/>
-              </a:rPr>
-              <a:t># set job name</a:t>
-            </a:r>
-          </a:p>
-          <a:p>
-            <a:r>
-              <a:rPr lang="en-US" sz="2000" dirty="0">
-                <a:latin typeface="Consolas" panose="020B0609020204030204" pitchFamily="49" charset="0"/>
-              </a:rPr>
-              <a:t>#SBATCH --partition=standard	</a:t>
-            </a:r>
-            <a:r>
-              <a:rPr lang="en-US" sz="2000" dirty="0">
-                <a:solidFill>
-                  <a:schemeClr val="bg2">
-                    <a:lumMod val="75000"/>
-                  </a:schemeClr>
-                </a:solidFill>
-                <a:latin typeface="Consolas" panose="020B0609020204030204" pitchFamily="49" charset="0"/>
-              </a:rPr>
-              <a:t># set job partition (group of nodes)</a:t>
-            </a:r>
-          </a:p>
-          <a:p>
-            <a:r>
-              <a:rPr lang="en-US" sz="2000" dirty="0">
-                <a:latin typeface="Consolas" panose="020B0609020204030204" pitchFamily="49" charset="0"/>
-              </a:rPr>
-              <a:t>#SBATCH --mail-type=ALL		</a:t>
-            </a:r>
-            <a:r>
-              <a:rPr lang="en-US" sz="2000" dirty="0">
-                <a:solidFill>
-                  <a:srgbClr val="FF3399"/>
-                </a:solidFill>
-                <a:latin typeface="Consolas" panose="020B0609020204030204" pitchFamily="49" charset="0"/>
-              </a:rPr>
-              <a:t># email me when job start, stop, etc.</a:t>
-            </a:r>
-          </a:p>
-          <a:p>
-            <a:r>
-              <a:rPr lang="en-US" sz="2000" dirty="0">
-                <a:latin typeface="Consolas" panose="020B0609020204030204" pitchFamily="49" charset="0"/>
-              </a:rPr>
-              <a:t>#SBATCH --mail-user=jay.cao@rotman.utoronto.ca </a:t>
-            </a:r>
-            <a:r>
-              <a:rPr lang="en-US" sz="2000" dirty="0">
-                <a:solidFill>
-                  <a:srgbClr val="FF3399"/>
-                </a:solidFill>
-                <a:latin typeface="Consolas" panose="020B0609020204030204" pitchFamily="49" charset="0"/>
-              </a:rPr>
-              <a:t># set my email address</a:t>
-            </a:r>
-          </a:p>
-          <a:p>
-            <a:r>
-              <a:rPr lang="en-US" sz="2000" dirty="0">
-                <a:latin typeface="Consolas" panose="020B0609020204030204" pitchFamily="49" charset="0"/>
-              </a:rPr>
-              <a:t>#SBATCH --output=</a:t>
-            </a:r>
-            <a:r>
-              <a:rPr lang="en-US" sz="2000" dirty="0" err="1">
-                <a:latin typeface="Consolas" panose="020B0609020204030204" pitchFamily="49" charset="0"/>
-              </a:rPr>
-              <a:t>STD.out</a:t>
-            </a:r>
-            <a:r>
-              <a:rPr lang="en-US" sz="2000" dirty="0">
-                <a:latin typeface="Consolas" panose="020B0609020204030204" pitchFamily="49" charset="0"/>
-              </a:rPr>
-              <a:t>		</a:t>
-            </a:r>
-            <a:r>
-              <a:rPr lang="en-US" sz="2000" dirty="0">
-                <a:solidFill>
-                  <a:schemeClr val="bg2">
-                    <a:lumMod val="75000"/>
-                  </a:schemeClr>
-                </a:solidFill>
-                <a:latin typeface="Consolas" panose="020B0609020204030204" pitchFamily="49" charset="0"/>
-              </a:rPr>
-              <a:t># save standard output to </a:t>
-            </a:r>
-            <a:r>
-              <a:rPr lang="en-US" sz="2000" dirty="0" err="1">
-                <a:solidFill>
-                  <a:schemeClr val="bg2">
-                    <a:lumMod val="75000"/>
-                  </a:schemeClr>
-                </a:solidFill>
-                <a:latin typeface="Consolas" panose="020B0609020204030204" pitchFamily="49" charset="0"/>
-              </a:rPr>
-              <a:t>STD.out</a:t>
-            </a:r>
-            <a:endParaRPr lang="en-US" sz="2000" dirty="0">
-              <a:solidFill>
-                <a:schemeClr val="bg2">
-                  <a:lumMod val="75000"/>
-                </a:schemeClr>
-              </a:solidFill>
-              <a:latin typeface="Consolas" panose="020B0609020204030204" pitchFamily="49" charset="0"/>
-            </a:endParaRPr>
-          </a:p>
-          <a:p>
-            <a:r>
-              <a:rPr lang="en-US" sz="2000" dirty="0">
-                <a:latin typeface="Consolas" panose="020B0609020204030204" pitchFamily="49" charset="0"/>
-              </a:rPr>
-              <a:t>#SBATCH --error=</a:t>
-            </a:r>
-            <a:r>
-              <a:rPr lang="en-US" sz="2000" dirty="0" err="1">
-                <a:latin typeface="Consolas" panose="020B0609020204030204" pitchFamily="49" charset="0"/>
-              </a:rPr>
-              <a:t>STD.err</a:t>
-            </a:r>
-            <a:r>
-              <a:rPr lang="en-US" sz="2000" dirty="0">
-                <a:latin typeface="Consolas" panose="020B0609020204030204" pitchFamily="49" charset="0"/>
-              </a:rPr>
-              <a:t>		</a:t>
-            </a:r>
-            <a:r>
-              <a:rPr lang="en-US" sz="2000" dirty="0">
-                <a:solidFill>
-                  <a:schemeClr val="bg2">
-                    <a:lumMod val="75000"/>
-                  </a:schemeClr>
-                </a:solidFill>
-                <a:latin typeface="Consolas" panose="020B0609020204030204" pitchFamily="49" charset="0"/>
-              </a:rPr>
-              <a:t># save std. error output to </a:t>
-            </a:r>
-            <a:r>
-              <a:rPr lang="en-US" sz="2000" dirty="0" err="1">
-                <a:solidFill>
-                  <a:schemeClr val="bg2">
-                    <a:lumMod val="75000"/>
-                  </a:schemeClr>
-                </a:solidFill>
-                <a:latin typeface="Consolas" panose="020B0609020204030204" pitchFamily="49" charset="0"/>
-              </a:rPr>
-              <a:t>STD.out</a:t>
-            </a:r>
-            <a:endParaRPr lang="en-US" sz="2000" dirty="0">
-              <a:solidFill>
-                <a:schemeClr val="bg2">
-                  <a:lumMod val="75000"/>
-                </a:schemeClr>
-              </a:solidFill>
-              <a:latin typeface="Consolas" panose="020B0609020204030204" pitchFamily="49" charset="0"/>
-            </a:endParaRPr>
-          </a:p>
-          <a:p>
-            <a:r>
-              <a:rPr lang="en-US" sz="2000" dirty="0">
-                <a:latin typeface="Consolas" panose="020B0609020204030204" pitchFamily="49" charset="0"/>
-              </a:rPr>
-              <a:t>#SBATCH -c 4				</a:t>
-            </a:r>
-            <a:r>
-              <a:rPr lang="en-US" sz="2000" dirty="0">
-                <a:solidFill>
-                  <a:schemeClr val="bg2">
-                    <a:lumMod val="75000"/>
-                  </a:schemeClr>
-                </a:solidFill>
-                <a:latin typeface="Consolas" panose="020B0609020204030204" pitchFamily="49" charset="0"/>
-              </a:rPr>
-              <a:t># ask for 4 CPUs</a:t>
-            </a:r>
-          </a:p>
-          <a:p>
-            <a:r>
-              <a:rPr lang="en-US" sz="2000" dirty="0">
-                <a:latin typeface="Consolas" panose="020B0609020204030204" pitchFamily="49" charset="0"/>
-              </a:rPr>
-              <a:t>#SBATCH --time=30:00		</a:t>
-            </a:r>
-            <a:r>
-              <a:rPr lang="en-US" sz="2000" dirty="0">
-                <a:solidFill>
-                  <a:schemeClr val="bg2">
-                    <a:lumMod val="75000"/>
-                  </a:schemeClr>
-                </a:solidFill>
-                <a:latin typeface="Consolas" panose="020B0609020204030204" pitchFamily="49" charset="0"/>
-              </a:rPr>
-              <a:t># set wall time to be 30mins</a:t>
-            </a:r>
-          </a:p>
-          <a:p>
-            <a:r>
-              <a:rPr lang="en-US" sz="2000" dirty="0">
-                <a:latin typeface="Consolas" panose="020B0609020204030204" pitchFamily="49" charset="0"/>
-              </a:rPr>
-              <a:t>#SBATCH --mem=5000			</a:t>
-            </a:r>
-            <a:r>
-              <a:rPr lang="en-US" sz="2000" dirty="0">
-                <a:solidFill>
-                  <a:schemeClr val="bg2">
-                    <a:lumMod val="75000"/>
-                  </a:schemeClr>
-                </a:solidFill>
-                <a:latin typeface="Consolas" panose="020B0609020204030204" pitchFamily="49" charset="0"/>
-              </a:rPr>
-              <a:t># ask for 5G memory</a:t>
-            </a:r>
-          </a:p>
-          <a:p>
-            <a:endParaRPr lang="en-US" sz="2000" dirty="0">
-              <a:latin typeface="Consolas" panose="020B0609020204030204" pitchFamily="49" charset="0"/>
-            </a:endParaRPr>
-          </a:p>
-          <a:p>
-            <a:r>
-              <a:rPr lang="en-US" sz="2000" dirty="0">
-                <a:latin typeface="Consolas" panose="020B0609020204030204" pitchFamily="49" charset="0"/>
-              </a:rPr>
-              <a:t>module load </a:t>
-            </a:r>
-            <a:r>
-              <a:rPr lang="en-US" sz="2000" dirty="0" err="1">
-                <a:latin typeface="Consolas" panose="020B0609020204030204" pitchFamily="49" charset="0"/>
-              </a:rPr>
-              <a:t>matlab</a:t>
-            </a:r>
-            <a:r>
-              <a:rPr lang="en-US" sz="2000" dirty="0">
-                <a:latin typeface="Consolas" panose="020B0609020204030204" pitchFamily="49" charset="0"/>
-              </a:rPr>
-              <a:t>/R2018b</a:t>
-            </a:r>
-          </a:p>
-          <a:p>
-            <a:r>
-              <a:rPr lang="en-US" sz="2000" dirty="0" err="1">
-                <a:latin typeface="Consolas" panose="020B0609020204030204" pitchFamily="49" charset="0"/>
-              </a:rPr>
-              <a:t>matlab</a:t>
-            </a:r>
-            <a:r>
-              <a:rPr lang="en-US" sz="2000" dirty="0">
-                <a:latin typeface="Consolas" panose="020B0609020204030204" pitchFamily="49" charset="0"/>
-              </a:rPr>
-              <a:t> -</a:t>
-            </a:r>
-            <a:r>
-              <a:rPr lang="en-US" sz="2000" dirty="0" err="1">
-                <a:latin typeface="Consolas" panose="020B0609020204030204" pitchFamily="49" charset="0"/>
-              </a:rPr>
-              <a:t>nodesktop</a:t>
-            </a:r>
-            <a:r>
-              <a:rPr lang="en-US" sz="2000" dirty="0">
-                <a:latin typeface="Consolas" panose="020B0609020204030204" pitchFamily="49" charset="0"/>
-              </a:rPr>
-              <a:t> -</a:t>
-            </a:r>
-            <a:r>
-              <a:rPr lang="en-US" sz="2000" dirty="0" err="1">
-                <a:latin typeface="Consolas" panose="020B0609020204030204" pitchFamily="49" charset="0"/>
-              </a:rPr>
-              <a:t>nosplash</a:t>
-            </a:r>
-            <a:r>
-              <a:rPr lang="en-US" sz="2000" dirty="0">
-                <a:latin typeface="Consolas" panose="020B0609020204030204" pitchFamily="49" charset="0"/>
-              </a:rPr>
-              <a:t> -</a:t>
-            </a:r>
-            <a:r>
-              <a:rPr lang="en-US" sz="2000" dirty="0" err="1">
-                <a:latin typeface="Consolas" panose="020B0609020204030204" pitchFamily="49" charset="0"/>
-              </a:rPr>
-              <a:t>nodisplay</a:t>
-            </a:r>
-            <a:r>
-              <a:rPr lang="en-US" sz="2000" dirty="0">
-                <a:latin typeface="Consolas" panose="020B0609020204030204" pitchFamily="49" charset="0"/>
-              </a:rPr>
-              <a:t> &lt;</a:t>
-            </a:r>
-            <a:r>
-              <a:rPr lang="en-US" sz="2000" dirty="0" err="1">
-                <a:latin typeface="Consolas" panose="020B0609020204030204" pitchFamily="49" charset="0"/>
-              </a:rPr>
-              <a:t>matlab_test.m</a:t>
-            </a:r>
-            <a:endParaRPr lang="en-US" sz="2000" dirty="0"/>
-          </a:p>
-        </p:txBody>
-      </p:sp>
-      <p:sp>
-        <p:nvSpPr>
-          <p:cNvPr id="5" name="TextBox 4">
-            <a:extLst>
-              <a:ext uri="{FF2B5EF4-FFF2-40B4-BE49-F238E27FC236}">
-                <a16:creationId xmlns:a16="http://schemas.microsoft.com/office/drawing/2014/main" id="{BD8F4836-7785-4D29-A98F-81FF751B4575}"/>
+                <a16:creationId xmlns:a16="http://schemas.microsoft.com/office/drawing/2014/main" id="{546A5EAE-86AA-4D3F-820A-B6DE283A44CC}"/>
               </a:ext>
             </a:extLst>
           </p:cNvPr>
@@ -10109,7 +12694,7 @@
     </p:spTree>
     <p:extLst>
       <p:ext uri="{BB962C8B-B14F-4D97-AF65-F5344CB8AC3E}">
-        <p14:creationId xmlns:p14="http://schemas.microsoft.com/office/powerpoint/2010/main" val="3125692063"/>
+        <p14:creationId xmlns:p14="http://schemas.microsoft.com/office/powerpoint/2010/main" val="2116497251"/>
       </p:ext>
     </p:extLst>
   </p:cSld>
@@ -10119,7 +12704,7 @@
 </p:sld>
 </file>
 
-<file path=ppt/slides/slide27.xml><?xml version="1.0" encoding="utf-8"?>
+<file path=ppt/slides/slide32.xml><?xml version="1.0" encoding="utf-8"?>
 <p:sld xmlns:a="http://schemas.openxmlformats.org/drawingml/2006/main" xmlns:r="http://schemas.openxmlformats.org/officeDocument/2006/relationships" xmlns:p="http://schemas.openxmlformats.org/presentationml/2006/main">
   <p:cSld>
     <p:spTree>
@@ -10141,7 +12726,7 @@
           <p:cNvPr id="2" name="Title 1">
             <a:extLst>
               <a:ext uri="{FF2B5EF4-FFF2-40B4-BE49-F238E27FC236}">
-                <a16:creationId xmlns:a16="http://schemas.microsoft.com/office/drawing/2014/main" id="{7EFF90E5-3FD3-46B6-A354-094E6BF80CAB}"/>
+                <a16:creationId xmlns:a16="http://schemas.microsoft.com/office/drawing/2014/main" id="{62F24BF1-4C5F-4EA8-807C-036DA9372A2A}"/>
               </a:ext>
             </a:extLst>
           </p:cNvPr>
@@ -10149,7 +12734,7 @@
             <a:spLocks noGrp="1"/>
           </p:cNvSpPr>
           <p:nvPr>
-            <p:ph type="title"/>
+            <p:ph type="ctrTitle"/>
           </p:nvPr>
         </p:nvSpPr>
         <p:spPr/>
@@ -10159,422 +12744,15 @@
           <a:p>
             <a:r>
               <a:rPr lang="en-US" dirty="0"/>
-              <a:t>Ex.1 </a:t>
-            </a:r>
-            <a:r>
-              <a:rPr lang="en-US" dirty="0" err="1"/>
-              <a:t>Matlab</a:t>
-            </a:r>
-            <a:r>
-              <a:rPr lang="en-US" dirty="0"/>
-              <a:t> – Batch Compute Node (2) </a:t>
-            </a:r>
-          </a:p>
-        </p:txBody>
-      </p:sp>
-      <p:sp>
-        <p:nvSpPr>
-          <p:cNvPr id="4" name="TextBox 3">
-            <a:extLst>
-              <a:ext uri="{FF2B5EF4-FFF2-40B4-BE49-F238E27FC236}">
-                <a16:creationId xmlns:a16="http://schemas.microsoft.com/office/drawing/2014/main" id="{1DD115D5-43EB-4DA5-A272-EDA0609428B5}"/>
-              </a:ext>
-            </a:extLst>
-          </p:cNvPr>
-          <p:cNvSpPr txBox="1"/>
-          <p:nvPr/>
-        </p:nvSpPr>
-        <p:spPr>
-          <a:xfrm>
-            <a:off x="945970" y="1537874"/>
-            <a:ext cx="10166166" cy="4401205"/>
-          </a:xfrm>
-          <a:prstGeom prst="rect">
-            <a:avLst/>
-          </a:prstGeom>
-          <a:solidFill>
-            <a:schemeClr val="bg1">
-              <a:lumMod val="95000"/>
-            </a:schemeClr>
-          </a:solidFill>
-        </p:spPr>
-        <p:txBody>
-          <a:bodyPr wrap="square" rtlCol="0">
-            <a:spAutoFit/>
-          </a:bodyPr>
-          <a:lstStyle/>
-          <a:p>
-            <a:r>
-              <a:rPr lang="en-US" sz="2000" dirty="0">
-                <a:latin typeface="Consolas" panose="020B0609020204030204" pitchFamily="49" charset="0"/>
-              </a:rPr>
-              <a:t>#!/bin/bash</a:t>
-            </a:r>
-          </a:p>
-          <a:p>
-            <a:endParaRPr lang="en-US" sz="2000" dirty="0">
-              <a:latin typeface="Consolas" panose="020B0609020204030204" pitchFamily="49" charset="0"/>
-            </a:endParaRPr>
-          </a:p>
-          <a:p>
-            <a:r>
-              <a:rPr lang="en-US" sz="2000" dirty="0">
-                <a:latin typeface="Consolas" panose="020B0609020204030204" pitchFamily="49" charset="0"/>
-              </a:rPr>
-              <a:t>#SBATCH --job-name=</a:t>
-            </a:r>
-            <a:r>
-              <a:rPr lang="en-US" sz="2000" dirty="0" err="1">
-                <a:latin typeface="Consolas" panose="020B0609020204030204" pitchFamily="49" charset="0"/>
-              </a:rPr>
-              <a:t>MATLAB_test</a:t>
-            </a:r>
-            <a:r>
-              <a:rPr lang="en-US" sz="2000" dirty="0">
-                <a:latin typeface="Consolas" panose="020B0609020204030204" pitchFamily="49" charset="0"/>
-              </a:rPr>
-              <a:t>	</a:t>
-            </a:r>
-            <a:r>
-              <a:rPr lang="en-US" sz="2000" dirty="0">
-                <a:solidFill>
-                  <a:schemeClr val="bg2">
-                    <a:lumMod val="75000"/>
-                  </a:schemeClr>
-                </a:solidFill>
-                <a:latin typeface="Consolas" panose="020B0609020204030204" pitchFamily="49" charset="0"/>
-              </a:rPr>
-              <a:t># set job name</a:t>
-            </a:r>
-          </a:p>
-          <a:p>
-            <a:r>
-              <a:rPr lang="en-US" sz="2000" dirty="0">
-                <a:latin typeface="Consolas" panose="020B0609020204030204" pitchFamily="49" charset="0"/>
-              </a:rPr>
-              <a:t>#SBATCH --partition=standard	</a:t>
-            </a:r>
-            <a:r>
-              <a:rPr lang="en-US" sz="2000" dirty="0">
-                <a:solidFill>
-                  <a:schemeClr val="bg2">
-                    <a:lumMod val="75000"/>
-                  </a:schemeClr>
-                </a:solidFill>
-                <a:latin typeface="Consolas" panose="020B0609020204030204" pitchFamily="49" charset="0"/>
-              </a:rPr>
-              <a:t># set job partition (group of nodes)</a:t>
-            </a:r>
-          </a:p>
-          <a:p>
-            <a:r>
-              <a:rPr lang="en-US" sz="2000" dirty="0">
-                <a:latin typeface="Consolas" panose="020B0609020204030204" pitchFamily="49" charset="0"/>
-              </a:rPr>
-              <a:t>#SBATCH --mail-type=ALL		</a:t>
-            </a:r>
-            <a:r>
-              <a:rPr lang="en-US" sz="2000" dirty="0">
-                <a:solidFill>
-                  <a:schemeClr val="bg2">
-                    <a:lumMod val="75000"/>
-                  </a:schemeClr>
-                </a:solidFill>
-                <a:latin typeface="Consolas" panose="020B0609020204030204" pitchFamily="49" charset="0"/>
-              </a:rPr>
-              <a:t># email me when job start, stop, etc.</a:t>
-            </a:r>
-          </a:p>
-          <a:p>
-            <a:r>
-              <a:rPr lang="en-US" sz="2000" dirty="0">
-                <a:latin typeface="Consolas" panose="020B0609020204030204" pitchFamily="49" charset="0"/>
-              </a:rPr>
-              <a:t>#SBATCH --mail-user=jay.cao@rotman.utoronto.ca </a:t>
-            </a:r>
-            <a:r>
-              <a:rPr lang="en-US" sz="2000" dirty="0">
-                <a:solidFill>
-                  <a:schemeClr val="bg2">
-                    <a:lumMod val="75000"/>
-                  </a:schemeClr>
-                </a:solidFill>
-                <a:latin typeface="Consolas" panose="020B0609020204030204" pitchFamily="49" charset="0"/>
-              </a:rPr>
-              <a:t># set my email address</a:t>
-            </a:r>
-          </a:p>
-          <a:p>
-            <a:r>
-              <a:rPr lang="en-US" sz="2000" dirty="0">
-                <a:latin typeface="Consolas" panose="020B0609020204030204" pitchFamily="49" charset="0"/>
-              </a:rPr>
-              <a:t>#SBATCH --output=</a:t>
-            </a:r>
-            <a:r>
-              <a:rPr lang="en-US" sz="2000" dirty="0" err="1">
-                <a:latin typeface="Consolas" panose="020B0609020204030204" pitchFamily="49" charset="0"/>
-              </a:rPr>
-              <a:t>STD.out</a:t>
-            </a:r>
-            <a:r>
-              <a:rPr lang="en-US" sz="2000" dirty="0">
-                <a:latin typeface="Consolas" panose="020B0609020204030204" pitchFamily="49" charset="0"/>
-              </a:rPr>
-              <a:t>		</a:t>
-            </a:r>
-            <a:r>
-              <a:rPr lang="en-US" sz="2000" dirty="0">
-                <a:solidFill>
-                  <a:srgbClr val="FF3399"/>
-                </a:solidFill>
-                <a:latin typeface="Consolas" panose="020B0609020204030204" pitchFamily="49" charset="0"/>
-              </a:rPr>
-              <a:t># save standard output to </a:t>
-            </a:r>
-            <a:r>
-              <a:rPr lang="en-US" sz="2000" dirty="0" err="1">
-                <a:solidFill>
-                  <a:srgbClr val="FF3399"/>
-                </a:solidFill>
-                <a:latin typeface="Consolas" panose="020B0609020204030204" pitchFamily="49" charset="0"/>
-              </a:rPr>
-              <a:t>STD.out</a:t>
-            </a:r>
-            <a:endParaRPr lang="en-US" sz="2000" dirty="0">
-              <a:solidFill>
-                <a:srgbClr val="FF3399"/>
-              </a:solidFill>
-              <a:latin typeface="Consolas" panose="020B0609020204030204" pitchFamily="49" charset="0"/>
-            </a:endParaRPr>
-          </a:p>
-          <a:p>
-            <a:r>
-              <a:rPr lang="en-US" sz="2000" dirty="0">
-                <a:latin typeface="Consolas" panose="020B0609020204030204" pitchFamily="49" charset="0"/>
-              </a:rPr>
-              <a:t>#SBATCH --error=</a:t>
-            </a:r>
-            <a:r>
-              <a:rPr lang="en-US" sz="2000" dirty="0" err="1">
-                <a:latin typeface="Consolas" panose="020B0609020204030204" pitchFamily="49" charset="0"/>
-              </a:rPr>
-              <a:t>STD.err</a:t>
-            </a:r>
-            <a:r>
-              <a:rPr lang="en-US" sz="2000" dirty="0">
-                <a:latin typeface="Consolas" panose="020B0609020204030204" pitchFamily="49" charset="0"/>
-              </a:rPr>
-              <a:t>		</a:t>
-            </a:r>
-            <a:r>
-              <a:rPr lang="en-US" sz="2000" dirty="0">
-                <a:solidFill>
-                  <a:srgbClr val="FF3399"/>
-                </a:solidFill>
-                <a:latin typeface="Consolas" panose="020B0609020204030204" pitchFamily="49" charset="0"/>
-              </a:rPr>
-              <a:t># save std. error output to </a:t>
-            </a:r>
-            <a:r>
-              <a:rPr lang="en-US" sz="2000" dirty="0" err="1">
-                <a:solidFill>
-                  <a:srgbClr val="FF3399"/>
-                </a:solidFill>
-                <a:latin typeface="Consolas" panose="020B0609020204030204" pitchFamily="49" charset="0"/>
-              </a:rPr>
-              <a:t>STD.out</a:t>
-            </a:r>
-            <a:endParaRPr lang="en-US" sz="2000" dirty="0">
-              <a:solidFill>
-                <a:srgbClr val="FF3399"/>
-              </a:solidFill>
-              <a:latin typeface="Consolas" panose="020B0609020204030204" pitchFamily="49" charset="0"/>
-            </a:endParaRPr>
-          </a:p>
-          <a:p>
-            <a:r>
-              <a:rPr lang="en-US" sz="2000" dirty="0">
-                <a:latin typeface="Consolas" panose="020B0609020204030204" pitchFamily="49" charset="0"/>
-              </a:rPr>
-              <a:t>#SBATCH -c 4				</a:t>
-            </a:r>
-            <a:r>
-              <a:rPr lang="en-US" sz="2000" dirty="0">
-                <a:solidFill>
-                  <a:schemeClr val="bg2">
-                    <a:lumMod val="75000"/>
-                  </a:schemeClr>
-                </a:solidFill>
-                <a:latin typeface="Consolas" panose="020B0609020204030204" pitchFamily="49" charset="0"/>
-              </a:rPr>
-              <a:t># ask for 4 CPUs</a:t>
-            </a:r>
-          </a:p>
-          <a:p>
-            <a:r>
-              <a:rPr lang="en-US" sz="2000" dirty="0">
-                <a:latin typeface="Consolas" panose="020B0609020204030204" pitchFamily="49" charset="0"/>
-              </a:rPr>
-              <a:t>#SBATCH --time=30:00		</a:t>
-            </a:r>
-            <a:r>
-              <a:rPr lang="en-US" sz="2000" dirty="0">
-                <a:solidFill>
-                  <a:schemeClr val="bg2">
-                    <a:lumMod val="75000"/>
-                  </a:schemeClr>
-                </a:solidFill>
-                <a:latin typeface="Consolas" panose="020B0609020204030204" pitchFamily="49" charset="0"/>
-              </a:rPr>
-              <a:t># set wall time to be 30mins</a:t>
-            </a:r>
-          </a:p>
-          <a:p>
-            <a:r>
-              <a:rPr lang="en-US" sz="2000" dirty="0">
-                <a:latin typeface="Consolas" panose="020B0609020204030204" pitchFamily="49" charset="0"/>
-              </a:rPr>
-              <a:t>#SBATCH --mem=5000			</a:t>
-            </a:r>
-            <a:r>
-              <a:rPr lang="en-US" sz="2000" dirty="0">
-                <a:solidFill>
-                  <a:schemeClr val="bg2">
-                    <a:lumMod val="75000"/>
-                  </a:schemeClr>
-                </a:solidFill>
-                <a:latin typeface="Consolas" panose="020B0609020204030204" pitchFamily="49" charset="0"/>
-              </a:rPr>
-              <a:t># ask for 5G memory</a:t>
-            </a:r>
-          </a:p>
-          <a:p>
-            <a:endParaRPr lang="en-US" sz="2000" dirty="0">
-              <a:latin typeface="Consolas" panose="020B0609020204030204" pitchFamily="49" charset="0"/>
-            </a:endParaRPr>
-          </a:p>
-          <a:p>
-            <a:r>
-              <a:rPr lang="en-US" sz="2000" dirty="0">
-                <a:latin typeface="Consolas" panose="020B0609020204030204" pitchFamily="49" charset="0"/>
-              </a:rPr>
-              <a:t>module load </a:t>
-            </a:r>
-            <a:r>
-              <a:rPr lang="en-US" sz="2000" dirty="0" err="1">
-                <a:latin typeface="Consolas" panose="020B0609020204030204" pitchFamily="49" charset="0"/>
-              </a:rPr>
-              <a:t>matlab</a:t>
-            </a:r>
-            <a:r>
-              <a:rPr lang="en-US" sz="2000" dirty="0">
-                <a:latin typeface="Consolas" panose="020B0609020204030204" pitchFamily="49" charset="0"/>
-              </a:rPr>
-              <a:t>/R2018b</a:t>
-            </a:r>
-          </a:p>
-          <a:p>
-            <a:r>
-              <a:rPr lang="en-US" sz="2000" dirty="0" err="1">
-                <a:latin typeface="Consolas" panose="020B0609020204030204" pitchFamily="49" charset="0"/>
-              </a:rPr>
-              <a:t>matlab</a:t>
-            </a:r>
-            <a:r>
-              <a:rPr lang="en-US" sz="2000" dirty="0">
-                <a:latin typeface="Consolas" panose="020B0609020204030204" pitchFamily="49" charset="0"/>
-              </a:rPr>
-              <a:t> -</a:t>
-            </a:r>
-            <a:r>
-              <a:rPr lang="en-US" sz="2000" dirty="0" err="1">
-                <a:latin typeface="Consolas" panose="020B0609020204030204" pitchFamily="49" charset="0"/>
-              </a:rPr>
-              <a:t>nodesktop</a:t>
-            </a:r>
-            <a:r>
-              <a:rPr lang="en-US" sz="2000" dirty="0">
-                <a:latin typeface="Consolas" panose="020B0609020204030204" pitchFamily="49" charset="0"/>
-              </a:rPr>
-              <a:t> -</a:t>
-            </a:r>
-            <a:r>
-              <a:rPr lang="en-US" sz="2000" dirty="0" err="1">
-                <a:latin typeface="Consolas" panose="020B0609020204030204" pitchFamily="49" charset="0"/>
-              </a:rPr>
-              <a:t>nosplash</a:t>
-            </a:r>
-            <a:r>
-              <a:rPr lang="en-US" sz="2000" dirty="0">
-                <a:latin typeface="Consolas" panose="020B0609020204030204" pitchFamily="49" charset="0"/>
-              </a:rPr>
-              <a:t> -</a:t>
-            </a:r>
-            <a:r>
-              <a:rPr lang="en-US" sz="2000" dirty="0" err="1">
-                <a:latin typeface="Consolas" panose="020B0609020204030204" pitchFamily="49" charset="0"/>
-              </a:rPr>
-              <a:t>nodisplay</a:t>
-            </a:r>
-            <a:r>
-              <a:rPr lang="en-US" sz="2000" dirty="0">
-                <a:latin typeface="Consolas" panose="020B0609020204030204" pitchFamily="49" charset="0"/>
-              </a:rPr>
-              <a:t> &lt;</a:t>
-            </a:r>
-            <a:r>
-              <a:rPr lang="en-US" sz="2000" dirty="0" err="1">
-                <a:latin typeface="Consolas" panose="020B0609020204030204" pitchFamily="49" charset="0"/>
-              </a:rPr>
-              <a:t>matlab_test.m</a:t>
-            </a:r>
-            <a:endParaRPr lang="en-US" sz="2000" dirty="0"/>
-          </a:p>
-        </p:txBody>
-      </p:sp>
-      <p:sp>
-        <p:nvSpPr>
-          <p:cNvPr id="5" name="TextBox 4">
-            <a:extLst>
-              <a:ext uri="{FF2B5EF4-FFF2-40B4-BE49-F238E27FC236}">
-                <a16:creationId xmlns:a16="http://schemas.microsoft.com/office/drawing/2014/main" id="{398693F2-F5E1-45F7-A17B-E7811478AF6D}"/>
-              </a:ext>
-            </a:extLst>
-          </p:cNvPr>
-          <p:cNvSpPr txBox="1"/>
-          <p:nvPr/>
-        </p:nvSpPr>
-        <p:spPr>
-          <a:xfrm>
-            <a:off x="884189" y="6308209"/>
-            <a:ext cx="4634089" cy="369332"/>
-          </a:xfrm>
-          <a:prstGeom prst="rect">
-            <a:avLst/>
-          </a:prstGeom>
-          <a:noFill/>
-        </p:spPr>
-        <p:txBody>
-          <a:bodyPr wrap="none" rtlCol="0">
-            <a:spAutoFit/>
-          </a:bodyPr>
-          <a:lstStyle/>
-          <a:p>
-            <a:r>
-              <a:rPr lang="en-US" dirty="0">
-                <a:hlinkClick r:id="rId2"/>
-              </a:rPr>
-              <a:t>https://cac.queensu.ca/wiki/index.php/SLURM</a:t>
-            </a:r>
-            <a:endParaRPr lang="en-US" dirty="0"/>
+              <a:t>Extra Stuff</a:t>
+            </a:r>
           </a:p>
         </p:txBody>
       </p:sp>
     </p:spTree>
     <p:extLst>
       <p:ext uri="{BB962C8B-B14F-4D97-AF65-F5344CB8AC3E}">
-        <p14:creationId xmlns:p14="http://schemas.microsoft.com/office/powerpoint/2010/main" val="345284017"/>
+        <p14:creationId xmlns:p14="http://schemas.microsoft.com/office/powerpoint/2010/main" val="1524225641"/>
       </p:ext>
     </p:extLst>
   </p:cSld>
@@ -10584,7 +12762,7 @@
 </p:sld>
 </file>
 
-<file path=ppt/slides/slide28.xml><?xml version="1.0" encoding="utf-8"?>
+<file path=ppt/slides/slide33.xml><?xml version="1.0" encoding="utf-8"?>
 <p:sld xmlns:a="http://schemas.openxmlformats.org/drawingml/2006/main" xmlns:r="http://schemas.openxmlformats.org/officeDocument/2006/relationships" xmlns:p="http://schemas.openxmlformats.org/presentationml/2006/main">
   <p:cSld>
     <p:spTree>
@@ -10606,7 +12784,7 @@
           <p:cNvPr id="2" name="Title 1">
             <a:extLst>
               <a:ext uri="{FF2B5EF4-FFF2-40B4-BE49-F238E27FC236}">
-                <a16:creationId xmlns:a16="http://schemas.microsoft.com/office/drawing/2014/main" id="{7EFF90E5-3FD3-46B6-A354-094E6BF80CAB}"/>
+                <a16:creationId xmlns:a16="http://schemas.microsoft.com/office/drawing/2014/main" id="{C8429A66-5C59-42F5-B0A9-FFF480E32839}"/>
               </a:ext>
             </a:extLst>
           </p:cNvPr>
@@ -10624,419 +12802,127 @@
           <a:p>
             <a:r>
               <a:rPr lang="en-US" dirty="0"/>
-              <a:t>Ex.1 </a:t>
+              <a:t>Persist Your Sessions: </a:t>
             </a:r>
             <a:r>
               <a:rPr lang="en-US" dirty="0" err="1"/>
-              <a:t>Matlab</a:t>
-            </a:r>
-            <a:r>
-              <a:rPr lang="en-US" dirty="0"/>
-              <a:t> – Batch Compute Node (2)</a:t>
+              <a:t>tmux</a:t>
+            </a:r>
+            <a:r>
+              <a:rPr lang="en-US" dirty="0"/>
+              <a:t> &amp; x2go</a:t>
             </a:r>
           </a:p>
         </p:txBody>
       </p:sp>
       <p:sp>
         <p:nvSpPr>
-          <p:cNvPr id="4" name="TextBox 3">
-            <a:extLst>
-              <a:ext uri="{FF2B5EF4-FFF2-40B4-BE49-F238E27FC236}">
-                <a16:creationId xmlns:a16="http://schemas.microsoft.com/office/drawing/2014/main" id="{1DD115D5-43EB-4DA5-A272-EDA0609428B5}"/>
-              </a:ext>
-            </a:extLst>
-          </p:cNvPr>
-          <p:cNvSpPr txBox="1"/>
-          <p:nvPr/>
+          <p:cNvPr id="3" name="Content Placeholder 2">
+            <a:extLst>
+              <a:ext uri="{FF2B5EF4-FFF2-40B4-BE49-F238E27FC236}">
+                <a16:creationId xmlns:a16="http://schemas.microsoft.com/office/drawing/2014/main" id="{DB085D25-9B44-44A8-9839-ECEBDF935AE5}"/>
+              </a:ext>
+            </a:extLst>
+          </p:cNvPr>
+          <p:cNvSpPr>
+            <a:spLocks noGrp="1"/>
+          </p:cNvSpPr>
+          <p:nvPr>
+            <p:ph idx="1"/>
+          </p:nvPr>
         </p:nvSpPr>
-        <p:spPr>
-          <a:xfrm>
-            <a:off x="945970" y="1537874"/>
-            <a:ext cx="10166166" cy="4401205"/>
-          </a:xfrm>
-          <a:prstGeom prst="rect">
-            <a:avLst/>
-          </a:prstGeom>
-          <a:solidFill>
-            <a:schemeClr val="bg1">
-              <a:lumMod val="95000"/>
-            </a:schemeClr>
-          </a:solidFill>
-        </p:spPr>
+        <p:spPr/>
         <p:txBody>
-          <a:bodyPr wrap="square" rtlCol="0">
-            <a:spAutoFit/>
-          </a:bodyPr>
+          <a:bodyPr/>
           <a:lstStyle/>
           <a:p>
             <a:r>
-              <a:rPr lang="en-US" sz="2000" dirty="0">
-                <a:latin typeface="Consolas" panose="020B0609020204030204" pitchFamily="49" charset="0"/>
-              </a:rPr>
-              <a:t>#!/bin/bash</a:t>
-            </a:r>
-          </a:p>
-          <a:p>
-            <a:endParaRPr lang="en-US" sz="2000" dirty="0">
-              <a:latin typeface="Consolas" panose="020B0609020204030204" pitchFamily="49" charset="0"/>
-            </a:endParaRPr>
-          </a:p>
-          <a:p>
-            <a:r>
-              <a:rPr lang="en-US" sz="2000" dirty="0">
-                <a:latin typeface="Consolas" panose="020B0609020204030204" pitchFamily="49" charset="0"/>
-              </a:rPr>
-              <a:t>#SBATCH --job-name=</a:t>
-            </a:r>
-            <a:r>
-              <a:rPr lang="en-US" sz="2000" dirty="0" err="1">
-                <a:latin typeface="Consolas" panose="020B0609020204030204" pitchFamily="49" charset="0"/>
-              </a:rPr>
-              <a:t>MATLAB_test</a:t>
-            </a:r>
-            <a:r>
-              <a:rPr lang="en-US" sz="2000" dirty="0">
-                <a:latin typeface="Consolas" panose="020B0609020204030204" pitchFamily="49" charset="0"/>
-              </a:rPr>
-              <a:t>	</a:t>
-            </a:r>
-            <a:r>
-              <a:rPr lang="en-US" sz="2000" dirty="0">
-                <a:solidFill>
-                  <a:schemeClr val="bg2">
-                    <a:lumMod val="75000"/>
-                  </a:schemeClr>
-                </a:solidFill>
-                <a:latin typeface="Consolas" panose="020B0609020204030204" pitchFamily="49" charset="0"/>
-              </a:rPr>
-              <a:t># set job name</a:t>
-            </a:r>
-          </a:p>
-          <a:p>
-            <a:r>
-              <a:rPr lang="en-US" sz="2000" dirty="0">
-                <a:latin typeface="Consolas" panose="020B0609020204030204" pitchFamily="49" charset="0"/>
-              </a:rPr>
-              <a:t>#SBATCH --partition=standard	</a:t>
-            </a:r>
-            <a:r>
-              <a:rPr lang="en-US" sz="2000" dirty="0">
-                <a:solidFill>
-                  <a:schemeClr val="bg2">
-                    <a:lumMod val="75000"/>
-                  </a:schemeClr>
-                </a:solidFill>
-                <a:latin typeface="Consolas" panose="020B0609020204030204" pitchFamily="49" charset="0"/>
-              </a:rPr>
-              <a:t># set job partition (group of nodes)</a:t>
-            </a:r>
-          </a:p>
-          <a:p>
-            <a:r>
-              <a:rPr lang="en-US" sz="2000" dirty="0">
-                <a:latin typeface="Consolas" panose="020B0609020204030204" pitchFamily="49" charset="0"/>
-              </a:rPr>
-              <a:t>#SBATCH --mail-type=ALL		</a:t>
-            </a:r>
-            <a:r>
-              <a:rPr lang="en-US" sz="2000" dirty="0">
-                <a:solidFill>
-                  <a:schemeClr val="bg2">
-                    <a:lumMod val="75000"/>
-                  </a:schemeClr>
-                </a:solidFill>
-                <a:latin typeface="Consolas" panose="020B0609020204030204" pitchFamily="49" charset="0"/>
-              </a:rPr>
-              <a:t># email me when job start, stop, etc.</a:t>
-            </a:r>
-          </a:p>
-          <a:p>
-            <a:r>
-              <a:rPr lang="en-US" sz="2000" dirty="0">
-                <a:latin typeface="Consolas" panose="020B0609020204030204" pitchFamily="49" charset="0"/>
-              </a:rPr>
-              <a:t>#SBATCH --mail-user=jay.cao@rotman.utoronto.ca </a:t>
-            </a:r>
-            <a:r>
-              <a:rPr lang="en-US" sz="2000" dirty="0">
-                <a:solidFill>
-                  <a:schemeClr val="bg2">
-                    <a:lumMod val="75000"/>
-                  </a:schemeClr>
-                </a:solidFill>
-                <a:latin typeface="Consolas" panose="020B0609020204030204" pitchFamily="49" charset="0"/>
-              </a:rPr>
-              <a:t># set my email address</a:t>
-            </a:r>
-          </a:p>
-          <a:p>
-            <a:r>
-              <a:rPr lang="en-US" sz="2000" dirty="0">
-                <a:latin typeface="Consolas" panose="020B0609020204030204" pitchFamily="49" charset="0"/>
-              </a:rPr>
-              <a:t>#SBATCH --output=</a:t>
-            </a:r>
-            <a:r>
-              <a:rPr lang="en-US" sz="2000" dirty="0" err="1">
-                <a:latin typeface="Consolas" panose="020B0609020204030204" pitchFamily="49" charset="0"/>
-              </a:rPr>
-              <a:t>STD.out</a:t>
-            </a:r>
-            <a:r>
-              <a:rPr lang="en-US" sz="2000" dirty="0">
-                <a:latin typeface="Consolas" panose="020B0609020204030204" pitchFamily="49" charset="0"/>
-              </a:rPr>
-              <a:t>		</a:t>
-            </a:r>
-            <a:r>
-              <a:rPr lang="en-US" sz="2000" dirty="0">
-                <a:solidFill>
-                  <a:schemeClr val="bg2">
-                    <a:lumMod val="75000"/>
-                  </a:schemeClr>
-                </a:solidFill>
-                <a:latin typeface="Consolas" panose="020B0609020204030204" pitchFamily="49" charset="0"/>
-              </a:rPr>
-              <a:t># save standard output to </a:t>
-            </a:r>
-            <a:r>
-              <a:rPr lang="en-US" sz="2000" dirty="0" err="1">
-                <a:solidFill>
-                  <a:schemeClr val="bg2">
-                    <a:lumMod val="75000"/>
-                  </a:schemeClr>
-                </a:solidFill>
-                <a:latin typeface="Consolas" panose="020B0609020204030204" pitchFamily="49" charset="0"/>
-              </a:rPr>
-              <a:t>STD.out</a:t>
-            </a:r>
-            <a:endParaRPr lang="en-US" sz="2000" dirty="0">
-              <a:solidFill>
-                <a:schemeClr val="bg2">
-                  <a:lumMod val="75000"/>
-                </a:schemeClr>
-              </a:solidFill>
-              <a:latin typeface="Consolas" panose="020B0609020204030204" pitchFamily="49" charset="0"/>
-            </a:endParaRPr>
-          </a:p>
-          <a:p>
-            <a:r>
-              <a:rPr lang="en-US" sz="2000" dirty="0">
-                <a:latin typeface="Consolas" panose="020B0609020204030204" pitchFamily="49" charset="0"/>
-              </a:rPr>
-              <a:t>#SBATCH --error=</a:t>
-            </a:r>
-            <a:r>
-              <a:rPr lang="en-US" sz="2000" dirty="0" err="1">
-                <a:latin typeface="Consolas" panose="020B0609020204030204" pitchFamily="49" charset="0"/>
-              </a:rPr>
-              <a:t>STD.err</a:t>
-            </a:r>
-            <a:r>
-              <a:rPr lang="en-US" sz="2000" dirty="0">
-                <a:latin typeface="Consolas" panose="020B0609020204030204" pitchFamily="49" charset="0"/>
-              </a:rPr>
-              <a:t>		</a:t>
-            </a:r>
-            <a:r>
-              <a:rPr lang="en-US" sz="2000" dirty="0">
-                <a:solidFill>
-                  <a:schemeClr val="bg2">
-                    <a:lumMod val="75000"/>
-                  </a:schemeClr>
-                </a:solidFill>
-                <a:latin typeface="Consolas" panose="020B0609020204030204" pitchFamily="49" charset="0"/>
-              </a:rPr>
-              <a:t># save std. error output to </a:t>
-            </a:r>
-            <a:r>
-              <a:rPr lang="en-US" sz="2000" dirty="0" err="1">
-                <a:solidFill>
-                  <a:schemeClr val="bg2">
-                    <a:lumMod val="75000"/>
-                  </a:schemeClr>
-                </a:solidFill>
-                <a:latin typeface="Consolas" panose="020B0609020204030204" pitchFamily="49" charset="0"/>
-              </a:rPr>
-              <a:t>STD.out</a:t>
-            </a:r>
-            <a:endParaRPr lang="en-US" sz="2000" dirty="0">
-              <a:solidFill>
-                <a:schemeClr val="bg2">
-                  <a:lumMod val="75000"/>
-                </a:schemeClr>
-              </a:solidFill>
-              <a:latin typeface="Consolas" panose="020B0609020204030204" pitchFamily="49" charset="0"/>
-            </a:endParaRPr>
-          </a:p>
-          <a:p>
-            <a:r>
-              <a:rPr lang="en-US" sz="2000" dirty="0">
-                <a:latin typeface="Consolas" panose="020B0609020204030204" pitchFamily="49" charset="0"/>
-              </a:rPr>
-              <a:t>#SBATCH -c 4				</a:t>
-            </a:r>
-            <a:r>
-              <a:rPr lang="en-US" sz="2000" dirty="0">
-                <a:solidFill>
-                  <a:srgbClr val="FF3399"/>
-                </a:solidFill>
-                <a:latin typeface="Consolas" panose="020B0609020204030204" pitchFamily="49" charset="0"/>
-              </a:rPr>
-              <a:t># ask for 4 CPUs</a:t>
-            </a:r>
-          </a:p>
-          <a:p>
-            <a:r>
-              <a:rPr lang="en-US" sz="2000" dirty="0">
-                <a:latin typeface="Consolas" panose="020B0609020204030204" pitchFamily="49" charset="0"/>
-              </a:rPr>
-              <a:t>#SBATCH --time=30:00		</a:t>
-            </a:r>
-            <a:r>
-              <a:rPr lang="en-US" sz="2000" dirty="0">
-                <a:solidFill>
-                  <a:srgbClr val="FF3399"/>
-                </a:solidFill>
-                <a:latin typeface="Consolas" panose="020B0609020204030204" pitchFamily="49" charset="0"/>
-              </a:rPr>
-              <a:t># set wall time to be 30mins</a:t>
-            </a:r>
-          </a:p>
-          <a:p>
-            <a:r>
-              <a:rPr lang="en-US" sz="2000" dirty="0">
-                <a:latin typeface="Consolas" panose="020B0609020204030204" pitchFamily="49" charset="0"/>
-              </a:rPr>
-              <a:t>#SBATCH --mem=5000			</a:t>
-            </a:r>
-            <a:r>
-              <a:rPr lang="en-US" sz="2000" dirty="0">
-                <a:solidFill>
-                  <a:srgbClr val="FF3399"/>
-                </a:solidFill>
-                <a:latin typeface="Consolas" panose="020B0609020204030204" pitchFamily="49" charset="0"/>
-              </a:rPr>
-              <a:t># ask for 5G memory</a:t>
-            </a:r>
-          </a:p>
-          <a:p>
-            <a:endParaRPr lang="en-US" sz="2000" dirty="0">
-              <a:latin typeface="Consolas" panose="020B0609020204030204" pitchFamily="49" charset="0"/>
-            </a:endParaRPr>
-          </a:p>
-          <a:p>
-            <a:r>
-              <a:rPr lang="en-US" sz="2000" dirty="0">
-                <a:latin typeface="Consolas" panose="020B0609020204030204" pitchFamily="49" charset="0"/>
-              </a:rPr>
-              <a:t>module load </a:t>
-            </a:r>
-            <a:r>
-              <a:rPr lang="en-US" sz="2000" dirty="0" err="1">
-                <a:latin typeface="Consolas" panose="020B0609020204030204" pitchFamily="49" charset="0"/>
-              </a:rPr>
-              <a:t>matlab</a:t>
-            </a:r>
-            <a:r>
-              <a:rPr lang="en-US" sz="2000" dirty="0">
-                <a:latin typeface="Consolas" panose="020B0609020204030204" pitchFamily="49" charset="0"/>
-              </a:rPr>
-              <a:t>/R2018b</a:t>
-            </a:r>
-          </a:p>
-          <a:p>
-            <a:r>
-              <a:rPr lang="en-US" sz="2000" dirty="0" err="1">
-                <a:latin typeface="Consolas" panose="020B0609020204030204" pitchFamily="49" charset="0"/>
-              </a:rPr>
-              <a:t>matlab</a:t>
-            </a:r>
-            <a:r>
-              <a:rPr lang="en-US" sz="2000" dirty="0">
-                <a:latin typeface="Consolas" panose="020B0609020204030204" pitchFamily="49" charset="0"/>
-              </a:rPr>
-              <a:t> -</a:t>
-            </a:r>
-            <a:r>
-              <a:rPr lang="en-US" sz="2000" dirty="0" err="1">
-                <a:latin typeface="Consolas" panose="020B0609020204030204" pitchFamily="49" charset="0"/>
-              </a:rPr>
-              <a:t>nodesktop</a:t>
-            </a:r>
-            <a:r>
-              <a:rPr lang="en-US" sz="2000" dirty="0">
-                <a:latin typeface="Consolas" panose="020B0609020204030204" pitchFamily="49" charset="0"/>
-              </a:rPr>
-              <a:t> -</a:t>
-            </a:r>
-            <a:r>
-              <a:rPr lang="en-US" sz="2000" dirty="0" err="1">
-                <a:latin typeface="Consolas" panose="020B0609020204030204" pitchFamily="49" charset="0"/>
-              </a:rPr>
-              <a:t>nosplash</a:t>
-            </a:r>
-            <a:r>
-              <a:rPr lang="en-US" sz="2000" dirty="0">
-                <a:latin typeface="Consolas" panose="020B0609020204030204" pitchFamily="49" charset="0"/>
-              </a:rPr>
-              <a:t> -</a:t>
-            </a:r>
-            <a:r>
-              <a:rPr lang="en-US" sz="2000" dirty="0" err="1">
-                <a:latin typeface="Consolas" panose="020B0609020204030204" pitchFamily="49" charset="0"/>
-              </a:rPr>
-              <a:t>nodisplay</a:t>
-            </a:r>
-            <a:r>
-              <a:rPr lang="en-US" sz="2000" dirty="0">
-                <a:latin typeface="Consolas" panose="020B0609020204030204" pitchFamily="49" charset="0"/>
-              </a:rPr>
-              <a:t> &lt;</a:t>
-            </a:r>
-            <a:r>
-              <a:rPr lang="en-US" sz="2000" dirty="0" err="1">
-                <a:latin typeface="Consolas" panose="020B0609020204030204" pitchFamily="49" charset="0"/>
-              </a:rPr>
-              <a:t>matlab_test.m</a:t>
-            </a:r>
-            <a:endParaRPr lang="en-US" sz="2000" dirty="0"/>
-          </a:p>
-        </p:txBody>
-      </p:sp>
-      <p:sp>
-        <p:nvSpPr>
-          <p:cNvPr id="5" name="TextBox 4">
-            <a:extLst>
-              <a:ext uri="{FF2B5EF4-FFF2-40B4-BE49-F238E27FC236}">
-                <a16:creationId xmlns:a16="http://schemas.microsoft.com/office/drawing/2014/main" id="{0FE55885-BF5A-4DD8-940F-A2C111E20300}"/>
-              </a:ext>
-            </a:extLst>
-          </p:cNvPr>
-          <p:cNvSpPr txBox="1"/>
-          <p:nvPr/>
-        </p:nvSpPr>
-        <p:spPr>
-          <a:xfrm>
-            <a:off x="884189" y="6308209"/>
-            <a:ext cx="4634089" cy="369332"/>
-          </a:xfrm>
-          <a:prstGeom prst="rect">
-            <a:avLst/>
-          </a:prstGeom>
-          <a:noFill/>
-        </p:spPr>
-        <p:txBody>
-          <a:bodyPr wrap="none" rtlCol="0">
-            <a:spAutoFit/>
-          </a:bodyPr>
-          <a:lstStyle/>
-          <a:p>
-            <a:r>
-              <a:rPr lang="en-US" dirty="0">
-                <a:hlinkClick r:id="rId2"/>
-              </a:rPr>
-              <a:t>https://cac.queensu.ca/wiki/index.php/SLURM</a:t>
+              <a:rPr lang="en-US" dirty="0"/>
+              <a:t>What does it mean</a:t>
+            </a:r>
+          </a:p>
+          <a:p>
+            <a:pPr lvl="1"/>
+            <a:r>
+              <a:rPr lang="en-US" dirty="0"/>
+              <a:t>after you log out the system, you can still log in back to where you left off</a:t>
+            </a:r>
+          </a:p>
+          <a:p>
+            <a:pPr lvl="1"/>
+            <a:endParaRPr lang="en-US" dirty="0"/>
+          </a:p>
+          <a:p>
+            <a:r>
+              <a:rPr lang="en-US" dirty="0"/>
+              <a:t>Why is it useful</a:t>
+            </a:r>
+          </a:p>
+          <a:p>
+            <a:pPr lvl="1"/>
+            <a:r>
+              <a:rPr lang="en-US" dirty="0"/>
+              <a:t>long running code on RRN in foreground</a:t>
+            </a:r>
+          </a:p>
+          <a:p>
+            <a:pPr lvl="1"/>
+            <a:endParaRPr lang="en-US" dirty="0"/>
+          </a:p>
+          <a:p>
+            <a:r>
+              <a:rPr lang="en-US" dirty="0"/>
+              <a:t>Tools to achieve it</a:t>
+            </a:r>
+          </a:p>
+          <a:p>
+            <a:pPr lvl="1"/>
+            <a:r>
+              <a:rPr lang="en-US" dirty="0"/>
+              <a:t>persist a </a:t>
+            </a:r>
+            <a:r>
+              <a:rPr lang="en-US" b="1" dirty="0"/>
+              <a:t>non-GUI</a:t>
+            </a:r>
+            <a:r>
+              <a:rPr lang="en-US" dirty="0"/>
+              <a:t> session: </a:t>
+            </a:r>
+            <a:r>
+              <a:rPr lang="en-US" b="1" dirty="0" err="1"/>
+              <a:t>tmux</a:t>
+            </a:r>
+            <a:r>
+              <a:rPr lang="en-US" dirty="0"/>
+              <a:t> (recommended; demo) or screen</a:t>
+            </a:r>
+          </a:p>
+          <a:p>
+            <a:pPr lvl="1"/>
+            <a:r>
+              <a:rPr lang="en-US" dirty="0"/>
+              <a:t>persist a </a:t>
+            </a:r>
+            <a:r>
+              <a:rPr lang="en-US" b="1" dirty="0"/>
+              <a:t>GUI</a:t>
+            </a:r>
+            <a:r>
+              <a:rPr lang="en-US" dirty="0"/>
+              <a:t> session: </a:t>
+            </a:r>
+            <a:r>
+              <a:rPr lang="en-US" b="1" dirty="0"/>
+              <a:t>x2go</a:t>
+            </a:r>
+            <a:r>
+              <a:rPr lang="en-US" dirty="0"/>
+              <a:t> (recommended; demo), VNC or </a:t>
+            </a:r>
+            <a:r>
+              <a:rPr lang="en-US" dirty="0" err="1"/>
+              <a:t>xpra</a:t>
             </a:r>
             <a:endParaRPr lang="en-US" dirty="0"/>
           </a:p>
@@ -11045,7 +12931,7 @@
     </p:spTree>
     <p:extLst>
       <p:ext uri="{BB962C8B-B14F-4D97-AF65-F5344CB8AC3E}">
-        <p14:creationId xmlns:p14="http://schemas.microsoft.com/office/powerpoint/2010/main" val="3210137513"/>
+        <p14:creationId xmlns:p14="http://schemas.microsoft.com/office/powerpoint/2010/main" val="32051775"/>
       </p:ext>
     </p:extLst>
   </p:cSld>
@@ -11055,7 +12941,7 @@
 </p:sld>
 </file>
 
-<file path=ppt/slides/slide29.xml><?xml version="1.0" encoding="utf-8"?>
+<file path=ppt/slides/slide34.xml><?xml version="1.0" encoding="utf-8"?>
 <p:sld xmlns:a="http://schemas.openxmlformats.org/drawingml/2006/main" xmlns:r="http://schemas.openxmlformats.org/officeDocument/2006/relationships" xmlns:p="http://schemas.openxmlformats.org/presentationml/2006/main">
   <p:cSld>
     <p:spTree>
@@ -11077,7 +12963,7 @@
           <p:cNvPr id="2" name="Title 1">
             <a:extLst>
               <a:ext uri="{FF2B5EF4-FFF2-40B4-BE49-F238E27FC236}">
-                <a16:creationId xmlns:a16="http://schemas.microsoft.com/office/drawing/2014/main" id="{ECF8CC82-4A7D-4AA7-AFB8-0B928F6C48B1}"/>
+                <a16:creationId xmlns:a16="http://schemas.microsoft.com/office/drawing/2014/main" id="{62CFA3D2-2992-48BC-B0FB-AC4C0A75CFC8}"/>
               </a:ext>
             </a:extLst>
           </p:cNvPr>
@@ -11094,16 +12980,12 @@
           <a:lstStyle/>
           <a:p>
             <a:r>
-              <a:rPr lang="en-US" dirty="0"/>
-              <a:t>Ex.1 </a:t>
-            </a:r>
-            <a:r>
               <a:rPr lang="en-US" dirty="0" err="1"/>
-              <a:t>Matlab</a:t>
-            </a:r>
-            <a:r>
-              <a:rPr lang="en-US" dirty="0"/>
-              <a:t> – Batch Compute Node (3)</a:t>
+              <a:t>tmux</a:t>
+            </a:r>
+            <a:r>
+              <a:rPr lang="en-US" dirty="0"/>
+              <a:t>: minimum to get started</a:t>
             </a:r>
           </a:p>
         </p:txBody>
@@ -11113,7 +12995,7 @@
           <p:cNvPr id="3" name="Content Placeholder 2">
             <a:extLst>
               <a:ext uri="{FF2B5EF4-FFF2-40B4-BE49-F238E27FC236}">
-                <a16:creationId xmlns:a16="http://schemas.microsoft.com/office/drawing/2014/main" id="{A952274A-38F4-46B5-BCC6-4D3268390103}"/>
+                <a16:creationId xmlns:a16="http://schemas.microsoft.com/office/drawing/2014/main" id="{832ACBA5-95B4-41D5-9027-A39F8253F3F5}"/>
               </a:ext>
             </a:extLst>
           </p:cNvPr>
@@ -11124,117 +13006,139 @@
             <p:ph idx="1"/>
           </p:nvPr>
         </p:nvSpPr>
-        <p:spPr/>
+        <p:spPr>
+          <a:xfrm>
+            <a:off x="838199" y="1825625"/>
+            <a:ext cx="10883537" cy="4351338"/>
+          </a:xfrm>
+        </p:spPr>
         <p:txBody>
-          <a:bodyPr>
-            <a:normAutofit lnSpcReduction="10000"/>
-          </a:bodyPr>
+          <a:bodyPr/>
           <a:lstStyle/>
           <a:p>
-            <a:r>
-              <a:rPr lang="en-US" dirty="0"/>
-              <a:t>run job script to submit your code to a compute node</a:t>
-            </a:r>
-          </a:p>
-          <a:p>
-            <a:pPr lvl="1"/>
-            <a:r>
-              <a:rPr lang="en-US" dirty="0"/>
-              <a:t>currently CAC doesn’t enable inter-node jobs</a:t>
-            </a:r>
-          </a:p>
-          <a:p>
-            <a:pPr marL="0" indent="0" algn="ctr">
+            <a:pPr marL="0" indent="0">
               <a:buNone/>
             </a:pPr>
             <a:r>
-              <a:rPr lang="en-US" dirty="0" err="1">
-                <a:latin typeface="Consolas" panose="020B0609020204030204" pitchFamily="49" charset="0"/>
-              </a:rPr>
-              <a:t>sbatch</a:t>
-            </a:r>
-            <a:r>
-              <a:rPr lang="en-US" dirty="0">
-                <a:latin typeface="Consolas" panose="020B0609020204030204" pitchFamily="49" charset="0"/>
-              </a:rPr>
-              <a:t> job.sh</a:t>
-            </a:r>
-          </a:p>
-          <a:p>
-            <a:endParaRPr lang="en-US" dirty="0"/>
-          </a:p>
-          <a:p>
-            <a:r>
-              <a:rPr lang="en-US" dirty="0"/>
-              <a:t>Show status of jobs</a:t>
-            </a:r>
-          </a:p>
-          <a:p>
-            <a:pPr marL="0" indent="0" algn="ctr">
+              <a:rPr lang="en-US" dirty="0"/>
+              <a:t>launch: </a:t>
+            </a:r>
+            <a:r>
+              <a:rPr lang="en-US" b="1" dirty="0" err="1">
+                <a:latin typeface="Consolas" panose="020B0609020204030204" pitchFamily="49" charset="0"/>
+              </a:rPr>
+              <a:t>tmux</a:t>
+            </a:r>
+            <a:endParaRPr lang="en-US" b="1" dirty="0">
+              <a:latin typeface="Consolas" panose="020B0609020204030204" pitchFamily="49" charset="0"/>
+            </a:endParaRPr>
+          </a:p>
+          <a:p>
+            <a:pPr marL="0" indent="0">
               <a:buNone/>
             </a:pPr>
             <a:r>
-              <a:rPr lang="en-US" dirty="0" err="1">
-                <a:latin typeface="Consolas" panose="020B0609020204030204" pitchFamily="49" charset="0"/>
-              </a:rPr>
-              <a:t>squeue</a:t>
-            </a:r>
-            <a:r>
-              <a:rPr lang="en-US" dirty="0">
-                <a:latin typeface="Consolas" panose="020B0609020204030204" pitchFamily="49" charset="0"/>
-              </a:rPr>
-              <a:t> --job &lt;</a:t>
-            </a:r>
-            <a:r>
-              <a:rPr lang="en-US" dirty="0" err="1">
-                <a:latin typeface="Consolas" panose="020B0609020204030204" pitchFamily="49" charset="0"/>
-              </a:rPr>
-              <a:t>job_id</a:t>
-            </a:r>
-            <a:r>
-              <a:rPr lang="en-US" dirty="0">
-                <a:latin typeface="Consolas" panose="020B0609020204030204" pitchFamily="49" charset="0"/>
-              </a:rPr>
-              <a:t>&gt;</a:t>
-            </a:r>
-          </a:p>
-          <a:p>
-            <a:endParaRPr lang="en-US" dirty="0"/>
-          </a:p>
-          <a:p>
-            <a:r>
-              <a:rPr lang="en-US" dirty="0"/>
-              <a:t>Cancel jobs</a:t>
-            </a:r>
-          </a:p>
-          <a:p>
-            <a:pPr marL="0" indent="0" algn="ctr">
+              <a:rPr lang="en-US" dirty="0"/>
+              <a:t>split current pane vertically: </a:t>
+            </a:r>
+            <a:r>
+              <a:rPr lang="en-US" b="1" dirty="0">
+                <a:latin typeface="Consolas" panose="020B0609020204030204" pitchFamily="49" charset="0"/>
+              </a:rPr>
+              <a:t>ctrl-b %</a:t>
+            </a:r>
+          </a:p>
+          <a:p>
+            <a:pPr marL="0" indent="0">
               <a:buNone/>
             </a:pPr>
             <a:r>
-              <a:rPr lang="en-US" dirty="0" err="1">
-                <a:latin typeface="Consolas" panose="020B0609020204030204" pitchFamily="49" charset="0"/>
-              </a:rPr>
-              <a:t>scancel</a:t>
-            </a:r>
-            <a:r>
-              <a:rPr lang="en-US" dirty="0">
-                <a:latin typeface="Consolas" panose="020B0609020204030204" pitchFamily="49" charset="0"/>
-              </a:rPr>
-              <a:t> &lt;</a:t>
-            </a:r>
-            <a:r>
-              <a:rPr lang="en-US" dirty="0" err="1">
-                <a:latin typeface="Consolas" panose="020B0609020204030204" pitchFamily="49" charset="0"/>
-              </a:rPr>
-              <a:t>job_id</a:t>
-            </a:r>
-            <a:r>
-              <a:rPr lang="en-US" dirty="0">
-                <a:latin typeface="Consolas" panose="020B0609020204030204" pitchFamily="49" charset="0"/>
-              </a:rPr>
-              <a:t>&gt;</a:t>
-            </a:r>
+              <a:rPr lang="en-US" dirty="0"/>
+              <a:t>split current pane horizontally: </a:t>
+            </a:r>
+            <a:r>
+              <a:rPr lang="en-US" b="1" dirty="0">
+                <a:latin typeface="Consolas" panose="020B0609020204030204" pitchFamily="49" charset="0"/>
+              </a:rPr>
+              <a:t>ctrl-b “</a:t>
+            </a:r>
+          </a:p>
+          <a:p>
+            <a:pPr marL="0" indent="0">
+              <a:buNone/>
+            </a:pPr>
+            <a:r>
+              <a:rPr lang="en-US" dirty="0"/>
+              <a:t>moving between panes: </a:t>
+            </a:r>
+            <a:r>
+              <a:rPr lang="en-US" b="1" dirty="0">
+                <a:latin typeface="Consolas" panose="020B0609020204030204" pitchFamily="49" charset="0"/>
+              </a:rPr>
+              <a:t>ctrl-b ↑, ↓, →, ←</a:t>
+            </a:r>
+          </a:p>
+          <a:p>
+            <a:pPr marL="0" indent="0">
+              <a:buNone/>
+            </a:pPr>
+            <a:r>
+              <a:rPr lang="en-US" dirty="0"/>
+              <a:t>close a pane (close the last pane to exit </a:t>
+            </a:r>
+            <a:r>
+              <a:rPr lang="en-US" dirty="0" err="1"/>
+              <a:t>tmux</a:t>
+            </a:r>
+            <a:r>
+              <a:rPr lang="en-US" dirty="0"/>
+              <a:t>): </a:t>
+            </a:r>
+            <a:r>
+              <a:rPr lang="en-US" b="1" dirty="0">
+                <a:latin typeface="Consolas" panose="020B0609020204030204" pitchFamily="49" charset="0"/>
+              </a:rPr>
+              <a:t>exit</a:t>
+            </a:r>
+          </a:p>
+          <a:p>
+            <a:pPr marL="0" indent="0">
+              <a:buNone/>
+            </a:pPr>
+            <a:r>
+              <a:rPr lang="en-US" dirty="0"/>
+              <a:t>detach from a session: </a:t>
+            </a:r>
+            <a:r>
+              <a:rPr lang="en-US" b="1" dirty="0">
+                <a:latin typeface="Consolas" panose="020B0609020204030204" pitchFamily="49" charset="0"/>
+              </a:rPr>
+              <a:t>ctrl-b d</a:t>
+            </a:r>
+          </a:p>
+          <a:p>
+            <a:pPr marL="0" indent="0">
+              <a:buNone/>
+            </a:pPr>
+            <a:r>
+              <a:rPr lang="en-US" dirty="0"/>
+              <a:t>re-attach to a session (assuming you only have 1 session): </a:t>
+            </a:r>
+            <a:r>
+              <a:rPr lang="en-US" b="1" dirty="0" err="1">
+                <a:latin typeface="Consolas" panose="020B0609020204030204" pitchFamily="49" charset="0"/>
+              </a:rPr>
+              <a:t>tmux</a:t>
+            </a:r>
+            <a:r>
+              <a:rPr lang="en-US" b="1" dirty="0">
+                <a:latin typeface="Consolas" panose="020B0609020204030204" pitchFamily="49" charset="0"/>
+              </a:rPr>
+              <a:t> attach</a:t>
+            </a:r>
+          </a:p>
+          <a:p>
+            <a:endParaRPr lang="en-US" dirty="0"/>
           </a:p>
         </p:txBody>
       </p:sp>
@@ -11243,7 +13147,7 @@
           <p:cNvPr id="4" name="TextBox 3">
             <a:extLst>
               <a:ext uri="{FF2B5EF4-FFF2-40B4-BE49-F238E27FC236}">
-                <a16:creationId xmlns:a16="http://schemas.microsoft.com/office/drawing/2014/main" id="{546A5EAE-86AA-4D3F-820A-B6DE283A44CC}"/>
+                <a16:creationId xmlns:a16="http://schemas.microsoft.com/office/drawing/2014/main" id="{027CB9FB-42CD-4586-8604-571DDF8840B6}"/>
               </a:ext>
             </a:extLst>
           </p:cNvPr>
@@ -11253,7 +13157,7 @@
         <p:spPr>
           <a:xfrm>
             <a:off x="884189" y="6308209"/>
-            <a:ext cx="4634089" cy="369332"/>
+            <a:ext cx="9821407" cy="369332"/>
           </a:xfrm>
           <a:prstGeom prst="rect">
             <a:avLst/>
@@ -11267,10 +13171,22 @@
           <a:lstStyle/>
           <a:p>
             <a:r>
+              <a:rPr lang="en-US" dirty="0"/>
+              <a:t>more on getting started with </a:t>
+            </a:r>
+            <a:r>
+              <a:rPr lang="en-US" dirty="0" err="1"/>
+              <a:t>tmux</a:t>
+            </a:r>
+            <a:r>
+              <a:rPr lang="en-US" dirty="0"/>
+              <a:t>: </a:t>
+            </a:r>
+            <a:r>
               <a:rPr lang="en-US" dirty="0">
                 <a:hlinkClick r:id="rId2"/>
               </a:rPr>
-              <a:t>https://cac.queensu.ca/wiki/index.php/SLURM</a:t>
+              <a:t>https://www.hamvocke.com/blog/a-quick-and-easy-guide-to-tmux/</a:t>
             </a:r>
             <a:endParaRPr lang="en-US" dirty="0"/>
           </a:p>
@@ -11279,7 +13195,7 @@
     </p:spTree>
     <p:extLst>
       <p:ext uri="{BB962C8B-B14F-4D97-AF65-F5344CB8AC3E}">
-        <p14:creationId xmlns:p14="http://schemas.microsoft.com/office/powerpoint/2010/main" val="2116497251"/>
+        <p14:creationId xmlns:p14="http://schemas.microsoft.com/office/powerpoint/2010/main" val="3168750479"/>
       </p:ext>
     </p:extLst>
   </p:cSld>
@@ -11289,7 +13205,289 @@
 </p:sld>
 </file>
 
-<file path=ppt/slides/slide3.xml><?xml version="1.0" encoding="utf-8"?>
+<file path=ppt/slides/slide35.xml><?xml version="1.0" encoding="utf-8"?>
+<p:sld xmlns:a="http://schemas.openxmlformats.org/drawingml/2006/main" xmlns:r="http://schemas.openxmlformats.org/officeDocument/2006/relationships" xmlns:p="http://schemas.openxmlformats.org/presentationml/2006/main">
+  <p:cSld>
+    <p:spTree>
+      <p:nvGrpSpPr>
+        <p:cNvPr id="1" name=""/>
+        <p:cNvGrpSpPr/>
+        <p:nvPr/>
+      </p:nvGrpSpPr>
+      <p:grpSpPr>
+        <a:xfrm>
+          <a:off x="0" y="0"/>
+          <a:ext cx="0" cy="0"/>
+          <a:chOff x="0" y="0"/>
+          <a:chExt cx="0" cy="0"/>
+        </a:xfrm>
+      </p:grpSpPr>
+      <p:sp>
+        <p:nvSpPr>
+          <p:cNvPr id="2" name="Title 1">
+            <a:extLst>
+              <a:ext uri="{FF2B5EF4-FFF2-40B4-BE49-F238E27FC236}">
+                <a16:creationId xmlns:a16="http://schemas.microsoft.com/office/drawing/2014/main" id="{09DBD119-6F28-40D6-A17F-439DC1F85890}"/>
+              </a:ext>
+            </a:extLst>
+          </p:cNvPr>
+          <p:cNvSpPr>
+            <a:spLocks noGrp="1"/>
+          </p:cNvSpPr>
+          <p:nvPr>
+            <p:ph type="title"/>
+          </p:nvPr>
+        </p:nvSpPr>
+        <p:spPr/>
+        <p:txBody>
+          <a:bodyPr/>
+          <a:lstStyle/>
+          <a:p>
+            <a:r>
+              <a:rPr lang="en-US" dirty="0"/>
+              <a:t>Processes: </a:t>
+            </a:r>
+            <a:r>
+              <a:rPr lang="en-US" dirty="0" err="1"/>
+              <a:t>ps</a:t>
+            </a:r>
+            <a:r>
+              <a:rPr lang="en-US" dirty="0"/>
+              <a:t>, top, </a:t>
+            </a:r>
+            <a:r>
+              <a:rPr lang="en-US" dirty="0" err="1"/>
+              <a:t>htop</a:t>
+            </a:r>
+            <a:r>
+              <a:rPr lang="en-US" dirty="0"/>
+              <a:t>, kill, </a:t>
+            </a:r>
+            <a:r>
+              <a:rPr lang="en-US" dirty="0" err="1"/>
+              <a:t>pkill</a:t>
+            </a:r>
+            <a:endParaRPr lang="en-US" dirty="0"/>
+          </a:p>
+        </p:txBody>
+      </p:sp>
+      <p:sp>
+        <p:nvSpPr>
+          <p:cNvPr id="3" name="Content Placeholder 2">
+            <a:extLst>
+              <a:ext uri="{FF2B5EF4-FFF2-40B4-BE49-F238E27FC236}">
+                <a16:creationId xmlns:a16="http://schemas.microsoft.com/office/drawing/2014/main" id="{37066BF7-8855-4849-A60D-C4DF9BF760EF}"/>
+              </a:ext>
+            </a:extLst>
+          </p:cNvPr>
+          <p:cNvSpPr>
+            <a:spLocks noGrp="1"/>
+          </p:cNvSpPr>
+          <p:nvPr>
+            <p:ph idx="1"/>
+          </p:nvPr>
+        </p:nvSpPr>
+        <p:spPr/>
+        <p:txBody>
+          <a:bodyPr/>
+          <a:lstStyle/>
+          <a:p>
+            <a:r>
+              <a:rPr lang="en-US" dirty="0"/>
+              <a:t>check all the process you are running</a:t>
+            </a:r>
+          </a:p>
+          <a:p>
+            <a:pPr marL="0" indent="0" algn="ctr">
+              <a:buNone/>
+            </a:pPr>
+            <a:r>
+              <a:rPr lang="en-US" b="1" dirty="0" err="1">
+                <a:latin typeface="Consolas" panose="020B0609020204030204" pitchFamily="49" charset="0"/>
+              </a:rPr>
+              <a:t>ps</a:t>
+            </a:r>
+            <a:r>
+              <a:rPr lang="en-US" b="1" dirty="0">
+                <a:latin typeface="Consolas" panose="020B0609020204030204" pitchFamily="49" charset="0"/>
+              </a:rPr>
+              <a:t> -u </a:t>
+            </a:r>
+            <a:r>
+              <a:rPr lang="en-US" b="1" dirty="0" err="1">
+                <a:latin typeface="Consolas" panose="020B0609020204030204" pitchFamily="49" charset="0"/>
+              </a:rPr>
+              <a:t>yourUserName</a:t>
+            </a:r>
+            <a:endParaRPr lang="en-US" b="1" dirty="0">
+              <a:latin typeface="Consolas" panose="020B0609020204030204" pitchFamily="49" charset="0"/>
+            </a:endParaRPr>
+          </a:p>
+          <a:p>
+            <a:r>
+              <a:rPr lang="en-US" dirty="0"/>
+              <a:t>display system info (CPU &amp; memory usage, process, </a:t>
+            </a:r>
+            <a:r>
+              <a:rPr lang="en-US" dirty="0" err="1"/>
+              <a:t>etc</a:t>
+            </a:r>
+            <a:r>
+              <a:rPr lang="en-US" dirty="0"/>
+              <a:t>)</a:t>
+            </a:r>
+          </a:p>
+          <a:p>
+            <a:pPr marL="0" indent="0" algn="ctr">
+              <a:buNone/>
+            </a:pPr>
+            <a:r>
+              <a:rPr lang="en-US" b="1" dirty="0">
+                <a:latin typeface="Consolas" panose="020B0609020204030204" pitchFamily="49" charset="0"/>
+              </a:rPr>
+              <a:t>top or </a:t>
+            </a:r>
+            <a:r>
+              <a:rPr lang="en-US" b="1" dirty="0" err="1">
+                <a:latin typeface="Consolas" panose="020B0609020204030204" pitchFamily="49" charset="0"/>
+              </a:rPr>
+              <a:t>htop</a:t>
+            </a:r>
+            <a:r>
+              <a:rPr lang="en-US" dirty="0">
+                <a:latin typeface="Consolas" panose="020B0609020204030204" pitchFamily="49" charset="0"/>
+              </a:rPr>
+              <a:t> </a:t>
+            </a:r>
+            <a:r>
+              <a:rPr lang="en-US" dirty="0"/>
+              <a:t>(type q to exit)</a:t>
+            </a:r>
+          </a:p>
+          <a:p>
+            <a:r>
+              <a:rPr lang="en-US" dirty="0"/>
+              <a:t>terminate a process</a:t>
+            </a:r>
+          </a:p>
+          <a:p>
+            <a:pPr marL="0" indent="0" algn="ctr">
+              <a:buNone/>
+            </a:pPr>
+            <a:r>
+              <a:rPr lang="en-US" b="1" dirty="0">
+                <a:latin typeface="Consolas" panose="020B0609020204030204" pitchFamily="49" charset="0"/>
+              </a:rPr>
+              <a:t>kill </a:t>
+            </a:r>
+            <a:r>
+              <a:rPr lang="en-US" b="1" dirty="0" err="1">
+                <a:latin typeface="Consolas" panose="020B0609020204030204" pitchFamily="49" charset="0"/>
+              </a:rPr>
+              <a:t>processID</a:t>
+            </a:r>
+            <a:endParaRPr lang="en-US" b="1" dirty="0">
+              <a:latin typeface="Consolas" panose="020B0609020204030204" pitchFamily="49" charset="0"/>
+            </a:endParaRPr>
+          </a:p>
+          <a:p>
+            <a:r>
+              <a:rPr lang="en-US" dirty="0"/>
+              <a:t>terminate all processes you have (this will log you out too)</a:t>
+            </a:r>
+          </a:p>
+          <a:p>
+            <a:pPr marL="0" indent="0" algn="ctr">
+              <a:buNone/>
+            </a:pPr>
+            <a:r>
+              <a:rPr lang="en-US" b="1" dirty="0" err="1">
+                <a:latin typeface="Consolas" panose="020B0609020204030204" pitchFamily="49" charset="0"/>
+              </a:rPr>
+              <a:t>pkill</a:t>
+            </a:r>
+            <a:r>
+              <a:rPr lang="en-US" b="1" dirty="0">
+                <a:latin typeface="Consolas" panose="020B0609020204030204" pitchFamily="49" charset="0"/>
+              </a:rPr>
+              <a:t> –u </a:t>
+            </a:r>
+            <a:r>
+              <a:rPr lang="en-US" b="1" dirty="0" err="1">
+                <a:latin typeface="Consolas" panose="020B0609020204030204" pitchFamily="49" charset="0"/>
+              </a:rPr>
+              <a:t>yourUserName</a:t>
+            </a:r>
+            <a:endParaRPr lang="en-US" b="1" dirty="0">
+              <a:latin typeface="Consolas" panose="020B0609020204030204" pitchFamily="49" charset="0"/>
+            </a:endParaRPr>
+          </a:p>
+        </p:txBody>
+      </p:sp>
+      <p:sp>
+        <p:nvSpPr>
+          <p:cNvPr id="4" name="TextBox 3">
+            <a:extLst>
+              <a:ext uri="{FF2B5EF4-FFF2-40B4-BE49-F238E27FC236}">
+                <a16:creationId xmlns:a16="http://schemas.microsoft.com/office/drawing/2014/main" id="{A6BB18FF-EAC0-4A92-978B-0E5F5EEED9B0}"/>
+              </a:ext>
+            </a:extLst>
+          </p:cNvPr>
+          <p:cNvSpPr txBox="1"/>
+          <p:nvPr/>
+        </p:nvSpPr>
+        <p:spPr>
+          <a:xfrm>
+            <a:off x="884189" y="6308209"/>
+            <a:ext cx="7345601" cy="369332"/>
+          </a:xfrm>
+          <a:prstGeom prst="rect">
+            <a:avLst/>
+          </a:prstGeom>
+          <a:noFill/>
+        </p:spPr>
+        <p:txBody>
+          <a:bodyPr wrap="none" rtlCol="0">
+            <a:spAutoFit/>
+          </a:bodyPr>
+          <a:lstStyle/>
+          <a:p>
+            <a:r>
+              <a:rPr lang="en-US" dirty="0"/>
+              <a:t>more on </a:t>
+            </a:r>
+            <a:r>
+              <a:rPr lang="en-US" dirty="0" err="1"/>
+              <a:t>htop</a:t>
+            </a:r>
+            <a:r>
+              <a:rPr lang="en-US" dirty="0"/>
+              <a:t>: </a:t>
+            </a:r>
+            <a:r>
+              <a:rPr lang="en-US" dirty="0">
+                <a:hlinkClick r:id="rId2"/>
+              </a:rPr>
+              <a:t>https://codeahoy.com/2017/01/20/hhtop-explained-visually/</a:t>
+            </a:r>
+            <a:endParaRPr lang="en-US" dirty="0"/>
+          </a:p>
+        </p:txBody>
+      </p:sp>
+    </p:spTree>
+    <p:extLst>
+      <p:ext uri="{BB962C8B-B14F-4D97-AF65-F5344CB8AC3E}">
+        <p14:creationId xmlns:p14="http://schemas.microsoft.com/office/powerpoint/2010/main" val="1451617765"/>
+      </p:ext>
+    </p:extLst>
+  </p:cSld>
+  <p:clrMapOvr>
+    <a:masterClrMapping/>
+  </p:clrMapOvr>
+</p:sld>
+</file>
+
+<file path=ppt/slides/slide4.xml><?xml version="1.0" encoding="utf-8"?>
 <p:sld xmlns:a="http://schemas.openxmlformats.org/drawingml/2006/main" xmlns:r="http://schemas.openxmlformats.org/officeDocument/2006/relationships" xmlns:p="http://schemas.openxmlformats.org/presentationml/2006/main">
   <p:cSld>
     <p:spTree>
@@ -11668,7 +13866,7 @@
 </p:sld>
 </file>
 
-<file path=ppt/slides/slide4.xml><?xml version="1.0" encoding="utf-8"?>
+<file path=ppt/slides/slide5.xml><?xml version="1.0" encoding="utf-8"?>
 <p:sld xmlns:a="http://schemas.openxmlformats.org/drawingml/2006/main" xmlns:r="http://schemas.openxmlformats.org/officeDocument/2006/relationships" xmlns:p="http://schemas.openxmlformats.org/presentationml/2006/main">
   <p:cSld>
     <p:spTree>
@@ -12246,7 +14444,7 @@
 </p:sld>
 </file>
 
-<file path=ppt/slides/slide5.xml><?xml version="1.0" encoding="utf-8"?>
+<file path=ppt/slides/slide6.xml><?xml version="1.0" encoding="utf-8"?>
 <p:sld xmlns:a="http://schemas.openxmlformats.org/drawingml/2006/main" xmlns:r="http://schemas.openxmlformats.org/officeDocument/2006/relationships" xmlns:p="http://schemas.openxmlformats.org/presentationml/2006/main">
   <p:cSld>
     <p:spTree>
@@ -13181,7 +15379,7 @@
 </p:sld>
 </file>
 
-<file path=ppt/slides/slide6.xml><?xml version="1.0" encoding="utf-8"?>
+<file path=ppt/slides/slide7.xml><?xml version="1.0" encoding="utf-8"?>
 <p:sld xmlns:a="http://schemas.openxmlformats.org/drawingml/2006/main" xmlns:r="http://schemas.openxmlformats.org/officeDocument/2006/relationships" xmlns:p="http://schemas.openxmlformats.org/presentationml/2006/main">
   <p:cSld>
     <p:spTree>
@@ -14332,7 +16530,7 @@
 </p:sld>
 </file>
 
-<file path=ppt/slides/slide7.xml><?xml version="1.0" encoding="utf-8"?>
+<file path=ppt/slides/slide8.xml><?xml version="1.0" encoding="utf-8"?>
 <p:sld xmlns:a="http://schemas.openxmlformats.org/drawingml/2006/main" xmlns:r="http://schemas.openxmlformats.org/officeDocument/2006/relationships" xmlns:p="http://schemas.openxmlformats.org/presentationml/2006/main">
   <p:cSld>
     <p:spTree>
@@ -15563,157 +17761,6 @@
 </p:sld>
 </file>
 
-<file path=ppt/slides/slide8.xml><?xml version="1.0" encoding="utf-8"?>
-<p:sld xmlns:a="http://schemas.openxmlformats.org/drawingml/2006/main" xmlns:r="http://schemas.openxmlformats.org/officeDocument/2006/relationships" xmlns:p="http://schemas.openxmlformats.org/presentationml/2006/main">
-  <p:cSld>
-    <p:spTree>
-      <p:nvGrpSpPr>
-        <p:cNvPr id="1" name=""/>
-        <p:cNvGrpSpPr/>
-        <p:nvPr/>
-      </p:nvGrpSpPr>
-      <p:grpSpPr>
-        <a:xfrm>
-          <a:off x="0" y="0"/>
-          <a:ext cx="0" cy="0"/>
-          <a:chOff x="0" y="0"/>
-          <a:chExt cx="0" cy="0"/>
-        </a:xfrm>
-      </p:grpSpPr>
-      <p:sp>
-        <p:nvSpPr>
-          <p:cNvPr id="2" name="Title 1">
-            <a:extLst>
-              <a:ext uri="{FF2B5EF4-FFF2-40B4-BE49-F238E27FC236}">
-                <a16:creationId xmlns:a16="http://schemas.microsoft.com/office/drawing/2014/main" id="{5B33F4EC-579F-477F-A684-CCE421367E24}"/>
-              </a:ext>
-            </a:extLst>
-          </p:cNvPr>
-          <p:cNvSpPr>
-            <a:spLocks noGrp="1"/>
-          </p:cNvSpPr>
-          <p:nvPr>
-            <p:ph type="title"/>
-          </p:nvPr>
-        </p:nvSpPr>
-        <p:spPr/>
-        <p:txBody>
-          <a:bodyPr/>
-          <a:lstStyle/>
-          <a:p>
-            <a:r>
-              <a:rPr lang="en-US" dirty="0"/>
-              <a:t>Why using RRN</a:t>
-            </a:r>
-          </a:p>
-        </p:txBody>
-      </p:sp>
-      <p:sp>
-        <p:nvSpPr>
-          <p:cNvPr id="3" name="Content Placeholder 2">
-            <a:extLst>
-              <a:ext uri="{FF2B5EF4-FFF2-40B4-BE49-F238E27FC236}">
-                <a16:creationId xmlns:a16="http://schemas.microsoft.com/office/drawing/2014/main" id="{955F7531-9765-4542-969B-FEC31306C2C5}"/>
-              </a:ext>
-            </a:extLst>
-          </p:cNvPr>
-          <p:cNvSpPr>
-            <a:spLocks noGrp="1"/>
-          </p:cNvSpPr>
-          <p:nvPr>
-            <p:ph idx="1"/>
-          </p:nvPr>
-        </p:nvSpPr>
-        <p:spPr/>
-        <p:txBody>
-          <a:bodyPr/>
-          <a:lstStyle/>
-          <a:p>
-            <a:r>
-              <a:rPr lang="en-US" dirty="0"/>
-              <a:t>My code takes too long to run</a:t>
-            </a:r>
-          </a:p>
-          <a:p>
-            <a:pPr lvl="1"/>
-            <a:r>
-              <a:rPr lang="en-US" dirty="0"/>
-              <a:t>it need more CPUs (i.e. computing intensive work)</a:t>
-            </a:r>
-          </a:p>
-          <a:p>
-            <a:pPr lvl="1"/>
-            <a:r>
-              <a:rPr lang="en-US" dirty="0"/>
-              <a:t>it need more memory (i.e. memory intensive work)</a:t>
-            </a:r>
-          </a:p>
-          <a:p>
-            <a:pPr marL="457200" lvl="1" indent="0">
-              <a:buNone/>
-            </a:pPr>
-            <a:endParaRPr lang="en-US" dirty="0"/>
-          </a:p>
-          <a:p>
-            <a:r>
-              <a:rPr lang="en-US" dirty="0"/>
-              <a:t>I want to use XYZ (ex. </a:t>
-            </a:r>
-            <a:r>
-              <a:rPr lang="en-US" dirty="0" err="1"/>
-              <a:t>Matlab</a:t>
-            </a:r>
-            <a:r>
-              <a:rPr lang="en-US" dirty="0"/>
-              <a:t>), but the license cost is too high</a:t>
-            </a:r>
-          </a:p>
-          <a:p>
-            <a:pPr marL="457200" lvl="1" indent="0">
-              <a:buNone/>
-            </a:pPr>
-            <a:endParaRPr lang="en-US" dirty="0"/>
-          </a:p>
-          <a:p>
-            <a:r>
-              <a:rPr lang="en-US" dirty="0"/>
-              <a:t>One big misunderstanding</a:t>
-            </a:r>
-          </a:p>
-          <a:p>
-            <a:pPr lvl="1"/>
-            <a:r>
-              <a:rPr lang="en-US" dirty="0"/>
-              <a:t>my (unmodified) code will run faster on the server (</a:t>
-            </a:r>
-            <a:r>
-              <a:rPr lang="en-US" b="1" dirty="0">
-                <a:solidFill>
-                  <a:srgbClr val="FF0000"/>
-                </a:solidFill>
-              </a:rPr>
-              <a:t>NO</a:t>
-            </a:r>
-            <a:r>
-              <a:rPr lang="en-US" dirty="0"/>
-              <a:t> in most cases)</a:t>
-            </a:r>
-          </a:p>
-        </p:txBody>
-      </p:sp>
-    </p:spTree>
-    <p:extLst>
-      <p:ext uri="{BB962C8B-B14F-4D97-AF65-F5344CB8AC3E}">
-        <p14:creationId xmlns:p14="http://schemas.microsoft.com/office/powerpoint/2010/main" val="217856129"/>
-      </p:ext>
-    </p:extLst>
-  </p:cSld>
-  <p:clrMapOvr>
-    <a:masterClrMapping/>
-  </p:clrMapOvr>
-</p:sld>
-</file>
-
 <file path=ppt/slides/slide9.xml><?xml version="1.0" encoding="utf-8"?>
 <p:sld xmlns:a="http://schemas.openxmlformats.org/drawingml/2006/main" xmlns:r="http://schemas.openxmlformats.org/officeDocument/2006/relationships" xmlns:p="http://schemas.openxmlformats.org/presentationml/2006/main">
   <p:cSld>
@@ -15736,7 +17783,7 @@
           <p:cNvPr id="2" name="Title 1">
             <a:extLst>
               <a:ext uri="{FF2B5EF4-FFF2-40B4-BE49-F238E27FC236}">
-                <a16:creationId xmlns:a16="http://schemas.microsoft.com/office/drawing/2014/main" id="{0916B864-31B6-497F-9B21-405A8A9D220B}"/>
+                <a16:creationId xmlns:a16="http://schemas.microsoft.com/office/drawing/2014/main" id="{5B33F4EC-579F-477F-A684-CCE421367E24}"/>
               </a:ext>
             </a:extLst>
           </p:cNvPr>
@@ -15754,7 +17801,7 @@
           <a:p>
             <a:r>
               <a:rPr lang="en-US" dirty="0"/>
-              <a:t>Questions to ask before considering RRN</a:t>
+              <a:t>Why using RRN</a:t>
             </a:r>
           </a:p>
         </p:txBody>
@@ -15764,7 +17811,7 @@
           <p:cNvPr id="3" name="Content Placeholder 2">
             <a:extLst>
               <a:ext uri="{FF2B5EF4-FFF2-40B4-BE49-F238E27FC236}">
-                <a16:creationId xmlns:a16="http://schemas.microsoft.com/office/drawing/2014/main" id="{234E5B68-020B-49A7-93DB-080EBC45FB9E}"/>
+                <a16:creationId xmlns:a16="http://schemas.microsoft.com/office/drawing/2014/main" id="{955F7531-9765-4542-969B-FEC31306C2C5}"/>
               </a:ext>
             </a:extLst>
           </p:cNvPr>
@@ -15777,64 +17824,64 @@
         </p:nvSpPr>
         <p:spPr/>
         <p:txBody>
-          <a:bodyPr/>
+          <a:bodyPr>
+            <a:normAutofit/>
+          </a:bodyPr>
           <a:lstStyle/>
           <a:p>
             <a:r>
               <a:rPr lang="en-US" dirty="0"/>
-              <a:t>I need more CPUs</a:t>
+              <a:t>My code takes too long to run</a:t>
             </a:r>
           </a:p>
           <a:p>
             <a:pPr lvl="1"/>
             <a:r>
               <a:rPr lang="en-US" dirty="0"/>
-              <a:t>have I optimized my code (vectorization; better algorithm)?</a:t>
+              <a:t>it need more CPUs (i.e. computing intensive work)</a:t>
             </a:r>
           </a:p>
           <a:p>
             <a:pPr lvl="1"/>
             <a:r>
               <a:rPr lang="en-US" dirty="0"/>
-              <a:t>have I tried parallel computing on my desktop?</a:t>
-            </a:r>
-          </a:p>
-          <a:p>
-            <a:pPr lvl="2"/>
-            <a:r>
-              <a:rPr lang="en-US" dirty="0"/>
-              <a:t>modern desktop has 2-4 CPUs (4-8 with hyperthreading)</a:t>
-            </a:r>
-          </a:p>
-          <a:p>
-            <a:pPr lvl="2"/>
-            <a:r>
-              <a:rPr lang="en-US" dirty="0"/>
-              <a:t>no license cost if you use open source language (R, Python, Julia, etc.)</a:t>
-            </a:r>
-          </a:p>
-          <a:p>
-            <a:pPr lvl="2"/>
+              <a:t>it need more memory (i.e. memory intensive work)</a:t>
+            </a:r>
+          </a:p>
+          <a:p>
+            <a:pPr marL="457200" lvl="1" indent="0">
+              <a:buNone/>
+            </a:pPr>
             <a:endParaRPr lang="en-US" dirty="0"/>
           </a:p>
           <a:p>
             <a:r>
               <a:rPr lang="en-US" dirty="0"/>
-              <a:t>I need more memory</a:t>
+              <a:t>I want to use XYZ (ex. </a:t>
+            </a:r>
+            <a:r>
+              <a:rPr lang="en-US" dirty="0" err="1"/>
+              <a:t>Matlab</a:t>
+            </a:r>
+            <a:r>
+              <a:rPr lang="en-US" dirty="0"/>
+              <a:t>), but the license cost is too high</a:t>
+            </a:r>
+          </a:p>
+          <a:p>
+            <a:endParaRPr lang="en-US" dirty="0"/>
+          </a:p>
+          <a:p>
+            <a:r>
+              <a:rPr lang="en-US" dirty="0"/>
+              <a:t>I want a stable environment for a long running code</a:t>
             </a:r>
           </a:p>
           <a:p>
             <a:pPr lvl="1"/>
             <a:r>
               <a:rPr lang="en-US" dirty="0"/>
-              <a:t>do I really need to load all those data</a:t>
-            </a:r>
-          </a:p>
-          <a:p>
-            <a:pPr lvl="1"/>
-            <a:r>
-              <a:rPr lang="en-US" dirty="0"/>
-              <a:t>have I optimized my code (delete big variables/objects after use; better algorithm)</a:t>
+              <a:t>ex. collecting data through web scraping</a:t>
             </a:r>
           </a:p>
         </p:txBody>
@@ -15842,7 +17889,7 @@
     </p:spTree>
     <p:extLst>
       <p:ext uri="{BB962C8B-B14F-4D97-AF65-F5344CB8AC3E}">
-        <p14:creationId xmlns:p14="http://schemas.microsoft.com/office/powerpoint/2010/main" val="2024322096"/>
+        <p14:creationId xmlns:p14="http://schemas.microsoft.com/office/powerpoint/2010/main" val="217856129"/>
       </p:ext>
     </p:extLst>
   </p:cSld>

--- a/rrn_intro.pptx
+++ b/rrn_intro.pptx
@@ -859,7 +859,7 @@
           <a:p>
             <a:fld id="{421D938C-9D30-4591-B78B-02250B6189B6}" type="datetimeFigureOut">
               <a:rPr lang="en-US" smtClean="0"/>
-              <a:t>5/27/2019</a:t>
+              <a:t>5/28/2019</a:t>
             </a:fld>
             <a:endParaRPr lang="en-US"/>
           </a:p>
@@ -1057,7 +1057,7 @@
           <a:p>
             <a:fld id="{421D938C-9D30-4591-B78B-02250B6189B6}" type="datetimeFigureOut">
               <a:rPr lang="en-US" smtClean="0"/>
-              <a:t>5/27/2019</a:t>
+              <a:t>5/28/2019</a:t>
             </a:fld>
             <a:endParaRPr lang="en-US"/>
           </a:p>
@@ -1265,7 +1265,7 @@
           <a:p>
             <a:fld id="{421D938C-9D30-4591-B78B-02250B6189B6}" type="datetimeFigureOut">
               <a:rPr lang="en-US" smtClean="0"/>
-              <a:t>5/27/2019</a:t>
+              <a:t>5/28/2019</a:t>
             </a:fld>
             <a:endParaRPr lang="en-US"/>
           </a:p>
@@ -1463,7 +1463,7 @@
           <a:p>
             <a:fld id="{421D938C-9D30-4591-B78B-02250B6189B6}" type="datetimeFigureOut">
               <a:rPr lang="en-US" smtClean="0"/>
-              <a:t>5/27/2019</a:t>
+              <a:t>5/28/2019</a:t>
             </a:fld>
             <a:endParaRPr lang="en-US"/>
           </a:p>
@@ -1738,7 +1738,7 @@
           <a:p>
             <a:fld id="{421D938C-9D30-4591-B78B-02250B6189B6}" type="datetimeFigureOut">
               <a:rPr lang="en-US" smtClean="0"/>
-              <a:t>5/27/2019</a:t>
+              <a:t>5/28/2019</a:t>
             </a:fld>
             <a:endParaRPr lang="en-US"/>
           </a:p>
@@ -2003,7 +2003,7 @@
           <a:p>
             <a:fld id="{421D938C-9D30-4591-B78B-02250B6189B6}" type="datetimeFigureOut">
               <a:rPr lang="en-US" smtClean="0"/>
-              <a:t>5/27/2019</a:t>
+              <a:t>5/28/2019</a:t>
             </a:fld>
             <a:endParaRPr lang="en-US"/>
           </a:p>
@@ -2415,7 +2415,7 @@
           <a:p>
             <a:fld id="{421D938C-9D30-4591-B78B-02250B6189B6}" type="datetimeFigureOut">
               <a:rPr lang="en-US" smtClean="0"/>
-              <a:t>5/27/2019</a:t>
+              <a:t>5/28/2019</a:t>
             </a:fld>
             <a:endParaRPr lang="en-US"/>
           </a:p>
@@ -2556,7 +2556,7 @@
           <a:p>
             <a:fld id="{421D938C-9D30-4591-B78B-02250B6189B6}" type="datetimeFigureOut">
               <a:rPr lang="en-US" smtClean="0"/>
-              <a:t>5/27/2019</a:t>
+              <a:t>5/28/2019</a:t>
             </a:fld>
             <a:endParaRPr lang="en-US"/>
           </a:p>
@@ -2669,7 +2669,7 @@
           <a:p>
             <a:fld id="{421D938C-9D30-4591-B78B-02250B6189B6}" type="datetimeFigureOut">
               <a:rPr lang="en-US" smtClean="0"/>
-              <a:t>5/27/2019</a:t>
+              <a:t>5/28/2019</a:t>
             </a:fld>
             <a:endParaRPr lang="en-US"/>
           </a:p>
@@ -2980,7 +2980,7 @@
           <a:p>
             <a:fld id="{421D938C-9D30-4591-B78B-02250B6189B6}" type="datetimeFigureOut">
               <a:rPr lang="en-US" smtClean="0"/>
-              <a:t>5/27/2019</a:t>
+              <a:t>5/28/2019</a:t>
             </a:fld>
             <a:endParaRPr lang="en-US"/>
           </a:p>
@@ -3268,7 +3268,7 @@
           <a:p>
             <a:fld id="{421D938C-9D30-4591-B78B-02250B6189B6}" type="datetimeFigureOut">
               <a:rPr lang="en-US" smtClean="0"/>
-              <a:t>5/27/2019</a:t>
+              <a:t>5/28/2019</a:t>
             </a:fld>
             <a:endParaRPr lang="en-US"/>
           </a:p>
@@ -3509,7 +3509,7 @@
           <a:p>
             <a:fld id="{421D938C-9D30-4591-B78B-02250B6189B6}" type="datetimeFigureOut">
               <a:rPr lang="en-US" smtClean="0"/>
-              <a:t>5/27/2019</a:t>
+              <a:t>5/28/2019</a:t>
             </a:fld>
             <a:endParaRPr lang="en-US"/>
           </a:p>
@@ -3991,6 +3991,54 @@
           </a:p>
         </p:txBody>
       </p:sp>
+      <p:sp>
+        <p:nvSpPr>
+          <p:cNvPr id="4" name="TextBox 3">
+            <a:extLst>
+              <a:ext uri="{FF2B5EF4-FFF2-40B4-BE49-F238E27FC236}">
+                <a16:creationId xmlns:a16="http://schemas.microsoft.com/office/drawing/2014/main" id="{8D15B066-9A65-45E4-A18D-B97E8627201A}"/>
+              </a:ext>
+            </a:extLst>
+          </p:cNvPr>
+          <p:cNvSpPr txBox="1"/>
+          <p:nvPr/>
+        </p:nvSpPr>
+        <p:spPr>
+          <a:xfrm>
+            <a:off x="884189" y="6308209"/>
+            <a:ext cx="5779659" cy="369332"/>
+          </a:xfrm>
+          <a:prstGeom prst="rect">
+            <a:avLst/>
+          </a:prstGeom>
+          <a:noFill/>
+        </p:spPr>
+        <p:txBody>
+          <a:bodyPr wrap="none" rtlCol="0">
+            <a:spAutoFit/>
+          </a:bodyPr>
+          <a:lstStyle/>
+          <a:p>
+            <a:r>
+              <a:rPr lang="en-US" dirty="0"/>
+              <a:t>Workshop website: </a:t>
+            </a:r>
+            <a:r>
+              <a:rPr lang="en-US" dirty="0">
+                <a:hlinkClick r:id="rId2"/>
+              </a:rPr>
+              <a:t>https://tdmdal.github.io/rrn-workshop</a:t>
+            </a:r>
+            <a:r>
+              <a:rPr lang="en-US" dirty="0" smtClean="0">
+                <a:hlinkClick r:id="rId2"/>
+              </a:rPr>
+              <a:t>/</a:t>
+            </a:r>
+            <a:endParaRPr lang="en-US" dirty="0"/>
+          </a:p>
+        </p:txBody>
+      </p:sp>
     </p:spTree>
     <p:extLst>
       <p:ext uri="{BB962C8B-B14F-4D97-AF65-F5344CB8AC3E}">
@@ -7454,7 +7502,7 @@
             <p:ph idx="1"/>
             <p:extLst>
               <p:ext uri="{D42A27DB-BD31-4B8C-83A1-F6EECF244321}">
-                <p14:modId xmlns:p14="http://schemas.microsoft.com/office/powerpoint/2010/main" val="2332631904"/>
+                <p14:modId xmlns:p14="http://schemas.microsoft.com/office/powerpoint/2010/main" val="1706593815"/>
               </p:ext>
             </p:extLst>
           </p:nvPr>
@@ -7684,7 +7732,19 @@
                       </a:pPr>
                       <a:r>
                         <a:rPr lang="en-US" dirty="0"/>
-                        <a:t>~12 cores</a:t>
+                        <a:t>~12 </a:t>
+                      </a:r>
+                      <a:r>
+                        <a:rPr lang="en-US" dirty="0" smtClean="0"/>
+                        <a:t>cores, 1-2 </a:t>
+                      </a:r>
+                      <a:r>
+                        <a:rPr lang="en-US" dirty="0"/>
+                        <a:t>hrs. or </a:t>
+                      </a:r>
+                      <a:r>
+                        <a:rPr lang="en-US" dirty="0" smtClean="0"/>
+                        <a:t>…</a:t>
                       </a:r>
                     </a:p>
                     <a:p>
@@ -7693,9 +7753,14 @@
                         <a:buChar char="•"/>
                       </a:pPr>
                       <a:r>
-                        <a:rPr lang="en-US" dirty="0"/>
-                        <a:t>1-2 hrs. or …</a:t>
-                      </a:r>
+                        <a:rPr lang="en-US" dirty="0" smtClean="0"/>
+                        <a:t>~1-2</a:t>
+                      </a:r>
+                      <a:r>
+                        <a:rPr lang="en-US" baseline="0" dirty="0" smtClean="0"/>
+                        <a:t> cores, longer hrs.</a:t>
+                      </a:r>
+                      <a:endParaRPr lang="en-US" dirty="0"/>
                     </a:p>
                   </a:txBody>
                   <a:tcPr/>
@@ -8320,7 +8385,7 @@
             <p:ph idx="1"/>
             <p:extLst>
               <p:ext uri="{D42A27DB-BD31-4B8C-83A1-F6EECF244321}">
-                <p14:modId xmlns:p14="http://schemas.microsoft.com/office/powerpoint/2010/main" val="244281012"/>
+                <p14:modId xmlns:p14="http://schemas.microsoft.com/office/powerpoint/2010/main" val="2405591006"/>
               </p:ext>
             </p:extLst>
           </p:nvPr>
@@ -8549,8 +8614,8 @@
                         <a:buChar char="•"/>
                       </a:pPr>
                       <a:r>
-                        <a:rPr lang="en-US" dirty="0"/>
-                        <a:t>~12 cores</a:t>
+                        <a:rPr lang="en-US" dirty="0" smtClean="0"/>
+                        <a:t>~12 cores, 1-2 hrs. or …</a:t>
                       </a:r>
                     </a:p>
                     <a:p>
@@ -8559,9 +8624,14 @@
                         <a:buChar char="•"/>
                       </a:pPr>
                       <a:r>
-                        <a:rPr lang="en-US" dirty="0"/>
-                        <a:t>1-2 hrs. or …</a:t>
-                      </a:r>
+                        <a:rPr lang="en-US" dirty="0" smtClean="0"/>
+                        <a:t>~1-2</a:t>
+                      </a:r>
+                      <a:r>
+                        <a:rPr lang="en-US" baseline="0" dirty="0" smtClean="0"/>
+                        <a:t> cores, longer hrs.</a:t>
+                      </a:r>
+                      <a:endParaRPr lang="en-US" dirty="0"/>
                     </a:p>
                   </a:txBody>
                   <a:tcPr/>
@@ -9049,7 +9119,7 @@
             <p:ph idx="1"/>
             <p:extLst>
               <p:ext uri="{D42A27DB-BD31-4B8C-83A1-F6EECF244321}">
-                <p14:modId xmlns:p14="http://schemas.microsoft.com/office/powerpoint/2010/main" val="589083771"/>
+                <p14:modId xmlns:p14="http://schemas.microsoft.com/office/powerpoint/2010/main" val="2472960618"/>
               </p:ext>
             </p:extLst>
           </p:nvPr>
@@ -9278,8 +9348,8 @@
                         <a:buChar char="•"/>
                       </a:pPr>
                       <a:r>
-                        <a:rPr lang="en-US" dirty="0"/>
-                        <a:t>~12 cores</a:t>
+                        <a:rPr lang="en-US" dirty="0" smtClean="0"/>
+                        <a:t>~12 cores, 1-2 hrs. or …</a:t>
                       </a:r>
                     </a:p>
                     <a:p>
@@ -9288,9 +9358,14 @@
                         <a:buChar char="•"/>
                       </a:pPr>
                       <a:r>
-                        <a:rPr lang="en-US" dirty="0"/>
-                        <a:t>1-2 hrs. or …</a:t>
-                      </a:r>
+                        <a:rPr lang="en-US" dirty="0" smtClean="0"/>
+                        <a:t>~1-2</a:t>
+                      </a:r>
+                      <a:r>
+                        <a:rPr lang="en-US" baseline="0" dirty="0" smtClean="0"/>
+                        <a:t> cores, longer hrs.</a:t>
+                      </a:r>
+                      <a:endParaRPr lang="en-US" dirty="0"/>
                     </a:p>
                   </a:txBody>
                   <a:tcPr/>
@@ -11680,7 +11755,7 @@
           <p:nvPr/>
         </p:nvPicPr>
         <p:blipFill>
-          <a:blip r:embed="rId2" cstate="print">
+          <a:blip r:embed="rId2" cstate="hqprint">
             <a:extLst>
               <a:ext uri="{28A0092B-C50C-407E-A947-70E740481C1C}">
                 <a14:useLocalDpi xmlns:a14="http://schemas.microsoft.com/office/drawing/2010/main" val="0"/>
@@ -11802,7 +11877,7 @@
           <p:nvPr/>
         </p:nvPicPr>
         <p:blipFill>
-          <a:blip r:embed="rId3" cstate="print">
+          <a:blip r:embed="rId3" cstate="hqprint">
             <a:extLst>
               <a:ext uri="{28A0092B-C50C-407E-A947-70E740481C1C}">
                 <a14:useLocalDpi xmlns:a14="http://schemas.microsoft.com/office/drawing/2010/main" val="0"/>
@@ -13547,7 +13622,7 @@
           <p:nvPr/>
         </p:nvPicPr>
         <p:blipFill>
-          <a:blip r:embed="rId2" cstate="print">
+          <a:blip r:embed="rId2" cstate="hqprint">
             <a:extLst>
               <a:ext uri="{28A0092B-C50C-407E-A947-70E740481C1C}">
                 <a14:useLocalDpi xmlns:a14="http://schemas.microsoft.com/office/drawing/2010/main" val="0"/>
@@ -13618,7 +13693,7 @@
           <p:nvPr/>
         </p:nvPicPr>
         <p:blipFill>
-          <a:blip r:embed="rId3" cstate="print">
+          <a:blip r:embed="rId3" cstate="hqprint">
             <a:extLst>
               <a:ext uri="{28A0092B-C50C-407E-A947-70E740481C1C}">
                 <a14:useLocalDpi xmlns:a14="http://schemas.microsoft.com/office/drawing/2010/main" val="0"/>
@@ -13926,7 +14001,7 @@
           <p:nvPr/>
         </p:nvPicPr>
         <p:blipFill>
-          <a:blip r:embed="rId2" cstate="print">
+          <a:blip r:embed="rId2" cstate="hqprint">
             <a:extLst>
               <a:ext uri="{28A0092B-C50C-407E-A947-70E740481C1C}">
                 <a14:useLocalDpi xmlns:a14="http://schemas.microsoft.com/office/drawing/2010/main" val="0"/>
@@ -13962,7 +14037,7 @@
           <p:nvPr/>
         </p:nvPicPr>
         <p:blipFill>
-          <a:blip r:embed="rId2" cstate="print">
+          <a:blip r:embed="rId2" cstate="hqprint">
             <a:extLst>
               <a:ext uri="{28A0092B-C50C-407E-A947-70E740481C1C}">
                 <a14:useLocalDpi xmlns:a14="http://schemas.microsoft.com/office/drawing/2010/main" val="0"/>
@@ -13998,7 +14073,7 @@
           <p:nvPr/>
         </p:nvPicPr>
         <p:blipFill>
-          <a:blip r:embed="rId3" cstate="print">
+          <a:blip r:embed="rId3" cstate="hqprint">
             <a:extLst>
               <a:ext uri="{28A0092B-C50C-407E-A947-70E740481C1C}">
                 <a14:useLocalDpi xmlns:a14="http://schemas.microsoft.com/office/drawing/2010/main" val="0"/>
@@ -14161,7 +14236,7 @@
           <p:nvPr/>
         </p:nvPicPr>
         <p:blipFill>
-          <a:blip r:embed="rId4" cstate="print">
+          <a:blip r:embed="rId4" cstate="hqprint">
             <a:extLst>
               <a:ext uri="{28A0092B-C50C-407E-A947-70E740481C1C}">
                 <a14:useLocalDpi xmlns:a14="http://schemas.microsoft.com/office/drawing/2010/main" val="0"/>
@@ -14504,7 +14579,7 @@
           <p:nvPr/>
         </p:nvPicPr>
         <p:blipFill>
-          <a:blip r:embed="rId2" cstate="print">
+          <a:blip r:embed="rId2" cstate="hqprint">
             <a:extLst>
               <a:ext uri="{28A0092B-C50C-407E-A947-70E740481C1C}">
                 <a14:useLocalDpi xmlns:a14="http://schemas.microsoft.com/office/drawing/2010/main" val="0"/>
@@ -14540,7 +14615,7 @@
           <p:nvPr/>
         </p:nvPicPr>
         <p:blipFill>
-          <a:blip r:embed="rId2" cstate="print">
+          <a:blip r:embed="rId2" cstate="hqprint">
             <a:extLst>
               <a:ext uri="{28A0092B-C50C-407E-A947-70E740481C1C}">
                 <a14:useLocalDpi xmlns:a14="http://schemas.microsoft.com/office/drawing/2010/main" val="0"/>
@@ -14576,7 +14651,7 @@
           <p:nvPr/>
         </p:nvPicPr>
         <p:blipFill>
-          <a:blip r:embed="rId3" cstate="print">
+          <a:blip r:embed="rId3" cstate="hqprint">
             <a:extLst>
               <a:ext uri="{28A0092B-C50C-407E-A947-70E740481C1C}">
                 <a14:useLocalDpi xmlns:a14="http://schemas.microsoft.com/office/drawing/2010/main" val="0"/>
@@ -14612,7 +14687,7 @@
           <p:nvPr/>
         </p:nvPicPr>
         <p:blipFill>
-          <a:blip r:embed="rId4" cstate="print">
+          <a:blip r:embed="rId4" cstate="hqprint">
             <a:extLst>
               <a:ext uri="{28A0092B-C50C-407E-A947-70E740481C1C}">
                 <a14:useLocalDpi xmlns:a14="http://schemas.microsoft.com/office/drawing/2010/main" val="0"/>
@@ -14648,7 +14723,7 @@
           <p:nvPr/>
         </p:nvPicPr>
         <p:blipFill>
-          <a:blip r:embed="rId4" cstate="print">
+          <a:blip r:embed="rId4" cstate="hqprint">
             <a:extLst>
               <a:ext uri="{28A0092B-C50C-407E-A947-70E740481C1C}">
                 <a14:useLocalDpi xmlns:a14="http://schemas.microsoft.com/office/drawing/2010/main" val="0"/>
@@ -14684,7 +14759,7 @@
           <p:nvPr/>
         </p:nvPicPr>
         <p:blipFill>
-          <a:blip r:embed="rId4" cstate="print">
+          <a:blip r:embed="rId4" cstate="hqprint">
             <a:extLst>
               <a:ext uri="{28A0092B-C50C-407E-A947-70E740481C1C}">
                 <a14:useLocalDpi xmlns:a14="http://schemas.microsoft.com/office/drawing/2010/main" val="0"/>
@@ -15017,7 +15092,7 @@
           <p:nvPr/>
         </p:nvPicPr>
         <p:blipFill>
-          <a:blip r:embed="rId5" cstate="print">
+          <a:blip r:embed="rId5" cstate="hqprint">
             <a:extLst>
               <a:ext uri="{28A0092B-C50C-407E-A947-70E740481C1C}">
                 <a14:useLocalDpi xmlns:a14="http://schemas.microsoft.com/office/drawing/2010/main" val="0"/>
@@ -15133,7 +15208,7 @@
           <p:nvPr/>
         </p:nvPicPr>
         <p:blipFill>
-          <a:blip r:embed="rId4" cstate="print">
+          <a:blip r:embed="rId4" cstate="hqprint">
             <a:extLst>
               <a:ext uri="{28A0092B-C50C-407E-A947-70E740481C1C}">
                 <a14:useLocalDpi xmlns:a14="http://schemas.microsoft.com/office/drawing/2010/main" val="0"/>
@@ -15439,7 +15514,7 @@
           <p:nvPr/>
         </p:nvPicPr>
         <p:blipFill>
-          <a:blip r:embed="rId2" cstate="print">
+          <a:blip r:embed="rId2" cstate="hqprint">
             <a:extLst>
               <a:ext uri="{28A0092B-C50C-407E-A947-70E740481C1C}">
                 <a14:useLocalDpi xmlns:a14="http://schemas.microsoft.com/office/drawing/2010/main" val="0"/>
@@ -15475,7 +15550,7 @@
           <p:nvPr/>
         </p:nvPicPr>
         <p:blipFill>
-          <a:blip r:embed="rId2" cstate="print">
+          <a:blip r:embed="rId2" cstate="hqprint">
             <a:extLst>
               <a:ext uri="{28A0092B-C50C-407E-A947-70E740481C1C}">
                 <a14:useLocalDpi xmlns:a14="http://schemas.microsoft.com/office/drawing/2010/main" val="0"/>
@@ -15511,7 +15586,7 @@
           <p:nvPr/>
         </p:nvPicPr>
         <p:blipFill>
-          <a:blip r:embed="rId3" cstate="print">
+          <a:blip r:embed="rId3" cstate="hqprint">
             <a:extLst>
               <a:ext uri="{28A0092B-C50C-407E-A947-70E740481C1C}">
                 <a14:useLocalDpi xmlns:a14="http://schemas.microsoft.com/office/drawing/2010/main" val="0"/>
@@ -15547,7 +15622,7 @@
           <p:nvPr/>
         </p:nvPicPr>
         <p:blipFill>
-          <a:blip r:embed="rId4" cstate="print">
+          <a:blip r:embed="rId4" cstate="hqprint">
             <a:extLst>
               <a:ext uri="{28A0092B-C50C-407E-A947-70E740481C1C}">
                 <a14:useLocalDpi xmlns:a14="http://schemas.microsoft.com/office/drawing/2010/main" val="0"/>
@@ -15583,7 +15658,7 @@
           <p:nvPr/>
         </p:nvPicPr>
         <p:blipFill>
-          <a:blip r:embed="rId4" cstate="print">
+          <a:blip r:embed="rId4" cstate="hqprint">
             <a:extLst>
               <a:ext uri="{28A0092B-C50C-407E-A947-70E740481C1C}">
                 <a14:useLocalDpi xmlns:a14="http://schemas.microsoft.com/office/drawing/2010/main" val="0"/>
@@ -15619,7 +15694,7 @@
           <p:nvPr/>
         </p:nvPicPr>
         <p:blipFill>
-          <a:blip r:embed="rId4" cstate="print">
+          <a:blip r:embed="rId4" cstate="hqprint">
             <a:extLst>
               <a:ext uri="{28A0092B-C50C-407E-A947-70E740481C1C}">
                 <a14:useLocalDpi xmlns:a14="http://schemas.microsoft.com/office/drawing/2010/main" val="0"/>
@@ -15952,7 +16027,7 @@
           <p:nvPr/>
         </p:nvPicPr>
         <p:blipFill>
-          <a:blip r:embed="rId5" cstate="print">
+          <a:blip r:embed="rId5" cstate="hqprint">
             <a:extLst>
               <a:ext uri="{28A0092B-C50C-407E-A947-70E740481C1C}">
                 <a14:useLocalDpi xmlns:a14="http://schemas.microsoft.com/office/drawing/2010/main" val="0"/>
@@ -16078,7 +16153,7 @@
           <p:nvPr/>
         </p:nvPicPr>
         <p:blipFill>
-          <a:blip r:embed="rId6" cstate="print">
+          <a:blip r:embed="rId6" cstate="hqprint">
             <a:extLst>
               <a:ext uri="{28A0092B-C50C-407E-A947-70E740481C1C}">
                 <a14:useLocalDpi xmlns:a14="http://schemas.microsoft.com/office/drawing/2010/main" val="0"/>
@@ -16284,7 +16359,7 @@
           <p:nvPr/>
         </p:nvPicPr>
         <p:blipFill>
-          <a:blip r:embed="rId4" cstate="print">
+          <a:blip r:embed="rId4" cstate="hqprint">
             <a:extLst>
               <a:ext uri="{28A0092B-C50C-407E-A947-70E740481C1C}">
                 <a14:useLocalDpi xmlns:a14="http://schemas.microsoft.com/office/drawing/2010/main" val="0"/>
@@ -16590,7 +16665,7 @@
           <p:nvPr/>
         </p:nvPicPr>
         <p:blipFill>
-          <a:blip r:embed="rId2" cstate="print">
+          <a:blip r:embed="rId2" cstate="hqprint">
             <a:extLst>
               <a:ext uri="{28A0092B-C50C-407E-A947-70E740481C1C}">
                 <a14:useLocalDpi xmlns:a14="http://schemas.microsoft.com/office/drawing/2010/main" val="0"/>
@@ -16626,7 +16701,7 @@
           <p:nvPr/>
         </p:nvPicPr>
         <p:blipFill>
-          <a:blip r:embed="rId2" cstate="print">
+          <a:blip r:embed="rId2" cstate="hqprint">
             <a:extLst>
               <a:ext uri="{28A0092B-C50C-407E-A947-70E740481C1C}">
                 <a14:useLocalDpi xmlns:a14="http://schemas.microsoft.com/office/drawing/2010/main" val="0"/>
@@ -16662,7 +16737,7 @@
           <p:nvPr/>
         </p:nvPicPr>
         <p:blipFill>
-          <a:blip r:embed="rId3" cstate="print">
+          <a:blip r:embed="rId3" cstate="hqprint">
             <a:extLst>
               <a:ext uri="{28A0092B-C50C-407E-A947-70E740481C1C}">
                 <a14:useLocalDpi xmlns:a14="http://schemas.microsoft.com/office/drawing/2010/main" val="0"/>
@@ -16698,7 +16773,7 @@
           <p:nvPr/>
         </p:nvPicPr>
         <p:blipFill>
-          <a:blip r:embed="rId4" cstate="print">
+          <a:blip r:embed="rId4" cstate="hqprint">
             <a:extLst>
               <a:ext uri="{28A0092B-C50C-407E-A947-70E740481C1C}">
                 <a14:useLocalDpi xmlns:a14="http://schemas.microsoft.com/office/drawing/2010/main" val="0"/>
@@ -16734,7 +16809,7 @@
           <p:nvPr/>
         </p:nvPicPr>
         <p:blipFill>
-          <a:blip r:embed="rId4" cstate="print">
+          <a:blip r:embed="rId4" cstate="hqprint">
             <a:extLst>
               <a:ext uri="{28A0092B-C50C-407E-A947-70E740481C1C}">
                 <a14:useLocalDpi xmlns:a14="http://schemas.microsoft.com/office/drawing/2010/main" val="0"/>
@@ -16770,7 +16845,7 @@
           <p:nvPr/>
         </p:nvPicPr>
         <p:blipFill>
-          <a:blip r:embed="rId4" cstate="print">
+          <a:blip r:embed="rId4" cstate="hqprint">
             <a:extLst>
               <a:ext uri="{28A0092B-C50C-407E-A947-70E740481C1C}">
                 <a14:useLocalDpi xmlns:a14="http://schemas.microsoft.com/office/drawing/2010/main" val="0"/>
@@ -17103,7 +17178,7 @@
           <p:nvPr/>
         </p:nvPicPr>
         <p:blipFill>
-          <a:blip r:embed="rId5" cstate="print">
+          <a:blip r:embed="rId5" cstate="hqprint">
             <a:extLst>
               <a:ext uri="{28A0092B-C50C-407E-A947-70E740481C1C}">
                 <a14:useLocalDpi xmlns:a14="http://schemas.microsoft.com/office/drawing/2010/main" val="0"/>
@@ -17229,7 +17304,7 @@
           <p:nvPr/>
         </p:nvPicPr>
         <p:blipFill>
-          <a:blip r:embed="rId6" cstate="print">
+          <a:blip r:embed="rId6" cstate="hqprint">
             <a:extLst>
               <a:ext uri="{28A0092B-C50C-407E-A947-70E740481C1C}">
                 <a14:useLocalDpi xmlns:a14="http://schemas.microsoft.com/office/drawing/2010/main" val="0"/>
@@ -17435,7 +17510,7 @@
           <p:nvPr/>
         </p:nvPicPr>
         <p:blipFill>
-          <a:blip r:embed="rId4" cstate="print">
+          <a:blip r:embed="rId4" cstate="hqprint">
             <a:extLst>
               <a:ext uri="{28A0092B-C50C-407E-A947-70E740481C1C}">
                 <a14:useLocalDpi xmlns:a14="http://schemas.microsoft.com/office/drawing/2010/main" val="0"/>

--- a/rrn_intro.pptx
+++ b/rrn_intro.pptx
@@ -40,6 +40,16 @@
     <p:sldId id="288" r:id="rId34"/>
     <p:sldId id="289" r:id="rId35"/>
     <p:sldId id="290" r:id="rId36"/>
+    <p:sldId id="301" r:id="rId37"/>
+    <p:sldId id="292" r:id="rId38"/>
+    <p:sldId id="293" r:id="rId39"/>
+    <p:sldId id="294" r:id="rId40"/>
+    <p:sldId id="295" r:id="rId41"/>
+    <p:sldId id="296" r:id="rId42"/>
+    <p:sldId id="297" r:id="rId43"/>
+    <p:sldId id="298" r:id="rId44"/>
+    <p:sldId id="299" r:id="rId45"/>
+    <p:sldId id="300" r:id="rId46"/>
   </p:sldIdLst>
   <p:sldSz cx="12192000" cy="6858000"/>
   <p:notesSz cx="6858000" cy="9144000"/>
@@ -859,7 +869,7 @@
           <a:p>
             <a:fld id="{421D938C-9D30-4591-B78B-02250B6189B6}" type="datetimeFigureOut">
               <a:rPr lang="en-US" smtClean="0"/>
-              <a:t>5/28/2019</a:t>
+              <a:t>5/29/2019</a:t>
             </a:fld>
             <a:endParaRPr lang="en-US"/>
           </a:p>
@@ -1057,7 +1067,7 @@
           <a:p>
             <a:fld id="{421D938C-9D30-4591-B78B-02250B6189B6}" type="datetimeFigureOut">
               <a:rPr lang="en-US" smtClean="0"/>
-              <a:t>5/28/2019</a:t>
+              <a:t>5/29/2019</a:t>
             </a:fld>
             <a:endParaRPr lang="en-US"/>
           </a:p>
@@ -1265,7 +1275,7 @@
           <a:p>
             <a:fld id="{421D938C-9D30-4591-B78B-02250B6189B6}" type="datetimeFigureOut">
               <a:rPr lang="en-US" smtClean="0"/>
-              <a:t>5/28/2019</a:t>
+              <a:t>5/29/2019</a:t>
             </a:fld>
             <a:endParaRPr lang="en-US"/>
           </a:p>
@@ -1463,7 +1473,7 @@
           <a:p>
             <a:fld id="{421D938C-9D30-4591-B78B-02250B6189B6}" type="datetimeFigureOut">
               <a:rPr lang="en-US" smtClean="0"/>
-              <a:t>5/28/2019</a:t>
+              <a:t>5/29/2019</a:t>
             </a:fld>
             <a:endParaRPr lang="en-US"/>
           </a:p>
@@ -1738,7 +1748,7 @@
           <a:p>
             <a:fld id="{421D938C-9D30-4591-B78B-02250B6189B6}" type="datetimeFigureOut">
               <a:rPr lang="en-US" smtClean="0"/>
-              <a:t>5/28/2019</a:t>
+              <a:t>5/29/2019</a:t>
             </a:fld>
             <a:endParaRPr lang="en-US"/>
           </a:p>
@@ -2003,7 +2013,7 @@
           <a:p>
             <a:fld id="{421D938C-9D30-4591-B78B-02250B6189B6}" type="datetimeFigureOut">
               <a:rPr lang="en-US" smtClean="0"/>
-              <a:t>5/28/2019</a:t>
+              <a:t>5/29/2019</a:t>
             </a:fld>
             <a:endParaRPr lang="en-US"/>
           </a:p>
@@ -2415,7 +2425,7 @@
           <a:p>
             <a:fld id="{421D938C-9D30-4591-B78B-02250B6189B6}" type="datetimeFigureOut">
               <a:rPr lang="en-US" smtClean="0"/>
-              <a:t>5/28/2019</a:t>
+              <a:t>5/29/2019</a:t>
             </a:fld>
             <a:endParaRPr lang="en-US"/>
           </a:p>
@@ -2556,7 +2566,7 @@
           <a:p>
             <a:fld id="{421D938C-9D30-4591-B78B-02250B6189B6}" type="datetimeFigureOut">
               <a:rPr lang="en-US" smtClean="0"/>
-              <a:t>5/28/2019</a:t>
+              <a:t>5/29/2019</a:t>
             </a:fld>
             <a:endParaRPr lang="en-US"/>
           </a:p>
@@ -2669,7 +2679,7 @@
           <a:p>
             <a:fld id="{421D938C-9D30-4591-B78B-02250B6189B6}" type="datetimeFigureOut">
               <a:rPr lang="en-US" smtClean="0"/>
-              <a:t>5/28/2019</a:t>
+              <a:t>5/29/2019</a:t>
             </a:fld>
             <a:endParaRPr lang="en-US"/>
           </a:p>
@@ -2980,7 +2990,7 @@
           <a:p>
             <a:fld id="{421D938C-9D30-4591-B78B-02250B6189B6}" type="datetimeFigureOut">
               <a:rPr lang="en-US" smtClean="0"/>
-              <a:t>5/28/2019</a:t>
+              <a:t>5/29/2019</a:t>
             </a:fld>
             <a:endParaRPr lang="en-US"/>
           </a:p>
@@ -3268,7 +3278,7 @@
           <a:p>
             <a:fld id="{421D938C-9D30-4591-B78B-02250B6189B6}" type="datetimeFigureOut">
               <a:rPr lang="en-US" smtClean="0"/>
-              <a:t>5/28/2019</a:t>
+              <a:t>5/29/2019</a:t>
             </a:fld>
             <a:endParaRPr lang="en-US"/>
           </a:p>
@@ -3509,7 +3519,7 @@
           <a:p>
             <a:fld id="{421D938C-9D30-4591-B78B-02250B6189B6}" type="datetimeFigureOut">
               <a:rPr lang="en-US" smtClean="0"/>
-              <a:t>5/28/2019</a:t>
+              <a:t>5/29/2019</a:t>
             </a:fld>
             <a:endParaRPr lang="en-US"/>
           </a:p>
@@ -5862,7 +5872,7 @@
             <p:ph idx="1"/>
             <p:extLst>
               <p:ext uri="{D42A27DB-BD31-4B8C-83A1-F6EECF244321}">
-                <p14:modId xmlns:p14="http://schemas.microsoft.com/office/powerpoint/2010/main" val="4280390391"/>
+                <p14:modId xmlns:p14="http://schemas.microsoft.com/office/powerpoint/2010/main" val="621171075"/>
               </p:ext>
             </p:extLst>
           </p:nvPr>
@@ -5975,12 +5985,40 @@
                       </a:r>
                     </a:p>
                     <a:p>
+                      <a:pPr marL="285750" marR="0" lvl="0" indent="-285750" algn="l" defTabSz="914400" rtl="0" eaLnBrk="1" fontAlgn="auto" latinLnBrk="0" hangingPunct="1">
+                        <a:lnSpc>
+                          <a:spcPct val="100000"/>
+                        </a:lnSpc>
+                        <a:spcBef>
+                          <a:spcPts val="0"/>
+                        </a:spcBef>
+                        <a:spcAft>
+                          <a:spcPts val="0"/>
+                        </a:spcAft>
+                        <a:buClrTx/>
+                        <a:buSzTx/>
+                        <a:buFont typeface="Arial" panose="020B0604020202020204" pitchFamily="34" charset="0"/>
+                        <a:buChar char="•"/>
+                        <a:tabLst/>
+                        <a:defRPr/>
+                      </a:pPr>
+                      <a:r>
+                        <a:rPr lang="en-US" b="0" dirty="0" smtClean="0">
+                          <a:solidFill>
+                            <a:schemeClr val="tx1"/>
+                          </a:solidFill>
+                        </a:rPr>
+                        <a:t>Easy to use: Code runs as soon as you ask it to run</a:t>
+                      </a:r>
+                      <a:endParaRPr lang="en-US" dirty="0" smtClean="0"/>
+                    </a:p>
+                    <a:p>
                       <a:pPr marL="285750" lvl="0" indent="-285750">
                         <a:buFont typeface="Arial" panose="020B0604020202020204" pitchFamily="34" charset="0"/>
                         <a:buChar char="•"/>
                       </a:pPr>
                       <a:r>
-                        <a:rPr lang="en-US" b="1" dirty="0">
+                        <a:rPr lang="en-US" b="1" dirty="0" smtClean="0">
                           <a:solidFill>
                             <a:srgbClr val="FF0000"/>
                           </a:solidFill>
@@ -5988,44 +6026,18 @@
                         <a:t>Shared </a:t>
                       </a:r>
                       <a:r>
-                        <a:rPr lang="en-US" b="0" dirty="0">
+                        <a:rPr lang="en-US" b="0" dirty="0" smtClean="0">
                           <a:solidFill>
                             <a:schemeClr val="tx1"/>
                           </a:solidFill>
                         </a:rPr>
-                        <a:t>(among </a:t>
+                        <a:t>(among Rotman researchers)</a:t>
                       </a:r>
-                      <a:r>
-                        <a:rPr lang="en-US" b="0" dirty="0" err="1">
-                          <a:solidFill>
-                            <a:schemeClr val="tx1"/>
-                          </a:solidFill>
-                        </a:rPr>
-                        <a:t>Rotman</a:t>
-                      </a:r>
-                      <a:r>
-                        <a:rPr lang="en-US" b="0" dirty="0">
-                          <a:solidFill>
-                            <a:schemeClr val="tx1"/>
-                          </a:solidFill>
-                        </a:rPr>
-                        <a:t> researchers)</a:t>
-                      </a:r>
-                    </a:p>
-                    <a:p>
-                      <a:pPr marL="285750" lvl="0" indent="-285750">
-                        <a:buFont typeface="Arial" panose="020B0604020202020204" pitchFamily="34" charset="0"/>
-                        <a:buChar char="•"/>
-                      </a:pPr>
-                      <a:r>
-                        <a:rPr lang="en-US" b="0" dirty="0">
-                          <a:solidFill>
-                            <a:schemeClr val="tx1"/>
-                          </a:solidFill>
-                        </a:rPr>
-                        <a:t>Easy to use: Code runs as soon as you ask it to run</a:t>
-                      </a:r>
-                      <a:endParaRPr lang="en-US" dirty="0"/>
+                      <a:endParaRPr lang="en-US" b="0" dirty="0">
+                        <a:solidFill>
+                          <a:schemeClr val="tx1"/>
+                        </a:solidFill>
+                      </a:endParaRPr>
                     </a:p>
                   </a:txBody>
                   <a:tcPr/>
@@ -6237,7 +6249,7 @@
             <p:ph idx="1"/>
             <p:extLst>
               <p:ext uri="{D42A27DB-BD31-4B8C-83A1-F6EECF244321}">
-                <p14:modId xmlns:p14="http://schemas.microsoft.com/office/powerpoint/2010/main" val="1708270025"/>
+                <p14:modId xmlns:p14="http://schemas.microsoft.com/office/powerpoint/2010/main" val="3008071097"/>
               </p:ext>
             </p:extLst>
           </p:nvPr>
@@ -6346,8 +6358,40 @@
                       </a:pPr>
                       <a:r>
                         <a:rPr lang="en-US" dirty="0"/>
-                        <a:t>Memory: 800G; quite large</a:t>
+                        <a:t>Memory: 800G; quite </a:t>
                       </a:r>
+                      <a:r>
+                        <a:rPr lang="en-US" dirty="0" smtClean="0"/>
+                        <a:t>large</a:t>
+                      </a:r>
+                    </a:p>
+                    <a:p>
+                      <a:pPr marL="285750" marR="0" lvl="0" indent="-285750" algn="l" defTabSz="914400" rtl="0" eaLnBrk="1" fontAlgn="auto" latinLnBrk="0" hangingPunct="1">
+                        <a:lnSpc>
+                          <a:spcPct val="100000"/>
+                        </a:lnSpc>
+                        <a:spcBef>
+                          <a:spcPts val="0"/>
+                        </a:spcBef>
+                        <a:spcAft>
+                          <a:spcPts val="0"/>
+                        </a:spcAft>
+                        <a:buClrTx/>
+                        <a:buSzTx/>
+                        <a:buFont typeface="Arial" panose="020B0604020202020204" pitchFamily="34" charset="0"/>
+                        <a:buChar char="•"/>
+                        <a:tabLst/>
+                        <a:defRPr/>
+                      </a:pPr>
+                      <a:r>
+                        <a:rPr lang="en-US" b="0" dirty="0" smtClean="0">
+                          <a:solidFill>
+                            <a:schemeClr val="tx1"/>
+                          </a:solidFill>
+                        </a:rPr>
+                        <a:t>Easy to use: Code runs as soon as you ask it to run</a:t>
+                      </a:r>
+                      <a:endParaRPr lang="en-US" dirty="0" smtClean="0"/>
                     </a:p>
                     <a:p>
                       <a:pPr marL="285750" lvl="0" indent="-285750">
@@ -6355,7 +6399,7 @@
                         <a:buChar char="•"/>
                       </a:pPr>
                       <a:r>
-                        <a:rPr lang="en-US" b="1" dirty="0">
+                        <a:rPr lang="en-US" b="1" dirty="0" smtClean="0">
                           <a:solidFill>
                             <a:srgbClr val="FF0000"/>
                           </a:solidFill>
@@ -6368,39 +6412,21 @@
                             <a:schemeClr val="tx1"/>
                           </a:solidFill>
                         </a:rPr>
-                        <a:t>(among </a:t>
+                        <a:t>(among Rotman researchers</a:t>
                       </a:r>
                       <a:r>
-                        <a:rPr lang="en-US" b="0" dirty="0" err="1">
+                        <a:rPr lang="en-US" b="0" dirty="0" smtClean="0">
                           <a:solidFill>
                             <a:schemeClr val="tx1"/>
                           </a:solidFill>
                         </a:rPr>
-                        <a:t>Rotman</a:t>
+                        <a:t>)</a:t>
                       </a:r>
-                      <a:r>
-                        <a:rPr lang="en-US" b="0" dirty="0">
-                          <a:solidFill>
-                            <a:schemeClr val="tx1"/>
-                          </a:solidFill>
-                        </a:rPr>
-                        <a:t> researchers)</a:t>
-                      </a:r>
-                    </a:p>
-                    <a:p>
-                      <a:pPr marL="285750" lvl="0" indent="-285750">
-                        <a:buFont typeface="Arial" panose="020B0604020202020204" pitchFamily="34" charset="0"/>
-                        <a:buChar char="•"/>
-                      </a:pPr>
-                      <a:r>
-                        <a:rPr lang="en-US" b="0" dirty="0">
-                          <a:solidFill>
-                            <a:schemeClr val="tx1"/>
-                          </a:solidFill>
-                        </a:rPr>
-                        <a:t>Easy to use: Code runs as soon as you ask it to run</a:t>
-                      </a:r>
-                      <a:endParaRPr lang="en-US" dirty="0"/>
+                      <a:endParaRPr lang="en-US" b="0" dirty="0">
+                        <a:solidFill>
+                          <a:schemeClr val="tx1"/>
+                        </a:solidFill>
+                      </a:endParaRPr>
                     </a:p>
                   </a:txBody>
                   <a:tcPr/>
@@ -6654,7 +6680,7 @@
             <p:ph idx="1"/>
             <p:extLst>
               <p:ext uri="{D42A27DB-BD31-4B8C-83A1-F6EECF244321}">
-                <p14:modId xmlns:p14="http://schemas.microsoft.com/office/powerpoint/2010/main" val="3838264471"/>
+                <p14:modId xmlns:p14="http://schemas.microsoft.com/office/powerpoint/2010/main" val="1305202055"/>
               </p:ext>
             </p:extLst>
           </p:nvPr>
@@ -6767,12 +6793,40 @@
                       </a:r>
                     </a:p>
                     <a:p>
+                      <a:pPr marL="285750" marR="0" lvl="0" indent="-285750" algn="l" defTabSz="914400" rtl="0" eaLnBrk="1" fontAlgn="auto" latinLnBrk="0" hangingPunct="1">
+                        <a:lnSpc>
+                          <a:spcPct val="100000"/>
+                        </a:lnSpc>
+                        <a:spcBef>
+                          <a:spcPts val="0"/>
+                        </a:spcBef>
+                        <a:spcAft>
+                          <a:spcPts val="0"/>
+                        </a:spcAft>
+                        <a:buClrTx/>
+                        <a:buSzTx/>
+                        <a:buFont typeface="Arial" panose="020B0604020202020204" pitchFamily="34" charset="0"/>
+                        <a:buChar char="•"/>
+                        <a:tabLst/>
+                        <a:defRPr/>
+                      </a:pPr>
+                      <a:r>
+                        <a:rPr lang="en-US" b="0" dirty="0" smtClean="0">
+                          <a:solidFill>
+                            <a:schemeClr val="tx1"/>
+                          </a:solidFill>
+                        </a:rPr>
+                        <a:t>Easy to use: Code runs as soon as you ask it to run</a:t>
+                      </a:r>
+                      <a:endParaRPr lang="en-US" dirty="0" smtClean="0"/>
+                    </a:p>
+                    <a:p>
                       <a:pPr marL="285750" lvl="0" indent="-285750">
                         <a:buFont typeface="Arial" panose="020B0604020202020204" pitchFamily="34" charset="0"/>
                         <a:buChar char="•"/>
                       </a:pPr>
                       <a:r>
-                        <a:rPr lang="en-US" b="1" dirty="0">
+                        <a:rPr lang="en-US" b="1" dirty="0" smtClean="0">
                           <a:solidFill>
                             <a:srgbClr val="FF0000"/>
                           </a:solidFill>
@@ -6780,44 +6834,18 @@
                         <a:t>Shared </a:t>
                       </a:r>
                       <a:r>
-                        <a:rPr lang="en-US" b="0" dirty="0">
+                        <a:rPr lang="en-US" b="0" dirty="0" smtClean="0">
                           <a:solidFill>
                             <a:schemeClr val="tx1"/>
                           </a:solidFill>
                         </a:rPr>
-                        <a:t>(among </a:t>
+                        <a:t>(among Rotman researchers)</a:t>
                       </a:r>
-                      <a:r>
-                        <a:rPr lang="en-US" b="0" dirty="0" err="1">
-                          <a:solidFill>
-                            <a:schemeClr val="tx1"/>
-                          </a:solidFill>
-                        </a:rPr>
-                        <a:t>Rotman</a:t>
-                      </a:r>
-                      <a:r>
-                        <a:rPr lang="en-US" b="0" dirty="0">
-                          <a:solidFill>
-                            <a:schemeClr val="tx1"/>
-                          </a:solidFill>
-                        </a:rPr>
-                        <a:t> researchers)</a:t>
-                      </a:r>
-                    </a:p>
-                    <a:p>
-                      <a:pPr marL="285750" lvl="0" indent="-285750">
-                        <a:buFont typeface="Arial" panose="020B0604020202020204" pitchFamily="34" charset="0"/>
-                        <a:buChar char="•"/>
-                      </a:pPr>
-                      <a:r>
-                        <a:rPr lang="en-US" b="0" dirty="0">
-                          <a:solidFill>
-                            <a:schemeClr val="tx1"/>
-                          </a:solidFill>
-                        </a:rPr>
-                        <a:t>Easy to use: Code runs as soon as you ask it to run</a:t>
-                      </a:r>
-                      <a:endParaRPr lang="en-US" dirty="0"/>
+                      <a:endParaRPr lang="en-US" b="0" dirty="0">
+                        <a:solidFill>
+                          <a:schemeClr val="tx1"/>
+                        </a:solidFill>
+                      </a:endParaRPr>
                     </a:p>
                   </a:txBody>
                   <a:tcPr/>
@@ -7502,7 +7530,7 @@
             <p:ph idx="1"/>
             <p:extLst>
               <p:ext uri="{D42A27DB-BD31-4B8C-83A1-F6EECF244321}">
-                <p14:modId xmlns:p14="http://schemas.microsoft.com/office/powerpoint/2010/main" val="1706593815"/>
+                <p14:modId xmlns:p14="http://schemas.microsoft.com/office/powerpoint/2010/main" val="2554475733"/>
               </p:ext>
             </p:extLst>
           </p:nvPr>
@@ -7615,12 +7643,40 @@
                       </a:r>
                     </a:p>
                     <a:p>
+                      <a:pPr marL="285750" marR="0" lvl="0" indent="-285750" algn="l" defTabSz="914400" rtl="0" eaLnBrk="1" fontAlgn="auto" latinLnBrk="0" hangingPunct="1">
+                        <a:lnSpc>
+                          <a:spcPct val="100000"/>
+                        </a:lnSpc>
+                        <a:spcBef>
+                          <a:spcPts val="0"/>
+                        </a:spcBef>
+                        <a:spcAft>
+                          <a:spcPts val="0"/>
+                        </a:spcAft>
+                        <a:buClrTx/>
+                        <a:buSzTx/>
+                        <a:buFont typeface="Arial" panose="020B0604020202020204" pitchFamily="34" charset="0"/>
+                        <a:buChar char="•"/>
+                        <a:tabLst/>
+                        <a:defRPr/>
+                      </a:pPr>
+                      <a:r>
+                        <a:rPr lang="en-US" b="0" dirty="0" smtClean="0">
+                          <a:solidFill>
+                            <a:schemeClr val="tx1"/>
+                          </a:solidFill>
+                        </a:rPr>
+                        <a:t>Easy to use: Code runs as soon as you ask it to run</a:t>
+                      </a:r>
+                      <a:endParaRPr lang="en-US" dirty="0" smtClean="0"/>
+                    </a:p>
+                    <a:p>
                       <a:pPr marL="285750" lvl="0" indent="-285750">
                         <a:buFont typeface="Arial" panose="020B0604020202020204" pitchFamily="34" charset="0"/>
                         <a:buChar char="•"/>
                       </a:pPr>
                       <a:r>
-                        <a:rPr lang="en-US" b="1" dirty="0">
+                        <a:rPr lang="en-US" b="1" dirty="0" smtClean="0">
                           <a:solidFill>
                             <a:srgbClr val="FF0000"/>
                           </a:solidFill>
@@ -7628,44 +7684,18 @@
                         <a:t>Shared </a:t>
                       </a:r>
                       <a:r>
-                        <a:rPr lang="en-US" b="0" dirty="0">
+                        <a:rPr lang="en-US" b="0" dirty="0" smtClean="0">
                           <a:solidFill>
                             <a:schemeClr val="tx1"/>
                           </a:solidFill>
                         </a:rPr>
-                        <a:t>(among </a:t>
+                        <a:t>(among Rotman researchers)</a:t>
                       </a:r>
-                      <a:r>
-                        <a:rPr lang="en-US" b="0" dirty="0" err="1">
-                          <a:solidFill>
-                            <a:schemeClr val="tx1"/>
-                          </a:solidFill>
-                        </a:rPr>
-                        <a:t>Rotman</a:t>
-                      </a:r>
-                      <a:r>
-                        <a:rPr lang="en-US" b="0" dirty="0">
-                          <a:solidFill>
-                            <a:schemeClr val="tx1"/>
-                          </a:solidFill>
-                        </a:rPr>
-                        <a:t> researchers)</a:t>
-                      </a:r>
-                    </a:p>
-                    <a:p>
-                      <a:pPr marL="285750" lvl="0" indent="-285750">
-                        <a:buFont typeface="Arial" panose="020B0604020202020204" pitchFamily="34" charset="0"/>
-                        <a:buChar char="•"/>
-                      </a:pPr>
-                      <a:r>
-                        <a:rPr lang="en-US" b="0" dirty="0">
-                          <a:solidFill>
-                            <a:schemeClr val="tx1"/>
-                          </a:solidFill>
-                        </a:rPr>
-                        <a:t>Easy to use: Code runs as soon as you ask it to run</a:t>
-                      </a:r>
-                      <a:endParaRPr lang="en-US" dirty="0"/>
+                      <a:endParaRPr lang="en-US" b="0" dirty="0">
+                        <a:solidFill>
+                          <a:schemeClr val="tx1"/>
+                        </a:solidFill>
+                      </a:endParaRPr>
                     </a:p>
                   </a:txBody>
                   <a:tcPr/>
@@ -8385,7 +8415,7 @@
             <p:ph idx="1"/>
             <p:extLst>
               <p:ext uri="{D42A27DB-BD31-4B8C-83A1-F6EECF244321}">
-                <p14:modId xmlns:p14="http://schemas.microsoft.com/office/powerpoint/2010/main" val="2405591006"/>
+                <p14:modId xmlns:p14="http://schemas.microsoft.com/office/powerpoint/2010/main" val="3682157971"/>
               </p:ext>
             </p:extLst>
           </p:nvPr>
@@ -8498,12 +8528,40 @@
                       </a:r>
                     </a:p>
                     <a:p>
+                      <a:pPr marL="285750" marR="0" lvl="0" indent="-285750" algn="l" defTabSz="914400" rtl="0" eaLnBrk="1" fontAlgn="auto" latinLnBrk="0" hangingPunct="1">
+                        <a:lnSpc>
+                          <a:spcPct val="100000"/>
+                        </a:lnSpc>
+                        <a:spcBef>
+                          <a:spcPts val="0"/>
+                        </a:spcBef>
+                        <a:spcAft>
+                          <a:spcPts val="0"/>
+                        </a:spcAft>
+                        <a:buClrTx/>
+                        <a:buSzTx/>
+                        <a:buFont typeface="Arial" panose="020B0604020202020204" pitchFamily="34" charset="0"/>
+                        <a:buChar char="•"/>
+                        <a:tabLst/>
+                        <a:defRPr/>
+                      </a:pPr>
+                      <a:r>
+                        <a:rPr lang="en-US" b="0" dirty="0" smtClean="0">
+                          <a:solidFill>
+                            <a:schemeClr val="tx1"/>
+                          </a:solidFill>
+                        </a:rPr>
+                        <a:t>Easy to use: Code runs as soon as you ask it to run</a:t>
+                      </a:r>
+                      <a:endParaRPr lang="en-US" dirty="0" smtClean="0"/>
+                    </a:p>
+                    <a:p>
                       <a:pPr marL="285750" lvl="0" indent="-285750">
                         <a:buFont typeface="Arial" panose="020B0604020202020204" pitchFamily="34" charset="0"/>
                         <a:buChar char="•"/>
                       </a:pPr>
                       <a:r>
-                        <a:rPr lang="en-US" b="1" dirty="0">
+                        <a:rPr lang="en-US" b="1" dirty="0" smtClean="0">
                           <a:solidFill>
                             <a:srgbClr val="FF0000"/>
                           </a:solidFill>
@@ -8511,44 +8569,18 @@
                         <a:t>Shared </a:t>
                       </a:r>
                       <a:r>
-                        <a:rPr lang="en-US" b="0" dirty="0">
+                        <a:rPr lang="en-US" b="0" dirty="0" smtClean="0">
                           <a:solidFill>
                             <a:schemeClr val="tx1"/>
                           </a:solidFill>
                         </a:rPr>
-                        <a:t>(among </a:t>
+                        <a:t>(among Rotman researchers)</a:t>
                       </a:r>
-                      <a:r>
-                        <a:rPr lang="en-US" b="0" dirty="0" err="1">
-                          <a:solidFill>
-                            <a:schemeClr val="tx1"/>
-                          </a:solidFill>
-                        </a:rPr>
-                        <a:t>Rotman</a:t>
-                      </a:r>
-                      <a:r>
-                        <a:rPr lang="en-US" b="0" dirty="0">
-                          <a:solidFill>
-                            <a:schemeClr val="tx1"/>
-                          </a:solidFill>
-                        </a:rPr>
-                        <a:t> researchers)</a:t>
-                      </a:r>
-                    </a:p>
-                    <a:p>
-                      <a:pPr marL="285750" lvl="0" indent="-285750">
-                        <a:buFont typeface="Arial" panose="020B0604020202020204" pitchFamily="34" charset="0"/>
-                        <a:buChar char="•"/>
-                      </a:pPr>
-                      <a:r>
-                        <a:rPr lang="en-US" b="0" dirty="0">
-                          <a:solidFill>
-                            <a:schemeClr val="tx1"/>
-                          </a:solidFill>
-                        </a:rPr>
-                        <a:t>Easy to use: Code runs as soon as you ask it to run</a:t>
-                      </a:r>
-                      <a:endParaRPr lang="en-US" dirty="0"/>
+                      <a:endParaRPr lang="en-US" b="0" dirty="0">
+                        <a:solidFill>
+                          <a:schemeClr val="tx1"/>
+                        </a:solidFill>
+                      </a:endParaRPr>
                     </a:p>
                   </a:txBody>
                   <a:tcPr/>
@@ -9119,7 +9151,7 @@
             <p:ph idx="1"/>
             <p:extLst>
               <p:ext uri="{D42A27DB-BD31-4B8C-83A1-F6EECF244321}">
-                <p14:modId xmlns:p14="http://schemas.microsoft.com/office/powerpoint/2010/main" val="2472960618"/>
+                <p14:modId xmlns:p14="http://schemas.microsoft.com/office/powerpoint/2010/main" val="1822433736"/>
               </p:ext>
             </p:extLst>
           </p:nvPr>
@@ -9232,12 +9264,40 @@
                       </a:r>
                     </a:p>
                     <a:p>
+                      <a:pPr marL="285750" marR="0" lvl="0" indent="-285750" algn="l" defTabSz="914400" rtl="0" eaLnBrk="1" fontAlgn="auto" latinLnBrk="0" hangingPunct="1">
+                        <a:lnSpc>
+                          <a:spcPct val="100000"/>
+                        </a:lnSpc>
+                        <a:spcBef>
+                          <a:spcPts val="0"/>
+                        </a:spcBef>
+                        <a:spcAft>
+                          <a:spcPts val="0"/>
+                        </a:spcAft>
+                        <a:buClrTx/>
+                        <a:buSzTx/>
+                        <a:buFont typeface="Arial" panose="020B0604020202020204" pitchFamily="34" charset="0"/>
+                        <a:buChar char="•"/>
+                        <a:tabLst/>
+                        <a:defRPr/>
+                      </a:pPr>
+                      <a:r>
+                        <a:rPr lang="en-US" b="0" dirty="0" smtClean="0">
+                          <a:solidFill>
+                            <a:schemeClr val="tx1"/>
+                          </a:solidFill>
+                        </a:rPr>
+                        <a:t>Easy to use: Code runs as soon as you ask it to run</a:t>
+                      </a:r>
+                      <a:endParaRPr lang="en-US" dirty="0" smtClean="0"/>
+                    </a:p>
+                    <a:p>
                       <a:pPr marL="285750" lvl="0" indent="-285750">
                         <a:buFont typeface="Arial" panose="020B0604020202020204" pitchFamily="34" charset="0"/>
                         <a:buChar char="•"/>
                       </a:pPr>
                       <a:r>
-                        <a:rPr lang="en-US" b="1" dirty="0">
+                        <a:rPr lang="en-US" b="1" dirty="0" smtClean="0">
                           <a:solidFill>
                             <a:srgbClr val="FF0000"/>
                           </a:solidFill>
@@ -9245,44 +9305,18 @@
                         <a:t>Shared </a:t>
                       </a:r>
                       <a:r>
-                        <a:rPr lang="en-US" b="0" dirty="0">
+                        <a:rPr lang="en-US" b="0" dirty="0" smtClean="0">
                           <a:solidFill>
                             <a:schemeClr val="tx1"/>
                           </a:solidFill>
                         </a:rPr>
-                        <a:t>(among </a:t>
+                        <a:t>(among Rotman researchers)</a:t>
                       </a:r>
-                      <a:r>
-                        <a:rPr lang="en-US" b="0" dirty="0" err="1">
-                          <a:solidFill>
-                            <a:schemeClr val="tx1"/>
-                          </a:solidFill>
-                        </a:rPr>
-                        <a:t>Rotman</a:t>
-                      </a:r>
-                      <a:r>
-                        <a:rPr lang="en-US" b="0" dirty="0">
-                          <a:solidFill>
-                            <a:schemeClr val="tx1"/>
-                          </a:solidFill>
-                        </a:rPr>
-                        <a:t> researchers)</a:t>
-                      </a:r>
-                    </a:p>
-                    <a:p>
-                      <a:pPr marL="285750" lvl="0" indent="-285750">
-                        <a:buFont typeface="Arial" panose="020B0604020202020204" pitchFamily="34" charset="0"/>
-                        <a:buChar char="•"/>
-                      </a:pPr>
-                      <a:r>
-                        <a:rPr lang="en-US" b="0" dirty="0">
-                          <a:solidFill>
-                            <a:schemeClr val="tx1"/>
-                          </a:solidFill>
-                        </a:rPr>
-                        <a:t>Easy to use: Code runs as soon as you ask it to run</a:t>
-                      </a:r>
-                      <a:endParaRPr lang="en-US" dirty="0"/>
+                      <a:endParaRPr lang="en-US" b="0" dirty="0">
+                        <a:solidFill>
+                          <a:schemeClr val="tx1"/>
+                        </a:solidFill>
+                      </a:endParaRPr>
                     </a:p>
                   </a:txBody>
                   <a:tcPr/>
@@ -9564,7 +9598,15 @@
                     <a:p>
                       <a:r>
                         <a:rPr lang="en-US" dirty="0"/>
-                        <a:t>Run highly compute &amp; memory intensive jobs</a:t>
+                        <a:t>Run highly compute </a:t>
+                      </a:r>
+                      <a:r>
+                        <a:rPr lang="en-US" dirty="0" smtClean="0"/>
+                        <a:t>intensive </a:t>
+                      </a:r>
+                      <a:r>
+                        <a:rPr lang="en-US" dirty="0"/>
+                        <a:t>jobs</a:t>
                       </a:r>
                     </a:p>
                     <a:p>
@@ -12617,7 +12659,7 @@
         <p:spPr/>
         <p:txBody>
           <a:bodyPr>
-            <a:normAutofit lnSpcReduction="10000"/>
+            <a:normAutofit fontScale="92500" lnSpcReduction="10000"/>
           </a:bodyPr>
           <a:lstStyle/>
           <a:p>
@@ -12680,6 +12722,35 @@
                 <a:latin typeface="Consolas" panose="020B0609020204030204" pitchFamily="49" charset="0"/>
               </a:rPr>
               <a:t>job_id</a:t>
+            </a:r>
+            <a:r>
+              <a:rPr lang="en-US" dirty="0" smtClean="0">
+                <a:latin typeface="Consolas" panose="020B0609020204030204" pitchFamily="49" charset="0"/>
+              </a:rPr>
+              <a:t>&gt;</a:t>
+            </a:r>
+          </a:p>
+          <a:p>
+            <a:pPr marL="0" indent="0" algn="ctr">
+              <a:buNone/>
+            </a:pPr>
+            <a:r>
+              <a:rPr lang="en-US" dirty="0" err="1">
+                <a:latin typeface="Consolas" panose="020B0609020204030204" pitchFamily="49" charset="0"/>
+              </a:rPr>
+              <a:t>squeue</a:t>
+            </a:r>
+            <a:r>
+              <a:rPr lang="en-US" dirty="0">
+                <a:latin typeface="Consolas" panose="020B0609020204030204" pitchFamily="49" charset="0"/>
+              </a:rPr>
+              <a:t> --user &lt;</a:t>
+            </a:r>
+            <a:r>
+              <a:rPr lang="en-US" dirty="0" err="1">
+                <a:latin typeface="Consolas" panose="020B0609020204030204" pitchFamily="49" charset="0"/>
+              </a:rPr>
+              <a:t>your_user_name</a:t>
             </a:r>
             <a:r>
               <a:rPr lang="en-US" dirty="0">
@@ -13553,6 +13624,779 @@
     <p:extLst>
       <p:ext uri="{BB962C8B-B14F-4D97-AF65-F5344CB8AC3E}">
         <p14:creationId xmlns:p14="http://schemas.microsoft.com/office/powerpoint/2010/main" val="1451617765"/>
+      </p:ext>
+    </p:extLst>
+  </p:cSld>
+  <p:clrMapOvr>
+    <a:masterClrMapping/>
+  </p:clrMapOvr>
+</p:sld>
+</file>
+
+<file path=ppt/slides/slide36.xml><?xml version="1.0" encoding="utf-8"?>
+<p:sld xmlns:a="http://schemas.openxmlformats.org/drawingml/2006/main" xmlns:r="http://schemas.openxmlformats.org/officeDocument/2006/relationships" xmlns:p="http://schemas.openxmlformats.org/presentationml/2006/main">
+  <p:cSld>
+    <p:spTree>
+      <p:nvGrpSpPr>
+        <p:cNvPr id="1" name=""/>
+        <p:cNvGrpSpPr/>
+        <p:nvPr/>
+      </p:nvGrpSpPr>
+      <p:grpSpPr>
+        <a:xfrm>
+          <a:off x="0" y="0"/>
+          <a:ext cx="0" cy="0"/>
+          <a:chOff x="0" y="0"/>
+          <a:chExt cx="0" cy="0"/>
+        </a:xfrm>
+      </p:grpSpPr>
+      <p:sp>
+        <p:nvSpPr>
+          <p:cNvPr id="2" name="Title 1">
+            <a:extLst>
+              <a:ext uri="{FF2B5EF4-FFF2-40B4-BE49-F238E27FC236}">
+                <a16:creationId xmlns:a16="http://schemas.microsoft.com/office/drawing/2014/main" id="{62F24BF1-4C5F-4EA8-807C-036DA9372A2A}"/>
+              </a:ext>
+            </a:extLst>
+          </p:cNvPr>
+          <p:cNvSpPr>
+            <a:spLocks noGrp="1"/>
+          </p:cNvSpPr>
+          <p:nvPr>
+            <p:ph type="ctrTitle"/>
+          </p:nvPr>
+        </p:nvSpPr>
+        <p:spPr/>
+        <p:txBody>
+          <a:bodyPr/>
+          <a:lstStyle/>
+          <a:p>
+            <a:r>
+              <a:rPr lang="en-US" dirty="0" smtClean="0"/>
+              <a:t>Python Example</a:t>
+            </a:r>
+            <a:endParaRPr lang="en-US" dirty="0"/>
+          </a:p>
+        </p:txBody>
+      </p:sp>
+    </p:spTree>
+    <p:extLst>
+      <p:ext uri="{BB962C8B-B14F-4D97-AF65-F5344CB8AC3E}">
+        <p14:creationId xmlns:p14="http://schemas.microsoft.com/office/powerpoint/2010/main" val="2870507691"/>
+      </p:ext>
+    </p:extLst>
+  </p:cSld>
+  <p:clrMapOvr>
+    <a:masterClrMapping/>
+  </p:clrMapOvr>
+</p:sld>
+</file>
+
+<file path=ppt/slides/slide37.xml><?xml version="1.0" encoding="utf-8"?>
+<p:sld xmlns:a="http://schemas.openxmlformats.org/drawingml/2006/main" xmlns:r="http://schemas.openxmlformats.org/officeDocument/2006/relationships" xmlns:p="http://schemas.openxmlformats.org/presentationml/2006/main">
+  <p:cSld>
+    <p:spTree>
+      <p:nvGrpSpPr>
+        <p:cNvPr id="1" name=""/>
+        <p:cNvGrpSpPr/>
+        <p:nvPr/>
+      </p:nvGrpSpPr>
+      <p:grpSpPr>
+        <a:xfrm>
+          <a:off x="0" y="0"/>
+          <a:ext cx="0" cy="0"/>
+          <a:chOff x="0" y="0"/>
+          <a:chExt cx="0" cy="0"/>
+        </a:xfrm>
+      </p:grpSpPr>
+      <p:sp>
+        <p:nvSpPr>
+          <p:cNvPr id="2" name="Title 1">
+            <a:extLst>
+              <a:ext uri="{FF2B5EF4-FFF2-40B4-BE49-F238E27FC236}">
+                <a16:creationId xmlns:a16="http://schemas.microsoft.com/office/drawing/2014/main" id="{8E77643F-7E4A-4C62-8C76-C75C53E0EA9A}"/>
+              </a:ext>
+            </a:extLst>
+          </p:cNvPr>
+          <p:cNvSpPr>
+            <a:spLocks noGrp="1"/>
+          </p:cNvSpPr>
+          <p:nvPr>
+            <p:ph type="title"/>
+          </p:nvPr>
+        </p:nvSpPr>
+        <p:spPr/>
+        <p:txBody>
+          <a:bodyPr/>
+          <a:lstStyle/>
+          <a:p>
+            <a:r>
+              <a:rPr lang="en-US" dirty="0"/>
+              <a:t>Ex.1 </a:t>
+            </a:r>
+            <a:r>
+              <a:rPr lang="en-US" dirty="0" smtClean="0"/>
+              <a:t>Python </a:t>
+            </a:r>
+            <a:r>
+              <a:rPr lang="en-US" dirty="0"/>
+              <a:t>- RNN Interactive Mode</a:t>
+            </a:r>
+          </a:p>
+        </p:txBody>
+      </p:sp>
+      <p:sp>
+        <p:nvSpPr>
+          <p:cNvPr id="3" name="Content Placeholder 2">
+            <a:extLst>
+              <a:ext uri="{FF2B5EF4-FFF2-40B4-BE49-F238E27FC236}">
+                <a16:creationId xmlns:a16="http://schemas.microsoft.com/office/drawing/2014/main" id="{25EE8030-6D98-4B88-BF44-DCFCBA683B52}"/>
+              </a:ext>
+            </a:extLst>
+          </p:cNvPr>
+          <p:cNvSpPr>
+            <a:spLocks noGrp="1"/>
+          </p:cNvSpPr>
+          <p:nvPr>
+            <p:ph idx="1"/>
+          </p:nvPr>
+        </p:nvSpPr>
+        <p:spPr/>
+        <p:txBody>
+          <a:bodyPr>
+            <a:normAutofit/>
+          </a:bodyPr>
+          <a:lstStyle/>
+          <a:p>
+            <a:r>
+              <a:rPr lang="en-US" dirty="0"/>
+              <a:t>Load </a:t>
+            </a:r>
+            <a:r>
+              <a:rPr lang="en-US" dirty="0" smtClean="0"/>
+              <a:t>python </a:t>
+            </a:r>
+            <a:r>
+              <a:rPr lang="en-US" dirty="0"/>
+              <a:t>module</a:t>
+            </a:r>
+          </a:p>
+          <a:p>
+            <a:pPr marL="0" indent="0" algn="ctr">
+              <a:buNone/>
+            </a:pPr>
+            <a:r>
+              <a:rPr lang="en-US" b="1" dirty="0">
+                <a:latin typeface="Consolas" panose="020B0609020204030204" pitchFamily="49" charset="0"/>
+              </a:rPr>
+              <a:t>module load </a:t>
+            </a:r>
+            <a:r>
+              <a:rPr lang="en-US" b="1" dirty="0" smtClean="0">
+                <a:latin typeface="Consolas" panose="020B0609020204030204" pitchFamily="49" charset="0"/>
+              </a:rPr>
+              <a:t>anaconda/3.5.3</a:t>
+            </a:r>
+            <a:endParaRPr lang="en-US" b="1" dirty="0">
+              <a:latin typeface="Consolas" panose="020B0609020204030204" pitchFamily="49" charset="0"/>
+            </a:endParaRPr>
+          </a:p>
+          <a:p>
+            <a:endParaRPr lang="en-US" dirty="0"/>
+          </a:p>
+          <a:p>
+            <a:r>
+              <a:rPr lang="en-US" dirty="0"/>
+              <a:t>Run </a:t>
+            </a:r>
+            <a:r>
+              <a:rPr lang="en-US" dirty="0" smtClean="0"/>
+              <a:t>python </a:t>
+            </a:r>
+            <a:r>
+              <a:rPr lang="en-US" dirty="0"/>
+              <a:t>with </a:t>
+            </a:r>
+            <a:r>
+              <a:rPr lang="en-US" dirty="0" smtClean="0"/>
+              <a:t>a GUI IDE, </a:t>
+            </a:r>
+            <a:r>
+              <a:rPr lang="en-US" dirty="0" err="1" smtClean="0"/>
+              <a:t>spyder</a:t>
+            </a:r>
+            <a:endParaRPr lang="en-US" dirty="0"/>
+          </a:p>
+          <a:p>
+            <a:pPr marL="0" indent="0" algn="ctr">
+              <a:buNone/>
+            </a:pPr>
+            <a:r>
+              <a:rPr lang="en-US" b="1" dirty="0" err="1" smtClean="0">
+                <a:latin typeface="Consolas" panose="020B0609020204030204" pitchFamily="49" charset="0"/>
+              </a:rPr>
+              <a:t>spyder</a:t>
+            </a:r>
+            <a:endParaRPr lang="en-US" b="1" dirty="0">
+              <a:latin typeface="Consolas" panose="020B0609020204030204" pitchFamily="49" charset="0"/>
+            </a:endParaRPr>
+          </a:p>
+          <a:p>
+            <a:pPr marL="0" indent="0">
+              <a:buNone/>
+            </a:pPr>
+            <a:endParaRPr lang="en-US" dirty="0"/>
+          </a:p>
+          <a:p>
+            <a:r>
+              <a:rPr lang="en-US" dirty="0"/>
+              <a:t>Run </a:t>
+            </a:r>
+            <a:r>
+              <a:rPr lang="en-US" dirty="0" smtClean="0"/>
+              <a:t>python </a:t>
+            </a:r>
+            <a:r>
+              <a:rPr lang="en-US" dirty="0"/>
+              <a:t>without </a:t>
+            </a:r>
+            <a:r>
+              <a:rPr lang="en-US" dirty="0" smtClean="0"/>
+              <a:t>GUI: </a:t>
+            </a:r>
+            <a:r>
+              <a:rPr lang="en-US" smtClean="0"/>
+              <a:t>python console</a:t>
+            </a:r>
+            <a:endParaRPr lang="en-US" b="1" dirty="0">
+              <a:latin typeface="Consolas" panose="020B0609020204030204" pitchFamily="49" charset="0"/>
+            </a:endParaRPr>
+          </a:p>
+          <a:p>
+            <a:pPr marL="0" indent="0" algn="ctr">
+              <a:buNone/>
+            </a:pPr>
+            <a:r>
+              <a:rPr lang="en-US" b="1" dirty="0" smtClean="0">
+                <a:latin typeface="Consolas" panose="020B0609020204030204" pitchFamily="49" charset="0"/>
+              </a:rPr>
+              <a:t>python</a:t>
+            </a:r>
+            <a:endParaRPr lang="en-US" b="1" dirty="0">
+              <a:latin typeface="Consolas" panose="020B0609020204030204" pitchFamily="49" charset="0"/>
+            </a:endParaRPr>
+          </a:p>
+          <a:p>
+            <a:pPr marL="0" indent="0">
+              <a:buNone/>
+            </a:pPr>
+            <a:endParaRPr lang="en-US" b="1" dirty="0">
+              <a:latin typeface="Consolas" panose="020B0609020204030204" pitchFamily="49" charset="0"/>
+            </a:endParaRPr>
+          </a:p>
+          <a:p>
+            <a:pPr marL="0" indent="0">
+              <a:buNone/>
+            </a:pPr>
+            <a:endParaRPr lang="en-US" b="1" dirty="0">
+              <a:latin typeface="Consolas" panose="020B0609020204030204" pitchFamily="49" charset="0"/>
+            </a:endParaRPr>
+          </a:p>
+          <a:p>
+            <a:endParaRPr lang="en-US" dirty="0"/>
+          </a:p>
+        </p:txBody>
+      </p:sp>
+    </p:spTree>
+    <p:extLst>
+      <p:ext uri="{BB962C8B-B14F-4D97-AF65-F5344CB8AC3E}">
+        <p14:creationId xmlns:p14="http://schemas.microsoft.com/office/powerpoint/2010/main" val="3566927886"/>
+      </p:ext>
+    </p:extLst>
+  </p:cSld>
+  <p:clrMapOvr>
+    <a:masterClrMapping/>
+  </p:clrMapOvr>
+</p:sld>
+</file>
+
+<file path=ppt/slides/slide38.xml><?xml version="1.0" encoding="utf-8"?>
+<p:sld xmlns:a="http://schemas.openxmlformats.org/drawingml/2006/main" xmlns:r="http://schemas.openxmlformats.org/officeDocument/2006/relationships" xmlns:p="http://schemas.openxmlformats.org/presentationml/2006/main">
+  <p:cSld>
+    <p:spTree>
+      <p:nvGrpSpPr>
+        <p:cNvPr id="1" name=""/>
+        <p:cNvGrpSpPr/>
+        <p:nvPr/>
+      </p:nvGrpSpPr>
+      <p:grpSpPr>
+        <a:xfrm>
+          <a:off x="0" y="0"/>
+          <a:ext cx="0" cy="0"/>
+          <a:chOff x="0" y="0"/>
+          <a:chExt cx="0" cy="0"/>
+        </a:xfrm>
+      </p:grpSpPr>
+      <p:sp>
+        <p:nvSpPr>
+          <p:cNvPr id="2" name="Title 1">
+            <a:extLst>
+              <a:ext uri="{FF2B5EF4-FFF2-40B4-BE49-F238E27FC236}">
+                <a16:creationId xmlns:a16="http://schemas.microsoft.com/office/drawing/2014/main" id="{8E77643F-7E4A-4C62-8C76-C75C53E0EA9A}"/>
+              </a:ext>
+            </a:extLst>
+          </p:cNvPr>
+          <p:cNvSpPr>
+            <a:spLocks noGrp="1"/>
+          </p:cNvSpPr>
+          <p:nvPr>
+            <p:ph type="title"/>
+          </p:nvPr>
+        </p:nvSpPr>
+        <p:spPr/>
+        <p:txBody>
+          <a:bodyPr/>
+          <a:lstStyle/>
+          <a:p>
+            <a:r>
+              <a:rPr lang="en-US" dirty="0"/>
+              <a:t>Ex.2 </a:t>
+            </a:r>
+            <a:r>
+              <a:rPr lang="en-US" dirty="0" smtClean="0"/>
+              <a:t>Python </a:t>
+            </a:r>
+            <a:r>
+              <a:rPr lang="en-US" dirty="0"/>
+              <a:t>- RNN Batch Mode</a:t>
+            </a:r>
+          </a:p>
+        </p:txBody>
+      </p:sp>
+      <p:sp>
+        <p:nvSpPr>
+          <p:cNvPr id="3" name="Content Placeholder 2">
+            <a:extLst>
+              <a:ext uri="{FF2B5EF4-FFF2-40B4-BE49-F238E27FC236}">
+                <a16:creationId xmlns:a16="http://schemas.microsoft.com/office/drawing/2014/main" id="{25EE8030-6D98-4B88-BF44-DCFCBA683B52}"/>
+              </a:ext>
+            </a:extLst>
+          </p:cNvPr>
+          <p:cNvSpPr>
+            <a:spLocks noGrp="1"/>
+          </p:cNvSpPr>
+          <p:nvPr>
+            <p:ph idx="1"/>
+          </p:nvPr>
+        </p:nvSpPr>
+        <p:spPr/>
+        <p:txBody>
+          <a:bodyPr>
+            <a:normAutofit fontScale="92500" lnSpcReduction="10000"/>
+          </a:bodyPr>
+          <a:lstStyle/>
+          <a:p>
+            <a:r>
+              <a:rPr lang="en-US" dirty="0"/>
+              <a:t>Load </a:t>
+            </a:r>
+            <a:r>
+              <a:rPr lang="en-US" dirty="0" smtClean="0"/>
+              <a:t>python </a:t>
+            </a:r>
+            <a:r>
+              <a:rPr lang="en-US" dirty="0"/>
+              <a:t>module</a:t>
+            </a:r>
+          </a:p>
+          <a:p>
+            <a:pPr marL="0" indent="0" algn="ctr">
+              <a:buNone/>
+            </a:pPr>
+            <a:r>
+              <a:rPr lang="en-US" b="1" dirty="0">
+                <a:latin typeface="Consolas" panose="020B0609020204030204" pitchFamily="49" charset="0"/>
+              </a:rPr>
+              <a:t>module load </a:t>
+            </a:r>
+            <a:r>
+              <a:rPr lang="en-US" b="1" dirty="0" smtClean="0">
+                <a:latin typeface="Consolas" panose="020B0609020204030204" pitchFamily="49" charset="0"/>
+              </a:rPr>
+              <a:t>anaconda/3.5.3</a:t>
+            </a:r>
+            <a:endParaRPr lang="en-US" b="1" dirty="0">
+              <a:latin typeface="Consolas" panose="020B0609020204030204" pitchFamily="49" charset="0"/>
+            </a:endParaRPr>
+          </a:p>
+          <a:p>
+            <a:endParaRPr lang="en-US" dirty="0"/>
+          </a:p>
+          <a:p>
+            <a:r>
+              <a:rPr lang="en-US" dirty="0"/>
+              <a:t>Run in foreground </a:t>
+            </a:r>
+          </a:p>
+          <a:p>
+            <a:pPr lvl="1"/>
+            <a:r>
+              <a:rPr lang="en-US" dirty="0"/>
+              <a:t>prompt taken; need to wait for result; </a:t>
+            </a:r>
+            <a:r>
+              <a:rPr lang="en-US" b="1" dirty="0">
+                <a:solidFill>
+                  <a:srgbClr val="FF3399"/>
+                </a:solidFill>
+              </a:rPr>
+              <a:t>not recommend</a:t>
+            </a:r>
+          </a:p>
+          <a:p>
+            <a:pPr lvl="1"/>
+            <a:endParaRPr lang="en-US" dirty="0">
+              <a:highlight>
+                <a:srgbClr val="FFFF00"/>
+              </a:highlight>
+            </a:endParaRPr>
+          </a:p>
+          <a:p>
+            <a:pPr marL="0" indent="0" algn="ctr">
+              <a:buNone/>
+            </a:pPr>
+            <a:r>
+              <a:rPr lang="en-US" b="1" dirty="0">
+                <a:latin typeface="Consolas" panose="020B0609020204030204" pitchFamily="49" charset="0"/>
+              </a:rPr>
+              <a:t>p</a:t>
+            </a:r>
+            <a:r>
+              <a:rPr lang="en-US" b="1" dirty="0" smtClean="0">
+                <a:latin typeface="Consolas" panose="020B0609020204030204" pitchFamily="49" charset="0"/>
+              </a:rPr>
+              <a:t>ython python_test.py </a:t>
+            </a:r>
+            <a:r>
+              <a:rPr lang="en-US" b="1" dirty="0" smtClean="0">
+                <a:solidFill>
+                  <a:srgbClr val="FF0000"/>
+                </a:solidFill>
+                <a:latin typeface="Consolas" panose="020B0609020204030204" pitchFamily="49" charset="0"/>
+              </a:rPr>
+              <a:t>&amp;&gt;</a:t>
+            </a:r>
+            <a:r>
+              <a:rPr lang="en-US" b="1" dirty="0" smtClean="0">
+                <a:latin typeface="Consolas" panose="020B0609020204030204" pitchFamily="49" charset="0"/>
+              </a:rPr>
+              <a:t>python_test.log</a:t>
+            </a:r>
+            <a:endParaRPr lang="en-US" b="1" dirty="0">
+              <a:latin typeface="Consolas" panose="020B0609020204030204" pitchFamily="49" charset="0"/>
+            </a:endParaRPr>
+          </a:p>
+          <a:p>
+            <a:pPr marL="0" indent="0">
+              <a:buNone/>
+            </a:pPr>
+            <a:endParaRPr lang="en-US" dirty="0"/>
+          </a:p>
+          <a:p>
+            <a:r>
+              <a:rPr lang="en-US" dirty="0"/>
+              <a:t>Run in background and no hang up after logout (</a:t>
+            </a:r>
+            <a:r>
+              <a:rPr lang="en-US" b="1" dirty="0">
+                <a:solidFill>
+                  <a:srgbClr val="FF3399"/>
+                </a:solidFill>
+              </a:rPr>
+              <a:t>recommend</a:t>
+            </a:r>
+            <a:r>
+              <a:rPr lang="en-US" dirty="0"/>
+              <a:t>)</a:t>
+            </a:r>
+            <a:endParaRPr lang="en-US" b="1" dirty="0">
+              <a:latin typeface="Consolas" panose="020B0609020204030204" pitchFamily="49" charset="0"/>
+            </a:endParaRPr>
+          </a:p>
+          <a:p>
+            <a:pPr marL="0" indent="0" algn="ctr">
+              <a:buNone/>
+            </a:pPr>
+            <a:r>
+              <a:rPr lang="en-US" b="1" dirty="0" err="1">
+                <a:solidFill>
+                  <a:srgbClr val="FF0000"/>
+                </a:solidFill>
+                <a:latin typeface="Consolas" panose="020B0609020204030204" pitchFamily="49" charset="0"/>
+              </a:rPr>
+              <a:t>nohup</a:t>
+            </a:r>
+            <a:r>
+              <a:rPr lang="en-US" b="1" dirty="0">
+                <a:latin typeface="Consolas" panose="020B0609020204030204" pitchFamily="49" charset="0"/>
+              </a:rPr>
+              <a:t> python python_test.py &amp;&gt;python_test.log </a:t>
+            </a:r>
+            <a:r>
+              <a:rPr lang="en-US" b="1" dirty="0">
+                <a:solidFill>
+                  <a:srgbClr val="FF0000"/>
+                </a:solidFill>
+                <a:latin typeface="Consolas" panose="020B0609020204030204" pitchFamily="49" charset="0"/>
+              </a:rPr>
+              <a:t>&amp;</a:t>
+            </a:r>
+          </a:p>
+          <a:p>
+            <a:pPr marL="0" indent="0" algn="ctr">
+              <a:buNone/>
+            </a:pPr>
+            <a:endParaRPr lang="en-US" b="1" dirty="0">
+              <a:latin typeface="Consolas" panose="020B0609020204030204" pitchFamily="49" charset="0"/>
+            </a:endParaRPr>
+          </a:p>
+          <a:p>
+            <a:pPr marL="0" indent="0">
+              <a:buNone/>
+            </a:pPr>
+            <a:endParaRPr lang="en-US" b="1" dirty="0">
+              <a:latin typeface="Consolas" panose="020B0609020204030204" pitchFamily="49" charset="0"/>
+            </a:endParaRPr>
+          </a:p>
+          <a:p>
+            <a:pPr marL="0" indent="0">
+              <a:buNone/>
+            </a:pPr>
+            <a:endParaRPr lang="en-US" b="1" dirty="0">
+              <a:latin typeface="Consolas" panose="020B0609020204030204" pitchFamily="49" charset="0"/>
+            </a:endParaRPr>
+          </a:p>
+          <a:p>
+            <a:endParaRPr lang="en-US" dirty="0"/>
+          </a:p>
+        </p:txBody>
+      </p:sp>
+    </p:spTree>
+    <p:extLst>
+      <p:ext uri="{BB962C8B-B14F-4D97-AF65-F5344CB8AC3E}">
+        <p14:creationId xmlns:p14="http://schemas.microsoft.com/office/powerpoint/2010/main" val="365109183"/>
+      </p:ext>
+    </p:extLst>
+  </p:cSld>
+  <p:clrMapOvr>
+    <a:masterClrMapping/>
+  </p:clrMapOvr>
+</p:sld>
+</file>
+
+<file path=ppt/slides/slide39.xml><?xml version="1.0" encoding="utf-8"?>
+<p:sld xmlns:a="http://schemas.openxmlformats.org/drawingml/2006/main" xmlns:r="http://schemas.openxmlformats.org/officeDocument/2006/relationships" xmlns:p="http://schemas.openxmlformats.org/presentationml/2006/main">
+  <p:cSld>
+    <p:spTree>
+      <p:nvGrpSpPr>
+        <p:cNvPr id="1" name=""/>
+        <p:cNvGrpSpPr/>
+        <p:nvPr/>
+      </p:nvGrpSpPr>
+      <p:grpSpPr>
+        <a:xfrm>
+          <a:off x="0" y="0"/>
+          <a:ext cx="0" cy="0"/>
+          <a:chOff x="0" y="0"/>
+          <a:chExt cx="0" cy="0"/>
+        </a:xfrm>
+      </p:grpSpPr>
+      <p:sp>
+        <p:nvSpPr>
+          <p:cNvPr id="2" name="Title 1">
+            <a:extLst>
+              <a:ext uri="{FF2B5EF4-FFF2-40B4-BE49-F238E27FC236}">
+                <a16:creationId xmlns:a16="http://schemas.microsoft.com/office/drawing/2014/main" id="{EBF0AC6C-6D30-4813-A47E-4BE531DE7EE9}"/>
+              </a:ext>
+            </a:extLst>
+          </p:cNvPr>
+          <p:cNvSpPr>
+            <a:spLocks noGrp="1"/>
+          </p:cNvSpPr>
+          <p:nvPr>
+            <p:ph type="title"/>
+          </p:nvPr>
+        </p:nvSpPr>
+        <p:spPr/>
+        <p:txBody>
+          <a:bodyPr/>
+          <a:lstStyle/>
+          <a:p>
+            <a:r>
+              <a:rPr lang="en-US" dirty="0"/>
+              <a:t>Ex.3 </a:t>
+            </a:r>
+            <a:r>
+              <a:rPr lang="en-US" dirty="0" smtClean="0"/>
+              <a:t>Python </a:t>
+            </a:r>
+            <a:r>
+              <a:rPr lang="en-US" dirty="0"/>
+              <a:t>– Interactive Compute Node </a:t>
+            </a:r>
+          </a:p>
+        </p:txBody>
+      </p:sp>
+      <p:sp>
+        <p:nvSpPr>
+          <p:cNvPr id="3" name="Content Placeholder 2">
+            <a:extLst>
+              <a:ext uri="{FF2B5EF4-FFF2-40B4-BE49-F238E27FC236}">
+                <a16:creationId xmlns:a16="http://schemas.microsoft.com/office/drawing/2014/main" id="{A60BA078-6C10-40BB-B76E-C9F439374E50}"/>
+              </a:ext>
+            </a:extLst>
+          </p:cNvPr>
+          <p:cNvSpPr>
+            <a:spLocks noGrp="1"/>
+          </p:cNvSpPr>
+          <p:nvPr>
+            <p:ph idx="1"/>
+          </p:nvPr>
+        </p:nvSpPr>
+        <p:spPr/>
+        <p:txBody>
+          <a:bodyPr>
+            <a:normAutofit/>
+          </a:bodyPr>
+          <a:lstStyle/>
+          <a:p>
+            <a:r>
+              <a:rPr lang="en-US" dirty="0"/>
+              <a:t>Allocate an interactive node</a:t>
+            </a:r>
+          </a:p>
+          <a:p>
+            <a:pPr marL="0" indent="0" algn="ctr">
+              <a:buNone/>
+            </a:pPr>
+            <a:r>
+              <a:rPr lang="en-US" b="1" dirty="0" err="1">
+                <a:latin typeface="Consolas" panose="020B0609020204030204" pitchFamily="49" charset="0"/>
+              </a:rPr>
+              <a:t>salloc</a:t>
+            </a:r>
+            <a:r>
+              <a:rPr lang="en-US" b="1" dirty="0">
+                <a:latin typeface="Consolas" panose="020B0609020204030204" pitchFamily="49" charset="0"/>
+              </a:rPr>
+              <a:t> -c 4 --mem=8g</a:t>
+            </a:r>
+          </a:p>
+          <a:p>
+            <a:endParaRPr lang="en-US" dirty="0"/>
+          </a:p>
+          <a:p>
+            <a:r>
+              <a:rPr lang="en-US" dirty="0"/>
+              <a:t>Load </a:t>
+            </a:r>
+            <a:r>
+              <a:rPr lang="en-US" dirty="0" smtClean="0"/>
+              <a:t>python </a:t>
+            </a:r>
+            <a:r>
+              <a:rPr lang="en-US" dirty="0"/>
+              <a:t>module</a:t>
+            </a:r>
+          </a:p>
+          <a:p>
+            <a:pPr marL="0" indent="0" algn="ctr">
+              <a:buNone/>
+            </a:pPr>
+            <a:r>
+              <a:rPr lang="en-US" b="1" dirty="0">
+                <a:latin typeface="Consolas" panose="020B0609020204030204" pitchFamily="49" charset="0"/>
+              </a:rPr>
+              <a:t>module load </a:t>
+            </a:r>
+            <a:r>
+              <a:rPr lang="en-US" b="1" dirty="0" smtClean="0">
+                <a:latin typeface="Consolas" panose="020B0609020204030204" pitchFamily="49" charset="0"/>
+              </a:rPr>
+              <a:t>anaconda/3.5.3</a:t>
+            </a:r>
+            <a:endParaRPr lang="en-US" b="1" dirty="0">
+              <a:latin typeface="Consolas" panose="020B0609020204030204" pitchFamily="49" charset="0"/>
+            </a:endParaRPr>
+          </a:p>
+          <a:p>
+            <a:pPr marL="0" indent="0" algn="ctr">
+              <a:buNone/>
+            </a:pPr>
+            <a:endParaRPr lang="en-US" b="1" dirty="0">
+              <a:latin typeface="Consolas" panose="020B0609020204030204" pitchFamily="49" charset="0"/>
+            </a:endParaRPr>
+          </a:p>
+          <a:p>
+            <a:r>
+              <a:rPr lang="en-US" dirty="0"/>
+              <a:t>Run </a:t>
+            </a:r>
+            <a:r>
+              <a:rPr lang="en-US" dirty="0" smtClean="0"/>
+              <a:t>python </a:t>
+            </a:r>
+            <a:r>
+              <a:rPr lang="en-US" dirty="0"/>
+              <a:t>in interactive </a:t>
+            </a:r>
+            <a:r>
+              <a:rPr lang="en-US" dirty="0" smtClean="0"/>
+              <a:t>mode: python console or </a:t>
+            </a:r>
+            <a:r>
+              <a:rPr lang="en-US" dirty="0" err="1" smtClean="0"/>
+              <a:t>spyder</a:t>
+            </a:r>
+            <a:r>
+              <a:rPr lang="en-US" dirty="0" smtClean="0"/>
+              <a:t> GUI IDE</a:t>
+            </a:r>
+            <a:endParaRPr lang="en-US" dirty="0"/>
+          </a:p>
+          <a:p>
+            <a:r>
+              <a:rPr lang="en-US" dirty="0"/>
+              <a:t>Run </a:t>
+            </a:r>
+            <a:r>
+              <a:rPr lang="en-US" dirty="0" smtClean="0"/>
+              <a:t>python </a:t>
+            </a:r>
+            <a:r>
+              <a:rPr lang="en-US" dirty="0"/>
+              <a:t>in batch mode. </a:t>
+            </a:r>
+            <a:r>
+              <a:rPr lang="en-US" b="1" dirty="0"/>
+              <a:t>However, don’t exit the interactive node!</a:t>
+            </a:r>
+          </a:p>
+          <a:p>
+            <a:endParaRPr lang="en-US" dirty="0"/>
+          </a:p>
+          <a:p>
+            <a:endParaRPr lang="en-US" dirty="0"/>
+          </a:p>
+          <a:p>
+            <a:endParaRPr lang="en-US" dirty="0"/>
+          </a:p>
+        </p:txBody>
+      </p:sp>
+    </p:spTree>
+    <p:extLst>
+      <p:ext uri="{BB962C8B-B14F-4D97-AF65-F5344CB8AC3E}">
+        <p14:creationId xmlns:p14="http://schemas.microsoft.com/office/powerpoint/2010/main" val="3166747519"/>
       </p:ext>
     </p:extLst>
   </p:cSld>
@@ -13932,6 +14776,2455 @@
     <p:extLst>
       <p:ext uri="{BB962C8B-B14F-4D97-AF65-F5344CB8AC3E}">
         <p14:creationId xmlns:p14="http://schemas.microsoft.com/office/powerpoint/2010/main" val="1877629093"/>
+      </p:ext>
+    </p:extLst>
+  </p:cSld>
+  <p:clrMapOvr>
+    <a:masterClrMapping/>
+  </p:clrMapOvr>
+</p:sld>
+</file>
+
+<file path=ppt/slides/slide40.xml><?xml version="1.0" encoding="utf-8"?>
+<p:sld xmlns:a="http://schemas.openxmlformats.org/drawingml/2006/main" xmlns:r="http://schemas.openxmlformats.org/officeDocument/2006/relationships" xmlns:p="http://schemas.openxmlformats.org/presentationml/2006/main">
+  <p:cSld>
+    <p:spTree>
+      <p:nvGrpSpPr>
+        <p:cNvPr id="1" name=""/>
+        <p:cNvGrpSpPr/>
+        <p:nvPr/>
+      </p:nvGrpSpPr>
+      <p:grpSpPr>
+        <a:xfrm>
+          <a:off x="0" y="0"/>
+          <a:ext cx="0" cy="0"/>
+          <a:chOff x="0" y="0"/>
+          <a:chExt cx="0" cy="0"/>
+        </a:xfrm>
+      </p:grpSpPr>
+      <p:sp>
+        <p:nvSpPr>
+          <p:cNvPr id="2" name="Title 1">
+            <a:extLst>
+              <a:ext uri="{FF2B5EF4-FFF2-40B4-BE49-F238E27FC236}">
+                <a16:creationId xmlns:a16="http://schemas.microsoft.com/office/drawing/2014/main" id="{7EFF90E5-3FD3-46B6-A354-094E6BF80CAB}"/>
+              </a:ext>
+            </a:extLst>
+          </p:cNvPr>
+          <p:cNvSpPr>
+            <a:spLocks noGrp="1"/>
+          </p:cNvSpPr>
+          <p:nvPr>
+            <p:ph type="title"/>
+          </p:nvPr>
+        </p:nvSpPr>
+        <p:spPr/>
+        <p:txBody>
+          <a:bodyPr/>
+          <a:lstStyle/>
+          <a:p>
+            <a:r>
+              <a:rPr lang="en-US" dirty="0"/>
+              <a:t>Ex.4 Python – Batch Compute Node (1) </a:t>
+            </a:r>
+          </a:p>
+        </p:txBody>
+      </p:sp>
+      <p:sp>
+        <p:nvSpPr>
+          <p:cNvPr id="3" name="Content Placeholder 2">
+            <a:extLst>
+              <a:ext uri="{FF2B5EF4-FFF2-40B4-BE49-F238E27FC236}">
+                <a16:creationId xmlns:a16="http://schemas.microsoft.com/office/drawing/2014/main" id="{06050607-66C6-4C57-83DD-77894D5CBA4E}"/>
+              </a:ext>
+            </a:extLst>
+          </p:cNvPr>
+          <p:cNvSpPr>
+            <a:spLocks noGrp="1"/>
+          </p:cNvSpPr>
+          <p:nvPr>
+            <p:ph idx="1"/>
+          </p:nvPr>
+        </p:nvSpPr>
+        <p:spPr/>
+        <p:txBody>
+          <a:bodyPr>
+            <a:normAutofit/>
+          </a:bodyPr>
+          <a:lstStyle/>
+          <a:p>
+            <a:r>
+              <a:rPr lang="en-US" dirty="0"/>
+              <a:t>Write a job submission script (an example, </a:t>
+            </a:r>
+            <a:r>
+              <a:rPr lang="en-US" b="1" dirty="0">
+                <a:latin typeface="Consolas" panose="020B0609020204030204" pitchFamily="49" charset="0"/>
+              </a:rPr>
+              <a:t>job.sh</a:t>
+            </a:r>
+            <a:r>
+              <a:rPr lang="en-US" dirty="0"/>
+              <a:t>)</a:t>
+            </a:r>
+          </a:p>
+        </p:txBody>
+      </p:sp>
+      <p:sp>
+        <p:nvSpPr>
+          <p:cNvPr id="4" name="TextBox 3">
+            <a:extLst>
+              <a:ext uri="{FF2B5EF4-FFF2-40B4-BE49-F238E27FC236}">
+                <a16:creationId xmlns:a16="http://schemas.microsoft.com/office/drawing/2014/main" id="{1DD115D5-43EB-4DA5-A272-EDA0609428B5}"/>
+              </a:ext>
+            </a:extLst>
+          </p:cNvPr>
+          <p:cNvSpPr txBox="1"/>
+          <p:nvPr/>
+        </p:nvSpPr>
+        <p:spPr>
+          <a:xfrm>
+            <a:off x="3175365" y="2373896"/>
+            <a:ext cx="7815944" cy="4401205"/>
+          </a:xfrm>
+          <a:prstGeom prst="rect">
+            <a:avLst/>
+          </a:prstGeom>
+          <a:solidFill>
+            <a:schemeClr val="bg1">
+              <a:lumMod val="95000"/>
+            </a:schemeClr>
+          </a:solidFill>
+        </p:spPr>
+        <p:txBody>
+          <a:bodyPr wrap="square" rtlCol="0">
+            <a:spAutoFit/>
+          </a:bodyPr>
+          <a:lstStyle/>
+          <a:p>
+            <a:r>
+              <a:rPr lang="en-US" sz="2000" dirty="0">
+                <a:latin typeface="Consolas" panose="020B0609020204030204" pitchFamily="49" charset="0"/>
+              </a:rPr>
+              <a:t>#!/bin/bash</a:t>
+            </a:r>
+          </a:p>
+          <a:p>
+            <a:endParaRPr lang="en-US" sz="2000" dirty="0">
+              <a:latin typeface="Consolas" panose="020B0609020204030204" pitchFamily="49" charset="0"/>
+            </a:endParaRPr>
+          </a:p>
+          <a:p>
+            <a:r>
+              <a:rPr lang="en-US" sz="2000" dirty="0">
+                <a:latin typeface="Consolas" panose="020B0609020204030204" pitchFamily="49" charset="0"/>
+              </a:rPr>
+              <a:t>#SBATCH --</a:t>
+            </a:r>
+            <a:r>
+              <a:rPr lang="en-US" sz="2000" dirty="0" smtClean="0">
+                <a:latin typeface="Consolas" panose="020B0609020204030204" pitchFamily="49" charset="0"/>
+              </a:rPr>
+              <a:t>job-name=</a:t>
+            </a:r>
+            <a:r>
+              <a:rPr lang="en-US" sz="2000" dirty="0" err="1">
+                <a:latin typeface="Consolas" panose="020B0609020204030204" pitchFamily="49" charset="0"/>
+              </a:rPr>
+              <a:t>P</a:t>
+            </a:r>
+            <a:r>
+              <a:rPr lang="en-US" sz="2000" dirty="0" err="1" smtClean="0">
+                <a:latin typeface="Consolas" panose="020B0609020204030204" pitchFamily="49" charset="0"/>
+              </a:rPr>
+              <a:t>ython_test</a:t>
+            </a:r>
+            <a:endParaRPr lang="en-US" sz="2000" dirty="0">
+              <a:latin typeface="Consolas" panose="020B0609020204030204" pitchFamily="49" charset="0"/>
+            </a:endParaRPr>
+          </a:p>
+          <a:p>
+            <a:r>
+              <a:rPr lang="en-US" sz="2000" dirty="0">
+                <a:latin typeface="Consolas" panose="020B0609020204030204" pitchFamily="49" charset="0"/>
+              </a:rPr>
+              <a:t>#SBATCH --partition=standard</a:t>
+            </a:r>
+          </a:p>
+          <a:p>
+            <a:r>
+              <a:rPr lang="en-US" sz="2000" dirty="0">
+                <a:latin typeface="Consolas" panose="020B0609020204030204" pitchFamily="49" charset="0"/>
+              </a:rPr>
+              <a:t>#SBATCH --mail-type=ALL</a:t>
+            </a:r>
+          </a:p>
+          <a:p>
+            <a:r>
+              <a:rPr lang="en-US" sz="2000" dirty="0">
+                <a:latin typeface="Consolas" panose="020B0609020204030204" pitchFamily="49" charset="0"/>
+              </a:rPr>
+              <a:t>#SBATCH --mail-user=jay.cao@rotman.utoronto.ca</a:t>
+            </a:r>
+          </a:p>
+          <a:p>
+            <a:r>
+              <a:rPr lang="en-US" sz="2000" dirty="0">
+                <a:latin typeface="Consolas" panose="020B0609020204030204" pitchFamily="49" charset="0"/>
+              </a:rPr>
+              <a:t>#SBATCH --output=</a:t>
+            </a:r>
+            <a:r>
+              <a:rPr lang="en-US" sz="2000" dirty="0" err="1">
+                <a:latin typeface="Consolas" panose="020B0609020204030204" pitchFamily="49" charset="0"/>
+              </a:rPr>
+              <a:t>STD.out</a:t>
+            </a:r>
+            <a:endParaRPr lang="en-US" sz="2000" dirty="0">
+              <a:latin typeface="Consolas" panose="020B0609020204030204" pitchFamily="49" charset="0"/>
+            </a:endParaRPr>
+          </a:p>
+          <a:p>
+            <a:r>
+              <a:rPr lang="en-US" sz="2000" dirty="0">
+                <a:latin typeface="Consolas" panose="020B0609020204030204" pitchFamily="49" charset="0"/>
+              </a:rPr>
+              <a:t>#SBATCH --error=</a:t>
+            </a:r>
+            <a:r>
+              <a:rPr lang="en-US" sz="2000" dirty="0" err="1">
+                <a:latin typeface="Consolas" panose="020B0609020204030204" pitchFamily="49" charset="0"/>
+              </a:rPr>
+              <a:t>STD.err</a:t>
+            </a:r>
+            <a:endParaRPr lang="en-US" sz="2000" dirty="0">
+              <a:latin typeface="Consolas" panose="020B0609020204030204" pitchFamily="49" charset="0"/>
+            </a:endParaRPr>
+          </a:p>
+          <a:p>
+            <a:r>
+              <a:rPr lang="en-US" sz="2000" dirty="0">
+                <a:latin typeface="Consolas" panose="020B0609020204030204" pitchFamily="49" charset="0"/>
+              </a:rPr>
+              <a:t>#SBATCH -c 4</a:t>
+            </a:r>
+          </a:p>
+          <a:p>
+            <a:r>
+              <a:rPr lang="en-US" sz="2000" dirty="0">
+                <a:latin typeface="Consolas" panose="020B0609020204030204" pitchFamily="49" charset="0"/>
+              </a:rPr>
+              <a:t>#SBATCH --time=30:00</a:t>
+            </a:r>
+          </a:p>
+          <a:p>
+            <a:r>
+              <a:rPr lang="en-US" sz="2000" dirty="0">
+                <a:latin typeface="Consolas" panose="020B0609020204030204" pitchFamily="49" charset="0"/>
+              </a:rPr>
+              <a:t>#SBATCH --mem=5000</a:t>
+            </a:r>
+          </a:p>
+          <a:p>
+            <a:endParaRPr lang="en-US" sz="2000" dirty="0">
+              <a:latin typeface="Consolas" panose="020B0609020204030204" pitchFamily="49" charset="0"/>
+            </a:endParaRPr>
+          </a:p>
+          <a:p>
+            <a:r>
+              <a:rPr lang="en-US" sz="2000" dirty="0">
+                <a:latin typeface="Consolas" panose="020B0609020204030204" pitchFamily="49" charset="0"/>
+              </a:rPr>
+              <a:t>module load </a:t>
+            </a:r>
+            <a:r>
+              <a:rPr lang="en-US" sz="2000" dirty="0" smtClean="0">
+                <a:latin typeface="Consolas" panose="020B0609020204030204" pitchFamily="49" charset="0"/>
+              </a:rPr>
+              <a:t>anaconda/3.5.3</a:t>
+            </a:r>
+            <a:endParaRPr lang="en-US" sz="2000" dirty="0">
+              <a:latin typeface="Consolas" panose="020B0609020204030204" pitchFamily="49" charset="0"/>
+            </a:endParaRPr>
+          </a:p>
+          <a:p>
+            <a:r>
+              <a:rPr lang="en-US" sz="2000" dirty="0">
+                <a:latin typeface="Consolas" panose="020B0609020204030204" pitchFamily="49" charset="0"/>
+              </a:rPr>
+              <a:t>p</a:t>
+            </a:r>
+            <a:r>
+              <a:rPr lang="en-US" sz="2000" dirty="0" smtClean="0">
+                <a:latin typeface="Consolas" panose="020B0609020204030204" pitchFamily="49" charset="0"/>
+              </a:rPr>
+              <a:t>ython python_test.py</a:t>
+            </a:r>
+            <a:endParaRPr lang="en-US" sz="2000" dirty="0"/>
+          </a:p>
+        </p:txBody>
+      </p:sp>
+      <p:sp>
+        <p:nvSpPr>
+          <p:cNvPr id="6" name="Left Brace 5">
+            <a:extLst>
+              <a:ext uri="{FF2B5EF4-FFF2-40B4-BE49-F238E27FC236}">
+                <a16:creationId xmlns:a16="http://schemas.microsoft.com/office/drawing/2014/main" id="{FB0D5847-6139-478F-821C-57B36A99EA1D}"/>
+              </a:ext>
+            </a:extLst>
+          </p:cNvPr>
+          <p:cNvSpPr/>
+          <p:nvPr/>
+        </p:nvSpPr>
+        <p:spPr>
+          <a:xfrm>
+            <a:off x="2821586" y="3135089"/>
+            <a:ext cx="252549" cy="2499360"/>
+          </a:xfrm>
+          <a:prstGeom prst="leftBrace">
+            <a:avLst/>
+          </a:prstGeom>
+          <a:ln w="28575"/>
+        </p:spPr>
+        <p:style>
+          <a:lnRef idx="1">
+            <a:schemeClr val="accent1"/>
+          </a:lnRef>
+          <a:fillRef idx="0">
+            <a:schemeClr val="accent1"/>
+          </a:fillRef>
+          <a:effectRef idx="0">
+            <a:schemeClr val="accent1"/>
+          </a:effectRef>
+          <a:fontRef idx="minor">
+            <a:schemeClr val="tx1"/>
+          </a:fontRef>
+        </p:style>
+        <p:txBody>
+          <a:bodyPr rtlCol="0" anchor="ctr"/>
+          <a:lstStyle/>
+          <a:p>
+            <a:pPr algn="ctr"/>
+            <a:endParaRPr lang="en-US" dirty="0"/>
+          </a:p>
+        </p:txBody>
+      </p:sp>
+      <p:sp>
+        <p:nvSpPr>
+          <p:cNvPr id="7" name="TextBox 6">
+            <a:extLst>
+              <a:ext uri="{FF2B5EF4-FFF2-40B4-BE49-F238E27FC236}">
+                <a16:creationId xmlns:a16="http://schemas.microsoft.com/office/drawing/2014/main" id="{79729DE7-4908-4A7E-B32B-3F8681201E8F}"/>
+              </a:ext>
+            </a:extLst>
+          </p:cNvPr>
+          <p:cNvSpPr txBox="1"/>
+          <p:nvPr/>
+        </p:nvSpPr>
+        <p:spPr>
+          <a:xfrm>
+            <a:off x="862149" y="4044839"/>
+            <a:ext cx="1959438" cy="646331"/>
+          </a:xfrm>
+          <a:prstGeom prst="rect">
+            <a:avLst/>
+          </a:prstGeom>
+          <a:noFill/>
+        </p:spPr>
+        <p:txBody>
+          <a:bodyPr wrap="square" rtlCol="0">
+            <a:spAutoFit/>
+          </a:bodyPr>
+          <a:lstStyle/>
+          <a:p>
+            <a:r>
+              <a:rPr lang="en-US" b="1" dirty="0"/>
+              <a:t>request resources (</a:t>
+            </a:r>
+            <a:r>
+              <a:rPr lang="en-US" b="1" dirty="0" err="1"/>
+              <a:t>Slurm</a:t>
+            </a:r>
+            <a:r>
+              <a:rPr lang="en-US" b="1" dirty="0"/>
+              <a:t> command) </a:t>
+            </a:r>
+          </a:p>
+        </p:txBody>
+      </p:sp>
+      <p:sp>
+        <p:nvSpPr>
+          <p:cNvPr id="8" name="Left Brace 7">
+            <a:extLst>
+              <a:ext uri="{FF2B5EF4-FFF2-40B4-BE49-F238E27FC236}">
+                <a16:creationId xmlns:a16="http://schemas.microsoft.com/office/drawing/2014/main" id="{7E82C866-9666-404D-9866-7972AAB777E8}"/>
+              </a:ext>
+            </a:extLst>
+          </p:cNvPr>
+          <p:cNvSpPr/>
+          <p:nvPr/>
+        </p:nvSpPr>
+        <p:spPr>
+          <a:xfrm>
+            <a:off x="2837921" y="6140188"/>
+            <a:ext cx="197031" cy="517123"/>
+          </a:xfrm>
+          <a:prstGeom prst="leftBrace">
+            <a:avLst/>
+          </a:prstGeom>
+          <a:ln w="28575"/>
+        </p:spPr>
+        <p:style>
+          <a:lnRef idx="1">
+            <a:schemeClr val="accent1"/>
+          </a:lnRef>
+          <a:fillRef idx="0">
+            <a:schemeClr val="accent1"/>
+          </a:fillRef>
+          <a:effectRef idx="0">
+            <a:schemeClr val="accent1"/>
+          </a:effectRef>
+          <a:fontRef idx="minor">
+            <a:schemeClr val="tx1"/>
+          </a:fontRef>
+        </p:style>
+        <p:txBody>
+          <a:bodyPr rtlCol="0" anchor="ctr"/>
+          <a:lstStyle/>
+          <a:p>
+            <a:pPr algn="ctr"/>
+            <a:endParaRPr lang="en-US" dirty="0"/>
+          </a:p>
+        </p:txBody>
+      </p:sp>
+      <p:sp>
+        <p:nvSpPr>
+          <p:cNvPr id="10" name="TextBox 9">
+            <a:extLst>
+              <a:ext uri="{FF2B5EF4-FFF2-40B4-BE49-F238E27FC236}">
+                <a16:creationId xmlns:a16="http://schemas.microsoft.com/office/drawing/2014/main" id="{4D855867-9D1B-4F29-ADED-CE234A94C1B6}"/>
+              </a:ext>
+            </a:extLst>
+          </p:cNvPr>
+          <p:cNvSpPr txBox="1"/>
+          <p:nvPr/>
+        </p:nvSpPr>
+        <p:spPr>
+          <a:xfrm>
+            <a:off x="1236620" y="6033098"/>
+            <a:ext cx="1584966" cy="646331"/>
+          </a:xfrm>
+          <a:prstGeom prst="rect">
+            <a:avLst/>
+          </a:prstGeom>
+          <a:noFill/>
+        </p:spPr>
+        <p:txBody>
+          <a:bodyPr wrap="square" rtlCol="0">
+            <a:spAutoFit/>
+          </a:bodyPr>
+          <a:lstStyle/>
+          <a:p>
+            <a:r>
+              <a:rPr lang="en-US" b="1" dirty="0"/>
+              <a:t>load </a:t>
+            </a:r>
+            <a:r>
+              <a:rPr lang="en-US" b="1" dirty="0" smtClean="0"/>
+              <a:t>python </a:t>
+            </a:r>
+            <a:r>
+              <a:rPr lang="en-US" b="1" dirty="0"/>
+              <a:t>&amp; run my code</a:t>
+            </a:r>
+          </a:p>
+        </p:txBody>
+      </p:sp>
+      <p:sp>
+        <p:nvSpPr>
+          <p:cNvPr id="11" name="Left Brace 10">
+            <a:extLst>
+              <a:ext uri="{FF2B5EF4-FFF2-40B4-BE49-F238E27FC236}">
+                <a16:creationId xmlns:a16="http://schemas.microsoft.com/office/drawing/2014/main" id="{1249A8EB-BDF6-45FE-84E8-9D39C6C4E65A}"/>
+              </a:ext>
+            </a:extLst>
+          </p:cNvPr>
+          <p:cNvSpPr/>
+          <p:nvPr/>
+        </p:nvSpPr>
+        <p:spPr>
+          <a:xfrm>
+            <a:off x="2837921" y="2370788"/>
+            <a:ext cx="197031" cy="517123"/>
+          </a:xfrm>
+          <a:prstGeom prst="leftBrace">
+            <a:avLst/>
+          </a:prstGeom>
+          <a:ln w="28575"/>
+        </p:spPr>
+        <p:style>
+          <a:lnRef idx="1">
+            <a:schemeClr val="accent1"/>
+          </a:lnRef>
+          <a:fillRef idx="0">
+            <a:schemeClr val="accent1"/>
+          </a:fillRef>
+          <a:effectRef idx="0">
+            <a:schemeClr val="accent1"/>
+          </a:effectRef>
+          <a:fontRef idx="minor">
+            <a:schemeClr val="tx1"/>
+          </a:fontRef>
+        </p:style>
+        <p:txBody>
+          <a:bodyPr rtlCol="0" anchor="ctr"/>
+          <a:lstStyle/>
+          <a:p>
+            <a:pPr algn="ctr"/>
+            <a:endParaRPr lang="en-US" dirty="0"/>
+          </a:p>
+        </p:txBody>
+      </p:sp>
+      <p:sp>
+        <p:nvSpPr>
+          <p:cNvPr id="12" name="TextBox 11">
+            <a:extLst>
+              <a:ext uri="{FF2B5EF4-FFF2-40B4-BE49-F238E27FC236}">
+                <a16:creationId xmlns:a16="http://schemas.microsoft.com/office/drawing/2014/main" id="{258709D5-C0E7-430C-B962-A7FEC0E5B0F5}"/>
+              </a:ext>
+            </a:extLst>
+          </p:cNvPr>
+          <p:cNvSpPr txBox="1"/>
+          <p:nvPr/>
+        </p:nvSpPr>
+        <p:spPr>
+          <a:xfrm>
+            <a:off x="862149" y="2263698"/>
+            <a:ext cx="1959437" cy="646331"/>
+          </a:xfrm>
+          <a:prstGeom prst="rect">
+            <a:avLst/>
+          </a:prstGeom>
+          <a:noFill/>
+        </p:spPr>
+        <p:txBody>
+          <a:bodyPr wrap="square" rtlCol="0">
+            <a:spAutoFit/>
+          </a:bodyPr>
+          <a:lstStyle/>
+          <a:p>
+            <a:r>
+              <a:rPr lang="en-US" b="1" dirty="0"/>
+              <a:t>use bash shell to execute this script</a:t>
+            </a:r>
+          </a:p>
+        </p:txBody>
+      </p:sp>
+    </p:spTree>
+    <p:extLst>
+      <p:ext uri="{BB962C8B-B14F-4D97-AF65-F5344CB8AC3E}">
+        <p14:creationId xmlns:p14="http://schemas.microsoft.com/office/powerpoint/2010/main" val="2336977672"/>
+      </p:ext>
+    </p:extLst>
+  </p:cSld>
+  <p:clrMapOvr>
+    <a:masterClrMapping/>
+  </p:clrMapOvr>
+</p:sld>
+</file>
+
+<file path=ppt/slides/slide41.xml><?xml version="1.0" encoding="utf-8"?>
+<p:sld xmlns:a="http://schemas.openxmlformats.org/drawingml/2006/main" xmlns:r="http://schemas.openxmlformats.org/officeDocument/2006/relationships" xmlns:p="http://schemas.openxmlformats.org/presentationml/2006/main">
+  <p:cSld>
+    <p:spTree>
+      <p:nvGrpSpPr>
+        <p:cNvPr id="1" name=""/>
+        <p:cNvGrpSpPr/>
+        <p:nvPr/>
+      </p:nvGrpSpPr>
+      <p:grpSpPr>
+        <a:xfrm>
+          <a:off x="0" y="0"/>
+          <a:ext cx="0" cy="0"/>
+          <a:chOff x="0" y="0"/>
+          <a:chExt cx="0" cy="0"/>
+        </a:xfrm>
+      </p:grpSpPr>
+      <p:sp>
+        <p:nvSpPr>
+          <p:cNvPr id="2" name="Title 1">
+            <a:extLst>
+              <a:ext uri="{FF2B5EF4-FFF2-40B4-BE49-F238E27FC236}">
+                <a16:creationId xmlns:a16="http://schemas.microsoft.com/office/drawing/2014/main" id="{7EFF90E5-3FD3-46B6-A354-094E6BF80CAB}"/>
+              </a:ext>
+            </a:extLst>
+          </p:cNvPr>
+          <p:cNvSpPr>
+            <a:spLocks noGrp="1"/>
+          </p:cNvSpPr>
+          <p:nvPr>
+            <p:ph type="title"/>
+          </p:nvPr>
+        </p:nvSpPr>
+        <p:spPr/>
+        <p:txBody>
+          <a:bodyPr/>
+          <a:lstStyle/>
+          <a:p>
+            <a:r>
+              <a:rPr lang="en-US" dirty="0"/>
+              <a:t>Ex.4 Python – Batch Compute Node (2) </a:t>
+            </a:r>
+          </a:p>
+        </p:txBody>
+      </p:sp>
+      <p:sp>
+        <p:nvSpPr>
+          <p:cNvPr id="4" name="TextBox 3">
+            <a:extLst>
+              <a:ext uri="{FF2B5EF4-FFF2-40B4-BE49-F238E27FC236}">
+                <a16:creationId xmlns:a16="http://schemas.microsoft.com/office/drawing/2014/main" id="{1DD115D5-43EB-4DA5-A272-EDA0609428B5}"/>
+              </a:ext>
+            </a:extLst>
+          </p:cNvPr>
+          <p:cNvSpPr txBox="1"/>
+          <p:nvPr/>
+        </p:nvSpPr>
+        <p:spPr>
+          <a:xfrm>
+            <a:off x="945970" y="1537874"/>
+            <a:ext cx="10166166" cy="4401205"/>
+          </a:xfrm>
+          <a:prstGeom prst="rect">
+            <a:avLst/>
+          </a:prstGeom>
+          <a:solidFill>
+            <a:schemeClr val="bg1">
+              <a:lumMod val="95000"/>
+            </a:schemeClr>
+          </a:solidFill>
+        </p:spPr>
+        <p:txBody>
+          <a:bodyPr wrap="square" rtlCol="0">
+            <a:spAutoFit/>
+          </a:bodyPr>
+          <a:lstStyle/>
+          <a:p>
+            <a:r>
+              <a:rPr lang="en-US" sz="2000" dirty="0">
+                <a:latin typeface="Consolas" panose="020B0609020204030204" pitchFamily="49" charset="0"/>
+              </a:rPr>
+              <a:t>#!/bin/bash</a:t>
+            </a:r>
+          </a:p>
+          <a:p>
+            <a:endParaRPr lang="en-US" sz="2000" dirty="0">
+              <a:latin typeface="Consolas" panose="020B0609020204030204" pitchFamily="49" charset="0"/>
+            </a:endParaRPr>
+          </a:p>
+          <a:p>
+            <a:r>
+              <a:rPr lang="en-US" sz="2000" dirty="0">
+                <a:latin typeface="Consolas" panose="020B0609020204030204" pitchFamily="49" charset="0"/>
+              </a:rPr>
+              <a:t>#SBATCH --</a:t>
+            </a:r>
+            <a:r>
+              <a:rPr lang="en-US" sz="2000" dirty="0" smtClean="0">
+                <a:latin typeface="Consolas" panose="020B0609020204030204" pitchFamily="49" charset="0"/>
+              </a:rPr>
+              <a:t>job-name=</a:t>
+            </a:r>
+            <a:r>
+              <a:rPr lang="en-US" sz="2000" dirty="0" err="1">
+                <a:latin typeface="Consolas" panose="020B0609020204030204" pitchFamily="49" charset="0"/>
+              </a:rPr>
+              <a:t>P</a:t>
+            </a:r>
+            <a:r>
+              <a:rPr lang="en-US" sz="2000" dirty="0" err="1" smtClean="0">
+                <a:latin typeface="Consolas" panose="020B0609020204030204" pitchFamily="49" charset="0"/>
+              </a:rPr>
+              <a:t>ython_test</a:t>
+            </a:r>
+            <a:r>
+              <a:rPr lang="en-US" sz="2000" dirty="0">
+                <a:latin typeface="Consolas" panose="020B0609020204030204" pitchFamily="49" charset="0"/>
+              </a:rPr>
+              <a:t>	</a:t>
+            </a:r>
+            <a:r>
+              <a:rPr lang="en-US" sz="2000" dirty="0">
+                <a:solidFill>
+                  <a:srgbClr val="FF3399"/>
+                </a:solidFill>
+                <a:latin typeface="Consolas" panose="020B0609020204030204" pitchFamily="49" charset="0"/>
+              </a:rPr>
+              <a:t># set job name</a:t>
+            </a:r>
+          </a:p>
+          <a:p>
+            <a:r>
+              <a:rPr lang="en-US" sz="2000" dirty="0">
+                <a:latin typeface="Consolas" panose="020B0609020204030204" pitchFamily="49" charset="0"/>
+              </a:rPr>
+              <a:t>#SBATCH --partition=standard	</a:t>
+            </a:r>
+            <a:r>
+              <a:rPr lang="en-US" sz="2000" dirty="0">
+                <a:solidFill>
+                  <a:srgbClr val="FF3399"/>
+                </a:solidFill>
+                <a:latin typeface="Consolas" panose="020B0609020204030204" pitchFamily="49" charset="0"/>
+              </a:rPr>
+              <a:t># set job partition (group of nodes)</a:t>
+            </a:r>
+          </a:p>
+          <a:p>
+            <a:r>
+              <a:rPr lang="en-US" sz="2000" dirty="0">
+                <a:latin typeface="Consolas" panose="020B0609020204030204" pitchFamily="49" charset="0"/>
+              </a:rPr>
+              <a:t>#SBATCH --mail-type=ALL		</a:t>
+            </a:r>
+            <a:r>
+              <a:rPr lang="en-US" sz="2000" dirty="0">
+                <a:solidFill>
+                  <a:schemeClr val="bg2">
+                    <a:lumMod val="75000"/>
+                  </a:schemeClr>
+                </a:solidFill>
+                <a:latin typeface="Consolas" panose="020B0609020204030204" pitchFamily="49" charset="0"/>
+              </a:rPr>
+              <a:t># email me when job start, stop, etc.</a:t>
+            </a:r>
+          </a:p>
+          <a:p>
+            <a:r>
+              <a:rPr lang="en-US" sz="2000" dirty="0">
+                <a:latin typeface="Consolas" panose="020B0609020204030204" pitchFamily="49" charset="0"/>
+              </a:rPr>
+              <a:t>#SBATCH --mail-user=jay.cao@rotman.utoronto.ca</a:t>
+            </a:r>
+          </a:p>
+          <a:p>
+            <a:r>
+              <a:rPr lang="en-US" sz="2000" dirty="0">
+                <a:latin typeface="Consolas" panose="020B0609020204030204" pitchFamily="49" charset="0"/>
+              </a:rPr>
+              <a:t>#SBATCH --output=</a:t>
+            </a:r>
+            <a:r>
+              <a:rPr lang="en-US" sz="2000" dirty="0" err="1">
+                <a:latin typeface="Consolas" panose="020B0609020204030204" pitchFamily="49" charset="0"/>
+              </a:rPr>
+              <a:t>STD.out</a:t>
+            </a:r>
+            <a:r>
+              <a:rPr lang="en-US" sz="2000" dirty="0">
+                <a:latin typeface="Consolas" panose="020B0609020204030204" pitchFamily="49" charset="0"/>
+              </a:rPr>
+              <a:t>		</a:t>
+            </a:r>
+            <a:r>
+              <a:rPr lang="en-US" sz="2000" dirty="0">
+                <a:solidFill>
+                  <a:schemeClr val="bg2">
+                    <a:lumMod val="75000"/>
+                  </a:schemeClr>
+                </a:solidFill>
+                <a:latin typeface="Consolas" panose="020B0609020204030204" pitchFamily="49" charset="0"/>
+              </a:rPr>
+              <a:t># save standard output to </a:t>
+            </a:r>
+            <a:r>
+              <a:rPr lang="en-US" sz="2000" dirty="0" err="1">
+                <a:solidFill>
+                  <a:schemeClr val="bg2">
+                    <a:lumMod val="75000"/>
+                  </a:schemeClr>
+                </a:solidFill>
+                <a:latin typeface="Consolas" panose="020B0609020204030204" pitchFamily="49" charset="0"/>
+              </a:rPr>
+              <a:t>STD.out</a:t>
+            </a:r>
+            <a:endParaRPr lang="en-US" sz="2000" dirty="0">
+              <a:solidFill>
+                <a:schemeClr val="bg2">
+                  <a:lumMod val="75000"/>
+                </a:schemeClr>
+              </a:solidFill>
+              <a:latin typeface="Consolas" panose="020B0609020204030204" pitchFamily="49" charset="0"/>
+            </a:endParaRPr>
+          </a:p>
+          <a:p>
+            <a:r>
+              <a:rPr lang="en-US" sz="2000" dirty="0">
+                <a:latin typeface="Consolas" panose="020B0609020204030204" pitchFamily="49" charset="0"/>
+              </a:rPr>
+              <a:t>#SBATCH --error=</a:t>
+            </a:r>
+            <a:r>
+              <a:rPr lang="en-US" sz="2000" dirty="0" err="1">
+                <a:latin typeface="Consolas" panose="020B0609020204030204" pitchFamily="49" charset="0"/>
+              </a:rPr>
+              <a:t>STD.err</a:t>
+            </a:r>
+            <a:r>
+              <a:rPr lang="en-US" sz="2000" dirty="0">
+                <a:latin typeface="Consolas" panose="020B0609020204030204" pitchFamily="49" charset="0"/>
+              </a:rPr>
+              <a:t>		</a:t>
+            </a:r>
+            <a:r>
+              <a:rPr lang="en-US" sz="2000" dirty="0">
+                <a:solidFill>
+                  <a:schemeClr val="bg2">
+                    <a:lumMod val="75000"/>
+                  </a:schemeClr>
+                </a:solidFill>
+                <a:latin typeface="Consolas" panose="020B0609020204030204" pitchFamily="49" charset="0"/>
+              </a:rPr>
+              <a:t># save std. error output to </a:t>
+            </a:r>
+            <a:r>
+              <a:rPr lang="en-US" sz="2000" dirty="0" err="1">
+                <a:solidFill>
+                  <a:schemeClr val="bg2">
+                    <a:lumMod val="75000"/>
+                  </a:schemeClr>
+                </a:solidFill>
+                <a:latin typeface="Consolas" panose="020B0609020204030204" pitchFamily="49" charset="0"/>
+              </a:rPr>
+              <a:t>STD.out</a:t>
+            </a:r>
+            <a:endParaRPr lang="en-US" sz="2000" dirty="0">
+              <a:solidFill>
+                <a:schemeClr val="bg2">
+                  <a:lumMod val="75000"/>
+                </a:schemeClr>
+              </a:solidFill>
+              <a:latin typeface="Consolas" panose="020B0609020204030204" pitchFamily="49" charset="0"/>
+            </a:endParaRPr>
+          </a:p>
+          <a:p>
+            <a:r>
+              <a:rPr lang="en-US" sz="2000" dirty="0">
+                <a:latin typeface="Consolas" panose="020B0609020204030204" pitchFamily="49" charset="0"/>
+              </a:rPr>
+              <a:t>#SBATCH -c 4				</a:t>
+            </a:r>
+            <a:r>
+              <a:rPr lang="en-US" sz="2000" dirty="0">
+                <a:solidFill>
+                  <a:schemeClr val="bg2">
+                    <a:lumMod val="75000"/>
+                  </a:schemeClr>
+                </a:solidFill>
+                <a:latin typeface="Consolas" panose="020B0609020204030204" pitchFamily="49" charset="0"/>
+              </a:rPr>
+              <a:t># ask for 4 CPUs</a:t>
+            </a:r>
+          </a:p>
+          <a:p>
+            <a:r>
+              <a:rPr lang="en-US" sz="2000" dirty="0">
+                <a:latin typeface="Consolas" panose="020B0609020204030204" pitchFamily="49" charset="0"/>
+              </a:rPr>
+              <a:t>#SBATCH --time=30:00		</a:t>
+            </a:r>
+            <a:r>
+              <a:rPr lang="en-US" sz="2000" dirty="0">
+                <a:solidFill>
+                  <a:schemeClr val="bg2">
+                    <a:lumMod val="75000"/>
+                  </a:schemeClr>
+                </a:solidFill>
+                <a:latin typeface="Consolas" panose="020B0609020204030204" pitchFamily="49" charset="0"/>
+              </a:rPr>
+              <a:t># set wall time to be 30mins</a:t>
+            </a:r>
+          </a:p>
+          <a:p>
+            <a:r>
+              <a:rPr lang="en-US" sz="2000" dirty="0">
+                <a:latin typeface="Consolas" panose="020B0609020204030204" pitchFamily="49" charset="0"/>
+              </a:rPr>
+              <a:t>#SBATCH --mem=5000			</a:t>
+            </a:r>
+            <a:r>
+              <a:rPr lang="en-US" sz="2000" dirty="0">
+                <a:solidFill>
+                  <a:schemeClr val="bg2">
+                    <a:lumMod val="75000"/>
+                  </a:schemeClr>
+                </a:solidFill>
+                <a:latin typeface="Consolas" panose="020B0609020204030204" pitchFamily="49" charset="0"/>
+              </a:rPr>
+              <a:t># ask for 5G memory</a:t>
+            </a:r>
+          </a:p>
+          <a:p>
+            <a:endParaRPr lang="en-US" sz="2000" dirty="0">
+              <a:latin typeface="Consolas" panose="020B0609020204030204" pitchFamily="49" charset="0"/>
+            </a:endParaRPr>
+          </a:p>
+          <a:p>
+            <a:r>
+              <a:rPr lang="en-US" sz="2000" dirty="0">
+                <a:latin typeface="Consolas" panose="020B0609020204030204" pitchFamily="49" charset="0"/>
+              </a:rPr>
+              <a:t>module load anaconda/3.5.3</a:t>
+            </a:r>
+          </a:p>
+          <a:p>
+            <a:r>
+              <a:rPr lang="en-US" sz="2000" dirty="0">
+                <a:latin typeface="Consolas" panose="020B0609020204030204" pitchFamily="49" charset="0"/>
+              </a:rPr>
+              <a:t>python python_test.py</a:t>
+            </a:r>
+            <a:endParaRPr lang="en-US" sz="2000" dirty="0"/>
+          </a:p>
+        </p:txBody>
+      </p:sp>
+      <p:sp>
+        <p:nvSpPr>
+          <p:cNvPr id="5" name="TextBox 4">
+            <a:extLst>
+              <a:ext uri="{FF2B5EF4-FFF2-40B4-BE49-F238E27FC236}">
+                <a16:creationId xmlns:a16="http://schemas.microsoft.com/office/drawing/2014/main" id="{373B346E-4D77-4950-BE8F-1E71E6B0B9AF}"/>
+              </a:ext>
+            </a:extLst>
+          </p:cNvPr>
+          <p:cNvSpPr txBox="1"/>
+          <p:nvPr/>
+        </p:nvSpPr>
+        <p:spPr>
+          <a:xfrm>
+            <a:off x="884189" y="6308209"/>
+            <a:ext cx="4634089" cy="369332"/>
+          </a:xfrm>
+          <a:prstGeom prst="rect">
+            <a:avLst/>
+          </a:prstGeom>
+          <a:noFill/>
+        </p:spPr>
+        <p:txBody>
+          <a:bodyPr wrap="none" rtlCol="0">
+            <a:spAutoFit/>
+          </a:bodyPr>
+          <a:lstStyle/>
+          <a:p>
+            <a:r>
+              <a:rPr lang="en-US" dirty="0">
+                <a:hlinkClick r:id="rId2"/>
+              </a:rPr>
+              <a:t>https://cac.queensu.ca/wiki/index.php/SLURM</a:t>
+            </a:r>
+            <a:endParaRPr lang="en-US" dirty="0"/>
+          </a:p>
+        </p:txBody>
+      </p:sp>
+    </p:spTree>
+    <p:extLst>
+      <p:ext uri="{BB962C8B-B14F-4D97-AF65-F5344CB8AC3E}">
+        <p14:creationId xmlns:p14="http://schemas.microsoft.com/office/powerpoint/2010/main" val="2778945728"/>
+      </p:ext>
+    </p:extLst>
+  </p:cSld>
+  <p:clrMapOvr>
+    <a:masterClrMapping/>
+  </p:clrMapOvr>
+</p:sld>
+</file>
+
+<file path=ppt/slides/slide42.xml><?xml version="1.0" encoding="utf-8"?>
+<p:sld xmlns:a="http://schemas.openxmlformats.org/drawingml/2006/main" xmlns:r="http://schemas.openxmlformats.org/officeDocument/2006/relationships" xmlns:p="http://schemas.openxmlformats.org/presentationml/2006/main">
+  <p:cSld>
+    <p:spTree>
+      <p:nvGrpSpPr>
+        <p:cNvPr id="1" name=""/>
+        <p:cNvGrpSpPr/>
+        <p:nvPr/>
+      </p:nvGrpSpPr>
+      <p:grpSpPr>
+        <a:xfrm>
+          <a:off x="0" y="0"/>
+          <a:ext cx="0" cy="0"/>
+          <a:chOff x="0" y="0"/>
+          <a:chExt cx="0" cy="0"/>
+        </a:xfrm>
+      </p:grpSpPr>
+      <p:sp>
+        <p:nvSpPr>
+          <p:cNvPr id="2" name="Title 1">
+            <a:extLst>
+              <a:ext uri="{FF2B5EF4-FFF2-40B4-BE49-F238E27FC236}">
+                <a16:creationId xmlns:a16="http://schemas.microsoft.com/office/drawing/2014/main" id="{7EFF90E5-3FD3-46B6-A354-094E6BF80CAB}"/>
+              </a:ext>
+            </a:extLst>
+          </p:cNvPr>
+          <p:cNvSpPr>
+            <a:spLocks noGrp="1"/>
+          </p:cNvSpPr>
+          <p:nvPr>
+            <p:ph type="title"/>
+          </p:nvPr>
+        </p:nvSpPr>
+        <p:spPr/>
+        <p:txBody>
+          <a:bodyPr/>
+          <a:lstStyle/>
+          <a:p>
+            <a:r>
+              <a:rPr lang="en-US" dirty="0"/>
+              <a:t>Ex.4 Python – Batch Compute Node (2) </a:t>
+            </a:r>
+          </a:p>
+        </p:txBody>
+      </p:sp>
+      <p:sp>
+        <p:nvSpPr>
+          <p:cNvPr id="4" name="TextBox 3">
+            <a:extLst>
+              <a:ext uri="{FF2B5EF4-FFF2-40B4-BE49-F238E27FC236}">
+                <a16:creationId xmlns:a16="http://schemas.microsoft.com/office/drawing/2014/main" id="{1DD115D5-43EB-4DA5-A272-EDA0609428B5}"/>
+              </a:ext>
+            </a:extLst>
+          </p:cNvPr>
+          <p:cNvSpPr txBox="1"/>
+          <p:nvPr/>
+        </p:nvSpPr>
+        <p:spPr>
+          <a:xfrm>
+            <a:off x="945970" y="1537874"/>
+            <a:ext cx="10166166" cy="4401205"/>
+          </a:xfrm>
+          <a:prstGeom prst="rect">
+            <a:avLst/>
+          </a:prstGeom>
+          <a:solidFill>
+            <a:schemeClr val="bg1">
+              <a:lumMod val="95000"/>
+            </a:schemeClr>
+          </a:solidFill>
+        </p:spPr>
+        <p:txBody>
+          <a:bodyPr wrap="square" rtlCol="0">
+            <a:spAutoFit/>
+          </a:bodyPr>
+          <a:lstStyle/>
+          <a:p>
+            <a:r>
+              <a:rPr lang="en-US" sz="2000" dirty="0">
+                <a:latin typeface="Consolas" panose="020B0609020204030204" pitchFamily="49" charset="0"/>
+              </a:rPr>
+              <a:t>#!/bin/bash</a:t>
+            </a:r>
+          </a:p>
+          <a:p>
+            <a:endParaRPr lang="en-US" sz="2000" dirty="0">
+              <a:latin typeface="Consolas" panose="020B0609020204030204" pitchFamily="49" charset="0"/>
+            </a:endParaRPr>
+          </a:p>
+          <a:p>
+            <a:r>
+              <a:rPr lang="en-US" sz="2000" dirty="0">
+                <a:latin typeface="Consolas" panose="020B0609020204030204" pitchFamily="49" charset="0"/>
+              </a:rPr>
+              <a:t>#SBATCH --</a:t>
+            </a:r>
+            <a:r>
+              <a:rPr lang="en-US" sz="2000" dirty="0" smtClean="0">
+                <a:latin typeface="Consolas" panose="020B0609020204030204" pitchFamily="49" charset="0"/>
+              </a:rPr>
+              <a:t>job-name=</a:t>
+            </a:r>
+            <a:r>
+              <a:rPr lang="en-US" sz="2000" dirty="0" err="1" smtClean="0">
+                <a:latin typeface="Consolas" panose="020B0609020204030204" pitchFamily="49" charset="0"/>
+              </a:rPr>
+              <a:t>Python_test</a:t>
+            </a:r>
+            <a:r>
+              <a:rPr lang="en-US" sz="2000" dirty="0">
+                <a:latin typeface="Consolas" panose="020B0609020204030204" pitchFamily="49" charset="0"/>
+              </a:rPr>
+              <a:t>	</a:t>
+            </a:r>
+            <a:r>
+              <a:rPr lang="en-US" sz="2000" dirty="0">
+                <a:solidFill>
+                  <a:schemeClr val="bg2">
+                    <a:lumMod val="75000"/>
+                  </a:schemeClr>
+                </a:solidFill>
+                <a:latin typeface="Consolas" panose="020B0609020204030204" pitchFamily="49" charset="0"/>
+              </a:rPr>
+              <a:t># set job name</a:t>
+            </a:r>
+          </a:p>
+          <a:p>
+            <a:r>
+              <a:rPr lang="en-US" sz="2000" dirty="0">
+                <a:latin typeface="Consolas" panose="020B0609020204030204" pitchFamily="49" charset="0"/>
+              </a:rPr>
+              <a:t>#SBATCH --partition=standard	</a:t>
+            </a:r>
+            <a:r>
+              <a:rPr lang="en-US" sz="2000" dirty="0">
+                <a:solidFill>
+                  <a:schemeClr val="bg2">
+                    <a:lumMod val="75000"/>
+                  </a:schemeClr>
+                </a:solidFill>
+                <a:latin typeface="Consolas" panose="020B0609020204030204" pitchFamily="49" charset="0"/>
+              </a:rPr>
+              <a:t># set job partition (group of nodes)</a:t>
+            </a:r>
+          </a:p>
+          <a:p>
+            <a:r>
+              <a:rPr lang="en-US" sz="2000" dirty="0">
+                <a:latin typeface="Consolas" panose="020B0609020204030204" pitchFamily="49" charset="0"/>
+              </a:rPr>
+              <a:t>#SBATCH --mail-type=ALL		</a:t>
+            </a:r>
+            <a:r>
+              <a:rPr lang="en-US" sz="2000" dirty="0">
+                <a:solidFill>
+                  <a:srgbClr val="FF3399"/>
+                </a:solidFill>
+                <a:latin typeface="Consolas" panose="020B0609020204030204" pitchFamily="49" charset="0"/>
+              </a:rPr>
+              <a:t># email me when job start, stop, etc.</a:t>
+            </a:r>
+          </a:p>
+          <a:p>
+            <a:r>
+              <a:rPr lang="en-US" sz="2000" dirty="0">
+                <a:latin typeface="Consolas" panose="020B0609020204030204" pitchFamily="49" charset="0"/>
+              </a:rPr>
+              <a:t>#SBATCH --mail-user=jay.cao@rotman.utoronto.ca </a:t>
+            </a:r>
+            <a:r>
+              <a:rPr lang="en-US" sz="2000" dirty="0">
+                <a:solidFill>
+                  <a:srgbClr val="FF3399"/>
+                </a:solidFill>
+                <a:latin typeface="Consolas" panose="020B0609020204030204" pitchFamily="49" charset="0"/>
+              </a:rPr>
+              <a:t># set my email address</a:t>
+            </a:r>
+          </a:p>
+          <a:p>
+            <a:r>
+              <a:rPr lang="en-US" sz="2000" dirty="0">
+                <a:latin typeface="Consolas" panose="020B0609020204030204" pitchFamily="49" charset="0"/>
+              </a:rPr>
+              <a:t>#SBATCH --output=</a:t>
+            </a:r>
+            <a:r>
+              <a:rPr lang="en-US" sz="2000" dirty="0" err="1">
+                <a:latin typeface="Consolas" panose="020B0609020204030204" pitchFamily="49" charset="0"/>
+              </a:rPr>
+              <a:t>STD.out</a:t>
+            </a:r>
+            <a:r>
+              <a:rPr lang="en-US" sz="2000" dirty="0">
+                <a:latin typeface="Consolas" panose="020B0609020204030204" pitchFamily="49" charset="0"/>
+              </a:rPr>
+              <a:t>		</a:t>
+            </a:r>
+            <a:r>
+              <a:rPr lang="en-US" sz="2000" dirty="0">
+                <a:solidFill>
+                  <a:schemeClr val="bg2">
+                    <a:lumMod val="75000"/>
+                  </a:schemeClr>
+                </a:solidFill>
+                <a:latin typeface="Consolas" panose="020B0609020204030204" pitchFamily="49" charset="0"/>
+              </a:rPr>
+              <a:t># save standard output to </a:t>
+            </a:r>
+            <a:r>
+              <a:rPr lang="en-US" sz="2000" dirty="0" err="1">
+                <a:solidFill>
+                  <a:schemeClr val="bg2">
+                    <a:lumMod val="75000"/>
+                  </a:schemeClr>
+                </a:solidFill>
+                <a:latin typeface="Consolas" panose="020B0609020204030204" pitchFamily="49" charset="0"/>
+              </a:rPr>
+              <a:t>STD.out</a:t>
+            </a:r>
+            <a:endParaRPr lang="en-US" sz="2000" dirty="0">
+              <a:solidFill>
+                <a:schemeClr val="bg2">
+                  <a:lumMod val="75000"/>
+                </a:schemeClr>
+              </a:solidFill>
+              <a:latin typeface="Consolas" panose="020B0609020204030204" pitchFamily="49" charset="0"/>
+            </a:endParaRPr>
+          </a:p>
+          <a:p>
+            <a:r>
+              <a:rPr lang="en-US" sz="2000" dirty="0">
+                <a:latin typeface="Consolas" panose="020B0609020204030204" pitchFamily="49" charset="0"/>
+              </a:rPr>
+              <a:t>#SBATCH --error=</a:t>
+            </a:r>
+            <a:r>
+              <a:rPr lang="en-US" sz="2000" dirty="0" err="1">
+                <a:latin typeface="Consolas" panose="020B0609020204030204" pitchFamily="49" charset="0"/>
+              </a:rPr>
+              <a:t>STD.err</a:t>
+            </a:r>
+            <a:r>
+              <a:rPr lang="en-US" sz="2000" dirty="0">
+                <a:latin typeface="Consolas" panose="020B0609020204030204" pitchFamily="49" charset="0"/>
+              </a:rPr>
+              <a:t>		</a:t>
+            </a:r>
+            <a:r>
+              <a:rPr lang="en-US" sz="2000" dirty="0">
+                <a:solidFill>
+                  <a:schemeClr val="bg2">
+                    <a:lumMod val="75000"/>
+                  </a:schemeClr>
+                </a:solidFill>
+                <a:latin typeface="Consolas" panose="020B0609020204030204" pitchFamily="49" charset="0"/>
+              </a:rPr>
+              <a:t># save std. error output to </a:t>
+            </a:r>
+            <a:r>
+              <a:rPr lang="en-US" sz="2000" dirty="0" err="1">
+                <a:solidFill>
+                  <a:schemeClr val="bg2">
+                    <a:lumMod val="75000"/>
+                  </a:schemeClr>
+                </a:solidFill>
+                <a:latin typeface="Consolas" panose="020B0609020204030204" pitchFamily="49" charset="0"/>
+              </a:rPr>
+              <a:t>STD.out</a:t>
+            </a:r>
+            <a:endParaRPr lang="en-US" sz="2000" dirty="0">
+              <a:solidFill>
+                <a:schemeClr val="bg2">
+                  <a:lumMod val="75000"/>
+                </a:schemeClr>
+              </a:solidFill>
+              <a:latin typeface="Consolas" panose="020B0609020204030204" pitchFamily="49" charset="0"/>
+            </a:endParaRPr>
+          </a:p>
+          <a:p>
+            <a:r>
+              <a:rPr lang="en-US" sz="2000" dirty="0">
+                <a:latin typeface="Consolas" panose="020B0609020204030204" pitchFamily="49" charset="0"/>
+              </a:rPr>
+              <a:t>#SBATCH -c 4				</a:t>
+            </a:r>
+            <a:r>
+              <a:rPr lang="en-US" sz="2000" dirty="0">
+                <a:solidFill>
+                  <a:schemeClr val="bg2">
+                    <a:lumMod val="75000"/>
+                  </a:schemeClr>
+                </a:solidFill>
+                <a:latin typeface="Consolas" panose="020B0609020204030204" pitchFamily="49" charset="0"/>
+              </a:rPr>
+              <a:t># ask for 4 CPUs</a:t>
+            </a:r>
+          </a:p>
+          <a:p>
+            <a:r>
+              <a:rPr lang="en-US" sz="2000" dirty="0">
+                <a:latin typeface="Consolas" panose="020B0609020204030204" pitchFamily="49" charset="0"/>
+              </a:rPr>
+              <a:t>#SBATCH --time=30:00		</a:t>
+            </a:r>
+            <a:r>
+              <a:rPr lang="en-US" sz="2000" dirty="0">
+                <a:solidFill>
+                  <a:schemeClr val="bg2">
+                    <a:lumMod val="75000"/>
+                  </a:schemeClr>
+                </a:solidFill>
+                <a:latin typeface="Consolas" panose="020B0609020204030204" pitchFamily="49" charset="0"/>
+              </a:rPr>
+              <a:t># set wall time to be 30mins</a:t>
+            </a:r>
+          </a:p>
+          <a:p>
+            <a:r>
+              <a:rPr lang="en-US" sz="2000" dirty="0">
+                <a:latin typeface="Consolas" panose="020B0609020204030204" pitchFamily="49" charset="0"/>
+              </a:rPr>
+              <a:t>#SBATCH --mem=5000			</a:t>
+            </a:r>
+            <a:r>
+              <a:rPr lang="en-US" sz="2000" dirty="0">
+                <a:solidFill>
+                  <a:schemeClr val="bg2">
+                    <a:lumMod val="75000"/>
+                  </a:schemeClr>
+                </a:solidFill>
+                <a:latin typeface="Consolas" panose="020B0609020204030204" pitchFamily="49" charset="0"/>
+              </a:rPr>
+              <a:t># ask for 5G memory</a:t>
+            </a:r>
+          </a:p>
+          <a:p>
+            <a:endParaRPr lang="en-US" sz="2000" dirty="0">
+              <a:latin typeface="Consolas" panose="020B0609020204030204" pitchFamily="49" charset="0"/>
+            </a:endParaRPr>
+          </a:p>
+          <a:p>
+            <a:r>
+              <a:rPr lang="en-US" sz="2000" dirty="0">
+                <a:latin typeface="Consolas" panose="020B0609020204030204" pitchFamily="49" charset="0"/>
+              </a:rPr>
+              <a:t>module load anaconda/3.5.3</a:t>
+            </a:r>
+          </a:p>
+          <a:p>
+            <a:r>
+              <a:rPr lang="en-US" sz="2000" dirty="0">
+                <a:latin typeface="Consolas" panose="020B0609020204030204" pitchFamily="49" charset="0"/>
+              </a:rPr>
+              <a:t>python python_test.py</a:t>
+            </a:r>
+            <a:endParaRPr lang="en-US" sz="2000" dirty="0"/>
+          </a:p>
+        </p:txBody>
+      </p:sp>
+      <p:sp>
+        <p:nvSpPr>
+          <p:cNvPr id="5" name="TextBox 4">
+            <a:extLst>
+              <a:ext uri="{FF2B5EF4-FFF2-40B4-BE49-F238E27FC236}">
+                <a16:creationId xmlns:a16="http://schemas.microsoft.com/office/drawing/2014/main" id="{BD8F4836-7785-4D29-A98F-81FF751B4575}"/>
+              </a:ext>
+            </a:extLst>
+          </p:cNvPr>
+          <p:cNvSpPr txBox="1"/>
+          <p:nvPr/>
+        </p:nvSpPr>
+        <p:spPr>
+          <a:xfrm>
+            <a:off x="884189" y="6308209"/>
+            <a:ext cx="4634089" cy="369332"/>
+          </a:xfrm>
+          <a:prstGeom prst="rect">
+            <a:avLst/>
+          </a:prstGeom>
+          <a:noFill/>
+        </p:spPr>
+        <p:txBody>
+          <a:bodyPr wrap="none" rtlCol="0">
+            <a:spAutoFit/>
+          </a:bodyPr>
+          <a:lstStyle/>
+          <a:p>
+            <a:r>
+              <a:rPr lang="en-US" dirty="0">
+                <a:hlinkClick r:id="rId2"/>
+              </a:rPr>
+              <a:t>https://cac.queensu.ca/wiki/index.php/SLURM</a:t>
+            </a:r>
+            <a:endParaRPr lang="en-US" dirty="0"/>
+          </a:p>
+        </p:txBody>
+      </p:sp>
+    </p:spTree>
+    <p:extLst>
+      <p:ext uri="{BB962C8B-B14F-4D97-AF65-F5344CB8AC3E}">
+        <p14:creationId xmlns:p14="http://schemas.microsoft.com/office/powerpoint/2010/main" val="763356429"/>
+      </p:ext>
+    </p:extLst>
+  </p:cSld>
+  <p:clrMapOvr>
+    <a:masterClrMapping/>
+  </p:clrMapOvr>
+</p:sld>
+</file>
+
+<file path=ppt/slides/slide43.xml><?xml version="1.0" encoding="utf-8"?>
+<p:sld xmlns:a="http://schemas.openxmlformats.org/drawingml/2006/main" xmlns:r="http://schemas.openxmlformats.org/officeDocument/2006/relationships" xmlns:p="http://schemas.openxmlformats.org/presentationml/2006/main">
+  <p:cSld>
+    <p:spTree>
+      <p:nvGrpSpPr>
+        <p:cNvPr id="1" name=""/>
+        <p:cNvGrpSpPr/>
+        <p:nvPr/>
+      </p:nvGrpSpPr>
+      <p:grpSpPr>
+        <a:xfrm>
+          <a:off x="0" y="0"/>
+          <a:ext cx="0" cy="0"/>
+          <a:chOff x="0" y="0"/>
+          <a:chExt cx="0" cy="0"/>
+        </a:xfrm>
+      </p:grpSpPr>
+      <p:sp>
+        <p:nvSpPr>
+          <p:cNvPr id="2" name="Title 1">
+            <a:extLst>
+              <a:ext uri="{FF2B5EF4-FFF2-40B4-BE49-F238E27FC236}">
+                <a16:creationId xmlns:a16="http://schemas.microsoft.com/office/drawing/2014/main" id="{7EFF90E5-3FD3-46B6-A354-094E6BF80CAB}"/>
+              </a:ext>
+            </a:extLst>
+          </p:cNvPr>
+          <p:cNvSpPr>
+            <a:spLocks noGrp="1"/>
+          </p:cNvSpPr>
+          <p:nvPr>
+            <p:ph type="title"/>
+          </p:nvPr>
+        </p:nvSpPr>
+        <p:spPr/>
+        <p:txBody>
+          <a:bodyPr/>
+          <a:lstStyle/>
+          <a:p>
+            <a:r>
+              <a:rPr lang="en-US" dirty="0"/>
+              <a:t>Ex.4 Python – Batch Compute Node (2) </a:t>
+            </a:r>
+          </a:p>
+        </p:txBody>
+      </p:sp>
+      <p:sp>
+        <p:nvSpPr>
+          <p:cNvPr id="4" name="TextBox 3">
+            <a:extLst>
+              <a:ext uri="{FF2B5EF4-FFF2-40B4-BE49-F238E27FC236}">
+                <a16:creationId xmlns:a16="http://schemas.microsoft.com/office/drawing/2014/main" id="{1DD115D5-43EB-4DA5-A272-EDA0609428B5}"/>
+              </a:ext>
+            </a:extLst>
+          </p:cNvPr>
+          <p:cNvSpPr txBox="1"/>
+          <p:nvPr/>
+        </p:nvSpPr>
+        <p:spPr>
+          <a:xfrm>
+            <a:off x="945970" y="1537874"/>
+            <a:ext cx="10166166" cy="4401205"/>
+          </a:xfrm>
+          <a:prstGeom prst="rect">
+            <a:avLst/>
+          </a:prstGeom>
+          <a:solidFill>
+            <a:schemeClr val="bg1">
+              <a:lumMod val="95000"/>
+            </a:schemeClr>
+          </a:solidFill>
+        </p:spPr>
+        <p:txBody>
+          <a:bodyPr wrap="square" rtlCol="0">
+            <a:spAutoFit/>
+          </a:bodyPr>
+          <a:lstStyle/>
+          <a:p>
+            <a:r>
+              <a:rPr lang="en-US" sz="2000" dirty="0">
+                <a:latin typeface="Consolas" panose="020B0609020204030204" pitchFamily="49" charset="0"/>
+              </a:rPr>
+              <a:t>#!/bin/bash</a:t>
+            </a:r>
+          </a:p>
+          <a:p>
+            <a:endParaRPr lang="en-US" sz="2000" dirty="0">
+              <a:latin typeface="Consolas" panose="020B0609020204030204" pitchFamily="49" charset="0"/>
+            </a:endParaRPr>
+          </a:p>
+          <a:p>
+            <a:r>
+              <a:rPr lang="en-US" sz="2000" dirty="0">
+                <a:latin typeface="Consolas" panose="020B0609020204030204" pitchFamily="49" charset="0"/>
+              </a:rPr>
+              <a:t>#SBATCH --</a:t>
+            </a:r>
+            <a:r>
+              <a:rPr lang="en-US" sz="2000" dirty="0" smtClean="0">
+                <a:latin typeface="Consolas" panose="020B0609020204030204" pitchFamily="49" charset="0"/>
+              </a:rPr>
+              <a:t>job-name=</a:t>
+            </a:r>
+            <a:r>
+              <a:rPr lang="en-US" sz="2000" dirty="0" err="1" smtClean="0">
+                <a:latin typeface="Consolas" panose="020B0609020204030204" pitchFamily="49" charset="0"/>
+              </a:rPr>
+              <a:t>Python_test</a:t>
+            </a:r>
+            <a:r>
+              <a:rPr lang="en-US" sz="2000" dirty="0">
+                <a:latin typeface="Consolas" panose="020B0609020204030204" pitchFamily="49" charset="0"/>
+              </a:rPr>
+              <a:t>	</a:t>
+            </a:r>
+            <a:r>
+              <a:rPr lang="en-US" sz="2000" dirty="0">
+                <a:solidFill>
+                  <a:schemeClr val="bg2">
+                    <a:lumMod val="75000"/>
+                  </a:schemeClr>
+                </a:solidFill>
+                <a:latin typeface="Consolas" panose="020B0609020204030204" pitchFamily="49" charset="0"/>
+              </a:rPr>
+              <a:t># set job name</a:t>
+            </a:r>
+          </a:p>
+          <a:p>
+            <a:r>
+              <a:rPr lang="en-US" sz="2000" dirty="0">
+                <a:latin typeface="Consolas" panose="020B0609020204030204" pitchFamily="49" charset="0"/>
+              </a:rPr>
+              <a:t>#SBATCH --partition=standard	</a:t>
+            </a:r>
+            <a:r>
+              <a:rPr lang="en-US" sz="2000" dirty="0">
+                <a:solidFill>
+                  <a:schemeClr val="bg2">
+                    <a:lumMod val="75000"/>
+                  </a:schemeClr>
+                </a:solidFill>
+                <a:latin typeface="Consolas" panose="020B0609020204030204" pitchFamily="49" charset="0"/>
+              </a:rPr>
+              <a:t># set job partition (group of nodes)</a:t>
+            </a:r>
+          </a:p>
+          <a:p>
+            <a:r>
+              <a:rPr lang="en-US" sz="2000" dirty="0">
+                <a:latin typeface="Consolas" panose="020B0609020204030204" pitchFamily="49" charset="0"/>
+              </a:rPr>
+              <a:t>#SBATCH --mail-type=ALL		</a:t>
+            </a:r>
+            <a:r>
+              <a:rPr lang="en-US" sz="2000" dirty="0">
+                <a:solidFill>
+                  <a:schemeClr val="bg2">
+                    <a:lumMod val="75000"/>
+                  </a:schemeClr>
+                </a:solidFill>
+                <a:latin typeface="Consolas" panose="020B0609020204030204" pitchFamily="49" charset="0"/>
+              </a:rPr>
+              <a:t># email me when job start, stop, etc.</a:t>
+            </a:r>
+          </a:p>
+          <a:p>
+            <a:r>
+              <a:rPr lang="en-US" sz="2000" dirty="0">
+                <a:latin typeface="Consolas" panose="020B0609020204030204" pitchFamily="49" charset="0"/>
+              </a:rPr>
+              <a:t>#SBATCH --mail-user=jay.cao@rotman.utoronto.ca </a:t>
+            </a:r>
+            <a:r>
+              <a:rPr lang="en-US" sz="2000" dirty="0">
+                <a:solidFill>
+                  <a:schemeClr val="bg2">
+                    <a:lumMod val="75000"/>
+                  </a:schemeClr>
+                </a:solidFill>
+                <a:latin typeface="Consolas" panose="020B0609020204030204" pitchFamily="49" charset="0"/>
+              </a:rPr>
+              <a:t># set my email address</a:t>
+            </a:r>
+          </a:p>
+          <a:p>
+            <a:r>
+              <a:rPr lang="en-US" sz="2000" dirty="0">
+                <a:latin typeface="Consolas" panose="020B0609020204030204" pitchFamily="49" charset="0"/>
+              </a:rPr>
+              <a:t>#SBATCH --output=</a:t>
+            </a:r>
+            <a:r>
+              <a:rPr lang="en-US" sz="2000" dirty="0" err="1">
+                <a:latin typeface="Consolas" panose="020B0609020204030204" pitchFamily="49" charset="0"/>
+              </a:rPr>
+              <a:t>STD.out</a:t>
+            </a:r>
+            <a:r>
+              <a:rPr lang="en-US" sz="2000" dirty="0">
+                <a:latin typeface="Consolas" panose="020B0609020204030204" pitchFamily="49" charset="0"/>
+              </a:rPr>
+              <a:t>		</a:t>
+            </a:r>
+            <a:r>
+              <a:rPr lang="en-US" sz="2000" dirty="0">
+                <a:solidFill>
+                  <a:srgbClr val="FF3399"/>
+                </a:solidFill>
+                <a:latin typeface="Consolas" panose="020B0609020204030204" pitchFamily="49" charset="0"/>
+              </a:rPr>
+              <a:t># save standard output to </a:t>
+            </a:r>
+            <a:r>
+              <a:rPr lang="en-US" sz="2000" dirty="0" err="1">
+                <a:solidFill>
+                  <a:srgbClr val="FF3399"/>
+                </a:solidFill>
+                <a:latin typeface="Consolas" panose="020B0609020204030204" pitchFamily="49" charset="0"/>
+              </a:rPr>
+              <a:t>STD.out</a:t>
+            </a:r>
+            <a:endParaRPr lang="en-US" sz="2000" dirty="0">
+              <a:solidFill>
+                <a:srgbClr val="FF3399"/>
+              </a:solidFill>
+              <a:latin typeface="Consolas" panose="020B0609020204030204" pitchFamily="49" charset="0"/>
+            </a:endParaRPr>
+          </a:p>
+          <a:p>
+            <a:r>
+              <a:rPr lang="en-US" sz="2000" dirty="0">
+                <a:latin typeface="Consolas" panose="020B0609020204030204" pitchFamily="49" charset="0"/>
+              </a:rPr>
+              <a:t>#SBATCH --error=</a:t>
+            </a:r>
+            <a:r>
+              <a:rPr lang="en-US" sz="2000" dirty="0" err="1">
+                <a:latin typeface="Consolas" panose="020B0609020204030204" pitchFamily="49" charset="0"/>
+              </a:rPr>
+              <a:t>STD.err</a:t>
+            </a:r>
+            <a:r>
+              <a:rPr lang="en-US" sz="2000" dirty="0">
+                <a:latin typeface="Consolas" panose="020B0609020204030204" pitchFamily="49" charset="0"/>
+              </a:rPr>
+              <a:t>		</a:t>
+            </a:r>
+            <a:r>
+              <a:rPr lang="en-US" sz="2000" dirty="0">
+                <a:solidFill>
+                  <a:srgbClr val="FF3399"/>
+                </a:solidFill>
+                <a:latin typeface="Consolas" panose="020B0609020204030204" pitchFamily="49" charset="0"/>
+              </a:rPr>
+              <a:t># save std. error output to </a:t>
+            </a:r>
+            <a:r>
+              <a:rPr lang="en-US" sz="2000" dirty="0" err="1">
+                <a:solidFill>
+                  <a:srgbClr val="FF3399"/>
+                </a:solidFill>
+                <a:latin typeface="Consolas" panose="020B0609020204030204" pitchFamily="49" charset="0"/>
+              </a:rPr>
+              <a:t>STD.out</a:t>
+            </a:r>
+            <a:endParaRPr lang="en-US" sz="2000" dirty="0">
+              <a:solidFill>
+                <a:srgbClr val="FF3399"/>
+              </a:solidFill>
+              <a:latin typeface="Consolas" panose="020B0609020204030204" pitchFamily="49" charset="0"/>
+            </a:endParaRPr>
+          </a:p>
+          <a:p>
+            <a:r>
+              <a:rPr lang="en-US" sz="2000" dirty="0">
+                <a:latin typeface="Consolas" panose="020B0609020204030204" pitchFamily="49" charset="0"/>
+              </a:rPr>
+              <a:t>#SBATCH -c 4				</a:t>
+            </a:r>
+            <a:r>
+              <a:rPr lang="en-US" sz="2000" dirty="0">
+                <a:solidFill>
+                  <a:schemeClr val="bg2">
+                    <a:lumMod val="75000"/>
+                  </a:schemeClr>
+                </a:solidFill>
+                <a:latin typeface="Consolas" panose="020B0609020204030204" pitchFamily="49" charset="0"/>
+              </a:rPr>
+              <a:t># ask for 4 CPUs</a:t>
+            </a:r>
+          </a:p>
+          <a:p>
+            <a:r>
+              <a:rPr lang="en-US" sz="2000" dirty="0">
+                <a:latin typeface="Consolas" panose="020B0609020204030204" pitchFamily="49" charset="0"/>
+              </a:rPr>
+              <a:t>#SBATCH --time=30:00		</a:t>
+            </a:r>
+            <a:r>
+              <a:rPr lang="en-US" sz="2000" dirty="0">
+                <a:solidFill>
+                  <a:schemeClr val="bg2">
+                    <a:lumMod val="75000"/>
+                  </a:schemeClr>
+                </a:solidFill>
+                <a:latin typeface="Consolas" panose="020B0609020204030204" pitchFamily="49" charset="0"/>
+              </a:rPr>
+              <a:t># set wall time to be 30mins</a:t>
+            </a:r>
+          </a:p>
+          <a:p>
+            <a:r>
+              <a:rPr lang="en-US" sz="2000" dirty="0">
+                <a:latin typeface="Consolas" panose="020B0609020204030204" pitchFamily="49" charset="0"/>
+              </a:rPr>
+              <a:t>#SBATCH --mem=5000			</a:t>
+            </a:r>
+            <a:r>
+              <a:rPr lang="en-US" sz="2000" dirty="0">
+                <a:solidFill>
+                  <a:schemeClr val="bg2">
+                    <a:lumMod val="75000"/>
+                  </a:schemeClr>
+                </a:solidFill>
+                <a:latin typeface="Consolas" panose="020B0609020204030204" pitchFamily="49" charset="0"/>
+              </a:rPr>
+              <a:t># ask for 5G memory</a:t>
+            </a:r>
+          </a:p>
+          <a:p>
+            <a:endParaRPr lang="en-US" sz="2000" dirty="0">
+              <a:latin typeface="Consolas" panose="020B0609020204030204" pitchFamily="49" charset="0"/>
+            </a:endParaRPr>
+          </a:p>
+          <a:p>
+            <a:r>
+              <a:rPr lang="en-US" sz="2000" dirty="0">
+                <a:latin typeface="Consolas" panose="020B0609020204030204" pitchFamily="49" charset="0"/>
+              </a:rPr>
+              <a:t>module load anaconda/3.5.3</a:t>
+            </a:r>
+          </a:p>
+          <a:p>
+            <a:r>
+              <a:rPr lang="en-US" sz="2000" dirty="0">
+                <a:latin typeface="Consolas" panose="020B0609020204030204" pitchFamily="49" charset="0"/>
+              </a:rPr>
+              <a:t>python python_test.py</a:t>
+            </a:r>
+            <a:endParaRPr lang="en-US" sz="2000" dirty="0"/>
+          </a:p>
+        </p:txBody>
+      </p:sp>
+      <p:sp>
+        <p:nvSpPr>
+          <p:cNvPr id="5" name="TextBox 4">
+            <a:extLst>
+              <a:ext uri="{FF2B5EF4-FFF2-40B4-BE49-F238E27FC236}">
+                <a16:creationId xmlns:a16="http://schemas.microsoft.com/office/drawing/2014/main" id="{398693F2-F5E1-45F7-A17B-E7811478AF6D}"/>
+              </a:ext>
+            </a:extLst>
+          </p:cNvPr>
+          <p:cNvSpPr txBox="1"/>
+          <p:nvPr/>
+        </p:nvSpPr>
+        <p:spPr>
+          <a:xfrm>
+            <a:off x="884189" y="6308209"/>
+            <a:ext cx="4634089" cy="369332"/>
+          </a:xfrm>
+          <a:prstGeom prst="rect">
+            <a:avLst/>
+          </a:prstGeom>
+          <a:noFill/>
+        </p:spPr>
+        <p:txBody>
+          <a:bodyPr wrap="none" rtlCol="0">
+            <a:spAutoFit/>
+          </a:bodyPr>
+          <a:lstStyle/>
+          <a:p>
+            <a:r>
+              <a:rPr lang="en-US" dirty="0">
+                <a:hlinkClick r:id="rId2"/>
+              </a:rPr>
+              <a:t>https://cac.queensu.ca/wiki/index.php/SLURM</a:t>
+            </a:r>
+            <a:endParaRPr lang="en-US" dirty="0"/>
+          </a:p>
+        </p:txBody>
+      </p:sp>
+    </p:spTree>
+    <p:extLst>
+      <p:ext uri="{BB962C8B-B14F-4D97-AF65-F5344CB8AC3E}">
+        <p14:creationId xmlns:p14="http://schemas.microsoft.com/office/powerpoint/2010/main" val="1045886412"/>
+      </p:ext>
+    </p:extLst>
+  </p:cSld>
+  <p:clrMapOvr>
+    <a:masterClrMapping/>
+  </p:clrMapOvr>
+</p:sld>
+</file>
+
+<file path=ppt/slides/slide44.xml><?xml version="1.0" encoding="utf-8"?>
+<p:sld xmlns:a="http://schemas.openxmlformats.org/drawingml/2006/main" xmlns:r="http://schemas.openxmlformats.org/officeDocument/2006/relationships" xmlns:p="http://schemas.openxmlformats.org/presentationml/2006/main">
+  <p:cSld>
+    <p:spTree>
+      <p:nvGrpSpPr>
+        <p:cNvPr id="1" name=""/>
+        <p:cNvGrpSpPr/>
+        <p:nvPr/>
+      </p:nvGrpSpPr>
+      <p:grpSpPr>
+        <a:xfrm>
+          <a:off x="0" y="0"/>
+          <a:ext cx="0" cy="0"/>
+          <a:chOff x="0" y="0"/>
+          <a:chExt cx="0" cy="0"/>
+        </a:xfrm>
+      </p:grpSpPr>
+      <p:sp>
+        <p:nvSpPr>
+          <p:cNvPr id="2" name="Title 1">
+            <a:extLst>
+              <a:ext uri="{FF2B5EF4-FFF2-40B4-BE49-F238E27FC236}">
+                <a16:creationId xmlns:a16="http://schemas.microsoft.com/office/drawing/2014/main" id="{7EFF90E5-3FD3-46B6-A354-094E6BF80CAB}"/>
+              </a:ext>
+            </a:extLst>
+          </p:cNvPr>
+          <p:cNvSpPr>
+            <a:spLocks noGrp="1"/>
+          </p:cNvSpPr>
+          <p:nvPr>
+            <p:ph type="title"/>
+          </p:nvPr>
+        </p:nvSpPr>
+        <p:spPr/>
+        <p:txBody>
+          <a:bodyPr/>
+          <a:lstStyle/>
+          <a:p>
+            <a:r>
+              <a:rPr lang="en-US" dirty="0"/>
+              <a:t>Ex.4 Python – Batch Compute Node (2)</a:t>
+            </a:r>
+          </a:p>
+        </p:txBody>
+      </p:sp>
+      <p:sp>
+        <p:nvSpPr>
+          <p:cNvPr id="4" name="TextBox 3">
+            <a:extLst>
+              <a:ext uri="{FF2B5EF4-FFF2-40B4-BE49-F238E27FC236}">
+                <a16:creationId xmlns:a16="http://schemas.microsoft.com/office/drawing/2014/main" id="{1DD115D5-43EB-4DA5-A272-EDA0609428B5}"/>
+              </a:ext>
+            </a:extLst>
+          </p:cNvPr>
+          <p:cNvSpPr txBox="1"/>
+          <p:nvPr/>
+        </p:nvSpPr>
+        <p:spPr>
+          <a:xfrm>
+            <a:off x="945970" y="1537874"/>
+            <a:ext cx="10166166" cy="4401205"/>
+          </a:xfrm>
+          <a:prstGeom prst="rect">
+            <a:avLst/>
+          </a:prstGeom>
+          <a:solidFill>
+            <a:schemeClr val="bg1">
+              <a:lumMod val="95000"/>
+            </a:schemeClr>
+          </a:solidFill>
+        </p:spPr>
+        <p:txBody>
+          <a:bodyPr wrap="square" rtlCol="0">
+            <a:spAutoFit/>
+          </a:bodyPr>
+          <a:lstStyle/>
+          <a:p>
+            <a:r>
+              <a:rPr lang="en-US" sz="2000" dirty="0">
+                <a:latin typeface="Consolas" panose="020B0609020204030204" pitchFamily="49" charset="0"/>
+              </a:rPr>
+              <a:t>#!/bin/bash</a:t>
+            </a:r>
+          </a:p>
+          <a:p>
+            <a:endParaRPr lang="en-US" sz="2000" dirty="0">
+              <a:latin typeface="Consolas" panose="020B0609020204030204" pitchFamily="49" charset="0"/>
+            </a:endParaRPr>
+          </a:p>
+          <a:p>
+            <a:r>
+              <a:rPr lang="en-US" sz="2000" dirty="0">
+                <a:latin typeface="Consolas" panose="020B0609020204030204" pitchFamily="49" charset="0"/>
+              </a:rPr>
+              <a:t>#SBATCH --</a:t>
+            </a:r>
+            <a:r>
+              <a:rPr lang="en-US" sz="2000" dirty="0" smtClean="0">
+                <a:latin typeface="Consolas" panose="020B0609020204030204" pitchFamily="49" charset="0"/>
+              </a:rPr>
+              <a:t>job-name=</a:t>
+            </a:r>
+            <a:r>
+              <a:rPr lang="en-US" sz="2000" dirty="0" err="1" smtClean="0">
+                <a:latin typeface="Consolas" panose="020B0609020204030204" pitchFamily="49" charset="0"/>
+              </a:rPr>
+              <a:t>Python_test</a:t>
+            </a:r>
+            <a:r>
+              <a:rPr lang="en-US" sz="2000" dirty="0">
+                <a:latin typeface="Consolas" panose="020B0609020204030204" pitchFamily="49" charset="0"/>
+              </a:rPr>
+              <a:t>	</a:t>
+            </a:r>
+            <a:r>
+              <a:rPr lang="en-US" sz="2000" dirty="0">
+                <a:solidFill>
+                  <a:schemeClr val="bg2">
+                    <a:lumMod val="75000"/>
+                  </a:schemeClr>
+                </a:solidFill>
+                <a:latin typeface="Consolas" panose="020B0609020204030204" pitchFamily="49" charset="0"/>
+              </a:rPr>
+              <a:t># set job name</a:t>
+            </a:r>
+          </a:p>
+          <a:p>
+            <a:r>
+              <a:rPr lang="en-US" sz="2000" dirty="0">
+                <a:latin typeface="Consolas" panose="020B0609020204030204" pitchFamily="49" charset="0"/>
+              </a:rPr>
+              <a:t>#SBATCH --partition=standard	</a:t>
+            </a:r>
+            <a:r>
+              <a:rPr lang="en-US" sz="2000" dirty="0">
+                <a:solidFill>
+                  <a:schemeClr val="bg2">
+                    <a:lumMod val="75000"/>
+                  </a:schemeClr>
+                </a:solidFill>
+                <a:latin typeface="Consolas" panose="020B0609020204030204" pitchFamily="49" charset="0"/>
+              </a:rPr>
+              <a:t># set job partition (group of nodes)</a:t>
+            </a:r>
+          </a:p>
+          <a:p>
+            <a:r>
+              <a:rPr lang="en-US" sz="2000" dirty="0">
+                <a:latin typeface="Consolas" panose="020B0609020204030204" pitchFamily="49" charset="0"/>
+              </a:rPr>
+              <a:t>#SBATCH --mail-type=ALL		</a:t>
+            </a:r>
+            <a:r>
+              <a:rPr lang="en-US" sz="2000" dirty="0">
+                <a:solidFill>
+                  <a:schemeClr val="bg2">
+                    <a:lumMod val="75000"/>
+                  </a:schemeClr>
+                </a:solidFill>
+                <a:latin typeface="Consolas" panose="020B0609020204030204" pitchFamily="49" charset="0"/>
+              </a:rPr>
+              <a:t># email me when job start, stop, etc.</a:t>
+            </a:r>
+          </a:p>
+          <a:p>
+            <a:r>
+              <a:rPr lang="en-US" sz="2000" dirty="0">
+                <a:latin typeface="Consolas" panose="020B0609020204030204" pitchFamily="49" charset="0"/>
+              </a:rPr>
+              <a:t>#SBATCH --mail-user=jay.cao@rotman.utoronto.ca </a:t>
+            </a:r>
+            <a:r>
+              <a:rPr lang="en-US" sz="2000" dirty="0">
+                <a:solidFill>
+                  <a:schemeClr val="bg2">
+                    <a:lumMod val="75000"/>
+                  </a:schemeClr>
+                </a:solidFill>
+                <a:latin typeface="Consolas" panose="020B0609020204030204" pitchFamily="49" charset="0"/>
+              </a:rPr>
+              <a:t># set my email address</a:t>
+            </a:r>
+          </a:p>
+          <a:p>
+            <a:r>
+              <a:rPr lang="en-US" sz="2000" dirty="0">
+                <a:latin typeface="Consolas" panose="020B0609020204030204" pitchFamily="49" charset="0"/>
+              </a:rPr>
+              <a:t>#SBATCH --output=</a:t>
+            </a:r>
+            <a:r>
+              <a:rPr lang="en-US" sz="2000" dirty="0" err="1">
+                <a:latin typeface="Consolas" panose="020B0609020204030204" pitchFamily="49" charset="0"/>
+              </a:rPr>
+              <a:t>STD.out</a:t>
+            </a:r>
+            <a:r>
+              <a:rPr lang="en-US" sz="2000" dirty="0">
+                <a:latin typeface="Consolas" panose="020B0609020204030204" pitchFamily="49" charset="0"/>
+              </a:rPr>
+              <a:t>		</a:t>
+            </a:r>
+            <a:r>
+              <a:rPr lang="en-US" sz="2000" dirty="0">
+                <a:solidFill>
+                  <a:schemeClr val="bg2">
+                    <a:lumMod val="75000"/>
+                  </a:schemeClr>
+                </a:solidFill>
+                <a:latin typeface="Consolas" panose="020B0609020204030204" pitchFamily="49" charset="0"/>
+              </a:rPr>
+              <a:t># save standard output to </a:t>
+            </a:r>
+            <a:r>
+              <a:rPr lang="en-US" sz="2000" dirty="0" err="1">
+                <a:solidFill>
+                  <a:schemeClr val="bg2">
+                    <a:lumMod val="75000"/>
+                  </a:schemeClr>
+                </a:solidFill>
+                <a:latin typeface="Consolas" panose="020B0609020204030204" pitchFamily="49" charset="0"/>
+              </a:rPr>
+              <a:t>STD.out</a:t>
+            </a:r>
+            <a:endParaRPr lang="en-US" sz="2000" dirty="0">
+              <a:solidFill>
+                <a:schemeClr val="bg2">
+                  <a:lumMod val="75000"/>
+                </a:schemeClr>
+              </a:solidFill>
+              <a:latin typeface="Consolas" panose="020B0609020204030204" pitchFamily="49" charset="0"/>
+            </a:endParaRPr>
+          </a:p>
+          <a:p>
+            <a:r>
+              <a:rPr lang="en-US" sz="2000" dirty="0">
+                <a:latin typeface="Consolas" panose="020B0609020204030204" pitchFamily="49" charset="0"/>
+              </a:rPr>
+              <a:t>#SBATCH --error=</a:t>
+            </a:r>
+            <a:r>
+              <a:rPr lang="en-US" sz="2000" dirty="0" err="1">
+                <a:latin typeface="Consolas" panose="020B0609020204030204" pitchFamily="49" charset="0"/>
+              </a:rPr>
+              <a:t>STD.err</a:t>
+            </a:r>
+            <a:r>
+              <a:rPr lang="en-US" sz="2000" dirty="0">
+                <a:latin typeface="Consolas" panose="020B0609020204030204" pitchFamily="49" charset="0"/>
+              </a:rPr>
+              <a:t>		</a:t>
+            </a:r>
+            <a:r>
+              <a:rPr lang="en-US" sz="2000" dirty="0">
+                <a:solidFill>
+                  <a:schemeClr val="bg2">
+                    <a:lumMod val="75000"/>
+                  </a:schemeClr>
+                </a:solidFill>
+                <a:latin typeface="Consolas" panose="020B0609020204030204" pitchFamily="49" charset="0"/>
+              </a:rPr>
+              <a:t># save std. error output to </a:t>
+            </a:r>
+            <a:r>
+              <a:rPr lang="en-US" sz="2000" dirty="0" err="1">
+                <a:solidFill>
+                  <a:schemeClr val="bg2">
+                    <a:lumMod val="75000"/>
+                  </a:schemeClr>
+                </a:solidFill>
+                <a:latin typeface="Consolas" panose="020B0609020204030204" pitchFamily="49" charset="0"/>
+              </a:rPr>
+              <a:t>STD.out</a:t>
+            </a:r>
+            <a:endParaRPr lang="en-US" sz="2000" dirty="0">
+              <a:solidFill>
+                <a:schemeClr val="bg2">
+                  <a:lumMod val="75000"/>
+                </a:schemeClr>
+              </a:solidFill>
+              <a:latin typeface="Consolas" panose="020B0609020204030204" pitchFamily="49" charset="0"/>
+            </a:endParaRPr>
+          </a:p>
+          <a:p>
+            <a:r>
+              <a:rPr lang="en-US" sz="2000" dirty="0">
+                <a:latin typeface="Consolas" panose="020B0609020204030204" pitchFamily="49" charset="0"/>
+              </a:rPr>
+              <a:t>#SBATCH -c 4				</a:t>
+            </a:r>
+            <a:r>
+              <a:rPr lang="en-US" sz="2000" dirty="0">
+                <a:solidFill>
+                  <a:srgbClr val="FF3399"/>
+                </a:solidFill>
+                <a:latin typeface="Consolas" panose="020B0609020204030204" pitchFamily="49" charset="0"/>
+              </a:rPr>
+              <a:t># ask for 4 CPUs</a:t>
+            </a:r>
+          </a:p>
+          <a:p>
+            <a:r>
+              <a:rPr lang="en-US" sz="2000" dirty="0">
+                <a:latin typeface="Consolas" panose="020B0609020204030204" pitchFamily="49" charset="0"/>
+              </a:rPr>
+              <a:t>#SBATCH --time=30:00		</a:t>
+            </a:r>
+            <a:r>
+              <a:rPr lang="en-US" sz="2000" dirty="0">
+                <a:solidFill>
+                  <a:srgbClr val="FF3399"/>
+                </a:solidFill>
+                <a:latin typeface="Consolas" panose="020B0609020204030204" pitchFamily="49" charset="0"/>
+              </a:rPr>
+              <a:t># set wall time to be 30mins</a:t>
+            </a:r>
+          </a:p>
+          <a:p>
+            <a:r>
+              <a:rPr lang="en-US" sz="2000" dirty="0">
+                <a:latin typeface="Consolas" panose="020B0609020204030204" pitchFamily="49" charset="0"/>
+              </a:rPr>
+              <a:t>#SBATCH --mem=5000			</a:t>
+            </a:r>
+            <a:r>
+              <a:rPr lang="en-US" sz="2000" dirty="0">
+                <a:solidFill>
+                  <a:srgbClr val="FF3399"/>
+                </a:solidFill>
+                <a:latin typeface="Consolas" panose="020B0609020204030204" pitchFamily="49" charset="0"/>
+              </a:rPr>
+              <a:t># ask for 5G memory</a:t>
+            </a:r>
+          </a:p>
+          <a:p>
+            <a:endParaRPr lang="en-US" sz="2000" dirty="0">
+              <a:latin typeface="Consolas" panose="020B0609020204030204" pitchFamily="49" charset="0"/>
+            </a:endParaRPr>
+          </a:p>
+          <a:p>
+            <a:r>
+              <a:rPr lang="en-US" sz="2000" dirty="0">
+                <a:latin typeface="Consolas" panose="020B0609020204030204" pitchFamily="49" charset="0"/>
+              </a:rPr>
+              <a:t>module load anaconda/3.5.3</a:t>
+            </a:r>
+          </a:p>
+          <a:p>
+            <a:r>
+              <a:rPr lang="en-US" sz="2000" dirty="0">
+                <a:latin typeface="Consolas" panose="020B0609020204030204" pitchFamily="49" charset="0"/>
+              </a:rPr>
+              <a:t>python python_test.py</a:t>
+            </a:r>
+            <a:endParaRPr lang="en-US" sz="2000" dirty="0"/>
+          </a:p>
+        </p:txBody>
+      </p:sp>
+      <p:sp>
+        <p:nvSpPr>
+          <p:cNvPr id="5" name="TextBox 4">
+            <a:extLst>
+              <a:ext uri="{FF2B5EF4-FFF2-40B4-BE49-F238E27FC236}">
+                <a16:creationId xmlns:a16="http://schemas.microsoft.com/office/drawing/2014/main" id="{0FE55885-BF5A-4DD8-940F-A2C111E20300}"/>
+              </a:ext>
+            </a:extLst>
+          </p:cNvPr>
+          <p:cNvSpPr txBox="1"/>
+          <p:nvPr/>
+        </p:nvSpPr>
+        <p:spPr>
+          <a:xfrm>
+            <a:off x="884189" y="6308209"/>
+            <a:ext cx="4634089" cy="369332"/>
+          </a:xfrm>
+          <a:prstGeom prst="rect">
+            <a:avLst/>
+          </a:prstGeom>
+          <a:noFill/>
+        </p:spPr>
+        <p:txBody>
+          <a:bodyPr wrap="none" rtlCol="0">
+            <a:spAutoFit/>
+          </a:bodyPr>
+          <a:lstStyle/>
+          <a:p>
+            <a:r>
+              <a:rPr lang="en-US" dirty="0">
+                <a:hlinkClick r:id="rId2"/>
+              </a:rPr>
+              <a:t>https://cac.queensu.ca/wiki/index.php/SLURM</a:t>
+            </a:r>
+            <a:endParaRPr lang="en-US" dirty="0"/>
+          </a:p>
+        </p:txBody>
+      </p:sp>
+    </p:spTree>
+    <p:extLst>
+      <p:ext uri="{BB962C8B-B14F-4D97-AF65-F5344CB8AC3E}">
+        <p14:creationId xmlns:p14="http://schemas.microsoft.com/office/powerpoint/2010/main" val="3486381325"/>
+      </p:ext>
+    </p:extLst>
+  </p:cSld>
+  <p:clrMapOvr>
+    <a:masterClrMapping/>
+  </p:clrMapOvr>
+</p:sld>
+</file>
+
+<file path=ppt/slides/slide45.xml><?xml version="1.0" encoding="utf-8"?>
+<p:sld xmlns:a="http://schemas.openxmlformats.org/drawingml/2006/main" xmlns:r="http://schemas.openxmlformats.org/officeDocument/2006/relationships" xmlns:p="http://schemas.openxmlformats.org/presentationml/2006/main">
+  <p:cSld>
+    <p:spTree>
+      <p:nvGrpSpPr>
+        <p:cNvPr id="1" name=""/>
+        <p:cNvGrpSpPr/>
+        <p:nvPr/>
+      </p:nvGrpSpPr>
+      <p:grpSpPr>
+        <a:xfrm>
+          <a:off x="0" y="0"/>
+          <a:ext cx="0" cy="0"/>
+          <a:chOff x="0" y="0"/>
+          <a:chExt cx="0" cy="0"/>
+        </a:xfrm>
+      </p:grpSpPr>
+      <p:sp>
+        <p:nvSpPr>
+          <p:cNvPr id="2" name="Title 1">
+            <a:extLst>
+              <a:ext uri="{FF2B5EF4-FFF2-40B4-BE49-F238E27FC236}">
+                <a16:creationId xmlns:a16="http://schemas.microsoft.com/office/drawing/2014/main" id="{ECF8CC82-4A7D-4AA7-AFB8-0B928F6C48B1}"/>
+              </a:ext>
+            </a:extLst>
+          </p:cNvPr>
+          <p:cNvSpPr>
+            <a:spLocks noGrp="1"/>
+          </p:cNvSpPr>
+          <p:nvPr>
+            <p:ph type="title"/>
+          </p:nvPr>
+        </p:nvSpPr>
+        <p:spPr/>
+        <p:txBody>
+          <a:bodyPr/>
+          <a:lstStyle/>
+          <a:p>
+            <a:r>
+              <a:rPr lang="en-US" dirty="0"/>
+              <a:t>Ex.4 </a:t>
+            </a:r>
+            <a:r>
+              <a:rPr lang="en-US" dirty="0" smtClean="0"/>
+              <a:t>Python </a:t>
+            </a:r>
+            <a:r>
+              <a:rPr lang="en-US" dirty="0"/>
+              <a:t>– Batch Compute Node (3)</a:t>
+            </a:r>
+          </a:p>
+        </p:txBody>
+      </p:sp>
+      <p:sp>
+        <p:nvSpPr>
+          <p:cNvPr id="3" name="Content Placeholder 2">
+            <a:extLst>
+              <a:ext uri="{FF2B5EF4-FFF2-40B4-BE49-F238E27FC236}">
+                <a16:creationId xmlns:a16="http://schemas.microsoft.com/office/drawing/2014/main" id="{A952274A-38F4-46B5-BCC6-4D3268390103}"/>
+              </a:ext>
+            </a:extLst>
+          </p:cNvPr>
+          <p:cNvSpPr>
+            <a:spLocks noGrp="1"/>
+          </p:cNvSpPr>
+          <p:nvPr>
+            <p:ph idx="1"/>
+          </p:nvPr>
+        </p:nvSpPr>
+        <p:spPr/>
+        <p:txBody>
+          <a:bodyPr>
+            <a:normAutofit fontScale="92500" lnSpcReduction="10000"/>
+          </a:bodyPr>
+          <a:lstStyle/>
+          <a:p>
+            <a:r>
+              <a:rPr lang="en-US" dirty="0"/>
+              <a:t>run job script to submit your code to a compute node</a:t>
+            </a:r>
+          </a:p>
+          <a:p>
+            <a:pPr lvl="1"/>
+            <a:r>
+              <a:rPr lang="en-US" dirty="0"/>
+              <a:t>currently CAC doesn’t enable inter-node jobs</a:t>
+            </a:r>
+          </a:p>
+          <a:p>
+            <a:pPr marL="0" indent="0" algn="ctr">
+              <a:buNone/>
+            </a:pPr>
+            <a:r>
+              <a:rPr lang="en-US" dirty="0" err="1">
+                <a:latin typeface="Consolas" panose="020B0609020204030204" pitchFamily="49" charset="0"/>
+              </a:rPr>
+              <a:t>sbatch</a:t>
+            </a:r>
+            <a:r>
+              <a:rPr lang="en-US" dirty="0">
+                <a:latin typeface="Consolas" panose="020B0609020204030204" pitchFamily="49" charset="0"/>
+              </a:rPr>
+              <a:t> job.sh</a:t>
+            </a:r>
+          </a:p>
+          <a:p>
+            <a:endParaRPr lang="en-US" dirty="0"/>
+          </a:p>
+          <a:p>
+            <a:r>
+              <a:rPr lang="en-US" dirty="0"/>
+              <a:t>Show status of jobs</a:t>
+            </a:r>
+          </a:p>
+          <a:p>
+            <a:pPr marL="0" indent="0" algn="ctr">
+              <a:buNone/>
+            </a:pPr>
+            <a:r>
+              <a:rPr lang="en-US" dirty="0" err="1">
+                <a:latin typeface="Consolas" panose="020B0609020204030204" pitchFamily="49" charset="0"/>
+              </a:rPr>
+              <a:t>squeue</a:t>
+            </a:r>
+            <a:r>
+              <a:rPr lang="en-US" dirty="0">
+                <a:latin typeface="Consolas" panose="020B0609020204030204" pitchFamily="49" charset="0"/>
+              </a:rPr>
+              <a:t> --job &lt;</a:t>
+            </a:r>
+            <a:r>
+              <a:rPr lang="en-US" dirty="0" err="1">
+                <a:latin typeface="Consolas" panose="020B0609020204030204" pitchFamily="49" charset="0"/>
+              </a:rPr>
+              <a:t>job_id</a:t>
+            </a:r>
+            <a:r>
+              <a:rPr lang="en-US" dirty="0" smtClean="0">
+                <a:latin typeface="Consolas" panose="020B0609020204030204" pitchFamily="49" charset="0"/>
+              </a:rPr>
+              <a:t>&gt;</a:t>
+            </a:r>
+          </a:p>
+          <a:p>
+            <a:pPr marL="0" indent="0" algn="ctr">
+              <a:buNone/>
+            </a:pPr>
+            <a:r>
+              <a:rPr lang="en-US" dirty="0" err="1">
+                <a:latin typeface="Consolas" panose="020B0609020204030204" pitchFamily="49" charset="0"/>
+              </a:rPr>
+              <a:t>s</a:t>
+            </a:r>
+            <a:r>
+              <a:rPr lang="en-US" dirty="0" err="1" smtClean="0">
+                <a:latin typeface="Consolas" panose="020B0609020204030204" pitchFamily="49" charset="0"/>
+              </a:rPr>
+              <a:t>queue</a:t>
+            </a:r>
+            <a:r>
+              <a:rPr lang="en-US" dirty="0" smtClean="0">
+                <a:latin typeface="Consolas" panose="020B0609020204030204" pitchFamily="49" charset="0"/>
+              </a:rPr>
+              <a:t> --user &lt;</a:t>
+            </a:r>
+            <a:r>
+              <a:rPr lang="en-US" dirty="0" err="1" smtClean="0">
+                <a:latin typeface="Consolas" panose="020B0609020204030204" pitchFamily="49" charset="0"/>
+              </a:rPr>
+              <a:t>your_user_name</a:t>
+            </a:r>
+            <a:r>
+              <a:rPr lang="en-US" dirty="0" smtClean="0">
+                <a:latin typeface="Consolas" panose="020B0609020204030204" pitchFamily="49" charset="0"/>
+              </a:rPr>
+              <a:t>&gt;</a:t>
+            </a:r>
+            <a:endParaRPr lang="en-US" dirty="0">
+              <a:latin typeface="Consolas" panose="020B0609020204030204" pitchFamily="49" charset="0"/>
+            </a:endParaRPr>
+          </a:p>
+          <a:p>
+            <a:endParaRPr lang="en-US" dirty="0"/>
+          </a:p>
+          <a:p>
+            <a:r>
+              <a:rPr lang="en-US" dirty="0"/>
+              <a:t>Cancel jobs</a:t>
+            </a:r>
+          </a:p>
+          <a:p>
+            <a:pPr marL="0" indent="0" algn="ctr">
+              <a:buNone/>
+            </a:pPr>
+            <a:r>
+              <a:rPr lang="en-US" dirty="0" err="1">
+                <a:latin typeface="Consolas" panose="020B0609020204030204" pitchFamily="49" charset="0"/>
+              </a:rPr>
+              <a:t>scancel</a:t>
+            </a:r>
+            <a:r>
+              <a:rPr lang="en-US" dirty="0">
+                <a:latin typeface="Consolas" panose="020B0609020204030204" pitchFamily="49" charset="0"/>
+              </a:rPr>
+              <a:t> &lt;</a:t>
+            </a:r>
+            <a:r>
+              <a:rPr lang="en-US" dirty="0" err="1">
+                <a:latin typeface="Consolas" panose="020B0609020204030204" pitchFamily="49" charset="0"/>
+              </a:rPr>
+              <a:t>job_id</a:t>
+            </a:r>
+            <a:r>
+              <a:rPr lang="en-US" dirty="0">
+                <a:latin typeface="Consolas" panose="020B0609020204030204" pitchFamily="49" charset="0"/>
+              </a:rPr>
+              <a:t>&gt;</a:t>
+            </a:r>
+          </a:p>
+        </p:txBody>
+      </p:sp>
+      <p:sp>
+        <p:nvSpPr>
+          <p:cNvPr id="4" name="TextBox 3">
+            <a:extLst>
+              <a:ext uri="{FF2B5EF4-FFF2-40B4-BE49-F238E27FC236}">
+                <a16:creationId xmlns:a16="http://schemas.microsoft.com/office/drawing/2014/main" id="{546A5EAE-86AA-4D3F-820A-B6DE283A44CC}"/>
+              </a:ext>
+            </a:extLst>
+          </p:cNvPr>
+          <p:cNvSpPr txBox="1"/>
+          <p:nvPr/>
+        </p:nvSpPr>
+        <p:spPr>
+          <a:xfrm>
+            <a:off x="884189" y="6308209"/>
+            <a:ext cx="4634089" cy="369332"/>
+          </a:xfrm>
+          <a:prstGeom prst="rect">
+            <a:avLst/>
+          </a:prstGeom>
+          <a:noFill/>
+        </p:spPr>
+        <p:txBody>
+          <a:bodyPr wrap="none" rtlCol="0">
+            <a:spAutoFit/>
+          </a:bodyPr>
+          <a:lstStyle/>
+          <a:p>
+            <a:r>
+              <a:rPr lang="en-US" dirty="0">
+                <a:hlinkClick r:id="rId2"/>
+              </a:rPr>
+              <a:t>https://cac.queensu.ca/wiki/index.php/SLURM</a:t>
+            </a:r>
+            <a:endParaRPr lang="en-US" dirty="0"/>
+          </a:p>
+        </p:txBody>
+      </p:sp>
+    </p:spTree>
+    <p:extLst>
+      <p:ext uri="{BB962C8B-B14F-4D97-AF65-F5344CB8AC3E}">
+        <p14:creationId xmlns:p14="http://schemas.microsoft.com/office/powerpoint/2010/main" val="1968228972"/>
       </p:ext>
     </p:extLst>
   </p:cSld>
